--- a/php-fw7/lesson7a-tv.pptx
+++ b/php-fw7/lesson7a-tv.pptx
@@ -5,10 +5,10 @@
     <p:sldMasterId id="2147484302" r:id="rId1"/>
   </p:sldMasterIdLst>
   <p:notesMasterIdLst>
-    <p:notesMasterId r:id="rId29"/>
+    <p:notesMasterId r:id="rId32"/>
   </p:notesMasterIdLst>
   <p:handoutMasterIdLst>
-    <p:handoutMasterId r:id="rId30"/>
+    <p:handoutMasterId r:id="rId33"/>
   </p:handoutMasterIdLst>
   <p:sldIdLst>
     <p:sldId id="256" r:id="rId2"/>
@@ -19,25 +19,28 @@
     <p:sldId id="408" r:id="rId7"/>
     <p:sldId id="409" r:id="rId8"/>
     <p:sldId id="404" r:id="rId9"/>
-    <p:sldId id="410" r:id="rId10"/>
-    <p:sldId id="411" r:id="rId11"/>
-    <p:sldId id="407" r:id="rId12"/>
-    <p:sldId id="412" r:id="rId13"/>
-    <p:sldId id="406" r:id="rId14"/>
-    <p:sldId id="405" r:id="rId15"/>
-    <p:sldId id="414" r:id="rId16"/>
-    <p:sldId id="415" r:id="rId17"/>
-    <p:sldId id="416" r:id="rId18"/>
-    <p:sldId id="417" r:id="rId19"/>
-    <p:sldId id="418" r:id="rId20"/>
-    <p:sldId id="421" r:id="rId21"/>
-    <p:sldId id="420" r:id="rId22"/>
-    <p:sldId id="422" r:id="rId23"/>
-    <p:sldId id="423" r:id="rId24"/>
-    <p:sldId id="419" r:id="rId25"/>
-    <p:sldId id="424" r:id="rId26"/>
-    <p:sldId id="403" r:id="rId27"/>
-    <p:sldId id="398" r:id="rId28"/>
+    <p:sldId id="426" r:id="rId10"/>
+    <p:sldId id="410" r:id="rId11"/>
+    <p:sldId id="411" r:id="rId12"/>
+    <p:sldId id="427" r:id="rId13"/>
+    <p:sldId id="428" r:id="rId14"/>
+    <p:sldId id="407" r:id="rId15"/>
+    <p:sldId id="412" r:id="rId16"/>
+    <p:sldId id="406" r:id="rId17"/>
+    <p:sldId id="405" r:id="rId18"/>
+    <p:sldId id="414" r:id="rId19"/>
+    <p:sldId id="415" r:id="rId20"/>
+    <p:sldId id="416" r:id="rId21"/>
+    <p:sldId id="424" r:id="rId22"/>
+    <p:sldId id="429" r:id="rId23"/>
+    <p:sldId id="418" r:id="rId24"/>
+    <p:sldId id="430" r:id="rId25"/>
+    <p:sldId id="420" r:id="rId26"/>
+    <p:sldId id="422" r:id="rId27"/>
+    <p:sldId id="423" r:id="rId28"/>
+    <p:sldId id="403" r:id="rId29"/>
+    <p:sldId id="425" r:id="rId30"/>
+    <p:sldId id="398" r:id="rId31"/>
   </p:sldIdLst>
   <p:sldSz cx="9144000" cy="6858000" type="screen4x3"/>
   <p:notesSz cx="6858000" cy="9144000"/>
@@ -168,7 +171,7 @@
   </p:defaultTextStyle>
   <p:extLst>
     <p:ext uri="{EFAFB233-063F-42B5-8137-9DF3F51BA10A}">
-      <p15:sldGuideLst xmlns:p15="http://schemas.microsoft.com/office/powerpoint/2012/main">
+      <p15:sldGuideLst xmlns:p15="http://schemas.microsoft.com/office/powerpoint/2012/main" xmlns="">
         <p15:guide id="1" orient="horz" pos="2160">
           <p15:clr>
             <a:srgbClr val="A4A3A4"/>
@@ -182,7 +185,7 @@
       </p15:sldGuideLst>
     </p:ext>
     <p:ext uri="{2D200454-40CA-4A62-9FC3-DE9A4176ACB9}">
-      <p15:notesGuideLst xmlns:p15="http://schemas.microsoft.com/office/powerpoint/2012/main">
+      <p15:notesGuideLst xmlns:p15="http://schemas.microsoft.com/office/powerpoint/2012/main" xmlns="">
         <p15:guide id="1" orient="horz" pos="2880">
           <p15:clr>
             <a:srgbClr val="A4A3A4"/>
@@ -424,6 +427,11 @@
         </p:txBody>
       </p:sp>
     </p:spTree>
+    <p:extLst>
+      <p:ext uri="{BB962C8B-B14F-4D97-AF65-F5344CB8AC3E}">
+        <p14:creationId xmlns:p14="http://schemas.microsoft.com/office/powerpoint/2010/main" val="415518589"/>
+      </p:ext>
+    </p:extLst>
   </p:cSld>
   <p:clrMap bg1="lt1" tx1="dk1" bg2="lt2" tx2="dk2" accent1="accent1" accent2="accent2" accent3="accent3" accent4="accent4" accent5="accent5" accent6="accent6" hlink="hlink" folHlink="folHlink"/>
 </p:handoutMaster>
@@ -586,7 +594,7 @@
               </a14:hiddenFill>
             </a:ext>
             <a:ext uri="{FAA26D3D-D897-4be2-8F04-BA451C77F1D7}">
-              <ma14:placeholderFlag xmlns:ma14="http://schemas.microsoft.com/office/mac/drawingml/2011/main" val="1"/>
+              <ma14:placeholderFlag xmlns:ma14="http://schemas.microsoft.com/office/mac/drawingml/2011/main" xmlns="" val="1"/>
             </a:ext>
           </a:extLst>
         </p:spPr>
@@ -766,6 +774,11 @@
         </p:txBody>
       </p:sp>
     </p:spTree>
+    <p:extLst>
+      <p:ext uri="{BB962C8B-B14F-4D97-AF65-F5344CB8AC3E}">
+        <p14:creationId xmlns:p14="http://schemas.microsoft.com/office/powerpoint/2010/main" val="3435321553"/>
+      </p:ext>
+    </p:extLst>
   </p:cSld>
   <p:clrMap bg1="lt1" tx1="dk1" bg2="lt2" tx2="dk2" accent1="accent1" accent2="accent2" accent3="accent3" accent4="accent4" accent5="accent5" accent6="accent6" hlink="hlink" folHlink="folHlink"/>
   <p:notesStyle>
@@ -1123,7 +1136,7 @@
               </a14:hiddenLine>
             </a:ext>
             <a:ext uri="{FAA26D3D-D897-4be2-8F04-BA451C77F1D7}">
-              <ma14:placeholderFlag xmlns:ma14="http://schemas.microsoft.com/office/mac/drawingml/2011/main" val="1"/>
+              <ma14:placeholderFlag xmlns:ma14="http://schemas.microsoft.com/office/mac/drawingml/2011/main" xmlns="" val="1"/>
             </a:ext>
           </a:extLst>
         </p:spPr>
@@ -1321,7 +1334,7 @@
                   <a:spcPct val="0"/>
                 </a:spcBef>
               </a:pPr>
-              <a:t>27</a:t>
+              <a:t>30</a:t>
             </a:fld>
             <a:endParaRPr kumimoji="0" lang="en-US" altLang="zh-TW"/>
           </a:p>
@@ -1373,7 +1386,7 @@
               </a14:hiddenLine>
             </a:ext>
             <a:ext uri="{FAA26D3D-D897-4be2-8F04-BA451C77F1D7}">
-              <ma14:placeholderFlag xmlns:ma14="http://schemas.microsoft.com/office/mac/drawingml/2011/main" val="1"/>
+              <ma14:placeholderFlag xmlns:ma14="http://schemas.microsoft.com/office/mac/drawingml/2011/main" xmlns="" val="1"/>
             </a:ext>
           </a:extLst>
         </p:spPr>
@@ -7467,7 +7480,7 @@
               </a14:hiddenLine>
             </a:ext>
             <a:ext uri="{FAA26D3D-D897-4be2-8F04-BA451C77F1D7}">
-              <ma14:placeholderFlag xmlns:ma14="http://schemas.microsoft.com/office/mac/drawingml/2011/main" val="1"/>
+              <ma14:placeholderFlag xmlns:ma14="http://schemas.microsoft.com/office/mac/drawingml/2011/main" xmlns="" val="1"/>
             </a:ext>
           </a:extLst>
         </p:spPr>
@@ -7528,7 +7541,7 @@
               </a14:hiddenLine>
             </a:ext>
             <a:ext uri="{FAA26D3D-D897-4be2-8F04-BA451C77F1D7}">
-              <ma14:placeholderFlag xmlns:ma14="http://schemas.microsoft.com/office/mac/drawingml/2011/main" val="1"/>
+              <ma14:placeholderFlag xmlns:ma14="http://schemas.microsoft.com/office/mac/drawingml/2011/main" xmlns="" val="1"/>
             </a:ext>
           </a:extLst>
         </p:spPr>
@@ -8456,7 +8469,7 @@
       </p:grpSpPr>
       <p:sp>
         <p:nvSpPr>
-          <p:cNvPr id="22530" name="Title 1"/>
+          <p:cNvPr id="24578" name="Title 1"/>
           <p:cNvSpPr>
             <a:spLocks noGrp="1"/>
           </p:cNvSpPr>
@@ -8470,16 +8483,16 @@
           <a:lstStyle/>
           <a:p>
             <a:r>
-              <a:rPr lang="en-US" altLang="en-US" smtClean="0"/>
-              <a:t>Constructor</a:t>
-            </a:r>
-            <a:endParaRPr lang="en-US" altLang="en-US"/>
-          </a:p>
-        </p:txBody>
-      </p:sp>
-      <p:sp>
-        <p:nvSpPr>
-          <p:cNvPr id="22531" name="Content Placeholder 2"/>
+              <a:rPr lang="en-US" altLang="en-US" dirty="0" smtClean="0"/>
+              <a:t>Property</a:t>
+            </a:r>
+            <a:endParaRPr lang="en-US" altLang="en-US" dirty="0"/>
+          </a:p>
+        </p:txBody>
+      </p:sp>
+      <p:sp>
+        <p:nvSpPr>
+          <p:cNvPr id="24579" name="Content Placeholder 2"/>
           <p:cNvSpPr>
             <a:spLocks noGrp="1"/>
           </p:cNvSpPr>
@@ -8494,14 +8507,43 @@
           <a:p>
             <a:r>
               <a:rPr lang="en-US" altLang="zh-TW" dirty="0" smtClean="0"/>
-              <a:t>Initialization in a class is called constructor.  It is defined by creating a method that named </a:t>
-            </a:r>
-            <a:br>
+              <a:t>Variable in an object is called property</a:t>
+            </a:r>
+          </a:p>
+          <a:p>
+            <a:r>
               <a:rPr lang="en-US" altLang="zh-TW" dirty="0" smtClean="0"/>
-            </a:br>
+              <a:t>Properties can be declared with </a:t>
+            </a:r>
+            <a:r>
+              <a:rPr lang="en-US" altLang="zh-TW" dirty="0" err="1" smtClean="0"/>
+              <a:t>var</a:t>
+            </a:r>
             <a:r>
               <a:rPr lang="en-US" altLang="zh-TW" dirty="0" smtClean="0"/>
-              <a:t>function _ _constructor(){}</a:t>
+              <a:t> $</a:t>
+            </a:r>
+            <a:r>
+              <a:rPr lang="en-US" altLang="zh-TW" dirty="0" err="1" smtClean="0"/>
+              <a:t>var</a:t>
+            </a:r>
+            <a:r>
+              <a:rPr lang="en-US" altLang="zh-TW" dirty="0" smtClean="0"/>
+              <a:t>;</a:t>
+            </a:r>
+          </a:p>
+          <a:p>
+            <a:r>
+              <a:rPr lang="en-US" altLang="zh-TW" dirty="0" smtClean="0"/>
+              <a:t>Set variable to the class by $this-&gt;</a:t>
+            </a:r>
+            <a:r>
+              <a:rPr lang="en-US" altLang="zh-TW" dirty="0" err="1" smtClean="0"/>
+              <a:t>var</a:t>
+            </a:r>
+            <a:r>
+              <a:rPr lang="en-US" altLang="zh-TW" dirty="0" smtClean="0"/>
+              <a:t> = value;</a:t>
             </a:r>
           </a:p>
           <a:p>
@@ -8509,6 +8551,7 @@
               <a:rPr lang="en-US" altLang="zh-TW" dirty="0" smtClean="0"/>
               <a:t>tv05.php</a:t>
             </a:r>
+            <a:endParaRPr lang="en-US" altLang="zh-TW" dirty="0" smtClean="0"/>
           </a:p>
           <a:p>
             <a:endParaRPr lang="en-US" altLang="zh-TW" dirty="0"/>
@@ -8518,7 +8561,7 @@
     </p:spTree>
     <p:extLst>
       <p:ext uri="{BB962C8B-B14F-4D97-AF65-F5344CB8AC3E}">
-        <p14:creationId xmlns:p14="http://schemas.microsoft.com/office/powerpoint/2010/main" val="1301464607"/>
+        <p14:creationId xmlns:p14="http://schemas.microsoft.com/office/powerpoint/2010/main" val="150211293"/>
       </p:ext>
     </p:extLst>
   </p:cSld>
@@ -8555,7 +8598,7 @@
       </p:grpSpPr>
       <p:sp>
         <p:nvSpPr>
-          <p:cNvPr id="2" name="Title 1"/>
+          <p:cNvPr id="22530" name="Title 1"/>
           <p:cNvSpPr>
             <a:spLocks noGrp="1"/>
           </p:cNvSpPr>
@@ -8569,21 +8612,21 @@
           <a:lstStyle/>
           <a:p>
             <a:r>
-              <a:rPr lang="en-US" dirty="0" smtClean="0"/>
-              <a:t>Classwork</a:t>
-            </a:r>
-            <a:endParaRPr lang="en-US" dirty="0"/>
-          </a:p>
-        </p:txBody>
-      </p:sp>
-      <p:sp>
-        <p:nvSpPr>
-          <p:cNvPr id="3" name="Content Placeholder 2"/>
-          <p:cNvSpPr>
-            <a:spLocks noGrp="1"/>
-          </p:cNvSpPr>
-          <p:nvPr>
-            <p:ph idx="1"/>
+              <a:rPr lang="en-US" altLang="en-US" smtClean="0"/>
+              <a:t>Constructor</a:t>
+            </a:r>
+            <a:endParaRPr lang="en-US" altLang="en-US"/>
+          </a:p>
+        </p:txBody>
+      </p:sp>
+      <p:sp>
+        <p:nvSpPr>
+          <p:cNvPr id="22531" name="Content Placeholder 2"/>
+          <p:cNvSpPr>
+            <a:spLocks noGrp="1"/>
+          </p:cNvSpPr>
+          <p:nvPr>
+            <p:ph sz="quarter" idx="1"/>
           </p:nvPr>
         </p:nvSpPr>
         <p:spPr/>
@@ -8592,65 +8635,46 @@
           <a:lstStyle/>
           <a:p>
             <a:r>
-              <a:rPr lang="en-US" dirty="0" smtClean="0"/>
-              <a:t>Now Philips ask you to create a new TV for 32”.</a:t>
-            </a:r>
-          </a:p>
-          <a:p>
-            <a:r>
-              <a:rPr lang="en-US" dirty="0" smtClean="0"/>
-              <a:t>Test </a:t>
-            </a:r>
-            <a:r>
-              <a:rPr lang="en-US" dirty="0" err="1" smtClean="0"/>
-              <a:t>turnOn</a:t>
-            </a:r>
-            <a:r>
-              <a:rPr lang="en-US" dirty="0" smtClean="0"/>
-              <a:t>, </a:t>
-            </a:r>
-            <a:r>
-              <a:rPr lang="en-US" dirty="0" err="1" smtClean="0"/>
-              <a:t>turnOff</a:t>
-            </a:r>
-            <a:r>
-              <a:rPr lang="en-US" dirty="0" smtClean="0"/>
-              <a:t>, </a:t>
-            </a:r>
-            <a:r>
-              <a:rPr lang="en-US" dirty="0" err="1" smtClean="0"/>
-              <a:t>getPlug</a:t>
-            </a:r>
-            <a:r>
-              <a:rPr lang="en-US" dirty="0" smtClean="0"/>
-              <a:t> methods</a:t>
-            </a:r>
-          </a:p>
-          <a:p>
-            <a:r>
-              <a:rPr lang="en-US" dirty="0" smtClean="0"/>
-              <a:t>Tell me the size of Philips.</a:t>
-            </a:r>
-          </a:p>
-          <a:p>
-            <a:r>
-              <a:rPr lang="en-US" dirty="0" smtClean="0"/>
-              <a:t>tv06.php</a:t>
-            </a:r>
-            <a:endParaRPr lang="en-US" dirty="0"/>
+              <a:rPr lang="en-US" altLang="zh-TW" dirty="0" smtClean="0"/>
+              <a:t>Initialization in a class is called constructor.  It is defined by creating a method that named </a:t>
+            </a:r>
+            <a:br>
+              <a:rPr lang="en-US" altLang="zh-TW" dirty="0" smtClean="0"/>
+            </a:br>
+            <a:r>
+              <a:rPr lang="en-US" altLang="zh-TW" dirty="0" smtClean="0"/>
+              <a:t>function _ _constructor(){}</a:t>
+            </a:r>
+          </a:p>
+          <a:p>
+            <a:r>
+              <a:rPr lang="en-US" altLang="zh-TW" dirty="0" smtClean="0"/>
+              <a:t>tv05.php</a:t>
+            </a:r>
+          </a:p>
+          <a:p>
+            <a:endParaRPr lang="en-US" altLang="zh-TW" dirty="0"/>
           </a:p>
         </p:txBody>
       </p:sp>
     </p:spTree>
     <p:extLst>
       <p:ext uri="{BB962C8B-B14F-4D97-AF65-F5344CB8AC3E}">
-        <p14:creationId xmlns:p14="http://schemas.microsoft.com/office/powerpoint/2010/main" val="1008490185"/>
+        <p14:creationId xmlns:p14="http://schemas.microsoft.com/office/powerpoint/2010/main" val="1301464607"/>
       </p:ext>
     </p:extLst>
   </p:cSld>
   <p:clrMapOvr>
     <a:masterClrMapping/>
   </p:clrMapOvr>
+  <mc:AlternateContent xmlns:mc="http://schemas.openxmlformats.org/markup-compatibility/2006" xmlns:p14="http://schemas.microsoft.com/office/powerpoint/2010/main">
+    <mc:Choice Requires="p14">
+      <p:transition spd="slow" p14:dur="2000"/>
+    </mc:Choice>
+    <mc:Fallback xmlns="">
+      <p:transition spd="slow"/>
+    </mc:Fallback>
+  </mc:AlternateContent>
 </p:sld>
 </file>
 
@@ -8673,7 +8697,7 @@
       </p:grpSpPr>
       <p:sp>
         <p:nvSpPr>
-          <p:cNvPr id="2" name="Title 1"/>
+          <p:cNvPr id="22530" name="Title 1"/>
           <p:cNvSpPr>
             <a:spLocks noGrp="1"/>
           </p:cNvSpPr>
@@ -8687,21 +8711,21 @@
           <a:lstStyle/>
           <a:p>
             <a:r>
-              <a:rPr lang="en-US" dirty="0" smtClean="0"/>
-              <a:t>Classwork</a:t>
-            </a:r>
-            <a:endParaRPr lang="en-US" dirty="0"/>
-          </a:p>
-        </p:txBody>
-      </p:sp>
-      <p:sp>
-        <p:nvSpPr>
-          <p:cNvPr id="3" name="Content Placeholder 2"/>
-          <p:cNvSpPr>
-            <a:spLocks noGrp="1"/>
-          </p:cNvSpPr>
-          <p:nvPr>
-            <p:ph idx="1"/>
+              <a:rPr lang="en-US" altLang="en-US" smtClean="0"/>
+              <a:t>Constructor</a:t>
+            </a:r>
+            <a:endParaRPr lang="en-US" altLang="en-US"/>
+          </a:p>
+        </p:txBody>
+      </p:sp>
+      <p:sp>
+        <p:nvSpPr>
+          <p:cNvPr id="22531" name="Content Placeholder 2"/>
+          <p:cNvSpPr>
+            <a:spLocks noGrp="1"/>
+          </p:cNvSpPr>
+          <p:nvPr>
+            <p:ph sz="quarter" idx="1"/>
           </p:nvPr>
         </p:nvSpPr>
         <p:spPr/>
@@ -8710,41 +8734,58 @@
           <a:lstStyle/>
           <a:p>
             <a:r>
-              <a:rPr lang="en-US" dirty="0" smtClean="0"/>
-              <a:t>Your boss want to add a new “color” property for each TV.</a:t>
-            </a:r>
-          </a:p>
-          <a:p>
-            <a:r>
-              <a:rPr lang="en-US" dirty="0" smtClean="0"/>
-              <a:t>Both Sony and Philips is “black”.</a:t>
-            </a:r>
-          </a:p>
-          <a:p>
-            <a:r>
-              <a:rPr lang="en-US" dirty="0" smtClean="0"/>
-              <a:t>Show us each TV color</a:t>
-            </a:r>
-          </a:p>
-          <a:p>
-            <a:r>
-              <a:rPr lang="en-US" dirty="0" smtClean="0"/>
-              <a:t>tv07.php</a:t>
-            </a:r>
-            <a:endParaRPr lang="en-US" dirty="0"/>
+              <a:rPr lang="en-US" altLang="zh-TW" dirty="0" smtClean="0"/>
+              <a:t>Initialization in a class is called constructor.  It is defined by creating a method that named </a:t>
+            </a:r>
+            <a:br>
+              <a:rPr lang="en-US" altLang="zh-TW" dirty="0" smtClean="0"/>
+            </a:br>
+            <a:r>
+              <a:rPr lang="en-US" altLang="zh-TW" dirty="0" smtClean="0"/>
+              <a:t>function _ _constructor</a:t>
+            </a:r>
+            <a:r>
+              <a:rPr lang="en-US" altLang="zh-TW" dirty="0" smtClean="0"/>
+              <a:t>(){}</a:t>
+            </a:r>
+          </a:p>
+          <a:p>
+            <a:r>
+              <a:rPr lang="en-US" altLang="zh-TW" dirty="0" smtClean="0"/>
+              <a:t>We need to know the size before we make a TV.</a:t>
+            </a:r>
+            <a:endParaRPr lang="en-US" altLang="zh-TW" dirty="0" smtClean="0"/>
+          </a:p>
+          <a:p>
+            <a:r>
+              <a:rPr lang="en-US" altLang="zh-TW" dirty="0" smtClean="0"/>
+              <a:t>tv06.php</a:t>
+            </a:r>
+            <a:endParaRPr lang="en-US" altLang="zh-TW" dirty="0" smtClean="0"/>
+          </a:p>
+          <a:p>
+            <a:endParaRPr lang="en-US" altLang="zh-TW" dirty="0"/>
           </a:p>
         </p:txBody>
       </p:sp>
     </p:spTree>
     <p:extLst>
       <p:ext uri="{BB962C8B-B14F-4D97-AF65-F5344CB8AC3E}">
-        <p14:creationId xmlns:p14="http://schemas.microsoft.com/office/powerpoint/2010/main" val="809839459"/>
+        <p14:creationId xmlns:p14="http://schemas.microsoft.com/office/powerpoint/2010/main" val="2951007145"/>
       </p:ext>
     </p:extLst>
   </p:cSld>
   <p:clrMapOvr>
     <a:masterClrMapping/>
   </p:clrMapOvr>
+  <mc:AlternateContent xmlns:mc="http://schemas.openxmlformats.org/markup-compatibility/2006" xmlns:p14="http://schemas.microsoft.com/office/powerpoint/2010/main">
+    <mc:Choice Requires="p14">
+      <p:transition spd="slow" p14:dur="2000"/>
+    </mc:Choice>
+    <mc:Fallback xmlns="">
+      <p:transition spd="slow"/>
+    </mc:Fallback>
+  </mc:AlternateContent>
 </p:sld>
 </file>
 
@@ -8767,7 +8808,7 @@
       </p:grpSpPr>
       <p:sp>
         <p:nvSpPr>
-          <p:cNvPr id="2" name="Title 1"/>
+          <p:cNvPr id="22530" name="Title 1"/>
           <p:cNvSpPr>
             <a:spLocks noGrp="1"/>
           </p:cNvSpPr>
@@ -8781,16 +8822,16 @@
           <a:lstStyle/>
           <a:p>
             <a:r>
-              <a:rPr lang="en-US" altLang="en-US" dirty="0"/>
-              <a:t>Inheritance</a:t>
-            </a:r>
-            <a:endParaRPr lang="en-US" dirty="0"/>
-          </a:p>
-        </p:txBody>
-      </p:sp>
-      <p:sp>
-        <p:nvSpPr>
-          <p:cNvPr id="17411" name="Content Placeholder 2"/>
+              <a:rPr lang="en-US" altLang="en-US" smtClean="0"/>
+              <a:t>Constructor</a:t>
+            </a:r>
+            <a:endParaRPr lang="en-US" altLang="en-US"/>
+          </a:p>
+        </p:txBody>
+      </p:sp>
+      <p:sp>
+        <p:nvSpPr>
+          <p:cNvPr id="22531" name="Content Placeholder 2"/>
           <p:cNvSpPr>
             <a:spLocks noGrp="1"/>
           </p:cNvSpPr>
@@ -8804,57 +8845,32 @@
           <a:lstStyle/>
           <a:p>
             <a:r>
-              <a:rPr lang="en-US" altLang="en-US" dirty="0"/>
-              <a:t>Inheritance is based around the concept of parent classes and child </a:t>
-            </a:r>
-            <a:r>
-              <a:rPr lang="en-US" altLang="en-US" dirty="0" smtClean="0"/>
-              <a:t>classes</a:t>
-            </a:r>
-          </a:p>
-          <a:p>
-            <a:r>
-              <a:rPr lang="en-US" altLang="en-US" dirty="0"/>
-              <a:t>When you create a child class, it inherits all the properties and methods of the parent. The child class can then include additional properties and methods, thereby extending the functionality of the parent class</a:t>
-            </a:r>
-            <a:r>
-              <a:rPr lang="en-US" altLang="en-US" dirty="0" smtClean="0"/>
-              <a:t>. </a:t>
-            </a:r>
-          </a:p>
-          <a:p>
-            <a:r>
-              <a:rPr lang="en-US" altLang="en-US" dirty="0" err="1" smtClean="0"/>
-              <a:t>Dragonball</a:t>
-            </a:r>
-            <a:r>
-              <a:rPr lang="en-US" altLang="en-US" dirty="0" smtClean="0"/>
-              <a:t> example</a:t>
-            </a:r>
-          </a:p>
-          <a:p>
-            <a:r>
-              <a:rPr lang="en-US" altLang="en-US" dirty="0" smtClean="0"/>
-              <a:t>EG. LCD </a:t>
-            </a:r>
-            <a:r>
-              <a:rPr lang="en-US" altLang="en-US" dirty="0"/>
-              <a:t>is a kind of </a:t>
-            </a:r>
-            <a:r>
-              <a:rPr lang="en-US" altLang="en-US" dirty="0" smtClean="0"/>
-              <a:t>TV.  LCD can do everything TV can do.</a:t>
-            </a:r>
-          </a:p>
-          <a:p>
-            <a:endParaRPr lang="en-US" altLang="en-US" dirty="0"/>
+              <a:rPr lang="en-US" altLang="zh-TW" dirty="0" smtClean="0"/>
+              <a:t>How to add 2 variables to constructor?</a:t>
+            </a:r>
+          </a:p>
+          <a:p>
+            <a:r>
+              <a:rPr lang="en-US" altLang="zh-TW" dirty="0" smtClean="0"/>
+              <a:t>We also need to know the brand name.</a:t>
+            </a:r>
+          </a:p>
+          <a:p>
+            <a:r>
+              <a:rPr lang="en-US" altLang="zh-TW" dirty="0" smtClean="0"/>
+              <a:t>tv07.php</a:t>
+            </a:r>
+            <a:endParaRPr lang="en-US" altLang="zh-TW" dirty="0" smtClean="0"/>
+          </a:p>
+          <a:p>
+            <a:endParaRPr lang="en-US" altLang="zh-TW" dirty="0"/>
           </a:p>
         </p:txBody>
       </p:sp>
     </p:spTree>
     <p:extLst>
       <p:ext uri="{BB962C8B-B14F-4D97-AF65-F5344CB8AC3E}">
-        <p14:creationId xmlns:p14="http://schemas.microsoft.com/office/powerpoint/2010/main" val="2114926474"/>
+        <p14:creationId xmlns:p14="http://schemas.microsoft.com/office/powerpoint/2010/main" val="2296846616"/>
       </p:ext>
     </p:extLst>
   </p:cSld>
@@ -8906,7 +8922,7 @@
           <a:p>
             <a:r>
               <a:rPr lang="en-US" dirty="0" smtClean="0"/>
-              <a:t>Inheritance</a:t>
+              <a:t>Classwork</a:t>
             </a:r>
             <a:endParaRPr lang="en-US" dirty="0"/>
           </a:p>
@@ -8928,48 +8944,72 @@
           <a:lstStyle/>
           <a:p>
             <a:r>
-              <a:rPr lang="en-US" dirty="0"/>
-              <a:t>class </a:t>
-            </a:r>
-            <a:r>
-              <a:rPr lang="en-US" dirty="0" err="1"/>
-              <a:t>ChildClass</a:t>
-            </a:r>
-            <a:r>
-              <a:rPr lang="en-US" dirty="0"/>
-              <a:t> extends </a:t>
-            </a:r>
-            <a:r>
-              <a:rPr lang="en-US" dirty="0" err="1"/>
-              <a:t>ParentClass</a:t>
-            </a:r>
-            <a:r>
-              <a:rPr lang="en-US" dirty="0"/>
+              <a:rPr lang="en-US" dirty="0" smtClean="0"/>
+              <a:t>Now Philips ask you to create a new TV for 32”.</a:t>
+            </a:r>
+          </a:p>
+          <a:p>
+            <a:r>
+              <a:rPr lang="en-US" dirty="0" smtClean="0"/>
+              <a:t>Test </a:t>
+            </a:r>
+            <a:r>
+              <a:rPr lang="en-US" dirty="0" err="1" smtClean="0"/>
+              <a:t>getName</a:t>
+            </a:r>
+            <a:r>
+              <a:rPr lang="en-US" dirty="0" smtClean="0"/>
+              <a:t>, </a:t>
+            </a:r>
+            <a:r>
+              <a:rPr lang="en-US" dirty="0" err="1" smtClean="0"/>
+              <a:t>turnOn</a:t>
+            </a:r>
+            <a:r>
+              <a:rPr lang="en-US" dirty="0" smtClean="0"/>
+              <a:t>, </a:t>
+            </a:r>
+            <a:r>
+              <a:rPr lang="en-US" dirty="0" err="1" smtClean="0"/>
+              <a:t>turnOff</a:t>
+            </a:r>
+            <a:r>
+              <a:rPr lang="en-US" dirty="0" smtClean="0"/>
+              <a:t>, </a:t>
+            </a:r>
+            <a:r>
+              <a:rPr lang="en-US" dirty="0" err="1" smtClean="0"/>
+              <a:t>volumeUp</a:t>
+            </a:r>
+            <a:r>
+              <a:rPr lang="en-US" dirty="0" smtClean="0"/>
+              <a:t>, </a:t>
+            </a:r>
+            <a:r>
+              <a:rPr lang="en-US" dirty="0" err="1" smtClean="0"/>
+              <a:t>volumeDown</a:t>
+            </a:r>
+            <a:r>
+              <a:rPr lang="en-US" dirty="0" smtClean="0"/>
+              <a:t>, </a:t>
+            </a:r>
+            <a:r>
+              <a:rPr lang="en-US" dirty="0" err="1" smtClean="0"/>
+              <a:t>getPlug</a:t>
+            </a:r>
+            <a:r>
+              <a:rPr lang="en-US" dirty="0" smtClean="0"/>
               <a:t> </a:t>
             </a:r>
             <a:r>
               <a:rPr lang="en-US" dirty="0" smtClean="0"/>
-              <a:t>{</a:t>
+              <a:t>methods</a:t>
             </a:r>
           </a:p>
           <a:p>
             <a:r>
               <a:rPr lang="en-US" dirty="0" smtClean="0"/>
-              <a:t>}</a:t>
-            </a:r>
-          </a:p>
-          <a:p>
-            <a:r>
-              <a:rPr lang="en-US" dirty="0" smtClean="0"/>
-              <a:t>$</a:t>
-            </a:r>
-            <a:r>
-              <a:rPr lang="en-US" dirty="0" err="1" smtClean="0"/>
-              <a:t>samsung</a:t>
-            </a:r>
-            <a:r>
-              <a:rPr lang="en-US" dirty="0" smtClean="0"/>
-              <a:t>=new LCD();</a:t>
+              <a:t>Tell me the size of Philips.</a:t>
             </a:r>
           </a:p>
           <a:p>
@@ -8984,7 +9024,7 @@
     </p:spTree>
     <p:extLst>
       <p:ext uri="{BB962C8B-B14F-4D97-AF65-F5344CB8AC3E}">
-        <p14:creationId xmlns:p14="http://schemas.microsoft.com/office/powerpoint/2010/main" val="894975402"/>
+        <p14:creationId xmlns:p14="http://schemas.microsoft.com/office/powerpoint/2010/main" val="1008490185"/>
       </p:ext>
     </p:extLst>
   </p:cSld>
@@ -9028,7 +9068,7 @@
           <a:p>
             <a:r>
               <a:rPr lang="en-US" dirty="0" smtClean="0"/>
-              <a:t>Over parent</a:t>
+              <a:t>Classwork</a:t>
             </a:r>
             <a:endParaRPr lang="en-US" dirty="0"/>
           </a:p>
@@ -9051,13 +9091,27 @@
           <a:p>
             <a:r>
               <a:rPr lang="en-US" dirty="0" smtClean="0"/>
-              <a:t>Child class can have new methods which parent class does not have.</a:t>
+              <a:t>Your boss want to add a new “color” property for each TV.</a:t>
             </a:r>
           </a:p>
           <a:p>
             <a:r>
               <a:rPr lang="en-US" dirty="0" smtClean="0"/>
-              <a:t>EG. New iPhone has new function that more than old iPhone.</a:t>
+              <a:t>Both Sony </a:t>
+            </a:r>
+            <a:r>
+              <a:rPr lang="en-US" dirty="0"/>
+              <a:t>is “</a:t>
+            </a:r>
+            <a:r>
+              <a:rPr lang="en-US" dirty="0" smtClean="0"/>
+              <a:t>black” and Philips is “silver”.</a:t>
+            </a:r>
+          </a:p>
+          <a:p>
+            <a:r>
+              <a:rPr lang="en-US" dirty="0" smtClean="0"/>
+              <a:t>Show us each TV color</a:t>
             </a:r>
           </a:p>
           <a:p>
@@ -9072,7 +9126,7 @@
     </p:spTree>
     <p:extLst>
       <p:ext uri="{BB962C8B-B14F-4D97-AF65-F5344CB8AC3E}">
-        <p14:creationId xmlns:p14="http://schemas.microsoft.com/office/powerpoint/2010/main" val="1691741302"/>
+        <p14:creationId xmlns:p14="http://schemas.microsoft.com/office/powerpoint/2010/main" val="809839459"/>
       </p:ext>
     </p:extLst>
   </p:cSld>
@@ -9115,8 +9169,8 @@
           <a:lstStyle/>
           <a:p>
             <a:r>
-              <a:rPr lang="en-US" dirty="0" smtClean="0"/>
-              <a:t>Classwork</a:t>
+              <a:rPr lang="en-US" altLang="en-US" dirty="0"/>
+              <a:t>Inheritance</a:t>
             </a:r>
             <a:endParaRPr lang="en-US" dirty="0"/>
           </a:p>
@@ -9124,12 +9178,12 @@
       </p:sp>
       <p:sp>
         <p:nvSpPr>
-          <p:cNvPr id="3" name="Content Placeholder 2"/>
-          <p:cNvSpPr>
-            <a:spLocks noGrp="1"/>
-          </p:cNvSpPr>
-          <p:nvPr>
-            <p:ph idx="1"/>
+          <p:cNvPr id="17411" name="Content Placeholder 2"/>
+          <p:cNvSpPr>
+            <a:spLocks noGrp="1"/>
+          </p:cNvSpPr>
+          <p:nvPr>
+            <p:ph sz="quarter" idx="1"/>
           </p:nvPr>
         </p:nvSpPr>
         <p:spPr/>
@@ -9138,37 +9192,71 @@
           <a:lstStyle/>
           <a:p>
             <a:r>
-              <a:rPr lang="en-US" dirty="0" smtClean="0"/>
-              <a:t>Add </a:t>
-            </a:r>
-            <a:r>
-              <a:rPr lang="en-US" dirty="0" err="1" smtClean="0"/>
-              <a:t>dolbyOff</a:t>
-            </a:r>
-            <a:r>
-              <a:rPr lang="en-US" dirty="0" smtClean="0"/>
-              <a:t> method</a:t>
-            </a:r>
-          </a:p>
-          <a:p>
-            <a:r>
-              <a:rPr lang="en-US" dirty="0" smtClean="0"/>
-              <a:t>tv10.php</a:t>
-            </a:r>
-            <a:endParaRPr lang="en-US" dirty="0"/>
+              <a:rPr lang="en-US" altLang="en-US" dirty="0"/>
+              <a:t>Inheritance is based around the concept of parent classes and child </a:t>
+            </a:r>
+            <a:r>
+              <a:rPr lang="en-US" altLang="en-US" dirty="0" smtClean="0"/>
+              <a:t>classes</a:t>
+            </a:r>
+          </a:p>
+          <a:p>
+            <a:r>
+              <a:rPr lang="en-US" altLang="en-US" dirty="0"/>
+              <a:t>When you create a child class, it inherits all the properties and methods of the parent. The child class can then include additional properties and methods, thereby extending the functionality of the parent class</a:t>
+            </a:r>
+            <a:r>
+              <a:rPr lang="en-US" altLang="en-US" dirty="0" smtClean="0"/>
+              <a:t>. </a:t>
+            </a:r>
+          </a:p>
+          <a:p>
+            <a:r>
+              <a:rPr lang="en-US" altLang="en-US" dirty="0" err="1" smtClean="0"/>
+              <a:t>Dragonball</a:t>
+            </a:r>
+            <a:r>
+              <a:rPr lang="en-US" altLang="en-US" dirty="0" smtClean="0"/>
+              <a:t> example</a:t>
+            </a:r>
+          </a:p>
+          <a:p>
+            <a:r>
+              <a:rPr lang="en-US" altLang="en-US" dirty="0" smtClean="0"/>
+              <a:t>EG. LCD </a:t>
+            </a:r>
+            <a:r>
+              <a:rPr lang="en-US" altLang="en-US" dirty="0"/>
+              <a:t>is a kind of </a:t>
+            </a:r>
+            <a:r>
+              <a:rPr lang="en-US" altLang="en-US" dirty="0" smtClean="0"/>
+              <a:t>TV.  LCD can do everything TV can do.</a:t>
+            </a:r>
+          </a:p>
+          <a:p>
+            <a:endParaRPr lang="en-US" altLang="en-US" dirty="0"/>
           </a:p>
         </p:txBody>
       </p:sp>
     </p:spTree>
     <p:extLst>
       <p:ext uri="{BB962C8B-B14F-4D97-AF65-F5344CB8AC3E}">
-        <p14:creationId xmlns:p14="http://schemas.microsoft.com/office/powerpoint/2010/main" val="84485564"/>
+        <p14:creationId xmlns:p14="http://schemas.microsoft.com/office/powerpoint/2010/main" val="2114926474"/>
       </p:ext>
     </p:extLst>
   </p:cSld>
   <p:clrMapOvr>
     <a:masterClrMapping/>
   </p:clrMapOvr>
+  <mc:AlternateContent xmlns:mc="http://schemas.openxmlformats.org/markup-compatibility/2006" xmlns:p14="http://schemas.microsoft.com/office/powerpoint/2010/main">
+    <mc:Choice Requires="p14">
+      <p:transition spd="slow" p14:dur="2000"/>
+    </mc:Choice>
+    <mc:Fallback xmlns="">
+      <p:transition spd="slow"/>
+    </mc:Fallback>
+  </mc:AlternateContent>
 </p:sld>
 </file>
 
@@ -9206,7 +9294,7 @@
           <a:p>
             <a:r>
               <a:rPr lang="en-US" dirty="0" smtClean="0"/>
-              <a:t>Parent method</a:t>
+              <a:t>Inheritance</a:t>
             </a:r>
             <a:endParaRPr lang="en-US" dirty="0"/>
           </a:p>
@@ -9228,28 +9316,54 @@
           <a:lstStyle/>
           <a:p>
             <a:r>
+              <a:rPr lang="en-US" dirty="0"/>
+              <a:t>class </a:t>
+            </a:r>
+            <a:r>
+              <a:rPr lang="en-US" dirty="0" err="1"/>
+              <a:t>ChildClass</a:t>
+            </a:r>
+            <a:r>
+              <a:rPr lang="en-US" dirty="0"/>
+              <a:t> extends </a:t>
+            </a:r>
+            <a:r>
+              <a:rPr lang="en-US" dirty="0" err="1"/>
+              <a:t>ParentClass</a:t>
+            </a:r>
+            <a:r>
+              <a:rPr lang="en-US" dirty="0"/>
+              <a:t> </a:t>
+            </a:r>
+            <a:r>
               <a:rPr lang="en-US" dirty="0" smtClean="0"/>
-              <a:t>You may use methods from Parent class</a:t>
+              <a:t>{</a:t>
             </a:r>
           </a:p>
           <a:p>
             <a:r>
               <a:rPr lang="en-US" dirty="0" smtClean="0"/>
-              <a:t>parent::</a:t>
+              <a:t>}</a:t>
+            </a:r>
+          </a:p>
+          <a:p>
+            <a:r>
+              <a:rPr lang="en-US" dirty="0" smtClean="0"/>
+              <a:t>$</a:t>
             </a:r>
             <a:r>
               <a:rPr lang="en-US" dirty="0" err="1" smtClean="0"/>
-              <a:t>turnOff</a:t>
+              <a:t>samsung</a:t>
             </a:r>
             <a:r>
               <a:rPr lang="en-US" dirty="0" smtClean="0"/>
-              <a:t>()</a:t>
+              <a:t>=new LCD();</a:t>
             </a:r>
           </a:p>
           <a:p>
             <a:r>
               <a:rPr lang="en-US" dirty="0" smtClean="0"/>
-              <a:t>tv11.php</a:t>
+              <a:t>tv21.php</a:t>
             </a:r>
             <a:endParaRPr lang="en-US" dirty="0"/>
           </a:p>
@@ -9258,7 +9372,7 @@
     </p:spTree>
     <p:extLst>
       <p:ext uri="{BB962C8B-B14F-4D97-AF65-F5344CB8AC3E}">
-        <p14:creationId xmlns:p14="http://schemas.microsoft.com/office/powerpoint/2010/main" val="1031552644"/>
+        <p14:creationId xmlns:p14="http://schemas.microsoft.com/office/powerpoint/2010/main" val="894975402"/>
       </p:ext>
     </p:extLst>
   </p:cSld>
@@ -9302,7 +9416,7 @@
           <a:p>
             <a:r>
               <a:rPr lang="en-US" dirty="0" smtClean="0"/>
-              <a:t>Parent property</a:t>
+              <a:t>Over parent</a:t>
             </a:r>
             <a:endParaRPr lang="en-US" dirty="0"/>
           </a:p>
@@ -9325,16 +9439,19 @@
           <a:p>
             <a:r>
               <a:rPr lang="en-US" dirty="0" smtClean="0"/>
-              <a:t>You may save/use property from Parent class</a:t>
-            </a:r>
-          </a:p>
-          <a:p>
-            <a:endParaRPr lang="en-US" dirty="0" smtClean="0"/>
+              <a:t>Child class can have new methods which parent class does not have.</a:t>
+            </a:r>
           </a:p>
           <a:p>
             <a:r>
               <a:rPr lang="en-US" dirty="0" smtClean="0"/>
-              <a:t>tv12.php</a:t>
+              <a:t>EG. New iPhone has new function that more than old iPhone.</a:t>
+            </a:r>
+          </a:p>
+          <a:p>
+            <a:r>
+              <a:rPr lang="en-US" dirty="0" smtClean="0"/>
+              <a:t>tv22.php</a:t>
             </a:r>
             <a:endParaRPr lang="en-US" dirty="0"/>
           </a:p>
@@ -9343,7 +9460,7 @@
     </p:spTree>
     <p:extLst>
       <p:ext uri="{BB962C8B-B14F-4D97-AF65-F5344CB8AC3E}">
-        <p14:creationId xmlns:p14="http://schemas.microsoft.com/office/powerpoint/2010/main" val="2110424598"/>
+        <p14:creationId xmlns:p14="http://schemas.microsoft.com/office/powerpoint/2010/main" val="1691741302"/>
       </p:ext>
     </p:extLst>
   </p:cSld>
@@ -9387,7 +9504,7 @@
           <a:p>
             <a:r>
               <a:rPr lang="en-US" dirty="0" smtClean="0"/>
-              <a:t>public</a:t>
+              <a:t>Classwork</a:t>
             </a:r>
             <a:endParaRPr lang="en-US" dirty="0"/>
           </a:p>
@@ -9409,69 +9526,22 @@
           <a:lstStyle/>
           <a:p>
             <a:r>
-              <a:rPr lang="en-US" dirty="0"/>
-              <a:t>Class properties must be defined as public, private, or protected. </a:t>
-            </a:r>
-            <a:endParaRPr lang="en-US" dirty="0" smtClean="0"/>
-          </a:p>
-          <a:p>
-            <a:r>
-              <a:rPr lang="en-US" altLang="en-US" dirty="0"/>
-              <a:t>By default, all class members are public </a:t>
-            </a:r>
-            <a:r>
-              <a:rPr lang="en-US" altLang="en-US" dirty="0" smtClean="0"/>
-              <a:t>. </a:t>
-            </a:r>
-            <a:r>
               <a:rPr lang="en-US" dirty="0" smtClean="0"/>
-              <a:t>If properties declared </a:t>
-            </a:r>
-            <a:r>
-              <a:rPr lang="en-US" dirty="0"/>
-              <a:t>using </a:t>
-            </a:r>
-            <a:r>
-              <a:rPr lang="en-US" dirty="0" err="1"/>
-              <a:t>var</a:t>
-            </a:r>
-            <a:r>
-              <a:rPr lang="en-US" dirty="0"/>
-              <a:t>, the property will be defined as public</a:t>
+              <a:t>Add </a:t>
+            </a:r>
+            <a:r>
+              <a:rPr lang="en-US" dirty="0" err="1" smtClean="0"/>
+              <a:t>dolbyOff</a:t>
             </a:r>
             <a:r>
               <a:rPr lang="en-US" dirty="0" smtClean="0"/>
-              <a:t>.</a:t>
-            </a:r>
-          </a:p>
-          <a:p>
-            <a:r>
-              <a:rPr lang="en-US" dirty="0"/>
-              <a:t>public $plug="UK";</a:t>
+              <a:t> method</a:t>
             </a:r>
           </a:p>
           <a:p>
             <a:r>
               <a:rPr lang="en-US" dirty="0" smtClean="0"/>
-              <a:t>public </a:t>
-            </a:r>
-            <a:r>
-              <a:rPr lang="en-US" dirty="0"/>
-              <a:t>function </a:t>
-            </a:r>
-            <a:r>
-              <a:rPr lang="en-US" dirty="0" err="1"/>
-              <a:t>timeroff</a:t>
-            </a:r>
-            <a:r>
-              <a:rPr lang="en-US" dirty="0" smtClean="0"/>
-              <a:t>(){}</a:t>
-            </a:r>
-          </a:p>
-          <a:p>
-            <a:r>
-              <a:rPr lang="en-US" dirty="0" smtClean="0"/>
-              <a:t>tv13.php</a:t>
+              <a:t>tv23.php</a:t>
             </a:r>
             <a:endParaRPr lang="en-US" dirty="0"/>
           </a:p>
@@ -9480,7 +9550,7 @@
     </p:spTree>
     <p:extLst>
       <p:ext uri="{BB962C8B-B14F-4D97-AF65-F5344CB8AC3E}">
-        <p14:creationId xmlns:p14="http://schemas.microsoft.com/office/powerpoint/2010/main" val="469897204"/>
+        <p14:creationId xmlns:p14="http://schemas.microsoft.com/office/powerpoint/2010/main" val="84485564"/>
       </p:ext>
     </p:extLst>
   </p:cSld>
@@ -9610,7 +9680,7 @@
           <a:p>
             <a:r>
               <a:rPr lang="en-US" dirty="0" smtClean="0"/>
-              <a:t>public</a:t>
+              <a:t>Parent method</a:t>
             </a:r>
             <a:endParaRPr lang="en-US" dirty="0"/>
           </a:p>
@@ -9633,28 +9703,27 @@
           <a:p>
             <a:r>
               <a:rPr lang="en-US" dirty="0" smtClean="0"/>
-              <a:t>You can change the value of any public property.</a:t>
-            </a:r>
-          </a:p>
-          <a:p>
-            <a:r>
-              <a:rPr lang="en-US" dirty="0"/>
-              <a:t>$</a:t>
-            </a:r>
-            <a:r>
-              <a:rPr lang="en-US" dirty="0" err="1"/>
-              <a:t>sony</a:t>
-            </a:r>
-            <a:r>
-              <a:rPr lang="en-US" dirty="0"/>
-              <a:t>-&gt;plug="CN";</a:t>
-            </a:r>
-            <a:endParaRPr lang="en-US" dirty="0" smtClean="0"/>
+              <a:t>You may use methods from Parent class</a:t>
+            </a:r>
           </a:p>
           <a:p>
             <a:r>
               <a:rPr lang="en-US" dirty="0" smtClean="0"/>
-              <a:t>tv14.php</a:t>
+              <a:t>parent::</a:t>
+            </a:r>
+            <a:r>
+              <a:rPr lang="en-US" dirty="0" err="1" smtClean="0"/>
+              <a:t>turnOff</a:t>
+            </a:r>
+            <a:r>
+              <a:rPr lang="en-US" dirty="0" smtClean="0"/>
+              <a:t>()</a:t>
+            </a:r>
+          </a:p>
+          <a:p>
+            <a:r>
+              <a:rPr lang="en-US" dirty="0" smtClean="0"/>
+              <a:t>tv24.php</a:t>
             </a:r>
             <a:endParaRPr lang="en-US" dirty="0"/>
           </a:p>
@@ -9663,7 +9732,7 @@
     </p:spTree>
     <p:extLst>
       <p:ext uri="{BB962C8B-B14F-4D97-AF65-F5344CB8AC3E}">
-        <p14:creationId xmlns:p14="http://schemas.microsoft.com/office/powerpoint/2010/main" val="1199488861"/>
+        <p14:creationId xmlns:p14="http://schemas.microsoft.com/office/powerpoint/2010/main" val="1031552644"/>
       </p:ext>
     </p:extLst>
   </p:cSld>
@@ -9707,7 +9776,7 @@
           <a:p>
             <a:r>
               <a:rPr lang="en-US" dirty="0" smtClean="0"/>
-              <a:t>private</a:t>
+              <a:t>Static method</a:t>
             </a:r>
             <a:endParaRPr lang="en-US" dirty="0"/>
           </a:p>
@@ -9729,55 +9798,38 @@
           <a:lstStyle/>
           <a:p>
             <a:r>
+              <a:rPr lang="en-US" dirty="0"/>
+              <a:t>Static means the method or variable is accessible through the class definition and not just through </a:t>
+            </a:r>
+            <a:r>
               <a:rPr lang="en-US" dirty="0" smtClean="0"/>
-              <a:t>Access </a:t>
-            </a:r>
+              <a:t>objects</a:t>
+            </a:r>
+          </a:p>
+          <a:p>
             <a:r>
               <a:rPr lang="en-US" dirty="0"/>
-              <a:t>is limited to the declaring class </a:t>
+              <a:t>public static function insurance</a:t>
             </a:r>
             <a:r>
               <a:rPr lang="en-US" dirty="0" smtClean="0"/>
-              <a:t>only. </a:t>
-            </a:r>
+              <a:t>(){}</a:t>
+            </a:r>
+          </a:p>
+          <a:p>
             <a:r>
               <a:rPr lang="en-US" dirty="0"/>
-              <a:t>No external access whatsoever is allowed</a:t>
+              <a:t>TV::insurance</a:t>
             </a:r>
             <a:r>
               <a:rPr lang="en-US" dirty="0" smtClean="0"/>
-              <a:t>.</a:t>
+              <a:t>();</a:t>
             </a:r>
           </a:p>
           <a:p>
             <a:r>
               <a:rPr lang="en-US" dirty="0" smtClean="0"/>
-              <a:t>It is a good practice to protect from outsider giving invalid value.  Always check input value before setting the new value.</a:t>
-            </a:r>
-          </a:p>
-          <a:p>
-            <a:r>
-              <a:rPr lang="en-US" dirty="0"/>
-              <a:t>$</a:t>
-            </a:r>
-            <a:r>
-              <a:rPr lang="en-US" dirty="0" err="1"/>
-              <a:t>sony</a:t>
-            </a:r>
-            <a:r>
-              <a:rPr lang="en-US" dirty="0"/>
-              <a:t>-&gt;voltage=120</a:t>
-            </a:r>
-            <a:r>
-              <a:rPr lang="en-US" dirty="0" smtClean="0"/>
-              <a:t>; (Error)</a:t>
-            </a:r>
-            <a:endParaRPr lang="en-US" dirty="0"/>
-          </a:p>
-          <a:p>
-            <a:r>
-              <a:rPr lang="en-US" dirty="0" smtClean="0"/>
-              <a:t>tv15.php</a:t>
+              <a:t>tv25.php</a:t>
             </a:r>
             <a:endParaRPr lang="en-US" dirty="0"/>
           </a:p>
@@ -9786,7 +9838,7 @@
     </p:spTree>
     <p:extLst>
       <p:ext uri="{BB962C8B-B14F-4D97-AF65-F5344CB8AC3E}">
-        <p14:creationId xmlns:p14="http://schemas.microsoft.com/office/powerpoint/2010/main" val="861694670"/>
+        <p14:creationId xmlns:p14="http://schemas.microsoft.com/office/powerpoint/2010/main" val="812627967"/>
       </p:ext>
     </p:extLst>
   </p:cSld>
@@ -9830,7 +9882,7 @@
           <a:p>
             <a:r>
               <a:rPr lang="en-US" dirty="0" smtClean="0"/>
-              <a:t>protected</a:t>
+              <a:t>Static method</a:t>
             </a:r>
             <a:endParaRPr lang="en-US" dirty="0"/>
           </a:p>
@@ -9851,30 +9903,41 @@
           <a:bodyPr/>
           <a:lstStyle/>
           <a:p>
-            <a:pPr eaLnBrk="1" hangingPunct="1"/>
-            <a:r>
-              <a:rPr lang="en-US" altLang="en-US" dirty="0"/>
-              <a:t>To access a parent method or property from a child class </a:t>
-            </a:r>
-            <a:endParaRPr lang="en-US" altLang="en-US" dirty="0" smtClean="0"/>
-          </a:p>
-          <a:p>
-            <a:pPr eaLnBrk="1" hangingPunct="1"/>
-            <a:r>
-              <a:rPr lang="en-US" altLang="en-US" dirty="0" smtClean="0"/>
-              <a:t>Like </a:t>
-            </a:r>
-            <a:r>
-              <a:rPr lang="en-US" altLang="en-US" dirty="0"/>
-              <a:t>the private keyword, protected methods and properties are available only to the class that created them. </a:t>
-            </a:r>
-            <a:endParaRPr lang="en-US" altLang="en-US" dirty="0" smtClean="0"/>
-          </a:p>
-          <a:p>
-            <a:pPr eaLnBrk="1" hangingPunct="1"/>
+            <a:r>
+              <a:rPr lang="en-US" altLang="zh-TW" dirty="0" smtClean="0"/>
+              <a:t>Different class can has some static method name but different function</a:t>
+            </a:r>
+          </a:p>
+          <a:p>
+            <a:r>
+              <a:rPr lang="en-US" altLang="zh-TW" dirty="0" smtClean="0"/>
+              <a:t>LCD</a:t>
+            </a:r>
             <a:r>
               <a:rPr lang="en-US" dirty="0" smtClean="0"/>
-              <a:t>tv16.php</a:t>
+              <a:t>::</a:t>
+            </a:r>
+            <a:r>
+              <a:rPr lang="en-US" dirty="0"/>
+              <a:t>insurance</a:t>
+            </a:r>
+            <a:r>
+              <a:rPr lang="en-US" dirty="0" smtClean="0"/>
+              <a:t>();</a:t>
+            </a:r>
+          </a:p>
+          <a:p>
+            <a:r>
+              <a:rPr lang="en-US" dirty="0" smtClean="0"/>
+              <a:t>tv2</a:t>
+            </a:r>
+            <a:r>
+              <a:rPr lang="en-US" altLang="zh-TW" dirty="0" smtClean="0"/>
+              <a:t>6</a:t>
+            </a:r>
+            <a:r>
+              <a:rPr lang="en-US" dirty="0" smtClean="0"/>
+              <a:t>.php</a:t>
             </a:r>
             <a:endParaRPr lang="en-US" dirty="0"/>
           </a:p>
@@ -9883,7 +9946,7 @@
     </p:spTree>
     <p:extLst>
       <p:ext uri="{BB962C8B-B14F-4D97-AF65-F5344CB8AC3E}">
-        <p14:creationId xmlns:p14="http://schemas.microsoft.com/office/powerpoint/2010/main" val="256506750"/>
+        <p14:creationId xmlns:p14="http://schemas.microsoft.com/office/powerpoint/2010/main" val="1269505404"/>
       </p:ext>
     </p:extLst>
   </p:cSld>
@@ -9927,7 +9990,7 @@
           <a:p>
             <a:r>
               <a:rPr lang="en-US" dirty="0" smtClean="0"/>
-              <a:t>protected</a:t>
+              <a:t>Public, Private, Protected</a:t>
             </a:r>
             <a:endParaRPr lang="en-US" dirty="0"/>
           </a:p>
@@ -9948,39 +10011,39 @@
           <a:bodyPr/>
           <a:lstStyle/>
           <a:p>
-            <a:pPr eaLnBrk="1" hangingPunct="1"/>
-            <a:r>
-              <a:rPr lang="en-US" altLang="en-US" dirty="0" smtClean="0"/>
-              <a:t>But </a:t>
-            </a:r>
-            <a:r>
-              <a:rPr lang="en-US" altLang="en-US" dirty="0"/>
-              <a:t>unlike private, protected methods and properties are visible from a parent class.</a:t>
-            </a:r>
-          </a:p>
-          <a:p>
-            <a:r>
-              <a:rPr lang="en-US" dirty="0" err="1" smtClean="0"/>
-              <a:t>SetMethod</a:t>
-            </a:r>
+            <a:r>
+              <a:rPr lang="en-US" dirty="0"/>
+              <a:t>Class properties must be defined as </a:t>
+            </a:r>
+            <a:endParaRPr lang="en-US" dirty="0" smtClean="0"/>
+          </a:p>
+          <a:p>
+            <a:pPr lvl="1"/>
             <a:r>
               <a:rPr lang="en-US" dirty="0" smtClean="0"/>
-              <a:t> from child</a:t>
-            </a:r>
-          </a:p>
-          <a:p>
+              <a:t>Public</a:t>
+            </a:r>
+          </a:p>
+          <a:p>
+            <a:pPr lvl="1"/>
             <a:r>
               <a:rPr lang="en-US" dirty="0" smtClean="0"/>
-              <a:t>tv17.php</a:t>
-            </a:r>
-            <a:endParaRPr lang="en-US" dirty="0"/>
+              <a:t>Private</a:t>
+            </a:r>
+          </a:p>
+          <a:p>
+            <a:pPr lvl="1"/>
+            <a:r>
+              <a:rPr lang="en-US" dirty="0" smtClean="0"/>
+              <a:t>Protected</a:t>
+            </a:r>
           </a:p>
         </p:txBody>
       </p:sp>
     </p:spTree>
     <p:extLst>
       <p:ext uri="{BB962C8B-B14F-4D97-AF65-F5344CB8AC3E}">
-        <p14:creationId xmlns:p14="http://schemas.microsoft.com/office/powerpoint/2010/main" val="139753832"/>
+        <p14:creationId xmlns:p14="http://schemas.microsoft.com/office/powerpoint/2010/main" val="469897204"/>
       </p:ext>
     </p:extLst>
   </p:cSld>
@@ -10024,7 +10087,7 @@
           <a:p>
             <a:r>
               <a:rPr lang="en-US" dirty="0" smtClean="0"/>
-              <a:t>Static property</a:t>
+              <a:t>public</a:t>
             </a:r>
             <a:endParaRPr lang="en-US" dirty="0"/>
           </a:p>
@@ -10046,52 +10109,82 @@
           <a:lstStyle/>
           <a:p>
             <a:r>
+              <a:rPr lang="en-US" altLang="en-US" dirty="0" smtClean="0"/>
+              <a:t>By </a:t>
+            </a:r>
+            <a:r>
+              <a:rPr lang="en-US" altLang="en-US" dirty="0"/>
+              <a:t>default, all class members are public </a:t>
+            </a:r>
+            <a:r>
+              <a:rPr lang="en-US" altLang="en-US" dirty="0" smtClean="0"/>
+              <a:t>. </a:t>
+            </a:r>
+            <a:r>
+              <a:rPr lang="en-US" dirty="0" smtClean="0"/>
+              <a:t>If properties declared </a:t>
+            </a:r>
+            <a:r>
               <a:rPr lang="en-US" dirty="0"/>
-              <a:t>Static means the method or variable is accessible through the class definition and not just through </a:t>
+              <a:t>using </a:t>
+            </a:r>
+            <a:r>
+              <a:rPr lang="en-US" dirty="0" err="1"/>
+              <a:t>var</a:t>
+            </a:r>
+            <a:r>
+              <a:rPr lang="en-US" dirty="0"/>
+              <a:t>, the property will be defined as public</a:t>
             </a:r>
             <a:r>
               <a:rPr lang="en-US" dirty="0" smtClean="0"/>
-              <a:t>objects</a:t>
-            </a:r>
+              <a:t>.</a:t>
+            </a:r>
+          </a:p>
+          <a:p>
+            <a:r>
+              <a:rPr lang="en-US" dirty="0" smtClean="0"/>
+              <a:t>You can change public variable at anytime.</a:t>
+            </a:r>
+            <a:endParaRPr lang="en-US" dirty="0" smtClean="0"/>
           </a:p>
           <a:p>
             <a:r>
               <a:rPr lang="en-US" dirty="0"/>
-              <a:t>public static $</a:t>
-            </a:r>
-            <a:r>
-              <a:rPr lang="en-US" dirty="0" err="1"/>
-              <a:t>madeIn</a:t>
-            </a:r>
-            <a:r>
-              <a:rPr lang="en-US" dirty="0"/>
-              <a:t>="China</a:t>
+              <a:t>public $plug="UK</a:t>
             </a:r>
             <a:r>
               <a:rPr lang="en-US" dirty="0" smtClean="0"/>
               <a:t>";</a:t>
             </a:r>
+          </a:p>
+          <a:p>
+            <a:r>
+              <a:rPr lang="en-US" dirty="0"/>
+              <a:t>$</a:t>
+            </a:r>
+            <a:r>
+              <a:rPr lang="en-US" dirty="0" err="1"/>
+              <a:t>sony</a:t>
+            </a:r>
+            <a:r>
+              <a:rPr lang="en-US" dirty="0"/>
+              <a:t>-&gt;plug="CN";</a:t>
+            </a:r>
             <a:endParaRPr lang="en-US" dirty="0"/>
           </a:p>
           <a:p>
             <a:r>
               <a:rPr lang="en-US" dirty="0" smtClean="0"/>
-              <a:t>TV</a:t>
-            </a:r>
-            <a:r>
-              <a:rPr lang="en-US" dirty="0"/>
-              <a:t>::$</a:t>
-            </a:r>
-            <a:r>
-              <a:rPr lang="en-US" dirty="0" err="1" smtClean="0"/>
-              <a:t>madeIn</a:t>
-            </a:r>
-            <a:endParaRPr lang="en-US" dirty="0"/>
-          </a:p>
-          <a:p>
+              <a:t>tv</a:t>
+            </a:r>
+            <a:r>
+              <a:rPr lang="en-US" altLang="zh-TW" dirty="0" smtClean="0"/>
+              <a:t>27</a:t>
+            </a:r>
             <a:r>
               <a:rPr lang="en-US" dirty="0" smtClean="0"/>
-              <a:t>tv18.php</a:t>
+              <a:t>.php</a:t>
             </a:r>
             <a:endParaRPr lang="en-US" dirty="0"/>
           </a:p>
@@ -10100,7 +10193,7 @@
     </p:spTree>
     <p:extLst>
       <p:ext uri="{BB962C8B-B14F-4D97-AF65-F5344CB8AC3E}">
-        <p14:creationId xmlns:p14="http://schemas.microsoft.com/office/powerpoint/2010/main" val="1865772810"/>
+        <p14:creationId xmlns:p14="http://schemas.microsoft.com/office/powerpoint/2010/main" val="455972480"/>
       </p:ext>
     </p:extLst>
   </p:cSld>
@@ -10144,7 +10237,7 @@
           <a:p>
             <a:r>
               <a:rPr lang="en-US" dirty="0" smtClean="0"/>
-              <a:t>Static method</a:t>
+              <a:t>private</a:t>
             </a:r>
             <a:endParaRPr lang="en-US" dirty="0"/>
           </a:p>
@@ -10166,38 +10259,59 @@
           <a:lstStyle/>
           <a:p>
             <a:r>
+              <a:rPr lang="en-US" dirty="0" smtClean="0"/>
+              <a:t>Access </a:t>
+            </a:r>
+            <a:r>
               <a:rPr lang="en-US" dirty="0"/>
-              <a:t>Static means the method or variable is accessible through the class definition and not just through </a:t>
+              <a:t>is limited to the declaring class </a:t>
             </a:r>
             <a:r>
               <a:rPr lang="en-US" dirty="0" smtClean="0"/>
-              <a:t>objects</a:t>
-            </a:r>
-          </a:p>
-          <a:p>
+              <a:t>only. </a:t>
+            </a:r>
             <a:r>
               <a:rPr lang="en-US" dirty="0"/>
-              <a:t>public static function insurance</a:t>
+              <a:t>No external access whatsoever is allowed</a:t>
             </a:r>
             <a:r>
               <a:rPr lang="en-US" dirty="0" smtClean="0"/>
-              <a:t>(){}</a:t>
+              <a:t>.</a:t>
+            </a:r>
+          </a:p>
+          <a:p>
+            <a:r>
+              <a:rPr lang="en-US" dirty="0" smtClean="0"/>
+              <a:t>It is a good practice to protect from outsider giving invalid value.  Always check input value before setting the new value.</a:t>
             </a:r>
           </a:p>
           <a:p>
             <a:r>
               <a:rPr lang="en-US" dirty="0"/>
-              <a:t>TV::insurance</a:t>
+              <a:t>$</a:t>
+            </a:r>
+            <a:r>
+              <a:rPr lang="en-US" dirty="0" err="1"/>
+              <a:t>sony</a:t>
+            </a:r>
+            <a:r>
+              <a:rPr lang="en-US" dirty="0"/>
+              <a:t>-&gt;</a:t>
             </a:r>
             <a:r>
               <a:rPr lang="en-US" dirty="0" smtClean="0"/>
-              <a:t>();</a:t>
-            </a:r>
-          </a:p>
-          <a:p>
+              <a:t>voltage=110</a:t>
+            </a:r>
             <a:r>
               <a:rPr lang="en-US" dirty="0" smtClean="0"/>
-              <a:t>tv19.php</a:t>
+              <a:t>; (Error)</a:t>
+            </a:r>
+            <a:endParaRPr lang="en-US" dirty="0"/>
+          </a:p>
+          <a:p>
+            <a:r>
+              <a:rPr lang="en-US" dirty="0" smtClean="0"/>
+              <a:t>tv28.php</a:t>
             </a:r>
             <a:endParaRPr lang="en-US" dirty="0"/>
           </a:p>
@@ -10206,7 +10320,7 @@
     </p:spTree>
     <p:extLst>
       <p:ext uri="{BB962C8B-B14F-4D97-AF65-F5344CB8AC3E}">
-        <p14:creationId xmlns:p14="http://schemas.microsoft.com/office/powerpoint/2010/main" val="812627967"/>
+        <p14:creationId xmlns:p14="http://schemas.microsoft.com/office/powerpoint/2010/main" val="861694670"/>
       </p:ext>
     </p:extLst>
   </p:cSld>
@@ -10249,6 +10363,200 @@
           <a:lstStyle/>
           <a:p>
             <a:r>
+              <a:rPr lang="en-US" dirty="0" smtClean="0"/>
+              <a:t>protected</a:t>
+            </a:r>
+            <a:endParaRPr lang="en-US" dirty="0"/>
+          </a:p>
+        </p:txBody>
+      </p:sp>
+      <p:sp>
+        <p:nvSpPr>
+          <p:cNvPr id="3" name="Content Placeholder 2"/>
+          <p:cNvSpPr>
+            <a:spLocks noGrp="1"/>
+          </p:cNvSpPr>
+          <p:nvPr>
+            <p:ph idx="1"/>
+          </p:nvPr>
+        </p:nvSpPr>
+        <p:spPr/>
+        <p:txBody>
+          <a:bodyPr/>
+          <a:lstStyle/>
+          <a:p>
+            <a:pPr eaLnBrk="1" hangingPunct="1"/>
+            <a:r>
+              <a:rPr lang="en-US" altLang="en-US" dirty="0"/>
+              <a:t>To access a parent method or property from a child class </a:t>
+            </a:r>
+            <a:endParaRPr lang="en-US" altLang="en-US" dirty="0" smtClean="0"/>
+          </a:p>
+          <a:p>
+            <a:pPr eaLnBrk="1" hangingPunct="1"/>
+            <a:r>
+              <a:rPr lang="en-US" altLang="en-US" dirty="0" smtClean="0"/>
+              <a:t>Like </a:t>
+            </a:r>
+            <a:r>
+              <a:rPr lang="en-US" altLang="en-US" dirty="0"/>
+              <a:t>the private keyword, protected methods and properties are available only to the class that created them. </a:t>
+            </a:r>
+            <a:endParaRPr lang="en-US" altLang="en-US" dirty="0" smtClean="0"/>
+          </a:p>
+          <a:p>
+            <a:pPr eaLnBrk="1" hangingPunct="1"/>
+            <a:r>
+              <a:rPr lang="en-US" dirty="0" smtClean="0"/>
+              <a:t>tv29.php</a:t>
+            </a:r>
+            <a:endParaRPr lang="en-US" dirty="0"/>
+          </a:p>
+        </p:txBody>
+      </p:sp>
+    </p:spTree>
+    <p:extLst>
+      <p:ext uri="{BB962C8B-B14F-4D97-AF65-F5344CB8AC3E}">
+        <p14:creationId xmlns:p14="http://schemas.microsoft.com/office/powerpoint/2010/main" val="256506750"/>
+      </p:ext>
+    </p:extLst>
+  </p:cSld>
+  <p:clrMapOvr>
+    <a:masterClrMapping/>
+  </p:clrMapOvr>
+</p:sld>
+</file>
+
+<file path=ppt/slides/slide27.xml><?xml version="1.0" encoding="utf-8"?>
+<p:sld xmlns:a="http://schemas.openxmlformats.org/drawingml/2006/main" xmlns:r="http://schemas.openxmlformats.org/officeDocument/2006/relationships" xmlns:p="http://schemas.openxmlformats.org/presentationml/2006/main">
+  <p:cSld>
+    <p:spTree>
+      <p:nvGrpSpPr>
+        <p:cNvPr id="1" name=""/>
+        <p:cNvGrpSpPr/>
+        <p:nvPr/>
+      </p:nvGrpSpPr>
+      <p:grpSpPr>
+        <a:xfrm>
+          <a:off x="0" y="0"/>
+          <a:ext cx="0" cy="0"/>
+          <a:chOff x="0" y="0"/>
+          <a:chExt cx="0" cy="0"/>
+        </a:xfrm>
+      </p:grpSpPr>
+      <p:sp>
+        <p:nvSpPr>
+          <p:cNvPr id="2" name="Title 1"/>
+          <p:cNvSpPr>
+            <a:spLocks noGrp="1"/>
+          </p:cNvSpPr>
+          <p:nvPr>
+            <p:ph type="title"/>
+          </p:nvPr>
+        </p:nvSpPr>
+        <p:spPr/>
+        <p:txBody>
+          <a:bodyPr/>
+          <a:lstStyle/>
+          <a:p>
+            <a:r>
+              <a:rPr lang="en-US" dirty="0" smtClean="0"/>
+              <a:t>protected</a:t>
+            </a:r>
+            <a:endParaRPr lang="en-US" dirty="0"/>
+          </a:p>
+        </p:txBody>
+      </p:sp>
+      <p:sp>
+        <p:nvSpPr>
+          <p:cNvPr id="3" name="Content Placeholder 2"/>
+          <p:cNvSpPr>
+            <a:spLocks noGrp="1"/>
+          </p:cNvSpPr>
+          <p:nvPr>
+            <p:ph idx="1"/>
+          </p:nvPr>
+        </p:nvSpPr>
+        <p:spPr/>
+        <p:txBody>
+          <a:bodyPr/>
+          <a:lstStyle/>
+          <a:p>
+            <a:pPr eaLnBrk="1" hangingPunct="1"/>
+            <a:r>
+              <a:rPr lang="en-US" altLang="en-US" dirty="0" smtClean="0"/>
+              <a:t>But </a:t>
+            </a:r>
+            <a:r>
+              <a:rPr lang="en-US" altLang="en-US" dirty="0"/>
+              <a:t>unlike private, protected methods and properties are visible from a parent class.</a:t>
+            </a:r>
+          </a:p>
+          <a:p>
+            <a:r>
+              <a:rPr lang="en-US" dirty="0" err="1" smtClean="0"/>
+              <a:t>SetMethod</a:t>
+            </a:r>
+            <a:r>
+              <a:rPr lang="en-US" dirty="0" smtClean="0"/>
+              <a:t> from child</a:t>
+            </a:r>
+          </a:p>
+          <a:p>
+            <a:r>
+              <a:rPr lang="en-US" dirty="0" smtClean="0"/>
+              <a:t>tv17.php</a:t>
+            </a:r>
+            <a:endParaRPr lang="en-US" dirty="0"/>
+          </a:p>
+        </p:txBody>
+      </p:sp>
+    </p:spTree>
+    <p:extLst>
+      <p:ext uri="{BB962C8B-B14F-4D97-AF65-F5344CB8AC3E}">
+        <p14:creationId xmlns:p14="http://schemas.microsoft.com/office/powerpoint/2010/main" val="139753832"/>
+      </p:ext>
+    </p:extLst>
+  </p:cSld>
+  <p:clrMapOvr>
+    <a:masterClrMapping/>
+  </p:clrMapOvr>
+</p:sld>
+</file>
+
+<file path=ppt/slides/slide28.xml><?xml version="1.0" encoding="utf-8"?>
+<p:sld xmlns:a="http://schemas.openxmlformats.org/drawingml/2006/main" xmlns:r="http://schemas.openxmlformats.org/officeDocument/2006/relationships" xmlns:p="http://schemas.openxmlformats.org/presentationml/2006/main">
+  <p:cSld>
+    <p:spTree>
+      <p:nvGrpSpPr>
+        <p:cNvPr id="1" name=""/>
+        <p:cNvGrpSpPr/>
+        <p:nvPr/>
+      </p:nvGrpSpPr>
+      <p:grpSpPr>
+        <a:xfrm>
+          <a:off x="0" y="0"/>
+          <a:ext cx="0" cy="0"/>
+          <a:chOff x="0" y="0"/>
+          <a:chExt cx="0" cy="0"/>
+        </a:xfrm>
+      </p:grpSpPr>
+      <p:sp>
+        <p:nvSpPr>
+          <p:cNvPr id="2" name="Title 1"/>
+          <p:cNvSpPr>
+            <a:spLocks noGrp="1"/>
+          </p:cNvSpPr>
+          <p:nvPr>
+            <p:ph type="title"/>
+          </p:nvPr>
+        </p:nvSpPr>
+        <p:spPr/>
+        <p:txBody>
+          <a:bodyPr/>
+          <a:lstStyle/>
+          <a:p>
+            <a:r>
               <a:rPr lang="en-US" smtClean="0"/>
               <a:t>Concept 2</a:t>
             </a:r>
@@ -10312,7 +10620,7 @@
 </p:sld>
 </file>
 
-<file path=ppt/slides/slide27.xml><?xml version="1.0" encoding="utf-8"?>
+<file path=ppt/slides/slide29.xml><?xml version="1.0" encoding="utf-8"?>
 <p:sld xmlns:a="http://schemas.openxmlformats.org/drawingml/2006/main" xmlns:r="http://schemas.openxmlformats.org/officeDocument/2006/relationships" xmlns:p="http://schemas.openxmlformats.org/presentationml/2006/main">
   <p:cSld>
     <p:spTree>
@@ -10331,64 +10639,97 @@
       </p:grpSpPr>
       <p:sp>
         <p:nvSpPr>
-          <p:cNvPr id="24578" name="Rectangle 2"/>
-          <p:cNvSpPr>
-            <a:spLocks noGrp="1" noChangeArrowheads="1"/>
-          </p:cNvSpPr>
-          <p:nvPr>
-            <p:ph type="ctrTitle"/>
-          </p:nvPr>
-        </p:nvSpPr>
-        <p:spPr>
-          <a:xfrm>
-            <a:off x="1739900" y="914400"/>
-            <a:ext cx="6946900" cy="3487738"/>
-          </a:xfrm>
-        </p:spPr>
+          <p:cNvPr id="2" name="Title 1"/>
+          <p:cNvSpPr>
+            <a:spLocks noGrp="1"/>
+          </p:cNvSpPr>
+          <p:nvPr>
+            <p:ph type="title"/>
+          </p:nvPr>
+        </p:nvSpPr>
+        <p:spPr/>
         <p:txBody>
           <a:bodyPr/>
           <a:lstStyle/>
           <a:p>
             <a:r>
-              <a:rPr lang="en-US" altLang="zh-TW">
-                <a:ln>
-                  <a:noFill/>
-                </a:ln>
-              </a:rPr>
-              <a:t>QUESTIONS</a:t>
-            </a:r>
-          </a:p>
-        </p:txBody>
-      </p:sp>
-      <p:sp>
-        <p:nvSpPr>
-          <p:cNvPr id="24579" name="Subtitle 2"/>
-          <p:cNvSpPr>
-            <a:spLocks noGrp="1"/>
-          </p:cNvSpPr>
-          <p:nvPr>
-            <p:ph type="subTitle" idx="1"/>
-          </p:nvPr>
-        </p:nvSpPr>
-        <p:spPr>
-          <a:xfrm>
-            <a:off x="2924175" y="4402138"/>
-            <a:ext cx="5762625" cy="1365250"/>
-          </a:xfrm>
-        </p:spPr>
+              <a:rPr lang="en-US" dirty="0" smtClean="0"/>
+              <a:t>Example</a:t>
+            </a:r>
+            <a:endParaRPr lang="en-US" dirty="0"/>
+          </a:p>
+        </p:txBody>
+      </p:sp>
+      <p:sp>
+        <p:nvSpPr>
+          <p:cNvPr id="18435" name="Content Placeholder 2"/>
+          <p:cNvSpPr>
+            <a:spLocks noGrp="1"/>
+          </p:cNvSpPr>
+          <p:nvPr>
+            <p:ph sz="quarter" idx="1"/>
+          </p:nvPr>
+        </p:nvSpPr>
+        <p:spPr/>
         <p:txBody>
           <a:bodyPr/>
           <a:lstStyle/>
           <a:p>
-            <a:endParaRPr lang="zh-HK" altLang="en-US"/>
+            <a:r>
+              <a:rPr lang="en-US" altLang="zh-TW" dirty="0" smtClean="0"/>
+              <a:t>Search </a:t>
+            </a:r>
+            <a:r>
+              <a:rPr lang="zh-TW" altLang="en-US" dirty="0" smtClean="0"/>
+              <a:t>農曆 </a:t>
+            </a:r>
+            <a:r>
+              <a:rPr lang="en-US" altLang="en-US" dirty="0" err="1"/>
+              <a:t>php</a:t>
+            </a:r>
+            <a:endParaRPr lang="en-US" altLang="en-US" dirty="0"/>
+          </a:p>
+          <a:p>
+            <a:r>
+              <a:rPr lang="en-US" altLang="en-US" dirty="0" smtClean="0"/>
+              <a:t>https</a:t>
+            </a:r>
+            <a:r>
+              <a:rPr lang="en-US" altLang="en-US" dirty="0"/>
+              <a:t>://</a:t>
+            </a:r>
+            <a:r>
+              <a:rPr lang="en-US" altLang="en-US" dirty="0" smtClean="0"/>
+              <a:t>gist.github.com/eagleon/1702129</a:t>
+            </a:r>
+          </a:p>
+          <a:p>
+            <a:r>
+              <a:rPr lang="en-US" altLang="en-US" dirty="0" err="1" smtClean="0"/>
+              <a:t>cal.php</a:t>
+            </a:r>
+            <a:endParaRPr lang="en-US" altLang="en-US" dirty="0"/>
           </a:p>
         </p:txBody>
       </p:sp>
     </p:spTree>
+    <p:extLst>
+      <p:ext uri="{BB962C8B-B14F-4D97-AF65-F5344CB8AC3E}">
+        <p14:creationId xmlns:p14="http://schemas.microsoft.com/office/powerpoint/2010/main" val="1808394227"/>
+      </p:ext>
+    </p:extLst>
   </p:cSld>
   <p:clrMapOvr>
     <a:masterClrMapping/>
   </p:clrMapOvr>
+  <mc:AlternateContent xmlns:mc="http://schemas.openxmlformats.org/markup-compatibility/2006" xmlns:p14="http://schemas.microsoft.com/office/powerpoint/2010/main">
+    <mc:Choice Requires="p14">
+      <p:transition spd="slow" p14:dur="2000"/>
+    </mc:Choice>
+    <mc:Fallback xmlns="">
+      <p:transition spd="slow"/>
+    </mc:Fallback>
+  </mc:AlternateContent>
 </p:sld>
 </file>
 
@@ -10496,6 +10837,86 @@
 </p:sld>
 </file>
 
+<file path=ppt/slides/slide30.xml><?xml version="1.0" encoding="utf-8"?>
+<p:sld xmlns:a="http://schemas.openxmlformats.org/drawingml/2006/main" xmlns:r="http://schemas.openxmlformats.org/officeDocument/2006/relationships" xmlns:p="http://schemas.openxmlformats.org/presentationml/2006/main">
+  <p:cSld>
+    <p:spTree>
+      <p:nvGrpSpPr>
+        <p:cNvPr id="1" name=""/>
+        <p:cNvGrpSpPr/>
+        <p:nvPr/>
+      </p:nvGrpSpPr>
+      <p:grpSpPr>
+        <a:xfrm>
+          <a:off x="0" y="0"/>
+          <a:ext cx="0" cy="0"/>
+          <a:chOff x="0" y="0"/>
+          <a:chExt cx="0" cy="0"/>
+        </a:xfrm>
+      </p:grpSpPr>
+      <p:sp>
+        <p:nvSpPr>
+          <p:cNvPr id="24578" name="Rectangle 2"/>
+          <p:cNvSpPr>
+            <a:spLocks noGrp="1" noChangeArrowheads="1"/>
+          </p:cNvSpPr>
+          <p:nvPr>
+            <p:ph type="ctrTitle"/>
+          </p:nvPr>
+        </p:nvSpPr>
+        <p:spPr>
+          <a:xfrm>
+            <a:off x="1739900" y="914400"/>
+            <a:ext cx="6946900" cy="3487738"/>
+          </a:xfrm>
+        </p:spPr>
+        <p:txBody>
+          <a:bodyPr/>
+          <a:lstStyle/>
+          <a:p>
+            <a:r>
+              <a:rPr lang="en-US" altLang="zh-TW">
+                <a:ln>
+                  <a:noFill/>
+                </a:ln>
+              </a:rPr>
+              <a:t>QUESTIONS</a:t>
+            </a:r>
+          </a:p>
+        </p:txBody>
+      </p:sp>
+      <p:sp>
+        <p:nvSpPr>
+          <p:cNvPr id="24579" name="Subtitle 2"/>
+          <p:cNvSpPr>
+            <a:spLocks noGrp="1"/>
+          </p:cNvSpPr>
+          <p:nvPr>
+            <p:ph type="subTitle" idx="1"/>
+          </p:nvPr>
+        </p:nvSpPr>
+        <p:spPr>
+          <a:xfrm>
+            <a:off x="2924175" y="4402138"/>
+            <a:ext cx="5762625" cy="1365250"/>
+          </a:xfrm>
+        </p:spPr>
+        <p:txBody>
+          <a:bodyPr/>
+          <a:lstStyle/>
+          <a:p>
+            <a:endParaRPr lang="zh-HK" altLang="en-US"/>
+          </a:p>
+        </p:txBody>
+      </p:sp>
+    </p:spTree>
+  </p:cSld>
+  <p:clrMapOvr>
+    <a:masterClrMapping/>
+  </p:clrMapOvr>
+</p:sld>
+</file>
+
 <file path=ppt/slides/slide4.xml><?xml version="1.0" encoding="utf-8"?>
 <p:sld xmlns:a="http://schemas.openxmlformats.org/drawingml/2006/main" xmlns:r="http://schemas.openxmlformats.org/officeDocument/2006/relationships" xmlns:p="http://schemas.openxmlformats.org/presentationml/2006/main">
   <p:cSld>
@@ -10565,7 +10986,17 @@
           <a:p>
             <a:r>
               <a:rPr lang="en-US" altLang="zh-TW" dirty="0" smtClean="0"/>
-              <a:t>You do not need to know how it works inside, but you need to know what to input and what is the output</a:t>
+              <a:t>You do not need to know how it works inside, but you need to know what to input and what is the </a:t>
+            </a:r>
+            <a:r>
+              <a:rPr lang="en-US" altLang="zh-TW" dirty="0" smtClean="0"/>
+              <a:t>output</a:t>
+            </a:r>
+          </a:p>
+          <a:p>
+            <a:r>
+              <a:rPr lang="en-US" altLang="zh-TW" dirty="0" smtClean="0"/>
+              <a:t>Free memory</a:t>
             </a:r>
             <a:endParaRPr lang="en-US" altLang="zh-TW" dirty="0"/>
           </a:p>
@@ -10942,7 +11373,7 @@
           <a:p>
             <a:r>
               <a:rPr lang="en-US" altLang="en-US" dirty="0" smtClean="0"/>
-              <a:t>Classwork</a:t>
+              <a:t>Method</a:t>
             </a:r>
             <a:endParaRPr lang="en-US" altLang="en-US" dirty="0"/>
           </a:p>
@@ -11036,7 +11467,7 @@
       </p:grpSpPr>
       <p:sp>
         <p:nvSpPr>
-          <p:cNvPr id="24578" name="Title 1"/>
+          <p:cNvPr id="19458" name="Title 1"/>
           <p:cNvSpPr>
             <a:spLocks noGrp="1"/>
           </p:cNvSpPr>
@@ -11051,7 +11482,7 @@
           <a:p>
             <a:r>
               <a:rPr lang="en-US" altLang="en-US" dirty="0" smtClean="0"/>
-              <a:t>Property</a:t>
+              <a:t>Classwork</a:t>
             </a:r>
             <a:endParaRPr lang="en-US" altLang="en-US" dirty="0"/>
           </a:p>
@@ -11059,7 +11490,7 @@
       </p:sp>
       <p:sp>
         <p:nvSpPr>
-          <p:cNvPr id="24579" name="Content Placeholder 2"/>
+          <p:cNvPr id="19459" name="Content Placeholder 2"/>
           <p:cNvSpPr>
             <a:spLocks noGrp="1"/>
           </p:cNvSpPr>
@@ -11074,52 +11505,53 @@
           <a:p>
             <a:r>
               <a:rPr lang="en-US" altLang="zh-TW" dirty="0" smtClean="0"/>
-              <a:t>Variable in an object is called property</a:t>
-            </a:r>
-          </a:p>
-          <a:p>
+              <a:t>Add a new </a:t>
+            </a:r>
+            <a:r>
+              <a:rPr lang="en-US" altLang="zh-TW" b="1" dirty="0" err="1" smtClean="0"/>
+              <a:t>volumeUp</a:t>
+            </a:r>
             <a:r>
               <a:rPr lang="en-US" altLang="zh-TW" dirty="0" smtClean="0"/>
-              <a:t>Properties can be declared with </a:t>
+              <a:t> and </a:t>
+            </a:r>
+            <a:r>
+              <a:rPr lang="en-US" altLang="zh-TW" b="1" dirty="0" err="1" smtClean="0"/>
+              <a:t>volumeDown</a:t>
+            </a:r>
+            <a:r>
+              <a:rPr lang="en-US" altLang="zh-TW" dirty="0" smtClean="0"/>
+              <a:t> </a:t>
+            </a:r>
+            <a:r>
+              <a:rPr lang="en-US" altLang="zh-TW" dirty="0" smtClean="0"/>
+              <a:t>method </a:t>
+            </a:r>
+            <a:r>
+              <a:rPr lang="en-US" altLang="zh-TW" dirty="0" smtClean="0"/>
+              <a:t>in TV class</a:t>
+            </a:r>
+          </a:p>
+          <a:p>
+            <a:r>
+              <a:rPr lang="en-US" altLang="zh-TW" dirty="0" smtClean="0"/>
+              <a:t>echo “volume up&lt;</a:t>
             </a:r>
             <a:r>
               <a:rPr lang="en-US" altLang="zh-TW" dirty="0" err="1" smtClean="0"/>
-              <a:t>var</a:t>
+              <a:t>br</a:t>
             </a:r>
             <a:r>
               <a:rPr lang="en-US" altLang="zh-TW" dirty="0" smtClean="0"/>
-              <a:t> $</a:t>
-            </a:r>
-            <a:r>
-              <a:rPr lang="en-US" altLang="zh-TW" dirty="0" err="1" smtClean="0"/>
-              <a:t>var</a:t>
-            </a:r>
-            <a:r>
-              <a:rPr lang="en-US" altLang="zh-TW" dirty="0" smtClean="0"/>
-              <a:t>;</a:t>
-            </a:r>
-          </a:p>
-          <a:p>
-            <a:r>
-              <a:rPr lang="en-US" altLang="zh-TW" dirty="0" smtClean="0"/>
-              <a:t>Set variable to the class by $this-&gt;</a:t>
-            </a:r>
-            <a:r>
-              <a:rPr lang="en-US" altLang="zh-TW" dirty="0" err="1" smtClean="0"/>
-              <a:t>var</a:t>
-            </a:r>
-            <a:r>
-              <a:rPr lang="en-US" altLang="zh-TW" dirty="0" smtClean="0"/>
-              <a:t> = value;</a:t>
-            </a:r>
+              <a:t>&gt;”;</a:t>
+            </a:r>
+            <a:endParaRPr lang="en-US" altLang="zh-TW" dirty="0" smtClean="0"/>
           </a:p>
           <a:p>
             <a:r>
               <a:rPr lang="en-US" altLang="zh-TW" dirty="0" smtClean="0"/>
               <a:t>tv04.php</a:t>
             </a:r>
-          </a:p>
-          <a:p>
             <a:endParaRPr lang="en-US" altLang="zh-TW" dirty="0"/>
           </a:p>
         </p:txBody>
@@ -11127,7 +11559,7 @@
     </p:spTree>
     <p:extLst>
       <p:ext uri="{BB962C8B-B14F-4D97-AF65-F5344CB8AC3E}">
-        <p14:creationId xmlns:p14="http://schemas.microsoft.com/office/powerpoint/2010/main" val="150211293"/>
+        <p14:creationId xmlns:p14="http://schemas.microsoft.com/office/powerpoint/2010/main" val="3547399053"/>
       </p:ext>
     </p:extLst>
   </p:cSld>
@@ -11188,7 +11620,7 @@
     </a:clrScheme>
     <a:fontScheme name="Parallax">
       <a:majorFont>
-        <a:latin typeface="Corbel" panose="020B0503020204020204"/>
+        <a:latin typeface="Corbel"/>
         <a:ea typeface=""/>
         <a:cs typeface=""/>
         <a:font script="Jpan" typeface="HGｺﾞｼｯｸM"/>
@@ -11223,7 +11655,7 @@
         <a:font script="Geor" typeface="Sylfaen"/>
       </a:majorFont>
       <a:minorFont>
-        <a:latin typeface="Corbel" panose="020B0503020204020204"/>
+        <a:latin typeface="Corbel"/>
         <a:ea typeface=""/>
         <a:cs typeface=""/>
         <a:font script="Jpan" typeface="HGｺﾞｼｯｸM"/>
@@ -11395,7 +11827,7 @@
   <a:extraClrSchemeLst/>
   <a:extLst>
     <a:ext uri="{05A4C25C-085E-4340-85A3-A5531E510DB2}">
-      <thm15:themeFamily xmlns:thm15="http://schemas.microsoft.com/office/thememl/2012/main" name="Parallax" id="{3388167B-A2EB-4685-9635-1831D9AEF8C4}" vid="{4F7A876A-7598-49CA-AFC8-8EDA2551E4A7}"/>
+      <thm15:themeFamily xmlns:thm15="http://schemas.microsoft.com/office/thememl/2012/main" xmlns="" name="Parallax" id="{3388167B-A2EB-4685-9635-1831D9AEF8C4}" vid="{4F7A876A-7598-49CA-AFC8-8EDA2551E4A7}"/>
     </a:ext>
   </a:extLst>
 </a:theme>

--- a/php-fw7/lesson7a-tv.pptx
+++ b/php-fw7/lesson7a-tv.pptx
@@ -21,25 +21,25 @@
     <p:sldId id="404" r:id="rId9"/>
     <p:sldId id="426" r:id="rId10"/>
     <p:sldId id="410" r:id="rId11"/>
-    <p:sldId id="411" r:id="rId12"/>
-    <p:sldId id="427" r:id="rId13"/>
-    <p:sldId id="428" r:id="rId14"/>
-    <p:sldId id="407" r:id="rId15"/>
-    <p:sldId id="412" r:id="rId16"/>
-    <p:sldId id="406" r:id="rId17"/>
-    <p:sldId id="405" r:id="rId18"/>
-    <p:sldId id="414" r:id="rId19"/>
-    <p:sldId id="415" r:id="rId20"/>
-    <p:sldId id="416" r:id="rId21"/>
-    <p:sldId id="424" r:id="rId22"/>
-    <p:sldId id="429" r:id="rId23"/>
-    <p:sldId id="418" r:id="rId24"/>
-    <p:sldId id="430" r:id="rId25"/>
-    <p:sldId id="420" r:id="rId26"/>
-    <p:sldId id="422" r:id="rId27"/>
-    <p:sldId id="423" r:id="rId28"/>
-    <p:sldId id="403" r:id="rId29"/>
-    <p:sldId id="425" r:id="rId30"/>
+    <p:sldId id="427" r:id="rId12"/>
+    <p:sldId id="428" r:id="rId13"/>
+    <p:sldId id="407" r:id="rId14"/>
+    <p:sldId id="412" r:id="rId15"/>
+    <p:sldId id="406" r:id="rId16"/>
+    <p:sldId id="405" r:id="rId17"/>
+    <p:sldId id="414" r:id="rId18"/>
+    <p:sldId id="415" r:id="rId19"/>
+    <p:sldId id="416" r:id="rId20"/>
+    <p:sldId id="424" r:id="rId21"/>
+    <p:sldId id="429" r:id="rId22"/>
+    <p:sldId id="418" r:id="rId23"/>
+    <p:sldId id="430" r:id="rId24"/>
+    <p:sldId id="420" r:id="rId25"/>
+    <p:sldId id="422" r:id="rId26"/>
+    <p:sldId id="423" r:id="rId27"/>
+    <p:sldId id="403" r:id="rId28"/>
+    <p:sldId id="425" r:id="rId29"/>
+    <p:sldId id="431" r:id="rId30"/>
     <p:sldId id="398" r:id="rId31"/>
   </p:sldIdLst>
   <p:sldSz cx="9144000" cy="6858000" type="screen4x3"/>
@@ -8551,7 +8551,6 @@
               <a:rPr lang="en-US" altLang="zh-TW" dirty="0" smtClean="0"/>
               <a:t>tv05.php</a:t>
             </a:r>
-            <a:endParaRPr lang="en-US" altLang="zh-TW" dirty="0" smtClean="0"/>
           </a:p>
           <a:p>
             <a:endParaRPr lang="en-US" altLang="zh-TW" dirty="0"/>
@@ -8649,7 +8648,13 @@
           <a:p>
             <a:r>
               <a:rPr lang="en-US" altLang="zh-TW" dirty="0" smtClean="0"/>
-              <a:t>tv05.php</a:t>
+              <a:t>We need to know the size before we make a TV.</a:t>
+            </a:r>
+          </a:p>
+          <a:p>
+            <a:r>
+              <a:rPr lang="en-US" altLang="zh-TW" dirty="0" smtClean="0"/>
+              <a:t>tv06.php</a:t>
             </a:r>
           </a:p>
           <a:p>
@@ -8660,7 +8665,7 @@
     </p:spTree>
     <p:extLst>
       <p:ext uri="{BB962C8B-B14F-4D97-AF65-F5344CB8AC3E}">
-        <p14:creationId xmlns:p14="http://schemas.microsoft.com/office/powerpoint/2010/main" val="1301464607"/>
+        <p14:creationId xmlns:p14="http://schemas.microsoft.com/office/powerpoint/2010/main" val="2951007145"/>
       </p:ext>
     </p:extLst>
   </p:cSld>
@@ -8735,33 +8740,20 @@
           <a:p>
             <a:r>
               <a:rPr lang="en-US" altLang="zh-TW" dirty="0" smtClean="0"/>
-              <a:t>Initialization in a class is called constructor.  It is defined by creating a method that named </a:t>
-            </a:r>
-            <a:br>
+              <a:t>How to add 2 variables to constructor?</a:t>
+            </a:r>
+          </a:p>
+          <a:p>
+            <a:r>
               <a:rPr lang="en-US" altLang="zh-TW" dirty="0" smtClean="0"/>
-            </a:br>
+              <a:t>We also need to know the brand name.</a:t>
+            </a:r>
+          </a:p>
+          <a:p>
             <a:r>
               <a:rPr lang="en-US" altLang="zh-TW" dirty="0" smtClean="0"/>
-              <a:t>function _ _constructor</a:t>
-            </a:r>
-            <a:r>
-              <a:rPr lang="en-US" altLang="zh-TW" dirty="0" smtClean="0"/>
-              <a:t>(){}</a:t>
-            </a:r>
-          </a:p>
-          <a:p>
-            <a:r>
-              <a:rPr lang="en-US" altLang="zh-TW" dirty="0" smtClean="0"/>
-              <a:t>We need to know the size before we make a TV.</a:t>
-            </a:r>
-            <a:endParaRPr lang="en-US" altLang="zh-TW" dirty="0" smtClean="0"/>
-          </a:p>
-          <a:p>
-            <a:r>
-              <a:rPr lang="en-US" altLang="zh-TW" dirty="0" smtClean="0"/>
-              <a:t>tv06.php</a:t>
-            </a:r>
-            <a:endParaRPr lang="en-US" altLang="zh-TW" dirty="0" smtClean="0"/>
+              <a:t>tv07.php</a:t>
+            </a:r>
           </a:p>
           <a:p>
             <a:endParaRPr lang="en-US" altLang="zh-TW" dirty="0"/>
@@ -8771,7 +8763,7 @@
     </p:spTree>
     <p:extLst>
       <p:ext uri="{BB962C8B-B14F-4D97-AF65-F5344CB8AC3E}">
-        <p14:creationId xmlns:p14="http://schemas.microsoft.com/office/powerpoint/2010/main" val="2951007145"/>
+        <p14:creationId xmlns:p14="http://schemas.microsoft.com/office/powerpoint/2010/main" val="2296846616"/>
       </p:ext>
     </p:extLst>
   </p:cSld>
@@ -8808,7 +8800,7 @@
       </p:grpSpPr>
       <p:sp>
         <p:nvSpPr>
-          <p:cNvPr id="22530" name="Title 1"/>
+          <p:cNvPr id="2" name="Title 1"/>
           <p:cNvSpPr>
             <a:spLocks noGrp="1"/>
           </p:cNvSpPr>
@@ -8822,21 +8814,21 @@
           <a:lstStyle/>
           <a:p>
             <a:r>
-              <a:rPr lang="en-US" altLang="en-US" smtClean="0"/>
-              <a:t>Constructor</a:t>
-            </a:r>
-            <a:endParaRPr lang="en-US" altLang="en-US"/>
-          </a:p>
-        </p:txBody>
-      </p:sp>
-      <p:sp>
-        <p:nvSpPr>
-          <p:cNvPr id="22531" name="Content Placeholder 2"/>
-          <p:cNvSpPr>
-            <a:spLocks noGrp="1"/>
-          </p:cNvSpPr>
-          <p:nvPr>
-            <p:ph sz="quarter" idx="1"/>
+              <a:rPr lang="en-US" dirty="0" smtClean="0"/>
+              <a:t>Classwork</a:t>
+            </a:r>
+            <a:endParaRPr lang="en-US" dirty="0"/>
+          </a:p>
+        </p:txBody>
+      </p:sp>
+      <p:sp>
+        <p:nvSpPr>
+          <p:cNvPr id="3" name="Content Placeholder 2"/>
+          <p:cNvSpPr>
+            <a:spLocks noGrp="1"/>
+          </p:cNvSpPr>
+          <p:nvPr>
+            <p:ph idx="1"/>
           </p:nvPr>
         </p:nvSpPr>
         <p:spPr/>
@@ -8845,46 +8837,89 @@
           <a:lstStyle/>
           <a:p>
             <a:r>
-              <a:rPr lang="en-US" altLang="zh-TW" dirty="0" smtClean="0"/>
-              <a:t>How to add 2 variables to constructor?</a:t>
-            </a:r>
-          </a:p>
-          <a:p>
-            <a:r>
-              <a:rPr lang="en-US" altLang="zh-TW" dirty="0" smtClean="0"/>
-              <a:t>We also need to know the brand name.</a:t>
-            </a:r>
-          </a:p>
-          <a:p>
-            <a:r>
-              <a:rPr lang="en-US" altLang="zh-TW" dirty="0" smtClean="0"/>
-              <a:t>tv07.php</a:t>
-            </a:r>
-            <a:endParaRPr lang="en-US" altLang="zh-TW" dirty="0" smtClean="0"/>
-          </a:p>
-          <a:p>
-            <a:endParaRPr lang="en-US" altLang="zh-TW" dirty="0"/>
+              <a:rPr lang="en-US" dirty="0" smtClean="0"/>
+              <a:t>Now Philips ask you to create a new TV for 32”.</a:t>
+            </a:r>
+          </a:p>
+          <a:p>
+            <a:r>
+              <a:rPr lang="en-US" dirty="0" smtClean="0"/>
+              <a:t>Test </a:t>
+            </a:r>
+            <a:r>
+              <a:rPr lang="en-US" dirty="0" err="1" smtClean="0"/>
+              <a:t>getName</a:t>
+            </a:r>
+            <a:r>
+              <a:rPr lang="en-US" dirty="0" smtClean="0"/>
+              <a:t>, </a:t>
+            </a:r>
+            <a:r>
+              <a:rPr lang="en-US" dirty="0" err="1" smtClean="0"/>
+              <a:t>turnOn</a:t>
+            </a:r>
+            <a:r>
+              <a:rPr lang="en-US" dirty="0" smtClean="0"/>
+              <a:t>, </a:t>
+            </a:r>
+            <a:r>
+              <a:rPr lang="en-US" dirty="0" err="1" smtClean="0"/>
+              <a:t>turnOff</a:t>
+            </a:r>
+            <a:r>
+              <a:rPr lang="en-US" dirty="0" smtClean="0"/>
+              <a:t>, </a:t>
+            </a:r>
+            <a:r>
+              <a:rPr lang="en-US" dirty="0" err="1" smtClean="0"/>
+              <a:t>volumeUp</a:t>
+            </a:r>
+            <a:r>
+              <a:rPr lang="en-US" dirty="0" smtClean="0"/>
+              <a:t>, </a:t>
+            </a:r>
+            <a:r>
+              <a:rPr lang="en-US" dirty="0" err="1" smtClean="0"/>
+              <a:t>volumeDown</a:t>
+            </a:r>
+            <a:r>
+              <a:rPr lang="en-US" dirty="0" smtClean="0"/>
+              <a:t>, </a:t>
+            </a:r>
+            <a:r>
+              <a:rPr lang="en-US" dirty="0" err="1" smtClean="0"/>
+              <a:t>getPlug</a:t>
+            </a:r>
+            <a:r>
+              <a:rPr lang="en-US" dirty="0" smtClean="0"/>
+              <a:t> methods</a:t>
+            </a:r>
+          </a:p>
+          <a:p>
+            <a:r>
+              <a:rPr lang="en-US" dirty="0" smtClean="0"/>
+              <a:t>Tell me the size of Philips.</a:t>
+            </a:r>
+          </a:p>
+          <a:p>
+            <a:r>
+              <a:rPr lang="en-US" dirty="0" smtClean="0"/>
+              <a:t>tv08.php</a:t>
+            </a:r>
+            <a:endParaRPr lang="en-US" dirty="0"/>
           </a:p>
         </p:txBody>
       </p:sp>
     </p:spTree>
     <p:extLst>
       <p:ext uri="{BB962C8B-B14F-4D97-AF65-F5344CB8AC3E}">
-        <p14:creationId xmlns:p14="http://schemas.microsoft.com/office/powerpoint/2010/main" val="2296846616"/>
+        <p14:creationId xmlns:p14="http://schemas.microsoft.com/office/powerpoint/2010/main" val="1008490185"/>
       </p:ext>
     </p:extLst>
   </p:cSld>
   <p:clrMapOvr>
     <a:masterClrMapping/>
   </p:clrMapOvr>
-  <mc:AlternateContent xmlns:mc="http://schemas.openxmlformats.org/markup-compatibility/2006" xmlns:p14="http://schemas.microsoft.com/office/powerpoint/2010/main">
-    <mc:Choice Requires="p14">
-      <p:transition spd="slow" p14:dur="2000"/>
-    </mc:Choice>
-    <mc:Fallback xmlns="">
-      <p:transition spd="slow"/>
-    </mc:Fallback>
-  </mc:AlternateContent>
 </p:sld>
 </file>
 
@@ -8945,77 +8980,33 @@
           <a:p>
             <a:r>
               <a:rPr lang="en-US" dirty="0" smtClean="0"/>
-              <a:t>Now Philips ask you to create a new TV for 32”.</a:t>
+              <a:t>Your boss want to add a new “color” property for each TV.</a:t>
             </a:r>
           </a:p>
           <a:p>
             <a:r>
               <a:rPr lang="en-US" dirty="0" smtClean="0"/>
-              <a:t>Test </a:t>
-            </a:r>
-            <a:r>
-              <a:rPr lang="en-US" dirty="0" err="1" smtClean="0"/>
-              <a:t>getName</a:t>
+              <a:t>Both Sony </a:t>
+            </a:r>
+            <a:r>
+              <a:rPr lang="en-US" dirty="0"/>
+              <a:t>is “</a:t>
             </a:r>
             <a:r>
               <a:rPr lang="en-US" dirty="0" smtClean="0"/>
-              <a:t>, </a:t>
-            </a:r>
-            <a:r>
-              <a:rPr lang="en-US" dirty="0" err="1" smtClean="0"/>
-              <a:t>turnOn</a:t>
-            </a:r>
+              <a:t>black” and Philips is “silver”.</a:t>
+            </a:r>
+          </a:p>
+          <a:p>
             <a:r>
               <a:rPr lang="en-US" dirty="0" smtClean="0"/>
-              <a:t>, </a:t>
-            </a:r>
-            <a:r>
-              <a:rPr lang="en-US" dirty="0" err="1" smtClean="0"/>
-              <a:t>turnOff</a:t>
-            </a:r>
+              <a:t>Show us each TV color</a:t>
+            </a:r>
+          </a:p>
+          <a:p>
             <a:r>
               <a:rPr lang="en-US" dirty="0" smtClean="0"/>
-              <a:t>, </a:t>
-            </a:r>
-            <a:r>
-              <a:rPr lang="en-US" dirty="0" err="1" smtClean="0"/>
-              <a:t>volumeUp</a:t>
-            </a:r>
-            <a:r>
-              <a:rPr lang="en-US" dirty="0" smtClean="0"/>
-              <a:t>, </a:t>
-            </a:r>
-            <a:r>
-              <a:rPr lang="en-US" dirty="0" err="1" smtClean="0"/>
-              <a:t>volumeDown</a:t>
-            </a:r>
-            <a:r>
-              <a:rPr lang="en-US" dirty="0" smtClean="0"/>
-              <a:t>, </a:t>
-            </a:r>
-            <a:r>
-              <a:rPr lang="en-US" dirty="0" err="1" smtClean="0"/>
-              <a:t>getPlug</a:t>
-            </a:r>
-            <a:r>
-              <a:rPr lang="en-US" dirty="0" smtClean="0"/>
-              <a:t> </a:t>
-            </a:r>
-            <a:r>
-              <a:rPr lang="en-US" dirty="0" smtClean="0"/>
-              <a:t>methods</a:t>
-            </a:r>
-          </a:p>
-          <a:p>
-            <a:r>
-              <a:rPr lang="en-US" dirty="0" smtClean="0"/>
-              <a:t>Tell me the size of Philips.</a:t>
-            </a:r>
-          </a:p>
-          <a:p>
-            <a:r>
-              <a:rPr lang="en-US" dirty="0" smtClean="0"/>
-              <a:t>tv08.php</a:t>
+              <a:t>tv09.php</a:t>
             </a:r>
             <a:endParaRPr lang="en-US" dirty="0"/>
           </a:p>
@@ -9024,7 +9015,7 @@
     </p:spTree>
     <p:extLst>
       <p:ext uri="{BB962C8B-B14F-4D97-AF65-F5344CB8AC3E}">
-        <p14:creationId xmlns:p14="http://schemas.microsoft.com/office/powerpoint/2010/main" val="1008490185"/>
+        <p14:creationId xmlns:p14="http://schemas.microsoft.com/office/powerpoint/2010/main" val="809839459"/>
       </p:ext>
     </p:extLst>
   </p:cSld>
@@ -9067,108 +9058,6 @@
           <a:lstStyle/>
           <a:p>
             <a:r>
-              <a:rPr lang="en-US" dirty="0" smtClean="0"/>
-              <a:t>Classwork</a:t>
-            </a:r>
-            <a:endParaRPr lang="en-US" dirty="0"/>
-          </a:p>
-        </p:txBody>
-      </p:sp>
-      <p:sp>
-        <p:nvSpPr>
-          <p:cNvPr id="3" name="Content Placeholder 2"/>
-          <p:cNvSpPr>
-            <a:spLocks noGrp="1"/>
-          </p:cNvSpPr>
-          <p:nvPr>
-            <p:ph idx="1"/>
-          </p:nvPr>
-        </p:nvSpPr>
-        <p:spPr/>
-        <p:txBody>
-          <a:bodyPr/>
-          <a:lstStyle/>
-          <a:p>
-            <a:r>
-              <a:rPr lang="en-US" dirty="0" smtClean="0"/>
-              <a:t>Your boss want to add a new “color” property for each TV.</a:t>
-            </a:r>
-          </a:p>
-          <a:p>
-            <a:r>
-              <a:rPr lang="en-US" dirty="0" smtClean="0"/>
-              <a:t>Both Sony </a:t>
-            </a:r>
-            <a:r>
-              <a:rPr lang="en-US" dirty="0"/>
-              <a:t>is “</a:t>
-            </a:r>
-            <a:r>
-              <a:rPr lang="en-US" dirty="0" smtClean="0"/>
-              <a:t>black” and Philips is “silver”.</a:t>
-            </a:r>
-          </a:p>
-          <a:p>
-            <a:r>
-              <a:rPr lang="en-US" dirty="0" smtClean="0"/>
-              <a:t>Show us each TV color</a:t>
-            </a:r>
-          </a:p>
-          <a:p>
-            <a:r>
-              <a:rPr lang="en-US" dirty="0" smtClean="0"/>
-              <a:t>tv09.php</a:t>
-            </a:r>
-            <a:endParaRPr lang="en-US" dirty="0"/>
-          </a:p>
-        </p:txBody>
-      </p:sp>
-    </p:spTree>
-    <p:extLst>
-      <p:ext uri="{BB962C8B-B14F-4D97-AF65-F5344CB8AC3E}">
-        <p14:creationId xmlns:p14="http://schemas.microsoft.com/office/powerpoint/2010/main" val="809839459"/>
-      </p:ext>
-    </p:extLst>
-  </p:cSld>
-  <p:clrMapOvr>
-    <a:masterClrMapping/>
-  </p:clrMapOvr>
-</p:sld>
-</file>
-
-<file path=ppt/slides/slide16.xml><?xml version="1.0" encoding="utf-8"?>
-<p:sld xmlns:a="http://schemas.openxmlformats.org/drawingml/2006/main" xmlns:r="http://schemas.openxmlformats.org/officeDocument/2006/relationships" xmlns:p="http://schemas.openxmlformats.org/presentationml/2006/main">
-  <p:cSld>
-    <p:spTree>
-      <p:nvGrpSpPr>
-        <p:cNvPr id="1" name=""/>
-        <p:cNvGrpSpPr/>
-        <p:nvPr/>
-      </p:nvGrpSpPr>
-      <p:grpSpPr>
-        <a:xfrm>
-          <a:off x="0" y="0"/>
-          <a:ext cx="0" cy="0"/>
-          <a:chOff x="0" y="0"/>
-          <a:chExt cx="0" cy="0"/>
-        </a:xfrm>
-      </p:grpSpPr>
-      <p:sp>
-        <p:nvSpPr>
-          <p:cNvPr id="2" name="Title 1"/>
-          <p:cNvSpPr>
-            <a:spLocks noGrp="1"/>
-          </p:cNvSpPr>
-          <p:nvPr>
-            <p:ph type="title"/>
-          </p:nvPr>
-        </p:nvSpPr>
-        <p:spPr/>
-        <p:txBody>
-          <a:bodyPr/>
-          <a:lstStyle/>
-          <a:p>
-            <a:r>
               <a:rPr lang="en-US" altLang="en-US" dirty="0"/>
               <a:t>Inheritance</a:t>
             </a:r>
@@ -9260,6 +9149,128 @@
 </p:sld>
 </file>
 
+<file path=ppt/slides/slide16.xml><?xml version="1.0" encoding="utf-8"?>
+<p:sld xmlns:a="http://schemas.openxmlformats.org/drawingml/2006/main" xmlns:r="http://schemas.openxmlformats.org/officeDocument/2006/relationships" xmlns:p="http://schemas.openxmlformats.org/presentationml/2006/main">
+  <p:cSld>
+    <p:spTree>
+      <p:nvGrpSpPr>
+        <p:cNvPr id="1" name=""/>
+        <p:cNvGrpSpPr/>
+        <p:nvPr/>
+      </p:nvGrpSpPr>
+      <p:grpSpPr>
+        <a:xfrm>
+          <a:off x="0" y="0"/>
+          <a:ext cx="0" cy="0"/>
+          <a:chOff x="0" y="0"/>
+          <a:chExt cx="0" cy="0"/>
+        </a:xfrm>
+      </p:grpSpPr>
+      <p:sp>
+        <p:nvSpPr>
+          <p:cNvPr id="2" name="Title 1"/>
+          <p:cNvSpPr>
+            <a:spLocks noGrp="1"/>
+          </p:cNvSpPr>
+          <p:nvPr>
+            <p:ph type="title"/>
+          </p:nvPr>
+        </p:nvSpPr>
+        <p:spPr/>
+        <p:txBody>
+          <a:bodyPr/>
+          <a:lstStyle/>
+          <a:p>
+            <a:r>
+              <a:rPr lang="en-US" dirty="0" smtClean="0"/>
+              <a:t>Inheritance</a:t>
+            </a:r>
+            <a:endParaRPr lang="en-US" dirty="0"/>
+          </a:p>
+        </p:txBody>
+      </p:sp>
+      <p:sp>
+        <p:nvSpPr>
+          <p:cNvPr id="3" name="Content Placeholder 2"/>
+          <p:cNvSpPr>
+            <a:spLocks noGrp="1"/>
+          </p:cNvSpPr>
+          <p:nvPr>
+            <p:ph idx="1"/>
+          </p:nvPr>
+        </p:nvSpPr>
+        <p:spPr/>
+        <p:txBody>
+          <a:bodyPr/>
+          <a:lstStyle/>
+          <a:p>
+            <a:r>
+              <a:rPr lang="en-US" dirty="0"/>
+              <a:t>class </a:t>
+            </a:r>
+            <a:r>
+              <a:rPr lang="en-US" dirty="0" err="1"/>
+              <a:t>ChildClass</a:t>
+            </a:r>
+            <a:r>
+              <a:rPr lang="en-US" dirty="0"/>
+              <a:t> extends </a:t>
+            </a:r>
+            <a:r>
+              <a:rPr lang="en-US" dirty="0" err="1"/>
+              <a:t>ParentClass</a:t>
+            </a:r>
+            <a:r>
+              <a:rPr lang="en-US" dirty="0"/>
+              <a:t> </a:t>
+            </a:r>
+            <a:r>
+              <a:rPr lang="en-US" dirty="0" smtClean="0"/>
+              <a:t>{</a:t>
+            </a:r>
+          </a:p>
+          <a:p>
+            <a:r>
+              <a:rPr lang="en-US" dirty="0" smtClean="0"/>
+              <a:t>}</a:t>
+            </a:r>
+          </a:p>
+          <a:p>
+            <a:r>
+              <a:rPr lang="en-US" dirty="0" smtClean="0"/>
+              <a:t>$</a:t>
+            </a:r>
+            <a:r>
+              <a:rPr lang="en-US" dirty="0" err="1" smtClean="0"/>
+              <a:t>samsung</a:t>
+            </a:r>
+            <a:r>
+              <a:rPr lang="en-US" dirty="0" smtClean="0"/>
+              <a:t>=new LCD();</a:t>
+            </a:r>
+          </a:p>
+          <a:p>
+            <a:r>
+              <a:rPr lang="en-US" dirty="0" smtClean="0"/>
+              <a:t>tv21.php</a:t>
+            </a:r>
+            <a:endParaRPr lang="en-US" dirty="0"/>
+          </a:p>
+        </p:txBody>
+      </p:sp>
+    </p:spTree>
+    <p:extLst>
+      <p:ext uri="{BB962C8B-B14F-4D97-AF65-F5344CB8AC3E}">
+        <p14:creationId xmlns:p14="http://schemas.microsoft.com/office/powerpoint/2010/main" val="894975402"/>
+      </p:ext>
+    </p:extLst>
+  </p:cSld>
+  <p:clrMapOvr>
+    <a:masterClrMapping/>
+  </p:clrMapOvr>
+</p:sld>
+</file>
+
 <file path=ppt/slides/slide17.xml><?xml version="1.0" encoding="utf-8"?>
 <p:sld xmlns:a="http://schemas.openxmlformats.org/drawingml/2006/main" xmlns:r="http://schemas.openxmlformats.org/officeDocument/2006/relationships" xmlns:p="http://schemas.openxmlformats.org/presentationml/2006/main">
   <p:cSld>
@@ -9294,7 +9305,7 @@
           <a:p>
             <a:r>
               <a:rPr lang="en-US" dirty="0" smtClean="0"/>
-              <a:t>Inheritance</a:t>
+              <a:t>Over parent</a:t>
             </a:r>
             <a:endParaRPr lang="en-US" dirty="0"/>
           </a:p>
@@ -9316,54 +9327,20 @@
           <a:lstStyle/>
           <a:p>
             <a:r>
-              <a:rPr lang="en-US" dirty="0"/>
-              <a:t>class </a:t>
-            </a:r>
-            <a:r>
-              <a:rPr lang="en-US" dirty="0" err="1"/>
-              <a:t>ChildClass</a:t>
-            </a:r>
-            <a:r>
-              <a:rPr lang="en-US" dirty="0"/>
-              <a:t> extends </a:t>
-            </a:r>
-            <a:r>
-              <a:rPr lang="en-US" dirty="0" err="1"/>
-              <a:t>ParentClass</a:t>
-            </a:r>
-            <a:r>
-              <a:rPr lang="en-US" dirty="0"/>
-              <a:t> </a:t>
-            </a:r>
-            <a:r>
               <a:rPr lang="en-US" dirty="0" smtClean="0"/>
-              <a:t>{</a:t>
+              <a:t>Child class can have new methods which parent class does not have.</a:t>
             </a:r>
           </a:p>
           <a:p>
             <a:r>
               <a:rPr lang="en-US" dirty="0" smtClean="0"/>
-              <a:t>}</a:t>
+              <a:t>EG. New iPhone has new function that more than old iPhone.</a:t>
             </a:r>
           </a:p>
           <a:p>
             <a:r>
               <a:rPr lang="en-US" dirty="0" smtClean="0"/>
-              <a:t>$</a:t>
-            </a:r>
-            <a:r>
-              <a:rPr lang="en-US" dirty="0" err="1" smtClean="0"/>
-              <a:t>samsung</a:t>
-            </a:r>
-            <a:r>
-              <a:rPr lang="en-US" dirty="0" smtClean="0"/>
-              <a:t>=new LCD();</a:t>
-            </a:r>
-          </a:p>
-          <a:p>
-            <a:r>
-              <a:rPr lang="en-US" dirty="0" smtClean="0"/>
-              <a:t>tv21.php</a:t>
+              <a:t>tv22.php</a:t>
             </a:r>
             <a:endParaRPr lang="en-US" dirty="0"/>
           </a:p>
@@ -9372,7 +9349,7 @@
     </p:spTree>
     <p:extLst>
       <p:ext uri="{BB962C8B-B14F-4D97-AF65-F5344CB8AC3E}">
-        <p14:creationId xmlns:p14="http://schemas.microsoft.com/office/powerpoint/2010/main" val="894975402"/>
+        <p14:creationId xmlns:p14="http://schemas.microsoft.com/office/powerpoint/2010/main" val="1691741302"/>
       </p:ext>
     </p:extLst>
   </p:cSld>
@@ -9416,7 +9393,7 @@
           <a:p>
             <a:r>
               <a:rPr lang="en-US" dirty="0" smtClean="0"/>
-              <a:t>Over parent</a:t>
+              <a:t>Classwork</a:t>
             </a:r>
             <a:endParaRPr lang="en-US" dirty="0"/>
           </a:p>
@@ -9439,19 +9416,44 @@
           <a:p>
             <a:r>
               <a:rPr lang="en-US" dirty="0" smtClean="0"/>
-              <a:t>Child class can have new methods which parent class does not have.</a:t>
-            </a:r>
-          </a:p>
-          <a:p>
+              <a:t>Add </a:t>
+            </a:r>
+            <a:r>
+              <a:rPr lang="en-US" dirty="0" err="1" smtClean="0"/>
+              <a:t>dolbyOff</a:t>
+            </a:r>
             <a:r>
               <a:rPr lang="en-US" dirty="0" smtClean="0"/>
-              <a:t>EG. New iPhone has new function that more than old iPhone.</a:t>
+              <a:t> method</a:t>
             </a:r>
           </a:p>
           <a:p>
             <a:r>
               <a:rPr lang="en-US" dirty="0" smtClean="0"/>
-              <a:t>tv22.php</a:t>
+              <a:t>$</a:t>
+            </a:r>
+            <a:r>
+              <a:rPr lang="en-US" dirty="0" err="1" smtClean="0"/>
+              <a:t>samsung</a:t>
+            </a:r>
+            <a:r>
+              <a:rPr lang="en-US" dirty="0" smtClean="0"/>
+              <a:t>-&gt;</a:t>
+            </a:r>
+            <a:r>
+              <a:rPr lang="en-US" dirty="0" err="1" smtClean="0"/>
+              <a:t>dolbyOff</a:t>
+            </a:r>
+            <a:r>
+              <a:rPr lang="en-US" smtClean="0"/>
+              <a:t>();</a:t>
+            </a:r>
+            <a:endParaRPr lang="en-US" dirty="0" smtClean="0"/>
+          </a:p>
+          <a:p>
+            <a:r>
+              <a:rPr lang="en-US" dirty="0" smtClean="0"/>
+              <a:t>tv23.php</a:t>
             </a:r>
             <a:endParaRPr lang="en-US" dirty="0"/>
           </a:p>
@@ -9460,7 +9462,7 @@
     </p:spTree>
     <p:extLst>
       <p:ext uri="{BB962C8B-B14F-4D97-AF65-F5344CB8AC3E}">
-        <p14:creationId xmlns:p14="http://schemas.microsoft.com/office/powerpoint/2010/main" val="1691741302"/>
+        <p14:creationId xmlns:p14="http://schemas.microsoft.com/office/powerpoint/2010/main" val="84485564"/>
       </p:ext>
     </p:extLst>
   </p:cSld>
@@ -9504,7 +9506,7 @@
           <a:p>
             <a:r>
               <a:rPr lang="en-US" dirty="0" smtClean="0"/>
-              <a:t>Classwork</a:t>
+              <a:t>Parent method</a:t>
             </a:r>
             <a:endParaRPr lang="en-US" dirty="0"/>
           </a:p>
@@ -9527,21 +9529,27 @@
           <a:p>
             <a:r>
               <a:rPr lang="en-US" dirty="0" smtClean="0"/>
-              <a:t>Add </a:t>
+              <a:t>You may use methods from Parent class</a:t>
+            </a:r>
+          </a:p>
+          <a:p>
+            <a:r>
+              <a:rPr lang="en-US" dirty="0" smtClean="0"/>
+              <a:t>parent::</a:t>
             </a:r>
             <a:r>
               <a:rPr lang="en-US" dirty="0" err="1" smtClean="0"/>
-              <a:t>dolbyOff</a:t>
+              <a:t>turnOff</a:t>
             </a:r>
             <a:r>
               <a:rPr lang="en-US" dirty="0" smtClean="0"/>
-              <a:t> method</a:t>
+              <a:t>()</a:t>
             </a:r>
           </a:p>
           <a:p>
             <a:r>
               <a:rPr lang="en-US" dirty="0" smtClean="0"/>
-              <a:t>tv23.php</a:t>
+              <a:t>tv24.php</a:t>
             </a:r>
             <a:endParaRPr lang="en-US" dirty="0"/>
           </a:p>
@@ -9550,7 +9558,7 @@
     </p:spTree>
     <p:extLst>
       <p:ext uri="{BB962C8B-B14F-4D97-AF65-F5344CB8AC3E}">
-        <p14:creationId xmlns:p14="http://schemas.microsoft.com/office/powerpoint/2010/main" val="84485564"/>
+        <p14:creationId xmlns:p14="http://schemas.microsoft.com/office/powerpoint/2010/main" val="1031552644"/>
       </p:ext>
     </p:extLst>
   </p:cSld>
@@ -9680,7 +9688,7 @@
           <a:p>
             <a:r>
               <a:rPr lang="en-US" dirty="0" smtClean="0"/>
-              <a:t>Parent method</a:t>
+              <a:t>Static method</a:t>
             </a:r>
             <a:endParaRPr lang="en-US" dirty="0"/>
           </a:p>
@@ -9702,28 +9710,38 @@
           <a:lstStyle/>
           <a:p>
             <a:r>
+              <a:rPr lang="en-US" dirty="0"/>
+              <a:t>Static means the method or variable is accessible through the class definition and not just through </a:t>
+            </a:r>
+            <a:r>
               <a:rPr lang="en-US" dirty="0" smtClean="0"/>
-              <a:t>You may use methods from Parent class</a:t>
-            </a:r>
-          </a:p>
-          <a:p>
+              <a:t>objects</a:t>
+            </a:r>
+          </a:p>
+          <a:p>
+            <a:r>
+              <a:rPr lang="en-US" dirty="0"/>
+              <a:t>public static function insurance</a:t>
+            </a:r>
             <a:r>
               <a:rPr lang="en-US" dirty="0" smtClean="0"/>
-              <a:t>parent::</a:t>
-            </a:r>
-            <a:r>
-              <a:rPr lang="en-US" dirty="0" err="1" smtClean="0"/>
-              <a:t>turnOff</a:t>
+              <a:t>(){}</a:t>
+            </a:r>
+          </a:p>
+          <a:p>
+            <a:r>
+              <a:rPr lang="en-US" dirty="0"/>
+              <a:t>TV::insurance</a:t>
             </a:r>
             <a:r>
               <a:rPr lang="en-US" dirty="0" smtClean="0"/>
-              <a:t>()</a:t>
+              <a:t>();</a:t>
             </a:r>
           </a:p>
           <a:p>
             <a:r>
               <a:rPr lang="en-US" dirty="0" smtClean="0"/>
-              <a:t>tv24.php</a:t>
+              <a:t>tv25.php</a:t>
             </a:r>
             <a:endParaRPr lang="en-US" dirty="0"/>
           </a:p>
@@ -9732,7 +9750,7 @@
     </p:spTree>
     <p:extLst>
       <p:ext uri="{BB962C8B-B14F-4D97-AF65-F5344CB8AC3E}">
-        <p14:creationId xmlns:p14="http://schemas.microsoft.com/office/powerpoint/2010/main" val="1031552644"/>
+        <p14:creationId xmlns:p14="http://schemas.microsoft.com/office/powerpoint/2010/main" val="812627967"/>
       </p:ext>
     </p:extLst>
   </p:cSld>
@@ -9798,28 +9816,22 @@
           <a:lstStyle/>
           <a:p>
             <a:r>
+              <a:rPr lang="en-US" altLang="zh-TW" dirty="0" smtClean="0"/>
+              <a:t>Different class can has some static method name but different function</a:t>
+            </a:r>
+          </a:p>
+          <a:p>
+            <a:r>
+              <a:rPr lang="en-US" altLang="zh-TW" dirty="0" smtClean="0"/>
+              <a:t>LCD</a:t>
+            </a:r>
+            <a:r>
+              <a:rPr lang="en-US" dirty="0" smtClean="0"/>
+              <a:t>::</a:t>
+            </a:r>
+            <a:r>
               <a:rPr lang="en-US" dirty="0"/>
-              <a:t>Static means the method or variable is accessible through the class definition and not just through </a:t>
-            </a:r>
-            <a:r>
-              <a:rPr lang="en-US" dirty="0" smtClean="0"/>
-              <a:t>objects</a:t>
-            </a:r>
-          </a:p>
-          <a:p>
-            <a:r>
-              <a:rPr lang="en-US" dirty="0"/>
-              <a:t>public static function insurance</a:t>
-            </a:r>
-            <a:r>
-              <a:rPr lang="en-US" dirty="0" smtClean="0"/>
-              <a:t>(){}</a:t>
-            </a:r>
-          </a:p>
-          <a:p>
-            <a:r>
-              <a:rPr lang="en-US" dirty="0"/>
-              <a:t>TV::insurance</a:t>
+              <a:t>insurance</a:t>
             </a:r>
             <a:r>
               <a:rPr lang="en-US" dirty="0" smtClean="0"/>
@@ -9829,7 +9841,15 @@
           <a:p>
             <a:r>
               <a:rPr lang="en-US" dirty="0" smtClean="0"/>
-              <a:t>tv25.php</a:t>
+              <a:t>tv2</a:t>
+            </a:r>
+            <a:r>
+              <a:rPr lang="en-US" altLang="zh-TW" dirty="0" smtClean="0"/>
+              <a:t>6</a:t>
+            </a:r>
+            <a:r>
+              <a:rPr lang="en-US" dirty="0" smtClean="0"/>
+              <a:t>.php</a:t>
             </a:r>
             <a:endParaRPr lang="en-US" dirty="0"/>
           </a:p>
@@ -9838,7 +9858,7 @@
     </p:spTree>
     <p:extLst>
       <p:ext uri="{BB962C8B-B14F-4D97-AF65-F5344CB8AC3E}">
-        <p14:creationId xmlns:p14="http://schemas.microsoft.com/office/powerpoint/2010/main" val="812627967"/>
+        <p14:creationId xmlns:p14="http://schemas.microsoft.com/office/powerpoint/2010/main" val="1269505404"/>
       </p:ext>
     </p:extLst>
   </p:cSld>
@@ -9882,7 +9902,7 @@
           <a:p>
             <a:r>
               <a:rPr lang="en-US" dirty="0" smtClean="0"/>
-              <a:t>Static method</a:t>
+              <a:t>Public, Private, Protected</a:t>
             </a:r>
             <a:endParaRPr lang="en-US" dirty="0"/>
           </a:p>
@@ -9904,49 +9924,38 @@
           <a:lstStyle/>
           <a:p>
             <a:r>
-              <a:rPr lang="en-US" altLang="zh-TW" dirty="0" smtClean="0"/>
-              <a:t>Different class can has some static method name but different function</a:t>
-            </a:r>
-          </a:p>
-          <a:p>
-            <a:r>
-              <a:rPr lang="en-US" altLang="zh-TW" dirty="0" smtClean="0"/>
-              <a:t>LCD</a:t>
-            </a:r>
+              <a:rPr lang="en-US" dirty="0"/>
+              <a:t>Class properties must be defined as </a:t>
+            </a:r>
+            <a:endParaRPr lang="en-US" dirty="0" smtClean="0"/>
+          </a:p>
+          <a:p>
+            <a:pPr lvl="1"/>
             <a:r>
               <a:rPr lang="en-US" dirty="0" smtClean="0"/>
-              <a:t>::</a:t>
-            </a:r>
-            <a:r>
-              <a:rPr lang="en-US" dirty="0"/>
-              <a:t>insurance</a:t>
-            </a:r>
+              <a:t>Public</a:t>
+            </a:r>
+          </a:p>
+          <a:p>
+            <a:pPr lvl="1"/>
             <a:r>
               <a:rPr lang="en-US" dirty="0" smtClean="0"/>
-              <a:t>();</a:t>
-            </a:r>
-          </a:p>
-          <a:p>
+              <a:t>Private</a:t>
+            </a:r>
+          </a:p>
+          <a:p>
+            <a:pPr lvl="1"/>
             <a:r>
               <a:rPr lang="en-US" dirty="0" smtClean="0"/>
-              <a:t>tv2</a:t>
-            </a:r>
-            <a:r>
-              <a:rPr lang="en-US" altLang="zh-TW" dirty="0" smtClean="0"/>
-              <a:t>6</a:t>
-            </a:r>
-            <a:r>
-              <a:rPr lang="en-US" dirty="0" smtClean="0"/>
-              <a:t>.php</a:t>
-            </a:r>
-            <a:endParaRPr lang="en-US" dirty="0"/>
+              <a:t>Protected</a:t>
+            </a:r>
           </a:p>
         </p:txBody>
       </p:sp>
     </p:spTree>
     <p:extLst>
       <p:ext uri="{BB962C8B-B14F-4D97-AF65-F5344CB8AC3E}">
-        <p14:creationId xmlns:p14="http://schemas.microsoft.com/office/powerpoint/2010/main" val="1269505404"/>
+        <p14:creationId xmlns:p14="http://schemas.microsoft.com/office/powerpoint/2010/main" val="469897204"/>
       </p:ext>
     </p:extLst>
   </p:cSld>
@@ -9990,7 +9999,7 @@
           <a:p>
             <a:r>
               <a:rPr lang="en-US" dirty="0" smtClean="0"/>
-              <a:t>Public, Private, Protected</a:t>
+              <a:t>public</a:t>
             </a:r>
             <a:endParaRPr lang="en-US" dirty="0"/>
           </a:p>
@@ -10012,38 +10021,89 @@
           <a:lstStyle/>
           <a:p>
             <a:r>
+              <a:rPr lang="en-US" altLang="en-US" dirty="0" smtClean="0"/>
+              <a:t>By </a:t>
+            </a:r>
+            <a:r>
+              <a:rPr lang="en-US" altLang="en-US" dirty="0"/>
+              <a:t>default, all class members are public </a:t>
+            </a:r>
+            <a:r>
+              <a:rPr lang="en-US" altLang="en-US" dirty="0" smtClean="0"/>
+              <a:t>. </a:t>
+            </a:r>
+            <a:r>
+              <a:rPr lang="en-US" dirty="0" smtClean="0"/>
+              <a:t>If properties declared </a:t>
+            </a:r>
+            <a:r>
               <a:rPr lang="en-US" dirty="0"/>
-              <a:t>Class properties must be defined as </a:t>
-            </a:r>
-            <a:endParaRPr lang="en-US" dirty="0" smtClean="0"/>
-          </a:p>
-          <a:p>
-            <a:pPr lvl="1"/>
+              <a:t>using </a:t>
+            </a:r>
+            <a:r>
+              <a:rPr lang="en-US" dirty="0" err="1"/>
+              <a:t>var</a:t>
+            </a:r>
+            <a:r>
+              <a:rPr lang="en-US" dirty="0"/>
+              <a:t>, the property will be defined as public</a:t>
+            </a:r>
             <a:r>
               <a:rPr lang="en-US" dirty="0" smtClean="0"/>
-              <a:t>Public</a:t>
-            </a:r>
-          </a:p>
-          <a:p>
-            <a:pPr lvl="1"/>
+              <a:t>.</a:t>
+            </a:r>
+          </a:p>
+          <a:p>
             <a:r>
               <a:rPr lang="en-US" dirty="0" smtClean="0"/>
-              <a:t>Private</a:t>
-            </a:r>
-          </a:p>
-          <a:p>
-            <a:pPr lvl="1"/>
+              <a:t>You can change public variable at anytime.</a:t>
+            </a:r>
+          </a:p>
+          <a:p>
+            <a:r>
+              <a:rPr lang="en-US" dirty="0"/>
+              <a:t>public $plug="UK</a:t>
+            </a:r>
             <a:r>
               <a:rPr lang="en-US" dirty="0" smtClean="0"/>
-              <a:t>Protected</a:t>
-            </a:r>
+              <a:t>";</a:t>
+            </a:r>
+          </a:p>
+          <a:p>
+            <a:r>
+              <a:rPr lang="en-US" dirty="0"/>
+              <a:t>$</a:t>
+            </a:r>
+            <a:r>
+              <a:rPr lang="en-US" dirty="0" err="1"/>
+              <a:t>sony</a:t>
+            </a:r>
+            <a:r>
+              <a:rPr lang="en-US" dirty="0"/>
+              <a:t>-&gt;plug="CN";</a:t>
+            </a:r>
+          </a:p>
+          <a:p>
+            <a:r>
+              <a:rPr lang="en-US" dirty="0" smtClean="0"/>
+              <a:t>tv</a:t>
+            </a:r>
+            <a:r>
+              <a:rPr lang="en-US" altLang="zh-TW" dirty="0" smtClean="0"/>
+              <a:t>27</a:t>
+            </a:r>
+            <a:r>
+              <a:rPr lang="en-US" dirty="0" smtClean="0"/>
+              <a:t>.php</a:t>
+            </a:r>
+            <a:endParaRPr lang="en-US" dirty="0"/>
           </a:p>
         </p:txBody>
       </p:sp>
     </p:spTree>
     <p:extLst>
       <p:ext uri="{BB962C8B-B14F-4D97-AF65-F5344CB8AC3E}">
-        <p14:creationId xmlns:p14="http://schemas.microsoft.com/office/powerpoint/2010/main" val="469897204"/>
+        <p14:creationId xmlns:p14="http://schemas.microsoft.com/office/powerpoint/2010/main" val="455972480"/>
       </p:ext>
     </p:extLst>
   </p:cSld>
@@ -10087,7 +10147,7 @@
           <a:p>
             <a:r>
               <a:rPr lang="en-US" dirty="0" smtClean="0"/>
-              <a:t>public</a:t>
+              <a:t>private</a:t>
             </a:r>
             <a:endParaRPr lang="en-US" dirty="0"/>
           </a:p>
@@ -10109,32 +10169,20 @@
           <a:lstStyle/>
           <a:p>
             <a:r>
-              <a:rPr lang="en-US" altLang="en-US" dirty="0" smtClean="0"/>
-              <a:t>By </a:t>
-            </a:r>
-            <a:r>
-              <a:rPr lang="en-US" altLang="en-US" dirty="0"/>
-              <a:t>default, all class members are public </a:t>
-            </a:r>
-            <a:r>
-              <a:rPr lang="en-US" altLang="en-US" dirty="0" smtClean="0"/>
-              <a:t>. </a:t>
-            </a:r>
-            <a:r>
               <a:rPr lang="en-US" dirty="0" smtClean="0"/>
-              <a:t>If properties declared </a:t>
+              <a:t>Access </a:t>
             </a:r>
             <a:r>
               <a:rPr lang="en-US" dirty="0"/>
-              <a:t>using </a:t>
-            </a:r>
-            <a:r>
-              <a:rPr lang="en-US" dirty="0" err="1"/>
-              <a:t>var</a:t>
+              <a:t>is limited to the declaring class </a:t>
+            </a:r>
+            <a:r>
+              <a:rPr lang="en-US" dirty="0" smtClean="0"/>
+              <a:t>only. </a:t>
             </a:r>
             <a:r>
               <a:rPr lang="en-US" dirty="0"/>
-              <a:t>, the property will be defined as public</a:t>
+              <a:t>No external access whatsoever is allowed</a:t>
             </a:r>
             <a:r>
               <a:rPr lang="en-US" dirty="0" smtClean="0"/>
@@ -10144,18 +10192,7 @@
           <a:p>
             <a:r>
               <a:rPr lang="en-US" dirty="0" smtClean="0"/>
-              <a:t>You can change public variable at anytime.</a:t>
-            </a:r>
-            <a:endParaRPr lang="en-US" dirty="0" smtClean="0"/>
-          </a:p>
-          <a:p>
-            <a:r>
-              <a:rPr lang="en-US" dirty="0"/>
-              <a:t>public $plug="UK</a:t>
-            </a:r>
-            <a:r>
-              <a:rPr lang="en-US" dirty="0" smtClean="0"/>
-              <a:t>";</a:t>
+              <a:t>It is a good practice to protect from outsider giving invalid value.  Always check input value before setting the new value.</a:t>
             </a:r>
           </a:p>
           <a:p>
@@ -10169,22 +10206,18 @@
             </a:r>
             <a:r>
               <a:rPr lang="en-US" dirty="0"/>
-              <a:t>-&gt;plug="CN";</a:t>
+              <a:t>-&gt;</a:t>
+            </a:r>
+            <a:r>
+              <a:rPr lang="en-US" dirty="0" smtClean="0"/>
+              <a:t>voltage=110; (Error)</a:t>
             </a:r>
             <a:endParaRPr lang="en-US" dirty="0"/>
           </a:p>
           <a:p>
             <a:r>
               <a:rPr lang="en-US" dirty="0" smtClean="0"/>
-              <a:t>tv</a:t>
-            </a:r>
-            <a:r>
-              <a:rPr lang="en-US" altLang="zh-TW" dirty="0" smtClean="0"/>
-              <a:t>27</a:t>
-            </a:r>
-            <a:r>
-              <a:rPr lang="en-US" dirty="0" smtClean="0"/>
-              <a:t>.php</a:t>
+              <a:t>tv28.php</a:t>
             </a:r>
             <a:endParaRPr lang="en-US" dirty="0"/>
           </a:p>
@@ -10193,7 +10226,7 @@
     </p:spTree>
     <p:extLst>
       <p:ext uri="{BB962C8B-B14F-4D97-AF65-F5344CB8AC3E}">
-        <p14:creationId xmlns:p14="http://schemas.microsoft.com/office/powerpoint/2010/main" val="455972480"/>
+        <p14:creationId xmlns:p14="http://schemas.microsoft.com/office/powerpoint/2010/main" val="861694670"/>
       </p:ext>
     </p:extLst>
   </p:cSld>
@@ -10237,7 +10270,7 @@
           <a:p>
             <a:r>
               <a:rPr lang="en-US" dirty="0" smtClean="0"/>
-              <a:t>private</a:t>
+              <a:t>protected</a:t>
             </a:r>
             <a:endParaRPr lang="en-US" dirty="0"/>
           </a:p>
@@ -10258,60 +10291,30 @@
           <a:bodyPr/>
           <a:lstStyle/>
           <a:p>
+            <a:pPr eaLnBrk="1" hangingPunct="1"/>
+            <a:r>
+              <a:rPr lang="en-US" altLang="en-US" dirty="0"/>
+              <a:t>To access a parent method or property from a child class </a:t>
+            </a:r>
+            <a:endParaRPr lang="en-US" altLang="en-US" dirty="0" smtClean="0"/>
+          </a:p>
+          <a:p>
+            <a:pPr eaLnBrk="1" hangingPunct="1"/>
+            <a:r>
+              <a:rPr lang="en-US" altLang="en-US" dirty="0" smtClean="0"/>
+              <a:t>Like </a:t>
+            </a:r>
+            <a:r>
+              <a:rPr lang="en-US" altLang="en-US" dirty="0"/>
+              <a:t>the private keyword, protected methods and properties are available only to the class that created them. </a:t>
+            </a:r>
+            <a:endParaRPr lang="en-US" altLang="en-US" dirty="0" smtClean="0"/>
+          </a:p>
+          <a:p>
+            <a:pPr eaLnBrk="1" hangingPunct="1"/>
             <a:r>
               <a:rPr lang="en-US" dirty="0" smtClean="0"/>
-              <a:t>Access </a:t>
-            </a:r>
-            <a:r>
-              <a:rPr lang="en-US" dirty="0"/>
-              <a:t>is limited to the declaring class </a:t>
-            </a:r>
-            <a:r>
-              <a:rPr lang="en-US" dirty="0" smtClean="0"/>
-              <a:t>only. </a:t>
-            </a:r>
-            <a:r>
-              <a:rPr lang="en-US" dirty="0"/>
-              <a:t>No external access whatsoever is allowed</a:t>
-            </a:r>
-            <a:r>
-              <a:rPr lang="en-US" dirty="0" smtClean="0"/>
-              <a:t>.</a:t>
-            </a:r>
-          </a:p>
-          <a:p>
-            <a:r>
-              <a:rPr lang="en-US" dirty="0" smtClean="0"/>
-              <a:t>It is a good practice to protect from outsider giving invalid value.  Always check input value before setting the new value.</a:t>
-            </a:r>
-          </a:p>
-          <a:p>
-            <a:r>
-              <a:rPr lang="en-US" dirty="0"/>
-              <a:t>$</a:t>
-            </a:r>
-            <a:r>
-              <a:rPr lang="en-US" dirty="0" err="1"/>
-              <a:t>sony</a:t>
-            </a:r>
-            <a:r>
-              <a:rPr lang="en-US" dirty="0"/>
-              <a:t>-&gt;</a:t>
-            </a:r>
-            <a:r>
-              <a:rPr lang="en-US" dirty="0" smtClean="0"/>
-              <a:t>voltage=110</a:t>
-            </a:r>
-            <a:r>
-              <a:rPr lang="en-US" dirty="0" smtClean="0"/>
-              <a:t>; (Error)</a:t>
-            </a:r>
-            <a:endParaRPr lang="en-US" dirty="0"/>
-          </a:p>
-          <a:p>
-            <a:r>
-              <a:rPr lang="en-US" dirty="0" smtClean="0"/>
-              <a:t>tv28.php</a:t>
+              <a:t>tv29.php</a:t>
             </a:r>
             <a:endParaRPr lang="en-US" dirty="0"/>
           </a:p>
@@ -10320,7 +10323,7 @@
     </p:spTree>
     <p:extLst>
       <p:ext uri="{BB962C8B-B14F-4D97-AF65-F5344CB8AC3E}">
-        <p14:creationId xmlns:p14="http://schemas.microsoft.com/office/powerpoint/2010/main" val="861694670"/>
+        <p14:creationId xmlns:p14="http://schemas.microsoft.com/office/powerpoint/2010/main" val="256506750"/>
       </p:ext>
     </p:extLst>
   </p:cSld>
@@ -10387,28 +10390,28 @@
           <a:p>
             <a:pPr eaLnBrk="1" hangingPunct="1"/>
             <a:r>
+              <a:rPr lang="en-US" altLang="en-US" dirty="0" smtClean="0"/>
+              <a:t>But </a:t>
+            </a:r>
+            <a:r>
               <a:rPr lang="en-US" altLang="en-US" dirty="0"/>
-              <a:t>To access a parent method or property from a child class </a:t>
-            </a:r>
-            <a:endParaRPr lang="en-US" altLang="en-US" dirty="0" smtClean="0"/>
-          </a:p>
-          <a:p>
-            <a:pPr eaLnBrk="1" hangingPunct="1"/>
-            <a:r>
-              <a:rPr lang="en-US" altLang="en-US" dirty="0" smtClean="0"/>
-              <a:t>Like </a:t>
-            </a:r>
-            <a:r>
-              <a:rPr lang="en-US" altLang="en-US" dirty="0"/>
-              <a:t>the private keyword, protected methods and properties are available only to the class that created them. </a:t>
-            </a:r>
-            <a:endParaRPr lang="en-US" altLang="en-US" dirty="0" smtClean="0"/>
-          </a:p>
-          <a:p>
-            <a:pPr eaLnBrk="1" hangingPunct="1"/>
+              <a:t>unlike private, protected methods and properties are visible from a parent class.</a:t>
+            </a:r>
+          </a:p>
+          <a:p>
+            <a:r>
+              <a:rPr lang="en-US" dirty="0" err="1" smtClean="0"/>
+              <a:t>SetMethod</a:t>
+            </a:r>
             <a:r>
               <a:rPr lang="en-US" dirty="0" smtClean="0"/>
-              <a:t>tv29.php</a:t>
+              <a:t> from child</a:t>
+            </a:r>
+          </a:p>
+          <a:p>
+            <a:r>
+              <a:rPr lang="en-US" dirty="0" smtClean="0"/>
+              <a:t>tv17.php</a:t>
             </a:r>
             <a:endParaRPr lang="en-US" dirty="0"/>
           </a:p>
@@ -10417,7 +10420,7 @@
     </p:spTree>
     <p:extLst>
       <p:ext uri="{BB962C8B-B14F-4D97-AF65-F5344CB8AC3E}">
-        <p14:creationId xmlns:p14="http://schemas.microsoft.com/office/powerpoint/2010/main" val="256506750"/>
+        <p14:creationId xmlns:p14="http://schemas.microsoft.com/office/powerpoint/2010/main" val="139753832"/>
       </p:ext>
     </p:extLst>
   </p:cSld>
@@ -10460,8 +10463,8 @@
           <a:lstStyle/>
           <a:p>
             <a:r>
-              <a:rPr lang="en-US" dirty="0" smtClean="0"/>
-              <a:t>protected</a:t>
+              <a:rPr lang="en-US" smtClean="0"/>
+              <a:t>Concept 2</a:t>
             </a:r>
             <a:endParaRPr lang="en-US" dirty="0"/>
           </a:p>
@@ -10469,12 +10472,12 @@
       </p:sp>
       <p:sp>
         <p:nvSpPr>
-          <p:cNvPr id="3" name="Content Placeholder 2"/>
-          <p:cNvSpPr>
-            <a:spLocks noGrp="1"/>
-          </p:cNvSpPr>
-          <p:nvPr>
-            <p:ph idx="1"/>
+          <p:cNvPr id="18435" name="Content Placeholder 2"/>
+          <p:cNvSpPr>
+            <a:spLocks noGrp="1"/>
+          </p:cNvSpPr>
+          <p:nvPr>
+            <p:ph sz="quarter" idx="1"/>
           </p:nvPr>
         </p:nvSpPr>
         <p:spPr/>
@@ -10482,45 +10485,44 @@
           <a:bodyPr/>
           <a:lstStyle/>
           <a:p>
-            <a:pPr eaLnBrk="1" hangingPunct="1"/>
-            <a:r>
-              <a:rPr lang="en-US" altLang="en-US" dirty="0" smtClean="0"/>
-              <a:t>But </a:t>
-            </a:r>
-            <a:r>
-              <a:rPr lang="en-US" altLang="en-US" dirty="0"/>
-              <a:t>unlike private, protected methods and properties are visible from a parent class.</a:t>
-            </a:r>
-          </a:p>
-          <a:p>
-            <a:r>
-              <a:rPr lang="en-US" dirty="0" err="1" smtClean="0"/>
-              <a:t>SetMethod</a:t>
-            </a:r>
-            <a:r>
-              <a:rPr lang="en-US" dirty="0" smtClean="0"/>
-              <a:t> from child</a:t>
-            </a:r>
-          </a:p>
-          <a:p>
-            <a:r>
-              <a:rPr lang="en-US" dirty="0" smtClean="0"/>
-              <a:t>tv17.php</a:t>
-            </a:r>
-            <a:endParaRPr lang="en-US" dirty="0"/>
+            <a:r>
+              <a:rPr lang="en-US" altLang="en-US" smtClean="0"/>
+              <a:t>Polymorphism – allows a class to be defined as being a member of more than one category of classes (EG. a car is “a thing with engine” and also “a thing with wheels”)</a:t>
+            </a:r>
+          </a:p>
+          <a:p>
+            <a:r>
+              <a:rPr lang="en-US" altLang="en-US" smtClean="0"/>
+              <a:t>Interfaces – a way of specifying that an object is capable of doing something without actually defining how it is to be done (EG. a dog and a human are “things that walk” but they are different)</a:t>
+            </a:r>
+          </a:p>
+          <a:p>
+            <a:r>
+              <a:rPr lang="en-US" altLang="en-US" smtClean="0"/>
+              <a:t>Encapsulation – the ability of an object to protect access to its internal data</a:t>
+            </a:r>
+            <a:endParaRPr lang="en-US" altLang="en-US"/>
           </a:p>
         </p:txBody>
       </p:sp>
     </p:spTree>
     <p:extLst>
       <p:ext uri="{BB962C8B-B14F-4D97-AF65-F5344CB8AC3E}">
-        <p14:creationId xmlns:p14="http://schemas.microsoft.com/office/powerpoint/2010/main" val="139753832"/>
+        <p14:creationId xmlns:p14="http://schemas.microsoft.com/office/powerpoint/2010/main" val="1481579447"/>
       </p:ext>
     </p:extLst>
   </p:cSld>
   <p:clrMapOvr>
     <a:masterClrMapping/>
   </p:clrMapOvr>
+  <mc:AlternateContent xmlns:mc="http://schemas.openxmlformats.org/markup-compatibility/2006" xmlns:p14="http://schemas.microsoft.com/office/powerpoint/2010/main">
+    <mc:Choice Requires="p14">
+      <p:transition spd="slow" p14:dur="2000"/>
+    </mc:Choice>
+    <mc:Fallback xmlns="">
+      <p:transition spd="slow"/>
+    </mc:Fallback>
+  </mc:AlternateContent>
 </p:sld>
 </file>
 
@@ -10557,8 +10559,8 @@
           <a:lstStyle/>
           <a:p>
             <a:r>
-              <a:rPr lang="en-US" smtClean="0"/>
-              <a:t>Concept 2</a:t>
+              <a:rPr lang="en-US" dirty="0" smtClean="0"/>
+              <a:t>Example</a:t>
             </a:r>
             <a:endParaRPr lang="en-US" dirty="0"/>
           </a:p>
@@ -10580,29 +10582,46 @@
           <a:lstStyle/>
           <a:p>
             <a:r>
-              <a:rPr lang="en-US" altLang="en-US" smtClean="0"/>
-              <a:t>Polymorphism – allows a class to be defined as being a member of more than one category of classes (EG. a car is “a thing with engine” and also “a thing with wheels”)</a:t>
-            </a:r>
-          </a:p>
-          <a:p>
-            <a:r>
-              <a:rPr lang="en-US" altLang="en-US" smtClean="0"/>
-              <a:t>Interfaces – a way of specifying that an object is capable of doing something without actually defining how it is to be done (EG. a dog and a human are “things that walk” but they are different)</a:t>
-            </a:r>
-          </a:p>
-          <a:p>
-            <a:r>
-              <a:rPr lang="en-US" altLang="en-US" smtClean="0"/>
-              <a:t>Encapsulation – the ability of an object to protect access to its internal data</a:t>
-            </a:r>
-            <a:endParaRPr lang="en-US" altLang="en-US"/>
+              <a:rPr lang="en-US" altLang="zh-TW" dirty="0" smtClean="0"/>
+              <a:t>Search </a:t>
+            </a:r>
+            <a:r>
+              <a:rPr lang="zh-TW" altLang="en-US" dirty="0" smtClean="0"/>
+              <a:t>農曆 </a:t>
+            </a:r>
+            <a:r>
+              <a:rPr lang="en-US" altLang="en-US" dirty="0" err="1"/>
+              <a:t>php</a:t>
+            </a:r>
+            <a:endParaRPr lang="en-US" altLang="en-US" dirty="0"/>
+          </a:p>
+          <a:p>
+            <a:r>
+              <a:rPr lang="en-US" altLang="en-US" dirty="0" smtClean="0"/>
+              <a:t>https</a:t>
+            </a:r>
+            <a:r>
+              <a:rPr lang="en-US" altLang="en-US" dirty="0"/>
+              <a:t>://</a:t>
+            </a:r>
+            <a:r>
+              <a:rPr lang="en-US" altLang="en-US" dirty="0" smtClean="0"/>
+              <a:t>gist.github.com/eagleon/1702129</a:t>
+            </a:r>
+          </a:p>
+          <a:p>
+            <a:r>
+              <a:rPr lang="en-US" altLang="en-US" dirty="0" err="1" smtClean="0"/>
+              <a:t>cal.php</a:t>
+            </a:r>
+            <a:endParaRPr lang="en-US" altLang="en-US" dirty="0"/>
           </a:p>
         </p:txBody>
       </p:sp>
     </p:spTree>
     <p:extLst>
       <p:ext uri="{BB962C8B-B14F-4D97-AF65-F5344CB8AC3E}">
-        <p14:creationId xmlns:p14="http://schemas.microsoft.com/office/powerpoint/2010/main" val="1481579447"/>
+        <p14:creationId xmlns:p14="http://schemas.microsoft.com/office/powerpoint/2010/main" val="1808394227"/>
       </p:ext>
     </p:extLst>
   </p:cSld>
@@ -10680,33 +10699,33 @@
               <a:t>Search </a:t>
             </a:r>
             <a:r>
-              <a:rPr lang="zh-TW" altLang="en-US" dirty="0" smtClean="0"/>
-              <a:t>農曆 </a:t>
-            </a:r>
-            <a:r>
-              <a:rPr lang="en-US" altLang="en-US" dirty="0" err="1"/>
+              <a:rPr lang="en-US" altLang="en-US" dirty="0" err="1" smtClean="0"/>
               <a:t>php</a:t>
             </a:r>
+            <a:r>
+              <a:rPr lang="en-US" altLang="en-US" dirty="0" smtClean="0"/>
+              <a:t> </a:t>
+            </a:r>
+            <a:r>
+              <a:rPr lang="en-US" altLang="en-US" dirty="0" err="1" smtClean="0"/>
+              <a:t>pdf</a:t>
+            </a:r>
             <a:endParaRPr lang="en-US" altLang="en-US" dirty="0"/>
           </a:p>
           <a:p>
             <a:r>
+              <a:rPr lang="en-US" altLang="en-US" dirty="0"/>
+              <a:t>http://www.fpdf.org</a:t>
+            </a:r>
+            <a:r>
               <a:rPr lang="en-US" altLang="en-US" dirty="0" smtClean="0"/>
-              <a:t>https</a:t>
-            </a:r>
-            <a:r>
-              <a:rPr lang="en-US" altLang="en-US" dirty="0"/>
-              <a:t>://</a:t>
-            </a:r>
-            <a:r>
-              <a:rPr lang="en-US" altLang="en-US" dirty="0" smtClean="0"/>
-              <a:t>gist.github.com/eagleon/1702129</a:t>
-            </a:r>
-          </a:p>
-          <a:p>
-            <a:r>
-              <a:rPr lang="en-US" altLang="en-US" dirty="0" err="1" smtClean="0"/>
-              <a:t>cal.php</a:t>
+              <a:t>/</a:t>
+            </a:r>
+          </a:p>
+          <a:p>
+            <a:r>
+              <a:rPr lang="en-US" altLang="en-US" smtClean="0"/>
+              <a:t>pdf.php</a:t>
             </a:r>
             <a:endParaRPr lang="en-US" altLang="en-US" dirty="0"/>
           </a:p>
@@ -10715,7 +10734,7 @@
     </p:spTree>
     <p:extLst>
       <p:ext uri="{BB962C8B-B14F-4D97-AF65-F5344CB8AC3E}">
-        <p14:creationId xmlns:p14="http://schemas.microsoft.com/office/powerpoint/2010/main" val="1808394227"/>
+        <p14:creationId xmlns:p14="http://schemas.microsoft.com/office/powerpoint/2010/main" val="2962534565"/>
       </p:ext>
     </p:extLst>
   </p:cSld>
@@ -10986,11 +11005,7 @@
           <a:p>
             <a:r>
               <a:rPr lang="en-US" altLang="zh-TW" dirty="0" smtClean="0"/>
-              <a:t>You do not need to know how it works inside, but you need to know what to input and what is the </a:t>
-            </a:r>
-            <a:r>
-              <a:rPr lang="en-US" altLang="zh-TW" dirty="0" smtClean="0"/>
-              <a:t>output</a:t>
+              <a:t>You do not need to know how it works inside, but you need to know what to input and what is the output</a:t>
             </a:r>
           </a:p>
           <a:p>
@@ -11521,15 +11536,7 @@
             </a:r>
             <a:r>
               <a:rPr lang="en-US" altLang="zh-TW" dirty="0" smtClean="0"/>
-              <a:t> </a:t>
-            </a:r>
-            <a:r>
-              <a:rPr lang="en-US" altLang="zh-TW" dirty="0" smtClean="0"/>
-              <a:t>method </a:t>
-            </a:r>
-            <a:r>
-              <a:rPr lang="en-US" altLang="zh-TW" dirty="0" smtClean="0"/>
-              <a:t>in TV class</a:t>
+              <a:t> method in TV class</a:t>
             </a:r>
           </a:p>
           <a:p>
@@ -11545,7 +11552,6 @@
               <a:rPr lang="en-US" altLang="zh-TW" dirty="0" smtClean="0"/>
               <a:t>&gt;”;</a:t>
             </a:r>
-            <a:endParaRPr lang="en-US" altLang="zh-TW" dirty="0" smtClean="0"/>
           </a:p>
           <a:p>
             <a:r>

--- a/php-fw7/lesson7a-tv.pptx
+++ b/php-fw7/lesson7a-tv.pptx
@@ -171,7 +171,7 @@
   </p:defaultTextStyle>
   <p:extLst>
     <p:ext uri="{EFAFB233-063F-42B5-8137-9DF3F51BA10A}">
-      <p15:sldGuideLst xmlns:p15="http://schemas.microsoft.com/office/powerpoint/2012/main" xmlns="">
+      <p15:sldGuideLst xmlns="" xmlns:p15="http://schemas.microsoft.com/office/powerpoint/2012/main">
         <p15:guide id="1" orient="horz" pos="2160">
           <p15:clr>
             <a:srgbClr val="A4A3A4"/>
@@ -185,7 +185,7 @@
       </p15:sldGuideLst>
     </p:ext>
     <p:ext uri="{2D200454-40CA-4A62-9FC3-DE9A4176ACB9}">
-      <p15:notesGuideLst xmlns:p15="http://schemas.microsoft.com/office/powerpoint/2012/main" xmlns="">
+      <p15:notesGuideLst xmlns="" xmlns:p15="http://schemas.microsoft.com/office/powerpoint/2012/main">
         <p15:guide id="1" orient="horz" pos="2880">
           <p15:clr>
             <a:srgbClr val="A4A3A4"/>
@@ -594,7 +594,7 @@
               </a14:hiddenFill>
             </a:ext>
             <a:ext uri="{FAA26D3D-D897-4be2-8F04-BA451C77F1D7}">
-              <ma14:placeholderFlag xmlns:ma14="http://schemas.microsoft.com/office/mac/drawingml/2011/main" xmlns="" val="1"/>
+              <ma14:placeholderFlag xmlns="" xmlns:ma14="http://schemas.microsoft.com/office/mac/drawingml/2011/main" val="1"/>
             </a:ext>
           </a:extLst>
         </p:spPr>
@@ -1136,7 +1136,7 @@
               </a14:hiddenLine>
             </a:ext>
             <a:ext uri="{FAA26D3D-D897-4be2-8F04-BA451C77F1D7}">
-              <ma14:placeholderFlag xmlns:ma14="http://schemas.microsoft.com/office/mac/drawingml/2011/main" xmlns="" val="1"/>
+              <ma14:placeholderFlag xmlns="" xmlns:ma14="http://schemas.microsoft.com/office/mac/drawingml/2011/main" val="1"/>
             </a:ext>
           </a:extLst>
         </p:spPr>
@@ -1386,7 +1386,7 @@
               </a14:hiddenLine>
             </a:ext>
             <a:ext uri="{FAA26D3D-D897-4be2-8F04-BA451C77F1D7}">
-              <ma14:placeholderFlag xmlns:ma14="http://schemas.microsoft.com/office/mac/drawingml/2011/main" xmlns="" val="1"/>
+              <ma14:placeholderFlag xmlns="" xmlns:ma14="http://schemas.microsoft.com/office/mac/drawingml/2011/main" val="1"/>
             </a:ext>
           </a:extLst>
         </p:spPr>
@@ -7480,7 +7480,7 @@
               </a14:hiddenLine>
             </a:ext>
             <a:ext uri="{FAA26D3D-D897-4be2-8F04-BA451C77F1D7}">
-              <ma14:placeholderFlag xmlns:ma14="http://schemas.microsoft.com/office/mac/drawingml/2011/main" xmlns="" val="1"/>
+              <ma14:placeholderFlag xmlns="" xmlns:ma14="http://schemas.microsoft.com/office/mac/drawingml/2011/main" val="1"/>
             </a:ext>
           </a:extLst>
         </p:spPr>
@@ -7541,7 +7541,7 @@
               </a14:hiddenLine>
             </a:ext>
             <a:ext uri="{FAA26D3D-D897-4be2-8F04-BA451C77F1D7}">
-              <ma14:placeholderFlag xmlns:ma14="http://schemas.microsoft.com/office/mac/drawingml/2011/main" xmlns="" val="1"/>
+              <ma14:placeholderFlag xmlns="" xmlns:ma14="http://schemas.microsoft.com/office/mac/drawingml/2011/main" val="1"/>
             </a:ext>
           </a:extLst>
         </p:spPr>
@@ -8980,13 +8980,24 @@
           <a:p>
             <a:r>
               <a:rPr lang="en-US" dirty="0" smtClean="0"/>
-              <a:t>Your boss want to add a new “color” property for each TV.</a:t>
-            </a:r>
-          </a:p>
-          <a:p>
+              <a:t>Your boss want to add a new “color” property for each TV</a:t>
+            </a:r>
             <a:r>
               <a:rPr lang="en-US" dirty="0" smtClean="0"/>
-              <a:t>Both Sony </a:t>
+              <a:t>.</a:t>
+            </a:r>
+          </a:p>
+          <a:p>
+            <a:r>
+              <a:rPr lang="en-US" dirty="0" smtClean="0"/>
+              <a:t>Before you create a new TV, you need to tell me what is the TV color.</a:t>
+            </a:r>
+            <a:endParaRPr lang="en-US" dirty="0" smtClean="0"/>
+          </a:p>
+          <a:p>
+            <a:r>
+              <a:rPr lang="en-US" dirty="0" smtClean="0"/>
+              <a:t>Sony </a:t>
             </a:r>
             <a:r>
               <a:rPr lang="en-US" dirty="0"/>
@@ -9252,7 +9263,7 @@
           <a:p>
             <a:r>
               <a:rPr lang="en-US" dirty="0" smtClean="0"/>
-              <a:t>tv21.php</a:t>
+              <a:t>tv11.php</a:t>
             </a:r>
             <a:endParaRPr lang="en-US" dirty="0"/>
           </a:p>
@@ -9340,7 +9351,7 @@
           <a:p>
             <a:r>
               <a:rPr lang="en-US" dirty="0" smtClean="0"/>
-              <a:t>tv22.php</a:t>
+              <a:t>tv12.php</a:t>
             </a:r>
             <a:endParaRPr lang="en-US" dirty="0"/>
           </a:p>
@@ -9445,15 +9456,14 @@
               <a:t>dolbyOff</a:t>
             </a:r>
             <a:r>
-              <a:rPr lang="en-US" smtClean="0"/>
+              <a:rPr lang="en-US" dirty="0" smtClean="0"/>
               <a:t>();</a:t>
             </a:r>
-            <a:endParaRPr lang="en-US" dirty="0" smtClean="0"/>
           </a:p>
           <a:p>
             <a:r>
               <a:rPr lang="en-US" dirty="0" smtClean="0"/>
-              <a:t>tv23.php</a:t>
+              <a:t>tv13.php</a:t>
             </a:r>
             <a:endParaRPr lang="en-US" dirty="0"/>
           </a:p>
@@ -9549,7 +9559,7 @@
           <a:p>
             <a:r>
               <a:rPr lang="en-US" dirty="0" smtClean="0"/>
-              <a:t>tv24.php</a:t>
+              <a:t>tv14.php</a:t>
             </a:r>
             <a:endParaRPr lang="en-US" dirty="0"/>
           </a:p>
@@ -9741,7 +9751,7 @@
           <a:p>
             <a:r>
               <a:rPr lang="en-US" dirty="0" smtClean="0"/>
-              <a:t>tv25.php</a:t>
+              <a:t>tv15.php</a:t>
             </a:r>
             <a:endParaRPr lang="en-US" dirty="0"/>
           </a:p>
@@ -9841,7 +9851,7 @@
           <a:p>
             <a:r>
               <a:rPr lang="en-US" dirty="0" smtClean="0"/>
-              <a:t>tv2</a:t>
+              <a:t>tv1</a:t>
             </a:r>
             <a:r>
               <a:rPr lang="en-US" altLang="zh-TW" dirty="0" smtClean="0"/>
@@ -10089,8 +10099,12 @@
               <a:t>tv</a:t>
             </a:r>
             <a:r>
+              <a:rPr lang="en-US" dirty="0"/>
+              <a:t>1</a:t>
+            </a:r>
+            <a:r>
               <a:rPr lang="en-US" altLang="zh-TW" dirty="0" smtClean="0"/>
-              <a:t>27</a:t>
+              <a:t>7</a:t>
             </a:r>
             <a:r>
               <a:rPr lang="en-US" dirty="0" smtClean="0"/>
@@ -10217,7 +10231,7 @@
           <a:p>
             <a:r>
               <a:rPr lang="en-US" dirty="0" smtClean="0"/>
-              <a:t>tv28.php</a:t>
+              <a:t>tv18.php</a:t>
             </a:r>
             <a:endParaRPr lang="en-US" dirty="0"/>
           </a:p>
@@ -10314,7 +10328,7 @@
             <a:pPr eaLnBrk="1" hangingPunct="1"/>
             <a:r>
               <a:rPr lang="en-US" dirty="0" smtClean="0"/>
-              <a:t>tv29.php</a:t>
+              <a:t>tv20.php</a:t>
             </a:r>
             <a:endParaRPr lang="en-US" dirty="0"/>
           </a:p>
@@ -10411,7 +10425,7 @@
           <a:p>
             <a:r>
               <a:rPr lang="en-US" dirty="0" smtClean="0"/>
-              <a:t>tv17.php</a:t>
+              <a:t>tv21.php</a:t>
             </a:r>
             <a:endParaRPr lang="en-US" dirty="0"/>
           </a:p>
@@ -11225,8 +11239,12 @@
               <a:t>=new </a:t>
             </a:r>
             <a:r>
+              <a:rPr lang="en-US" altLang="zh-TW" dirty="0" err="1"/>
+              <a:t>C</a:t>
+            </a:r>
+            <a:r>
               <a:rPr lang="en-US" altLang="zh-TW" dirty="0" err="1" smtClean="0"/>
-              <a:t>classname</a:t>
+              <a:t>lassname</a:t>
             </a:r>
             <a:r>
               <a:rPr lang="en-US" altLang="zh-TW" dirty="0" smtClean="0"/>
@@ -11833,7 +11851,7 @@
   <a:extraClrSchemeLst/>
   <a:extLst>
     <a:ext uri="{05A4C25C-085E-4340-85A3-A5531E510DB2}">
-      <thm15:themeFamily xmlns:thm15="http://schemas.microsoft.com/office/thememl/2012/main" xmlns="" name="Parallax" id="{3388167B-A2EB-4685-9635-1831D9AEF8C4}" vid="{4F7A876A-7598-49CA-AFC8-8EDA2551E4A7}"/>
+      <thm15:themeFamily xmlns="" xmlns:thm15="http://schemas.microsoft.com/office/thememl/2012/main" name="Parallax" id="{3388167B-A2EB-4685-9635-1831D9AEF8C4}" vid="{4F7A876A-7598-49CA-AFC8-8EDA2551E4A7}"/>
     </a:ext>
   </a:extLst>
 </a:theme>

--- a/php-fw7/lesson7a-tv.pptx
+++ b/php-fw7/lesson7a-tv.pptx
@@ -5,10 +5,10 @@
     <p:sldMasterId id="2147484302" r:id="rId1"/>
   </p:sldMasterIdLst>
   <p:notesMasterIdLst>
-    <p:notesMasterId r:id="rId32"/>
+    <p:notesMasterId r:id="rId33"/>
   </p:notesMasterIdLst>
   <p:handoutMasterIdLst>
-    <p:handoutMasterId r:id="rId33"/>
+    <p:handoutMasterId r:id="rId34"/>
   </p:handoutMasterIdLst>
   <p:sldIdLst>
     <p:sldId id="256" r:id="rId2"/>
@@ -36,11 +36,12 @@
     <p:sldId id="430" r:id="rId24"/>
     <p:sldId id="420" r:id="rId25"/>
     <p:sldId id="422" r:id="rId26"/>
-    <p:sldId id="423" r:id="rId27"/>
-    <p:sldId id="403" r:id="rId28"/>
-    <p:sldId id="425" r:id="rId29"/>
-    <p:sldId id="431" r:id="rId30"/>
-    <p:sldId id="398" r:id="rId31"/>
+    <p:sldId id="432" r:id="rId27"/>
+    <p:sldId id="423" r:id="rId28"/>
+    <p:sldId id="403" r:id="rId29"/>
+    <p:sldId id="425" r:id="rId30"/>
+    <p:sldId id="431" r:id="rId31"/>
+    <p:sldId id="398" r:id="rId32"/>
   </p:sldIdLst>
   <p:sldSz cx="9144000" cy="6858000" type="screen4x3"/>
   <p:notesSz cx="6858000" cy="9144000"/>
@@ -171,7 +172,7 @@
   </p:defaultTextStyle>
   <p:extLst>
     <p:ext uri="{EFAFB233-063F-42B5-8137-9DF3F51BA10A}">
-      <p15:sldGuideLst xmlns="" xmlns:p15="http://schemas.microsoft.com/office/powerpoint/2012/main">
+      <p15:sldGuideLst xmlns:p15="http://schemas.microsoft.com/office/powerpoint/2012/main">
         <p15:guide id="1" orient="horz" pos="2160">
           <p15:clr>
             <a:srgbClr val="A4A3A4"/>
@@ -185,7 +186,7 @@
       </p15:sldGuideLst>
     </p:ext>
     <p:ext uri="{2D200454-40CA-4A62-9FC3-DE9A4176ACB9}">
-      <p15:notesGuideLst xmlns="" xmlns:p15="http://schemas.microsoft.com/office/powerpoint/2012/main">
+      <p15:notesGuideLst xmlns:p15="http://schemas.microsoft.com/office/powerpoint/2012/main">
         <p15:guide id="1" orient="horz" pos="2880">
           <p15:clr>
             <a:srgbClr val="A4A3A4"/>
@@ -594,7 +595,7 @@
               </a14:hiddenFill>
             </a:ext>
             <a:ext uri="{FAA26D3D-D897-4be2-8F04-BA451C77F1D7}">
-              <ma14:placeholderFlag xmlns="" xmlns:ma14="http://schemas.microsoft.com/office/mac/drawingml/2011/main" val="1"/>
+              <ma14:placeholderFlag xmlns:ma14="http://schemas.microsoft.com/office/mac/drawingml/2011/main" val="1"/>
             </a:ext>
           </a:extLst>
         </p:spPr>
@@ -1136,7 +1137,7 @@
               </a14:hiddenLine>
             </a:ext>
             <a:ext uri="{FAA26D3D-D897-4be2-8F04-BA451C77F1D7}">
-              <ma14:placeholderFlag xmlns="" xmlns:ma14="http://schemas.microsoft.com/office/mac/drawingml/2011/main" val="1"/>
+              <ma14:placeholderFlag xmlns:ma14="http://schemas.microsoft.com/office/mac/drawingml/2011/main" val="1"/>
             </a:ext>
           </a:extLst>
         </p:spPr>
@@ -1334,7 +1335,7 @@
                   <a:spcPct val="0"/>
                 </a:spcBef>
               </a:pPr>
-              <a:t>30</a:t>
+              <a:t>31</a:t>
             </a:fld>
             <a:endParaRPr kumimoji="0" lang="en-US" altLang="zh-TW"/>
           </a:p>
@@ -1386,7 +1387,7 @@
               </a14:hiddenLine>
             </a:ext>
             <a:ext uri="{FAA26D3D-D897-4be2-8F04-BA451C77F1D7}">
-              <ma14:placeholderFlag xmlns="" xmlns:ma14="http://schemas.microsoft.com/office/mac/drawingml/2011/main" val="1"/>
+              <ma14:placeholderFlag xmlns:ma14="http://schemas.microsoft.com/office/mac/drawingml/2011/main" val="1"/>
             </a:ext>
           </a:extLst>
         </p:spPr>
@@ -7480,7 +7481,7 @@
               </a14:hiddenLine>
             </a:ext>
             <a:ext uri="{FAA26D3D-D897-4be2-8F04-BA451C77F1D7}">
-              <ma14:placeholderFlag xmlns="" xmlns:ma14="http://schemas.microsoft.com/office/mac/drawingml/2011/main" val="1"/>
+              <ma14:placeholderFlag xmlns:ma14="http://schemas.microsoft.com/office/mac/drawingml/2011/main" val="1"/>
             </a:ext>
           </a:extLst>
         </p:spPr>
@@ -7541,7 +7542,7 @@
               </a14:hiddenLine>
             </a:ext>
             <a:ext uri="{FAA26D3D-D897-4be2-8F04-BA451C77F1D7}">
-              <ma14:placeholderFlag xmlns="" xmlns:ma14="http://schemas.microsoft.com/office/mac/drawingml/2011/main" val="1"/>
+              <ma14:placeholderFlag xmlns:ma14="http://schemas.microsoft.com/office/mac/drawingml/2011/main" val="1"/>
             </a:ext>
           </a:extLst>
         </p:spPr>
@@ -8980,11 +8981,7 @@
           <a:p>
             <a:r>
               <a:rPr lang="en-US" dirty="0" smtClean="0"/>
-              <a:t>Your boss want to add a new “color” property for each TV</a:t>
-            </a:r>
-            <a:r>
-              <a:rPr lang="en-US" dirty="0" smtClean="0"/>
-              <a:t>.</a:t>
+              <a:t>Your boss want to add a new “color” property for each TV.</a:t>
             </a:r>
           </a:p>
           <a:p>
@@ -8992,7 +8989,6 @@
               <a:rPr lang="en-US" dirty="0" smtClean="0"/>
               <a:t>Before you create a new TV, you need to tell me what is the TV color.</a:t>
             </a:r>
-            <a:endParaRPr lang="en-US" dirty="0" smtClean="0"/>
           </a:p>
           <a:p>
             <a:r>
@@ -10284,7 +10280,7 @@
           <a:p>
             <a:r>
               <a:rPr lang="en-US" dirty="0" smtClean="0"/>
-              <a:t>protected</a:t>
+              <a:t>Change private variable</a:t>
             </a:r>
             <a:endParaRPr lang="en-US" dirty="0"/>
           </a:p>
@@ -10307,28 +10303,15 @@
           <a:p>
             <a:pPr eaLnBrk="1" hangingPunct="1"/>
             <a:r>
-              <a:rPr lang="en-US" altLang="en-US" dirty="0"/>
-              <a:t>To access a parent method or property from a child class </a:t>
-            </a:r>
-            <a:endParaRPr lang="en-US" altLang="en-US" dirty="0" smtClean="0"/>
+              <a:rPr lang="en-US" dirty="0" smtClean="0"/>
+              <a:t>We need a setter to change the private variable</a:t>
+            </a:r>
           </a:p>
           <a:p>
             <a:pPr eaLnBrk="1" hangingPunct="1"/>
             <a:r>
-              <a:rPr lang="en-US" altLang="en-US" dirty="0" smtClean="0"/>
-              <a:t>Like </a:t>
-            </a:r>
-            <a:r>
-              <a:rPr lang="en-US" altLang="en-US" dirty="0"/>
-              <a:t>the private keyword, protected methods and properties are available only to the class that created them. </a:t>
-            </a:r>
-            <a:endParaRPr lang="en-US" altLang="en-US" dirty="0" smtClean="0"/>
-          </a:p>
-          <a:p>
-            <a:pPr eaLnBrk="1" hangingPunct="1"/>
-            <a:r>
               <a:rPr lang="en-US" dirty="0" smtClean="0"/>
-              <a:t>tv20.php</a:t>
+              <a:t>tv19.php</a:t>
             </a:r>
             <a:endParaRPr lang="en-US" dirty="0"/>
           </a:p>
@@ -10381,7 +10364,7 @@
           <a:p>
             <a:r>
               <a:rPr lang="en-US" dirty="0" smtClean="0"/>
-              <a:t>protected</a:t>
+              <a:t>Validate private variable</a:t>
             </a:r>
             <a:endParaRPr lang="en-US" dirty="0"/>
           </a:p>
@@ -10404,28 +10387,16 @@
           <a:p>
             <a:pPr eaLnBrk="1" hangingPunct="1"/>
             <a:r>
-              <a:rPr lang="en-US" altLang="en-US" dirty="0" smtClean="0"/>
-              <a:t>But </a:t>
-            </a:r>
-            <a:r>
-              <a:rPr lang="en-US" altLang="en-US" dirty="0"/>
-              <a:t>unlike private, protected methods and properties are visible from a parent class.</a:t>
-            </a:r>
-          </a:p>
-          <a:p>
-            <a:r>
-              <a:rPr lang="en-US" dirty="0" err="1" smtClean="0"/>
-              <a:t>SetMethod</a:t>
-            </a:r>
-            <a:r>
               <a:rPr lang="en-US" dirty="0" smtClean="0"/>
-              <a:t> from child</a:t>
-            </a:r>
-          </a:p>
-          <a:p>
+              <a:t>Since we can validate the value before we change the private variable, private variable are more secure than public variable.</a:t>
+            </a:r>
+            <a:endParaRPr lang="en-US" dirty="0" smtClean="0"/>
+          </a:p>
+          <a:p>
+            <a:pPr eaLnBrk="1" hangingPunct="1"/>
             <a:r>
               <a:rPr lang="en-US" dirty="0" smtClean="0"/>
-              <a:t>tv21.php</a:t>
+              <a:t>tv20.php</a:t>
             </a:r>
             <a:endParaRPr lang="en-US" dirty="0"/>
           </a:p>
@@ -10434,7 +10405,7 @@
     </p:spTree>
     <p:extLst>
       <p:ext uri="{BB962C8B-B14F-4D97-AF65-F5344CB8AC3E}">
-        <p14:creationId xmlns:p14="http://schemas.microsoft.com/office/powerpoint/2010/main" val="139753832"/>
+        <p14:creationId xmlns:p14="http://schemas.microsoft.com/office/powerpoint/2010/main" val="658580042"/>
       </p:ext>
     </p:extLst>
   </p:cSld>
@@ -10477,8 +10448,8 @@
           <a:lstStyle/>
           <a:p>
             <a:r>
-              <a:rPr lang="en-US" smtClean="0"/>
-              <a:t>Concept 2</a:t>
+              <a:rPr lang="en-US" dirty="0" smtClean="0"/>
+              <a:t>protected</a:t>
             </a:r>
             <a:endParaRPr lang="en-US" dirty="0"/>
           </a:p>
@@ -10486,12 +10457,12 @@
       </p:sp>
       <p:sp>
         <p:nvSpPr>
-          <p:cNvPr id="18435" name="Content Placeholder 2"/>
-          <p:cNvSpPr>
-            <a:spLocks noGrp="1"/>
-          </p:cNvSpPr>
-          <p:nvPr>
-            <p:ph sz="quarter" idx="1"/>
+          <p:cNvPr id="3" name="Content Placeholder 2"/>
+          <p:cNvSpPr>
+            <a:spLocks noGrp="1"/>
+          </p:cNvSpPr>
+          <p:nvPr>
+            <p:ph idx="1"/>
           </p:nvPr>
         </p:nvSpPr>
         <p:spPr/>
@@ -10499,44 +10470,60 @@
           <a:bodyPr/>
           <a:lstStyle/>
           <a:p>
-            <a:r>
-              <a:rPr lang="en-US" altLang="en-US" smtClean="0"/>
-              <a:t>Polymorphism – allows a class to be defined as being a member of more than one category of classes (EG. a car is “a thing with engine” and also “a thing with wheels”)</a:t>
-            </a:r>
-          </a:p>
-          <a:p>
-            <a:r>
-              <a:rPr lang="en-US" altLang="en-US" smtClean="0"/>
-              <a:t>Interfaces – a way of specifying that an object is capable of doing something without actually defining how it is to be done (EG. a dog and a human are “things that walk” but they are different)</a:t>
-            </a:r>
-          </a:p>
-          <a:p>
-            <a:r>
-              <a:rPr lang="en-US" altLang="en-US" smtClean="0"/>
-              <a:t>Encapsulation – the ability of an object to protect access to its internal data</a:t>
-            </a:r>
-            <a:endParaRPr lang="en-US" altLang="en-US"/>
+            <a:pPr eaLnBrk="1" hangingPunct="1"/>
+            <a:r>
+              <a:rPr lang="en-US" altLang="en-US" dirty="0"/>
+              <a:t>To access a parent method or property from a child class </a:t>
+            </a:r>
+          </a:p>
+          <a:p>
+            <a:pPr eaLnBrk="1" hangingPunct="1"/>
+            <a:r>
+              <a:rPr lang="en-US" altLang="en-US" dirty="0"/>
+              <a:t>Like the private keyword, protected methods and properties are available only to the class that created them. </a:t>
+            </a:r>
+            <a:r>
+              <a:rPr lang="en-US" altLang="en-US" dirty="0" smtClean="0"/>
+              <a:t> </a:t>
+            </a:r>
+            <a:r>
+              <a:rPr lang="en-US" altLang="en-US" dirty="0" smtClean="0"/>
+              <a:t>But </a:t>
+            </a:r>
+            <a:r>
+              <a:rPr lang="en-US" altLang="en-US" dirty="0"/>
+              <a:t>unlike private, protected methods and properties are visible from a parent class.</a:t>
+            </a:r>
+          </a:p>
+          <a:p>
+            <a:r>
+              <a:rPr lang="en-US" dirty="0" err="1" smtClean="0"/>
+              <a:t>SetMethod</a:t>
+            </a:r>
+            <a:r>
+              <a:rPr lang="en-US" dirty="0" smtClean="0"/>
+              <a:t> from child</a:t>
+            </a:r>
+          </a:p>
+          <a:p>
+            <a:r>
+              <a:rPr lang="en-US" dirty="0" smtClean="0"/>
+              <a:t>tv21.php</a:t>
+            </a:r>
+            <a:endParaRPr lang="en-US" dirty="0"/>
           </a:p>
         </p:txBody>
       </p:sp>
     </p:spTree>
     <p:extLst>
       <p:ext uri="{BB962C8B-B14F-4D97-AF65-F5344CB8AC3E}">
-        <p14:creationId xmlns:p14="http://schemas.microsoft.com/office/powerpoint/2010/main" val="1481579447"/>
+        <p14:creationId xmlns:p14="http://schemas.microsoft.com/office/powerpoint/2010/main" val="139753832"/>
       </p:ext>
     </p:extLst>
   </p:cSld>
   <p:clrMapOvr>
     <a:masterClrMapping/>
   </p:clrMapOvr>
-  <mc:AlternateContent xmlns:mc="http://schemas.openxmlformats.org/markup-compatibility/2006" xmlns:p14="http://schemas.microsoft.com/office/powerpoint/2010/main">
-    <mc:Choice Requires="p14">
-      <p:transition spd="slow" p14:dur="2000"/>
-    </mc:Choice>
-    <mc:Fallback xmlns="">
-      <p:transition spd="slow"/>
-    </mc:Fallback>
-  </mc:AlternateContent>
 </p:sld>
 </file>
 
@@ -10573,8 +10560,8 @@
           <a:lstStyle/>
           <a:p>
             <a:r>
-              <a:rPr lang="en-US" dirty="0" smtClean="0"/>
-              <a:t>Example</a:t>
+              <a:rPr lang="en-US" smtClean="0"/>
+              <a:t>Concept 2</a:t>
             </a:r>
             <a:endParaRPr lang="en-US" dirty="0"/>
           </a:p>
@@ -10596,46 +10583,29 @@
           <a:lstStyle/>
           <a:p>
             <a:r>
-              <a:rPr lang="en-US" altLang="zh-TW" dirty="0" smtClean="0"/>
-              <a:t>Search </a:t>
-            </a:r>
-            <a:r>
-              <a:rPr lang="zh-TW" altLang="en-US" dirty="0" smtClean="0"/>
-              <a:t>農曆 </a:t>
-            </a:r>
-            <a:r>
-              <a:rPr lang="en-US" altLang="en-US" dirty="0" err="1"/>
-              <a:t>php</a:t>
-            </a:r>
-            <a:endParaRPr lang="en-US" altLang="en-US" dirty="0"/>
-          </a:p>
-          <a:p>
-            <a:r>
-              <a:rPr lang="en-US" altLang="en-US" dirty="0" smtClean="0"/>
-              <a:t>https</a:t>
-            </a:r>
-            <a:r>
-              <a:rPr lang="en-US" altLang="en-US" dirty="0"/>
-              <a:t>://</a:t>
-            </a:r>
-            <a:r>
-              <a:rPr lang="en-US" altLang="en-US" dirty="0" smtClean="0"/>
-              <a:t>gist.github.com/eagleon/1702129</a:t>
-            </a:r>
-          </a:p>
-          <a:p>
-            <a:r>
-              <a:rPr lang="en-US" altLang="en-US" dirty="0" err="1" smtClean="0"/>
-              <a:t>cal.php</a:t>
-            </a:r>
-            <a:endParaRPr lang="en-US" altLang="en-US" dirty="0"/>
+              <a:rPr lang="en-US" altLang="en-US" smtClean="0"/>
+              <a:t>Polymorphism – allows a class to be defined as being a member of more than one category of classes (EG. a car is “a thing with engine” and also “a thing with wheels”)</a:t>
+            </a:r>
+          </a:p>
+          <a:p>
+            <a:r>
+              <a:rPr lang="en-US" altLang="en-US" smtClean="0"/>
+              <a:t>Interfaces – a way of specifying that an object is capable of doing something without actually defining how it is to be done (EG. a dog and a human are “things that walk” but they are different)</a:t>
+            </a:r>
+          </a:p>
+          <a:p>
+            <a:r>
+              <a:rPr lang="en-US" altLang="en-US" smtClean="0"/>
+              <a:t>Encapsulation – the ability of an object to protect access to its internal data</a:t>
+            </a:r>
+            <a:endParaRPr lang="en-US" altLang="en-US"/>
           </a:p>
         </p:txBody>
       </p:sp>
     </p:spTree>
     <p:extLst>
       <p:ext uri="{BB962C8B-B14F-4D97-AF65-F5344CB8AC3E}">
-        <p14:creationId xmlns:p14="http://schemas.microsoft.com/office/powerpoint/2010/main" val="1808394227"/>
+        <p14:creationId xmlns:p14="http://schemas.microsoft.com/office/powerpoint/2010/main" val="1481579447"/>
       </p:ext>
     </p:extLst>
   </p:cSld>
@@ -10713,33 +10683,33 @@
               <a:t>Search </a:t>
             </a:r>
             <a:r>
+              <a:rPr lang="zh-TW" altLang="en-US" dirty="0" smtClean="0"/>
+              <a:t>農曆 </a:t>
+            </a:r>
+            <a:r>
+              <a:rPr lang="en-US" altLang="en-US" dirty="0" err="1"/>
+              <a:t>php</a:t>
+            </a:r>
+            <a:endParaRPr lang="en-US" altLang="en-US" dirty="0"/>
+          </a:p>
+          <a:p>
+            <a:r>
+              <a:rPr lang="en-US" altLang="en-US" dirty="0" smtClean="0"/>
+              <a:t>https</a:t>
+            </a:r>
+            <a:r>
+              <a:rPr lang="en-US" altLang="en-US" dirty="0"/>
+              <a:t>://</a:t>
+            </a:r>
+            <a:r>
+              <a:rPr lang="en-US" altLang="en-US" dirty="0" smtClean="0"/>
+              <a:t>gist.github.com/eagleon/1702129</a:t>
+            </a:r>
+          </a:p>
+          <a:p>
+            <a:r>
               <a:rPr lang="en-US" altLang="en-US" dirty="0" err="1" smtClean="0"/>
-              <a:t>php</a:t>
-            </a:r>
-            <a:r>
-              <a:rPr lang="en-US" altLang="en-US" dirty="0" smtClean="0"/>
-              <a:t> </a:t>
-            </a:r>
-            <a:r>
-              <a:rPr lang="en-US" altLang="en-US" dirty="0" err="1" smtClean="0"/>
-              <a:t>pdf</a:t>
-            </a:r>
-            <a:endParaRPr lang="en-US" altLang="en-US" dirty="0"/>
-          </a:p>
-          <a:p>
-            <a:r>
-              <a:rPr lang="en-US" altLang="en-US" dirty="0"/>
-              <a:t>http://www.fpdf.org</a:t>
-            </a:r>
-            <a:r>
-              <a:rPr lang="en-US" altLang="en-US" dirty="0" smtClean="0"/>
-              <a:t>/</a:t>
-            </a:r>
-          </a:p>
-          <a:p>
-            <a:r>
-              <a:rPr lang="en-US" altLang="en-US" smtClean="0"/>
-              <a:t>pdf.php</a:t>
+              <a:t>cal.php</a:t>
             </a:r>
             <a:endParaRPr lang="en-US" altLang="en-US" dirty="0"/>
           </a:p>
@@ -10748,7 +10718,7 @@
     </p:spTree>
     <p:extLst>
       <p:ext uri="{BB962C8B-B14F-4D97-AF65-F5344CB8AC3E}">
-        <p14:creationId xmlns:p14="http://schemas.microsoft.com/office/powerpoint/2010/main" val="2962534565"/>
+        <p14:creationId xmlns:p14="http://schemas.microsoft.com/office/powerpoint/2010/main" val="1808394227"/>
       </p:ext>
     </p:extLst>
   </p:cSld>
@@ -10871,6 +10841,119 @@
 </file>
 
 <file path=ppt/slides/slide30.xml><?xml version="1.0" encoding="utf-8"?>
+<p:sld xmlns:a="http://schemas.openxmlformats.org/drawingml/2006/main" xmlns:r="http://schemas.openxmlformats.org/officeDocument/2006/relationships" xmlns:p="http://schemas.openxmlformats.org/presentationml/2006/main">
+  <p:cSld>
+    <p:spTree>
+      <p:nvGrpSpPr>
+        <p:cNvPr id="1" name=""/>
+        <p:cNvGrpSpPr/>
+        <p:nvPr/>
+      </p:nvGrpSpPr>
+      <p:grpSpPr>
+        <a:xfrm>
+          <a:off x="0" y="0"/>
+          <a:ext cx="0" cy="0"/>
+          <a:chOff x="0" y="0"/>
+          <a:chExt cx="0" cy="0"/>
+        </a:xfrm>
+      </p:grpSpPr>
+      <p:sp>
+        <p:nvSpPr>
+          <p:cNvPr id="2" name="Title 1"/>
+          <p:cNvSpPr>
+            <a:spLocks noGrp="1"/>
+          </p:cNvSpPr>
+          <p:nvPr>
+            <p:ph type="title"/>
+          </p:nvPr>
+        </p:nvSpPr>
+        <p:spPr/>
+        <p:txBody>
+          <a:bodyPr/>
+          <a:lstStyle/>
+          <a:p>
+            <a:r>
+              <a:rPr lang="en-US" dirty="0" smtClean="0"/>
+              <a:t>Example</a:t>
+            </a:r>
+            <a:endParaRPr lang="en-US" dirty="0"/>
+          </a:p>
+        </p:txBody>
+      </p:sp>
+      <p:sp>
+        <p:nvSpPr>
+          <p:cNvPr id="18435" name="Content Placeholder 2"/>
+          <p:cNvSpPr>
+            <a:spLocks noGrp="1"/>
+          </p:cNvSpPr>
+          <p:nvPr>
+            <p:ph sz="quarter" idx="1"/>
+          </p:nvPr>
+        </p:nvSpPr>
+        <p:spPr/>
+        <p:txBody>
+          <a:bodyPr/>
+          <a:lstStyle/>
+          <a:p>
+            <a:r>
+              <a:rPr lang="en-US" altLang="zh-TW" dirty="0" smtClean="0"/>
+              <a:t>Search </a:t>
+            </a:r>
+            <a:r>
+              <a:rPr lang="en-US" altLang="en-US" dirty="0" err="1" smtClean="0"/>
+              <a:t>php</a:t>
+            </a:r>
+            <a:r>
+              <a:rPr lang="en-US" altLang="en-US" dirty="0" smtClean="0"/>
+              <a:t> </a:t>
+            </a:r>
+            <a:r>
+              <a:rPr lang="en-US" altLang="en-US" dirty="0" err="1" smtClean="0"/>
+              <a:t>pdf</a:t>
+            </a:r>
+            <a:endParaRPr lang="en-US" altLang="en-US" dirty="0"/>
+          </a:p>
+          <a:p>
+            <a:r>
+              <a:rPr lang="en-US" altLang="en-US" dirty="0"/>
+              <a:t>http://www.fpdf.org</a:t>
+            </a:r>
+            <a:r>
+              <a:rPr lang="en-US" altLang="en-US" dirty="0" smtClean="0"/>
+              <a:t>/</a:t>
+            </a:r>
+          </a:p>
+          <a:p>
+            <a:r>
+              <a:rPr lang="en-US" altLang="en-US" smtClean="0"/>
+              <a:t>pdf.php</a:t>
+            </a:r>
+            <a:endParaRPr lang="en-US" altLang="en-US" dirty="0"/>
+          </a:p>
+        </p:txBody>
+      </p:sp>
+    </p:spTree>
+    <p:extLst>
+      <p:ext uri="{BB962C8B-B14F-4D97-AF65-F5344CB8AC3E}">
+        <p14:creationId xmlns:p14="http://schemas.microsoft.com/office/powerpoint/2010/main" val="2962534565"/>
+      </p:ext>
+    </p:extLst>
+  </p:cSld>
+  <p:clrMapOvr>
+    <a:masterClrMapping/>
+  </p:clrMapOvr>
+  <mc:AlternateContent xmlns:mc="http://schemas.openxmlformats.org/markup-compatibility/2006" xmlns:p14="http://schemas.microsoft.com/office/powerpoint/2010/main">
+    <mc:Choice Requires="p14">
+      <p:transition spd="slow" p14:dur="2000"/>
+    </mc:Choice>
+    <mc:Fallback xmlns="">
+      <p:transition spd="slow"/>
+    </mc:Fallback>
+  </mc:AlternateContent>
+</p:sld>
+</file>
+
+<file path=ppt/slides/slide31.xml><?xml version="1.0" encoding="utf-8"?>
 <p:sld xmlns:a="http://schemas.openxmlformats.org/drawingml/2006/main" xmlns:r="http://schemas.openxmlformats.org/officeDocument/2006/relationships" xmlns:p="http://schemas.openxmlformats.org/presentationml/2006/main">
   <p:cSld>
     <p:spTree>
@@ -11851,7 +11934,7 @@
   <a:extraClrSchemeLst/>
   <a:extLst>
     <a:ext uri="{05A4C25C-085E-4340-85A3-A5531E510DB2}">
-      <thm15:themeFamily xmlns="" xmlns:thm15="http://schemas.microsoft.com/office/thememl/2012/main" name="Parallax" id="{3388167B-A2EB-4685-9635-1831D9AEF8C4}" vid="{4F7A876A-7598-49CA-AFC8-8EDA2551E4A7}"/>
+      <thm15:themeFamily xmlns:thm15="http://schemas.microsoft.com/office/thememl/2012/main" name="Parallax" id="{3388167B-A2EB-4685-9635-1831D9AEF8C4}" vid="{4F7A876A-7598-49CA-AFC8-8EDA2551E4A7}"/>
     </a:ext>
   </a:extLst>
 </a:theme>

--- a/php-fw7/lesson7a-tv.pptx
+++ b/php-fw7/lesson7a-tv.pptx
@@ -5,43 +5,46 @@
     <p:sldMasterId id="2147484302" r:id="rId1"/>
   </p:sldMasterIdLst>
   <p:notesMasterIdLst>
-    <p:notesMasterId r:id="rId33"/>
+    <p:notesMasterId r:id="rId36"/>
   </p:notesMasterIdLst>
   <p:handoutMasterIdLst>
-    <p:handoutMasterId r:id="rId34"/>
+    <p:handoutMasterId r:id="rId37"/>
   </p:handoutMasterIdLst>
   <p:sldIdLst>
     <p:sldId id="256" r:id="rId2"/>
-    <p:sldId id="399" r:id="rId3"/>
-    <p:sldId id="401" r:id="rId4"/>
-    <p:sldId id="400" r:id="rId5"/>
-    <p:sldId id="402" r:id="rId6"/>
-    <p:sldId id="408" r:id="rId7"/>
-    <p:sldId id="409" r:id="rId8"/>
-    <p:sldId id="404" r:id="rId9"/>
-    <p:sldId id="426" r:id="rId10"/>
-    <p:sldId id="410" r:id="rId11"/>
-    <p:sldId id="427" r:id="rId12"/>
-    <p:sldId id="428" r:id="rId13"/>
-    <p:sldId id="407" r:id="rId14"/>
-    <p:sldId id="412" r:id="rId15"/>
-    <p:sldId id="406" r:id="rId16"/>
-    <p:sldId id="405" r:id="rId17"/>
-    <p:sldId id="414" r:id="rId18"/>
-    <p:sldId id="415" r:id="rId19"/>
-    <p:sldId id="416" r:id="rId20"/>
-    <p:sldId id="424" r:id="rId21"/>
-    <p:sldId id="429" r:id="rId22"/>
-    <p:sldId id="418" r:id="rId23"/>
-    <p:sldId id="430" r:id="rId24"/>
-    <p:sldId id="420" r:id="rId25"/>
-    <p:sldId id="422" r:id="rId26"/>
-    <p:sldId id="432" r:id="rId27"/>
-    <p:sldId id="423" r:id="rId28"/>
-    <p:sldId id="403" r:id="rId29"/>
-    <p:sldId id="425" r:id="rId30"/>
-    <p:sldId id="431" r:id="rId31"/>
-    <p:sldId id="398" r:id="rId32"/>
+    <p:sldId id="257" r:id="rId3"/>
+    <p:sldId id="258" r:id="rId4"/>
+    <p:sldId id="259" r:id="rId5"/>
+    <p:sldId id="260" r:id="rId6"/>
+    <p:sldId id="261" r:id="rId7"/>
+    <p:sldId id="262" r:id="rId8"/>
+    <p:sldId id="263" r:id="rId9"/>
+    <p:sldId id="264" r:id="rId10"/>
+    <p:sldId id="265" r:id="rId11"/>
+    <p:sldId id="266" r:id="rId12"/>
+    <p:sldId id="267" r:id="rId13"/>
+    <p:sldId id="268" r:id="rId14"/>
+    <p:sldId id="269" r:id="rId15"/>
+    <p:sldId id="270" r:id="rId16"/>
+    <p:sldId id="271" r:id="rId17"/>
+    <p:sldId id="272" r:id="rId18"/>
+    <p:sldId id="273" r:id="rId19"/>
+    <p:sldId id="274" r:id="rId20"/>
+    <p:sldId id="275" r:id="rId21"/>
+    <p:sldId id="276" r:id="rId22"/>
+    <p:sldId id="277" r:id="rId23"/>
+    <p:sldId id="278" r:id="rId24"/>
+    <p:sldId id="279" r:id="rId25"/>
+    <p:sldId id="280" r:id="rId26"/>
+    <p:sldId id="281" r:id="rId27"/>
+    <p:sldId id="282" r:id="rId28"/>
+    <p:sldId id="283" r:id="rId29"/>
+    <p:sldId id="284" r:id="rId30"/>
+    <p:sldId id="285" r:id="rId31"/>
+    <p:sldId id="286" r:id="rId32"/>
+    <p:sldId id="287" r:id="rId33"/>
+    <p:sldId id="288" r:id="rId34"/>
+    <p:sldId id="289" r:id="rId35"/>
   </p:sldIdLst>
   <p:sldSz cx="9144000" cy="6858000" type="screen4x3"/>
   <p:notesSz cx="6858000" cy="9144000"/>
@@ -1335,7 +1338,7 @@
                   <a:spcPct val="0"/>
                 </a:spcBef>
               </a:pPr>
-              <a:t>31</a:t>
+              <a:t>34</a:t>
             </a:fld>
             <a:endParaRPr kumimoji="0" lang="en-US" altLang="zh-TW"/>
           </a:p>
@@ -1400,6 +1403,11 @@
         </p:txBody>
       </p:sp>
     </p:spTree>
+    <p:extLst>
+      <p:ext uri="{BB962C8B-B14F-4D97-AF65-F5344CB8AC3E}">
+        <p14:creationId xmlns:p14="http://schemas.microsoft.com/office/powerpoint/2010/main" val="210592649"/>
+      </p:ext>
+    </p:extLst>
   </p:cSld>
   <p:clrMapOvr>
     <a:masterClrMapping/>
@@ -8561,7 +8569,7 @@
     </p:spTree>
     <p:extLst>
       <p:ext uri="{BB962C8B-B14F-4D97-AF65-F5344CB8AC3E}">
-        <p14:creationId xmlns:p14="http://schemas.microsoft.com/office/powerpoint/2010/main" val="150211293"/>
+        <p14:creationId xmlns:p14="http://schemas.microsoft.com/office/powerpoint/2010/main" val="1876333488"/>
       </p:ext>
     </p:extLst>
   </p:cSld>
@@ -8666,7 +8674,7 @@
     </p:spTree>
     <p:extLst>
       <p:ext uri="{BB962C8B-B14F-4D97-AF65-F5344CB8AC3E}">
-        <p14:creationId xmlns:p14="http://schemas.microsoft.com/office/powerpoint/2010/main" val="2951007145"/>
+        <p14:creationId xmlns:p14="http://schemas.microsoft.com/office/powerpoint/2010/main" val="1887060268"/>
       </p:ext>
     </p:extLst>
   </p:cSld>
@@ -8764,7 +8772,7 @@
     </p:spTree>
     <p:extLst>
       <p:ext uri="{BB962C8B-B14F-4D97-AF65-F5344CB8AC3E}">
-        <p14:creationId xmlns:p14="http://schemas.microsoft.com/office/powerpoint/2010/main" val="2296846616"/>
+        <p14:creationId xmlns:p14="http://schemas.microsoft.com/office/powerpoint/2010/main" val="1783425380"/>
       </p:ext>
     </p:extLst>
   </p:cSld>
@@ -8914,7 +8922,7 @@
     </p:spTree>
     <p:extLst>
       <p:ext uri="{BB962C8B-B14F-4D97-AF65-F5344CB8AC3E}">
-        <p14:creationId xmlns:p14="http://schemas.microsoft.com/office/powerpoint/2010/main" val="1008490185"/>
+        <p14:creationId xmlns:p14="http://schemas.microsoft.com/office/powerpoint/2010/main" val="1601100481"/>
       </p:ext>
     </p:extLst>
   </p:cSld>
@@ -9022,7 +9030,7 @@
     </p:spTree>
     <p:extLst>
       <p:ext uri="{BB962C8B-B14F-4D97-AF65-F5344CB8AC3E}">
-        <p14:creationId xmlns:p14="http://schemas.microsoft.com/office/powerpoint/2010/main" val="809839459"/>
+        <p14:creationId xmlns:p14="http://schemas.microsoft.com/office/powerpoint/2010/main" val="1725687257"/>
       </p:ext>
     </p:extLst>
   </p:cSld>
@@ -9138,7 +9146,7 @@
     </p:spTree>
     <p:extLst>
       <p:ext uri="{BB962C8B-B14F-4D97-AF65-F5344CB8AC3E}">
-        <p14:creationId xmlns:p14="http://schemas.microsoft.com/office/powerpoint/2010/main" val="2114926474"/>
+        <p14:creationId xmlns:p14="http://schemas.microsoft.com/office/powerpoint/2010/main" val="1859075664"/>
       </p:ext>
     </p:extLst>
   </p:cSld>
@@ -9268,7 +9276,7 @@
     </p:spTree>
     <p:extLst>
       <p:ext uri="{BB962C8B-B14F-4D97-AF65-F5344CB8AC3E}">
-        <p14:creationId xmlns:p14="http://schemas.microsoft.com/office/powerpoint/2010/main" val="894975402"/>
+        <p14:creationId xmlns:p14="http://schemas.microsoft.com/office/powerpoint/2010/main" val="1745104645"/>
       </p:ext>
     </p:extLst>
   </p:cSld>
@@ -9356,7 +9364,7 @@
     </p:spTree>
     <p:extLst>
       <p:ext uri="{BB962C8B-B14F-4D97-AF65-F5344CB8AC3E}">
-        <p14:creationId xmlns:p14="http://schemas.microsoft.com/office/powerpoint/2010/main" val="1691741302"/>
+        <p14:creationId xmlns:p14="http://schemas.microsoft.com/office/powerpoint/2010/main" val="1789601436"/>
       </p:ext>
     </p:extLst>
   </p:cSld>
@@ -9468,7 +9476,7 @@
     </p:spTree>
     <p:extLst>
       <p:ext uri="{BB962C8B-B14F-4D97-AF65-F5344CB8AC3E}">
-        <p14:creationId xmlns:p14="http://schemas.microsoft.com/office/powerpoint/2010/main" val="84485564"/>
+        <p14:creationId xmlns:p14="http://schemas.microsoft.com/office/powerpoint/2010/main" val="175374970"/>
       </p:ext>
     </p:extLst>
   </p:cSld>
@@ -9564,7 +9572,7 @@
     </p:spTree>
     <p:extLst>
       <p:ext uri="{BB962C8B-B14F-4D97-AF65-F5344CB8AC3E}">
-        <p14:creationId xmlns:p14="http://schemas.microsoft.com/office/powerpoint/2010/main" val="1031552644"/>
+        <p14:creationId xmlns:p14="http://schemas.microsoft.com/office/powerpoint/2010/main" val="1179557106"/>
       </p:ext>
     </p:extLst>
   </p:cSld>
@@ -9650,7 +9658,7 @@
     </p:spTree>
     <p:extLst>
       <p:ext uri="{BB962C8B-B14F-4D97-AF65-F5344CB8AC3E}">
-        <p14:creationId xmlns:p14="http://schemas.microsoft.com/office/powerpoint/2010/main" val="103754546"/>
+        <p14:creationId xmlns:p14="http://schemas.microsoft.com/office/powerpoint/2010/main" val="34098636"/>
       </p:ext>
     </p:extLst>
   </p:cSld>
@@ -9756,7 +9764,7 @@
     </p:spTree>
     <p:extLst>
       <p:ext uri="{BB962C8B-B14F-4D97-AF65-F5344CB8AC3E}">
-        <p14:creationId xmlns:p14="http://schemas.microsoft.com/office/powerpoint/2010/main" val="812627967"/>
+        <p14:creationId xmlns:p14="http://schemas.microsoft.com/office/powerpoint/2010/main" val="1394735085"/>
       </p:ext>
     </p:extLst>
   </p:cSld>
@@ -9864,7 +9872,7 @@
     </p:spTree>
     <p:extLst>
       <p:ext uri="{BB962C8B-B14F-4D97-AF65-F5344CB8AC3E}">
-        <p14:creationId xmlns:p14="http://schemas.microsoft.com/office/powerpoint/2010/main" val="1269505404"/>
+        <p14:creationId xmlns:p14="http://schemas.microsoft.com/office/powerpoint/2010/main" val="1528566590"/>
       </p:ext>
     </p:extLst>
   </p:cSld>
@@ -9961,7 +9969,7 @@
     </p:spTree>
     <p:extLst>
       <p:ext uri="{BB962C8B-B14F-4D97-AF65-F5344CB8AC3E}">
-        <p14:creationId xmlns:p14="http://schemas.microsoft.com/office/powerpoint/2010/main" val="469897204"/>
+        <p14:creationId xmlns:p14="http://schemas.microsoft.com/office/powerpoint/2010/main" val="271809069"/>
       </p:ext>
     </p:extLst>
   </p:cSld>
@@ -10113,7 +10121,7 @@
     </p:spTree>
     <p:extLst>
       <p:ext uri="{BB962C8B-B14F-4D97-AF65-F5344CB8AC3E}">
-        <p14:creationId xmlns:p14="http://schemas.microsoft.com/office/powerpoint/2010/main" val="455972480"/>
+        <p14:creationId xmlns:p14="http://schemas.microsoft.com/office/powerpoint/2010/main" val="597305514"/>
       </p:ext>
     </p:extLst>
   </p:cSld>
@@ -10236,7 +10244,7 @@
     </p:spTree>
     <p:extLst>
       <p:ext uri="{BB962C8B-B14F-4D97-AF65-F5344CB8AC3E}">
-        <p14:creationId xmlns:p14="http://schemas.microsoft.com/office/powerpoint/2010/main" val="861694670"/>
+        <p14:creationId xmlns:p14="http://schemas.microsoft.com/office/powerpoint/2010/main" val="1575207720"/>
       </p:ext>
     </p:extLst>
   </p:cSld>
@@ -10301,10 +10309,34 @@
           <a:bodyPr/>
           <a:lstStyle/>
           <a:p>
+            <a:r>
+              <a:rPr lang="en-US" altLang="en-US" dirty="0"/>
+              <a:t>Encapsulation – the ability of an object to protect access to its internal </a:t>
+            </a:r>
+            <a:r>
+              <a:rPr lang="en-US" altLang="en-US" dirty="0" smtClean="0"/>
+              <a:t>data</a:t>
+            </a:r>
+          </a:p>
+          <a:p>
+            <a:r>
+              <a:rPr lang="en-US" dirty="0"/>
+              <a:t>g</a:t>
+            </a:r>
+            <a:r>
+              <a:rPr lang="en-US" dirty="0" smtClean="0"/>
+              <a:t>etter and setter</a:t>
+            </a:r>
+          </a:p>
+          <a:p>
             <a:pPr eaLnBrk="1" hangingPunct="1"/>
             <a:r>
               <a:rPr lang="en-US" dirty="0" smtClean="0"/>
-              <a:t>We need a setter to change the private variable</a:t>
+              <a:t>We </a:t>
+            </a:r>
+            <a:r>
+              <a:rPr lang="en-US" dirty="0" smtClean="0"/>
+              <a:t>need a setter to change the private variable</a:t>
             </a:r>
           </a:p>
           <a:p>
@@ -10320,7 +10352,7 @@
     </p:spTree>
     <p:extLst>
       <p:ext uri="{BB962C8B-B14F-4D97-AF65-F5344CB8AC3E}">
-        <p14:creationId xmlns:p14="http://schemas.microsoft.com/office/powerpoint/2010/main" val="256506750"/>
+        <p14:creationId xmlns:p14="http://schemas.microsoft.com/office/powerpoint/2010/main" val="337749824"/>
       </p:ext>
     </p:extLst>
   </p:cSld>
@@ -10390,7 +10422,6 @@
               <a:rPr lang="en-US" dirty="0" smtClean="0"/>
               <a:t>Since we can validate the value before we change the private variable, private variable are more secure than public variable.</a:t>
             </a:r>
-            <a:endParaRPr lang="en-US" dirty="0" smtClean="0"/>
           </a:p>
           <a:p>
             <a:pPr eaLnBrk="1" hangingPunct="1"/>
@@ -10405,7 +10436,7 @@
     </p:spTree>
     <p:extLst>
       <p:ext uri="{BB962C8B-B14F-4D97-AF65-F5344CB8AC3E}">
-        <p14:creationId xmlns:p14="http://schemas.microsoft.com/office/powerpoint/2010/main" val="658580042"/>
+        <p14:creationId xmlns:p14="http://schemas.microsoft.com/office/powerpoint/2010/main" val="762012947"/>
       </p:ext>
     </p:extLst>
   </p:cSld>
@@ -10484,11 +10515,7 @@
             </a:r>
             <a:r>
               <a:rPr lang="en-US" altLang="en-US" dirty="0" smtClean="0"/>
-              <a:t> </a:t>
-            </a:r>
-            <a:r>
-              <a:rPr lang="en-US" altLang="en-US" dirty="0" smtClean="0"/>
-              <a:t>But </a:t>
+              <a:t> But </a:t>
             </a:r>
             <a:r>
               <a:rPr lang="en-US" altLang="en-US" dirty="0"/>
@@ -10517,7 +10544,7 @@
     </p:spTree>
     <p:extLst>
       <p:ext uri="{BB962C8B-B14F-4D97-AF65-F5344CB8AC3E}">
-        <p14:creationId xmlns:p14="http://schemas.microsoft.com/office/powerpoint/2010/main" val="139753832"/>
+        <p14:creationId xmlns:p14="http://schemas.microsoft.com/office/powerpoint/2010/main" val="1706613168"/>
       </p:ext>
     </p:extLst>
   </p:cSld>
@@ -10583,29 +10610,23 @@
           <a:lstStyle/>
           <a:p>
             <a:r>
-              <a:rPr lang="en-US" altLang="en-US" smtClean="0"/>
-              <a:t>Polymorphism – allows a class to be defined as being a member of more than one category of classes (EG. a car is “a thing with engine” and also “a thing with wheels”)</a:t>
-            </a:r>
-          </a:p>
-          <a:p>
-            <a:r>
-              <a:rPr lang="en-US" altLang="en-US" smtClean="0"/>
+              <a:rPr lang="en-US" altLang="en-US" dirty="0" smtClean="0"/>
               <a:t>Interfaces – a way of specifying that an object is capable of doing something without actually defining how it is to be done (EG. a dog and a human are “things that walk” but they are different)</a:t>
             </a:r>
           </a:p>
           <a:p>
             <a:r>
-              <a:rPr lang="en-US" altLang="en-US" smtClean="0"/>
-              <a:t>Encapsulation – the ability of an object to protect access to its internal data</a:t>
-            </a:r>
-            <a:endParaRPr lang="en-US" altLang="en-US"/>
+              <a:rPr lang="en-US" altLang="en-US" dirty="0" smtClean="0"/>
+              <a:t>Abstract – similar to Interface, but it can contacts method content</a:t>
+            </a:r>
+            <a:endParaRPr lang="en-US" altLang="en-US" dirty="0" smtClean="0"/>
           </a:p>
         </p:txBody>
       </p:sp>
     </p:spTree>
     <p:extLst>
       <p:ext uri="{BB962C8B-B14F-4D97-AF65-F5344CB8AC3E}">
-        <p14:creationId xmlns:p14="http://schemas.microsoft.com/office/powerpoint/2010/main" val="1481579447"/>
+        <p14:creationId xmlns:p14="http://schemas.microsoft.com/office/powerpoint/2010/main" val="1255925244"/>
       </p:ext>
     </p:extLst>
   </p:cSld>
@@ -10656,8 +10677,12 @@
           <a:lstStyle/>
           <a:p>
             <a:r>
+              <a:rPr lang="en-US" dirty="0"/>
+              <a:t>I</a:t>
+            </a:r>
+            <a:r>
               <a:rPr lang="en-US" dirty="0" smtClean="0"/>
-              <a:t>Example</a:t>
+              <a:t>nterface</a:t>
             </a:r>
             <a:endParaRPr lang="en-US" dirty="0"/>
           </a:p>
@@ -10679,37 +10704,41 @@
           <a:lstStyle/>
           <a:p>
             <a:r>
-              <a:rPr lang="en-US" altLang="zh-TW" dirty="0" smtClean="0"/>
-              <a:t>Search </a:t>
-            </a:r>
-            <a:r>
-              <a:rPr lang="zh-TW" altLang="en-US" dirty="0" smtClean="0"/>
-              <a:t>農曆 </a:t>
-            </a:r>
-            <a:r>
-              <a:rPr lang="en-US" altLang="en-US" dirty="0" err="1"/>
-              <a:t>php</a:t>
-            </a:r>
-            <a:endParaRPr lang="en-US" altLang="en-US" dirty="0"/>
+              <a:rPr lang="en-US" dirty="0"/>
+              <a:t>An interface is similar to a class except that it cannot contain code. An interface can define method names and arguments, but not the contents of the methods. Any classes implementing an interface </a:t>
+            </a:r>
+            <a:r>
+              <a:rPr lang="en-US" b="1" dirty="0" smtClean="0"/>
+              <a:t>must </a:t>
+            </a:r>
+            <a:r>
+              <a:rPr lang="en-US" dirty="0" smtClean="0"/>
+              <a:t>implement </a:t>
+            </a:r>
+            <a:r>
+              <a:rPr lang="en-US" dirty="0"/>
+              <a:t>all methods defined by the interface. A class can implement multiple interfaces</a:t>
+            </a:r>
+            <a:r>
+              <a:rPr lang="en-US" dirty="0" smtClean="0"/>
+              <a:t>.</a:t>
+            </a:r>
+          </a:p>
+          <a:p>
+            <a:r>
+              <a:rPr lang="en-US" dirty="0" smtClean="0"/>
+              <a:t>Delete any method will cause error.</a:t>
+            </a:r>
+            <a:endParaRPr lang="en-US" altLang="en-US" dirty="0" smtClean="0"/>
           </a:p>
           <a:p>
             <a:r>
               <a:rPr lang="en-US" altLang="en-US" dirty="0" smtClean="0"/>
-              <a:t>https</a:t>
-            </a:r>
-            <a:r>
-              <a:rPr lang="en-US" altLang="en-US" dirty="0"/>
-              <a:t>://</a:t>
+              <a:t>t</a:t>
             </a:r>
             <a:r>
               <a:rPr lang="en-US" altLang="en-US" dirty="0" smtClean="0"/>
-              <a:t>gist.github.com/eagleon/1702129</a:t>
-            </a:r>
-          </a:p>
-          <a:p>
-            <a:r>
-              <a:rPr lang="en-US" altLang="en-US" dirty="0" err="1" smtClean="0"/>
-              <a:t>cal.php</a:t>
+              <a:t>v22.php</a:t>
             </a:r>
             <a:endParaRPr lang="en-US" altLang="en-US" dirty="0"/>
           </a:p>
@@ -10718,7 +10747,7 @@
     </p:spTree>
     <p:extLst>
       <p:ext uri="{BB962C8B-B14F-4D97-AF65-F5344CB8AC3E}">
-        <p14:creationId xmlns:p14="http://schemas.microsoft.com/office/powerpoint/2010/main" val="1808394227"/>
+        <p14:creationId xmlns:p14="http://schemas.microsoft.com/office/powerpoint/2010/main" val="718809545"/>
       </p:ext>
     </p:extLst>
   </p:cSld>
@@ -10822,7 +10851,7 @@
     </p:spTree>
     <p:extLst>
       <p:ext uri="{BB962C8B-B14F-4D97-AF65-F5344CB8AC3E}">
-        <p14:creationId xmlns:p14="http://schemas.microsoft.com/office/powerpoint/2010/main" val="1053637933"/>
+        <p14:creationId xmlns:p14="http://schemas.microsoft.com/office/powerpoint/2010/main" val="1865125150"/>
       </p:ext>
     </p:extLst>
   </p:cSld>
@@ -10874,7 +10903,7 @@
           <a:p>
             <a:r>
               <a:rPr lang="en-US" dirty="0" smtClean="0"/>
-              <a:t>Example</a:t>
+              <a:t>Abstract</a:t>
             </a:r>
             <a:endParaRPr lang="en-US" dirty="0"/>
           </a:p>
@@ -10896,37 +10925,31 @@
           <a:lstStyle/>
           <a:p>
             <a:r>
-              <a:rPr lang="en-US" altLang="zh-TW" dirty="0" smtClean="0"/>
-              <a:t>Search </a:t>
-            </a:r>
-            <a:r>
-              <a:rPr lang="en-US" altLang="en-US" dirty="0" err="1" smtClean="0"/>
-              <a:t>php</a:t>
-            </a:r>
+              <a:rPr lang="en-US" dirty="0"/>
+              <a:t>An abstract class is a mix between an interface and a class. It can define functionality as well as interface (in the form of abstract methods). Classes extending an abstract class </a:t>
+            </a:r>
+            <a:r>
+              <a:rPr lang="en-US" b="1" dirty="0"/>
+              <a:t>must</a:t>
+            </a:r>
+            <a:r>
+              <a:rPr lang="en-US" dirty="0"/>
+              <a:t> implement all of the abstract methods defined in the abstract class</a:t>
+            </a:r>
+            <a:r>
+              <a:rPr lang="en-US" dirty="0" smtClean="0"/>
+              <a:t>.</a:t>
+            </a:r>
+            <a:endParaRPr lang="en-US" altLang="en-US" dirty="0" smtClean="0"/>
+          </a:p>
+          <a:p>
             <a:r>
               <a:rPr lang="en-US" altLang="en-US" dirty="0" smtClean="0"/>
-              <a:t> </a:t>
-            </a:r>
-            <a:r>
-              <a:rPr lang="en-US" altLang="en-US" dirty="0" err="1" smtClean="0"/>
-              <a:t>pdf</a:t>
-            </a:r>
-            <a:endParaRPr lang="en-US" altLang="en-US" dirty="0"/>
-          </a:p>
-          <a:p>
-            <a:r>
-              <a:rPr lang="en-US" altLang="en-US" dirty="0"/>
-              <a:t>http://www.fpdf.org</a:t>
+              <a:t>t</a:t>
             </a:r>
             <a:r>
               <a:rPr lang="en-US" altLang="en-US" dirty="0" smtClean="0"/>
-              <a:t>/</a:t>
-            </a:r>
-          </a:p>
-          <a:p>
-            <a:r>
-              <a:rPr lang="en-US" altLang="en-US" smtClean="0"/>
-              <a:t>pdf.php</a:t>
+              <a:t>v23.php</a:t>
             </a:r>
             <a:endParaRPr lang="en-US" altLang="en-US" dirty="0"/>
           </a:p>
@@ -10935,7 +10958,7 @@
     </p:spTree>
     <p:extLst>
       <p:ext uri="{BB962C8B-B14F-4D97-AF65-F5344CB8AC3E}">
-        <p14:creationId xmlns:p14="http://schemas.microsoft.com/office/powerpoint/2010/main" val="2962534565"/>
+        <p14:creationId xmlns:p14="http://schemas.microsoft.com/office/powerpoint/2010/main" val="1436508440"/>
       </p:ext>
     </p:extLst>
   </p:cSld>
@@ -10972,6 +10995,328 @@
       </p:grpSpPr>
       <p:sp>
         <p:nvSpPr>
+          <p:cNvPr id="2" name="Title 1"/>
+          <p:cNvSpPr>
+            <a:spLocks noGrp="1"/>
+          </p:cNvSpPr>
+          <p:nvPr>
+            <p:ph type="title"/>
+          </p:nvPr>
+        </p:nvSpPr>
+        <p:spPr/>
+        <p:txBody>
+          <a:bodyPr/>
+          <a:lstStyle/>
+          <a:p>
+            <a:r>
+              <a:rPr lang="en-US" dirty="0" smtClean="0"/>
+              <a:t>Concept </a:t>
+            </a:r>
+            <a:r>
+              <a:rPr lang="en-US" dirty="0" smtClean="0"/>
+              <a:t>3</a:t>
+            </a:r>
+            <a:endParaRPr lang="en-US" dirty="0"/>
+          </a:p>
+        </p:txBody>
+      </p:sp>
+      <p:sp>
+        <p:nvSpPr>
+          <p:cNvPr id="18435" name="Content Placeholder 2"/>
+          <p:cNvSpPr>
+            <a:spLocks noGrp="1"/>
+          </p:cNvSpPr>
+          <p:nvPr>
+            <p:ph sz="quarter" idx="1"/>
+          </p:nvPr>
+        </p:nvSpPr>
+        <p:spPr/>
+        <p:txBody>
+          <a:bodyPr/>
+          <a:lstStyle/>
+          <a:p>
+            <a:r>
+              <a:rPr lang="en-US" altLang="en-US" dirty="0" smtClean="0"/>
+              <a:t>Polymorphism </a:t>
+            </a:r>
+            <a:r>
+              <a:rPr lang="en-US" altLang="en-US" dirty="0" smtClean="0"/>
+              <a:t>– allows a class to be defined as being a member of more than one category of classes (EG. a car is “a thing with engine” and also “a thing with wheels</a:t>
+            </a:r>
+            <a:r>
+              <a:rPr lang="en-US" altLang="en-US" dirty="0" smtClean="0"/>
+              <a:t>”)</a:t>
+            </a:r>
+            <a:endParaRPr lang="en-US" altLang="en-US" dirty="0" smtClean="0"/>
+          </a:p>
+        </p:txBody>
+      </p:sp>
+    </p:spTree>
+    <p:extLst>
+      <p:ext uri="{BB962C8B-B14F-4D97-AF65-F5344CB8AC3E}">
+        <p14:creationId xmlns:p14="http://schemas.microsoft.com/office/powerpoint/2010/main" val="1386191506"/>
+      </p:ext>
+    </p:extLst>
+  </p:cSld>
+  <p:clrMapOvr>
+    <a:masterClrMapping/>
+  </p:clrMapOvr>
+  <mc:AlternateContent xmlns:mc="http://schemas.openxmlformats.org/markup-compatibility/2006" xmlns:p14="http://schemas.microsoft.com/office/powerpoint/2010/main">
+    <mc:Choice Requires="p14">
+      <p:transition spd="slow" p14:dur="2000"/>
+    </mc:Choice>
+    <mc:Fallback xmlns="">
+      <p:transition spd="slow"/>
+    </mc:Fallback>
+  </mc:AlternateContent>
+</p:sld>
+</file>
+
+<file path=ppt/slides/slide32.xml><?xml version="1.0" encoding="utf-8"?>
+<p:sld xmlns:a="http://schemas.openxmlformats.org/drawingml/2006/main" xmlns:r="http://schemas.openxmlformats.org/officeDocument/2006/relationships" xmlns:p="http://schemas.openxmlformats.org/presentationml/2006/main">
+  <p:cSld>
+    <p:spTree>
+      <p:nvGrpSpPr>
+        <p:cNvPr id="1" name=""/>
+        <p:cNvGrpSpPr/>
+        <p:nvPr/>
+      </p:nvGrpSpPr>
+      <p:grpSpPr>
+        <a:xfrm>
+          <a:off x="0" y="0"/>
+          <a:ext cx="0" cy="0"/>
+          <a:chOff x="0" y="0"/>
+          <a:chExt cx="0" cy="0"/>
+        </a:xfrm>
+      </p:grpSpPr>
+      <p:sp>
+        <p:nvSpPr>
+          <p:cNvPr id="2" name="Title 1"/>
+          <p:cNvSpPr>
+            <a:spLocks noGrp="1"/>
+          </p:cNvSpPr>
+          <p:nvPr>
+            <p:ph type="title"/>
+          </p:nvPr>
+        </p:nvSpPr>
+        <p:spPr/>
+        <p:txBody>
+          <a:bodyPr/>
+          <a:lstStyle/>
+          <a:p>
+            <a:r>
+              <a:rPr lang="en-US" dirty="0" smtClean="0"/>
+              <a:t>Example</a:t>
+            </a:r>
+            <a:endParaRPr lang="en-US" dirty="0"/>
+          </a:p>
+        </p:txBody>
+      </p:sp>
+      <p:sp>
+        <p:nvSpPr>
+          <p:cNvPr id="18435" name="Content Placeholder 2"/>
+          <p:cNvSpPr>
+            <a:spLocks noGrp="1"/>
+          </p:cNvSpPr>
+          <p:nvPr>
+            <p:ph sz="quarter" idx="1"/>
+          </p:nvPr>
+        </p:nvSpPr>
+        <p:spPr/>
+        <p:txBody>
+          <a:bodyPr/>
+          <a:lstStyle/>
+          <a:p>
+            <a:r>
+              <a:rPr lang="en-US" altLang="zh-TW" dirty="0" smtClean="0"/>
+              <a:t>Search </a:t>
+            </a:r>
+            <a:r>
+              <a:rPr lang="zh-TW" altLang="en-US" dirty="0" smtClean="0"/>
+              <a:t>農曆 </a:t>
+            </a:r>
+            <a:r>
+              <a:rPr lang="en-US" altLang="en-US" dirty="0" err="1"/>
+              <a:t>php</a:t>
+            </a:r>
+            <a:endParaRPr lang="en-US" altLang="en-US" dirty="0"/>
+          </a:p>
+          <a:p>
+            <a:r>
+              <a:rPr lang="en-US" altLang="en-US" dirty="0" smtClean="0"/>
+              <a:t>https</a:t>
+            </a:r>
+            <a:r>
+              <a:rPr lang="en-US" altLang="en-US" dirty="0"/>
+              <a:t>://</a:t>
+            </a:r>
+            <a:r>
+              <a:rPr lang="en-US" altLang="en-US" dirty="0" smtClean="0"/>
+              <a:t>gist.github.com/eagleon/1702129</a:t>
+            </a:r>
+          </a:p>
+          <a:p>
+            <a:r>
+              <a:rPr lang="en-US" altLang="en-US" dirty="0" err="1" smtClean="0"/>
+              <a:t>cal.php</a:t>
+            </a:r>
+            <a:endParaRPr lang="en-US" altLang="en-US" dirty="0"/>
+          </a:p>
+        </p:txBody>
+      </p:sp>
+    </p:spTree>
+    <p:extLst>
+      <p:ext uri="{BB962C8B-B14F-4D97-AF65-F5344CB8AC3E}">
+        <p14:creationId xmlns:p14="http://schemas.microsoft.com/office/powerpoint/2010/main" val="1818038686"/>
+      </p:ext>
+    </p:extLst>
+  </p:cSld>
+  <p:clrMapOvr>
+    <a:masterClrMapping/>
+  </p:clrMapOvr>
+  <mc:AlternateContent xmlns:mc="http://schemas.openxmlformats.org/markup-compatibility/2006" xmlns:p14="http://schemas.microsoft.com/office/powerpoint/2010/main">
+    <mc:Choice Requires="p14">
+      <p:transition spd="slow" p14:dur="2000"/>
+    </mc:Choice>
+    <mc:Fallback xmlns="">
+      <p:transition spd="slow"/>
+    </mc:Fallback>
+  </mc:AlternateContent>
+</p:sld>
+</file>
+
+<file path=ppt/slides/slide33.xml><?xml version="1.0" encoding="utf-8"?>
+<p:sld xmlns:a="http://schemas.openxmlformats.org/drawingml/2006/main" xmlns:r="http://schemas.openxmlformats.org/officeDocument/2006/relationships" xmlns:p="http://schemas.openxmlformats.org/presentationml/2006/main">
+  <p:cSld>
+    <p:spTree>
+      <p:nvGrpSpPr>
+        <p:cNvPr id="1" name=""/>
+        <p:cNvGrpSpPr/>
+        <p:nvPr/>
+      </p:nvGrpSpPr>
+      <p:grpSpPr>
+        <a:xfrm>
+          <a:off x="0" y="0"/>
+          <a:ext cx="0" cy="0"/>
+          <a:chOff x="0" y="0"/>
+          <a:chExt cx="0" cy="0"/>
+        </a:xfrm>
+      </p:grpSpPr>
+      <p:sp>
+        <p:nvSpPr>
+          <p:cNvPr id="2" name="Title 1"/>
+          <p:cNvSpPr>
+            <a:spLocks noGrp="1"/>
+          </p:cNvSpPr>
+          <p:nvPr>
+            <p:ph type="title"/>
+          </p:nvPr>
+        </p:nvSpPr>
+        <p:spPr/>
+        <p:txBody>
+          <a:bodyPr/>
+          <a:lstStyle/>
+          <a:p>
+            <a:r>
+              <a:rPr lang="en-US" dirty="0" smtClean="0"/>
+              <a:t>Example</a:t>
+            </a:r>
+            <a:endParaRPr lang="en-US" dirty="0"/>
+          </a:p>
+        </p:txBody>
+      </p:sp>
+      <p:sp>
+        <p:nvSpPr>
+          <p:cNvPr id="18435" name="Content Placeholder 2"/>
+          <p:cNvSpPr>
+            <a:spLocks noGrp="1"/>
+          </p:cNvSpPr>
+          <p:nvPr>
+            <p:ph sz="quarter" idx="1"/>
+          </p:nvPr>
+        </p:nvSpPr>
+        <p:spPr/>
+        <p:txBody>
+          <a:bodyPr/>
+          <a:lstStyle/>
+          <a:p>
+            <a:r>
+              <a:rPr lang="en-US" altLang="zh-TW" dirty="0" smtClean="0"/>
+              <a:t>Search </a:t>
+            </a:r>
+            <a:r>
+              <a:rPr lang="en-US" altLang="en-US" dirty="0" err="1" smtClean="0"/>
+              <a:t>php</a:t>
+            </a:r>
+            <a:r>
+              <a:rPr lang="en-US" altLang="en-US" dirty="0" smtClean="0"/>
+              <a:t> </a:t>
+            </a:r>
+            <a:r>
+              <a:rPr lang="en-US" altLang="en-US" dirty="0" err="1" smtClean="0"/>
+              <a:t>pdf</a:t>
+            </a:r>
+            <a:endParaRPr lang="en-US" altLang="en-US" dirty="0"/>
+          </a:p>
+          <a:p>
+            <a:r>
+              <a:rPr lang="en-US" altLang="en-US" dirty="0"/>
+              <a:t>http://www.fpdf.org</a:t>
+            </a:r>
+            <a:r>
+              <a:rPr lang="en-US" altLang="en-US" dirty="0" smtClean="0"/>
+              <a:t>/</a:t>
+            </a:r>
+          </a:p>
+          <a:p>
+            <a:r>
+              <a:rPr lang="en-US" altLang="en-US" smtClean="0"/>
+              <a:t>pdf.php</a:t>
+            </a:r>
+            <a:endParaRPr lang="en-US" altLang="en-US" dirty="0"/>
+          </a:p>
+        </p:txBody>
+      </p:sp>
+    </p:spTree>
+    <p:extLst>
+      <p:ext uri="{BB962C8B-B14F-4D97-AF65-F5344CB8AC3E}">
+        <p14:creationId xmlns:p14="http://schemas.microsoft.com/office/powerpoint/2010/main" val="1378866086"/>
+      </p:ext>
+    </p:extLst>
+  </p:cSld>
+  <p:clrMapOvr>
+    <a:masterClrMapping/>
+  </p:clrMapOvr>
+  <mc:AlternateContent xmlns:mc="http://schemas.openxmlformats.org/markup-compatibility/2006" xmlns:p14="http://schemas.microsoft.com/office/powerpoint/2010/main">
+    <mc:Choice Requires="p14">
+      <p:transition spd="slow" p14:dur="2000"/>
+    </mc:Choice>
+    <mc:Fallback xmlns="">
+      <p:transition spd="slow"/>
+    </mc:Fallback>
+  </mc:AlternateContent>
+</p:sld>
+</file>
+
+<file path=ppt/slides/slide34.xml><?xml version="1.0" encoding="utf-8"?>
+<p:sld xmlns:a="http://schemas.openxmlformats.org/drawingml/2006/main" xmlns:r="http://schemas.openxmlformats.org/officeDocument/2006/relationships" xmlns:p="http://schemas.openxmlformats.org/presentationml/2006/main">
+  <p:cSld>
+    <p:spTree>
+      <p:nvGrpSpPr>
+        <p:cNvPr id="1" name=""/>
+        <p:cNvGrpSpPr/>
+        <p:nvPr/>
+      </p:nvGrpSpPr>
+      <p:grpSpPr>
+        <a:xfrm>
+          <a:off x="0" y="0"/>
+          <a:ext cx="0" cy="0"/>
+          <a:chOff x="0" y="0"/>
+          <a:chExt cx="0" cy="0"/>
+        </a:xfrm>
+      </p:grpSpPr>
+      <p:sp>
+        <p:nvSpPr>
           <p:cNvPr id="24578" name="Rectangle 2"/>
           <p:cNvSpPr>
             <a:spLocks noGrp="1" noChangeArrowheads="1"/>
@@ -11026,6 +11371,11 @@
         </p:txBody>
       </p:sp>
     </p:spTree>
+    <p:extLst>
+      <p:ext uri="{BB962C8B-B14F-4D97-AF65-F5344CB8AC3E}">
+        <p14:creationId xmlns:p14="http://schemas.microsoft.com/office/powerpoint/2010/main" val="1106272625"/>
+      </p:ext>
+    </p:extLst>
   </p:cSld>
   <p:clrMapOvr>
     <a:masterClrMapping/>
@@ -11117,7 +11467,7 @@
     </p:spTree>
     <p:extLst>
       <p:ext uri="{BB962C8B-B14F-4D97-AF65-F5344CB8AC3E}">
-        <p14:creationId xmlns:p14="http://schemas.microsoft.com/office/powerpoint/2010/main" val="45933258"/>
+        <p14:creationId xmlns:p14="http://schemas.microsoft.com/office/powerpoint/2010/main" val="339600791"/>
       </p:ext>
     </p:extLst>
   </p:cSld>
@@ -11218,7 +11568,7 @@
     </p:spTree>
     <p:extLst>
       <p:ext uri="{BB962C8B-B14F-4D97-AF65-F5344CB8AC3E}">
-        <p14:creationId xmlns:p14="http://schemas.microsoft.com/office/powerpoint/2010/main" val="342586769"/>
+        <p14:creationId xmlns:p14="http://schemas.microsoft.com/office/powerpoint/2010/main" val="1806444258"/>
       </p:ext>
     </p:extLst>
   </p:cSld>
@@ -11339,7 +11689,7 @@
     </p:spTree>
     <p:extLst>
       <p:ext uri="{BB962C8B-B14F-4D97-AF65-F5344CB8AC3E}">
-        <p14:creationId xmlns:p14="http://schemas.microsoft.com/office/powerpoint/2010/main" val="1753597171"/>
+        <p14:creationId xmlns:p14="http://schemas.microsoft.com/office/powerpoint/2010/main" val="1932326567"/>
       </p:ext>
     </p:extLst>
   </p:cSld>
@@ -11437,7 +11787,7 @@
     </p:spTree>
     <p:extLst>
       <p:ext uri="{BB962C8B-B14F-4D97-AF65-F5344CB8AC3E}">
-        <p14:creationId xmlns:p14="http://schemas.microsoft.com/office/powerpoint/2010/main" val="1610331511"/>
+        <p14:creationId xmlns:p14="http://schemas.microsoft.com/office/powerpoint/2010/main" val="217417988"/>
       </p:ext>
     </p:extLst>
   </p:cSld>
@@ -11546,7 +11896,7 @@
     </p:spTree>
     <p:extLst>
       <p:ext uri="{BB962C8B-B14F-4D97-AF65-F5344CB8AC3E}">
-        <p14:creationId xmlns:p14="http://schemas.microsoft.com/office/powerpoint/2010/main" val="832878764"/>
+        <p14:creationId xmlns:p14="http://schemas.microsoft.com/office/powerpoint/2010/main" val="1274440769"/>
       </p:ext>
     </p:extLst>
   </p:cSld>
@@ -11666,7 +12016,7 @@
     </p:spTree>
     <p:extLst>
       <p:ext uri="{BB962C8B-B14F-4D97-AF65-F5344CB8AC3E}">
-        <p14:creationId xmlns:p14="http://schemas.microsoft.com/office/powerpoint/2010/main" val="3547399053"/>
+        <p14:creationId xmlns:p14="http://schemas.microsoft.com/office/powerpoint/2010/main" val="524109405"/>
       </p:ext>
     </p:extLst>
   </p:cSld>

--- a/php-fw7/lesson7a-tv.pptx
+++ b/php-fw7/lesson7a-tv.pptx
@@ -5,10 +5,10 @@
     <p:sldMasterId id="2147484302" r:id="rId1"/>
   </p:sldMasterIdLst>
   <p:notesMasterIdLst>
-    <p:notesMasterId r:id="rId36"/>
+    <p:notesMasterId r:id="rId38"/>
   </p:notesMasterIdLst>
   <p:handoutMasterIdLst>
-    <p:handoutMasterId r:id="rId37"/>
+    <p:handoutMasterId r:id="rId39"/>
   </p:handoutMasterIdLst>
   <p:sldIdLst>
     <p:sldId id="256" r:id="rId2"/>
@@ -27,24 +27,26 @@
     <p:sldId id="269" r:id="rId15"/>
     <p:sldId id="270" r:id="rId16"/>
     <p:sldId id="271" r:id="rId17"/>
-    <p:sldId id="272" r:id="rId18"/>
-    <p:sldId id="273" r:id="rId19"/>
-    <p:sldId id="274" r:id="rId20"/>
-    <p:sldId id="275" r:id="rId21"/>
-    <p:sldId id="276" r:id="rId22"/>
-    <p:sldId id="277" r:id="rId23"/>
-    <p:sldId id="278" r:id="rId24"/>
-    <p:sldId id="279" r:id="rId25"/>
-    <p:sldId id="280" r:id="rId26"/>
-    <p:sldId id="281" r:id="rId27"/>
-    <p:sldId id="282" r:id="rId28"/>
-    <p:sldId id="283" r:id="rId29"/>
-    <p:sldId id="284" r:id="rId30"/>
-    <p:sldId id="285" r:id="rId31"/>
-    <p:sldId id="286" r:id="rId32"/>
-    <p:sldId id="287" r:id="rId33"/>
-    <p:sldId id="288" r:id="rId34"/>
-    <p:sldId id="289" r:id="rId35"/>
+    <p:sldId id="290" r:id="rId18"/>
+    <p:sldId id="272" r:id="rId19"/>
+    <p:sldId id="273" r:id="rId20"/>
+    <p:sldId id="274" r:id="rId21"/>
+    <p:sldId id="275" r:id="rId22"/>
+    <p:sldId id="276" r:id="rId23"/>
+    <p:sldId id="277" r:id="rId24"/>
+    <p:sldId id="278" r:id="rId25"/>
+    <p:sldId id="279" r:id="rId26"/>
+    <p:sldId id="280" r:id="rId27"/>
+    <p:sldId id="281" r:id="rId28"/>
+    <p:sldId id="282" r:id="rId29"/>
+    <p:sldId id="283" r:id="rId30"/>
+    <p:sldId id="284" r:id="rId31"/>
+    <p:sldId id="285" r:id="rId32"/>
+    <p:sldId id="286" r:id="rId33"/>
+    <p:sldId id="292" r:id="rId34"/>
+    <p:sldId id="293" r:id="rId35"/>
+    <p:sldId id="291" r:id="rId36"/>
+    <p:sldId id="289" r:id="rId37"/>
   </p:sldIdLst>
   <p:sldSz cx="9144000" cy="6858000" type="screen4x3"/>
   <p:notesSz cx="6858000" cy="9144000"/>
@@ -1338,7 +1340,7 @@
                   <a:spcPct val="0"/>
                 </a:spcBef>
               </a:pPr>
-              <a:t>34</a:t>
+              <a:t>36</a:t>
             </a:fld>
             <a:endParaRPr kumimoji="0" lang="en-US" altLang="zh-TW"/>
           </a:p>
@@ -8196,24 +8198,16 @@
             <p:ph type="ctrTitle"/>
           </p:nvPr>
         </p:nvSpPr>
-        <p:spPr>
-          <a:xfrm>
-            <a:off x="1739900" y="914400"/>
-            <a:ext cx="6946900" cy="3487738"/>
-          </a:xfrm>
-        </p:spPr>
+        <p:spPr/>
         <p:txBody>
           <a:bodyPr/>
           <a:lstStyle/>
           <a:p>
             <a:r>
-              <a:rPr lang="en-US" altLang="zh-TW">
-                <a:ln>
-                  <a:noFill/>
-                </a:ln>
-              </a:rPr>
+              <a:rPr lang="en-US" altLang="zh-TW" smtClean="0"/>
               <a:t>Professional Diploma in Commercial Web Design</a:t>
             </a:r>
+            <a:endParaRPr lang="en-US" altLang="zh-TW"/>
           </a:p>
         </p:txBody>
       </p:sp>
@@ -8227,12 +8221,7 @@
             <p:ph type="subTitle" idx="1"/>
           </p:nvPr>
         </p:nvSpPr>
-        <p:spPr>
-          <a:xfrm>
-            <a:off x="2924175" y="4402138"/>
-            <a:ext cx="5762625" cy="1365250"/>
-          </a:xfrm>
-        </p:spPr>
+        <p:spPr/>
         <p:txBody>
           <a:bodyPr>
             <a:normAutofit fontScale="92500" lnSpcReduction="20000"/>
@@ -8240,25 +8229,19 @@
           <a:lstStyle/>
           <a:p>
             <a:r>
-              <a:rPr lang="en-US" altLang="zh-TW" dirty="0"/>
-              <a:t>Lesson </a:t>
-            </a:r>
-            <a:r>
               <a:rPr lang="en-US" altLang="zh-TW" dirty="0" smtClean="0"/>
-              <a:t>27a</a:t>
-            </a:r>
-            <a:endParaRPr lang="en-US" altLang="zh-TW" dirty="0"/>
-          </a:p>
-          <a:p>
-            <a:r>
-              <a:rPr lang="en-US" altLang="zh-TW" smtClean="0"/>
+              <a:t>Lesson 7a</a:t>
+            </a:r>
+          </a:p>
+          <a:p>
+            <a:r>
+              <a:rPr lang="en-US" altLang="zh-TW" dirty="0" smtClean="0"/>
               <a:t>Object - TV</a:t>
             </a:r>
-            <a:endParaRPr lang="en-US" altLang="zh-TW" dirty="0"/>
-          </a:p>
-          <a:p>
-            <a:r>
-              <a:rPr lang="en-US" altLang="zh-TW" dirty="0"/>
+          </a:p>
+          <a:p>
+            <a:r>
+              <a:rPr lang="en-US" altLang="zh-TW" dirty="0" smtClean="0"/>
               <a:t>By Raymond Tsang in </a:t>
             </a:r>
             <a:r>
@@ -8281,9 +8264,18 @@
   <p:clrMapOvr>
     <a:masterClrMapping/>
   </p:clrMapOvr>
-  <p:transition>
-    <p:cut/>
-  </p:transition>
+  <mc:AlternateContent xmlns:mc="http://schemas.openxmlformats.org/markup-compatibility/2006" xmlns:p14="http://schemas.microsoft.com/office/powerpoint/2010/main">
+    <mc:Choice Requires="p14">
+      <p:transition spd="slow" p14:dur="1500">
+        <p:random/>
+      </p:transition>
+    </mc:Choice>
+    <mc:Fallback xmlns="">
+      <p:transition spd="slow">
+        <p:random/>
+      </p:transition>
+    </mc:Fallback>
+  </mc:AlternateContent>
   <p:timing>
     <p:tnLst>
       <p:par>
@@ -8492,7 +8484,7 @@
           <a:lstStyle/>
           <a:p>
             <a:r>
-              <a:rPr lang="en-US" altLang="en-US" dirty="0" smtClean="0"/>
+              <a:rPr lang="en-US" altLang="en-US" smtClean="0"/>
               <a:t>Property</a:t>
             </a:r>
             <a:endParaRPr lang="en-US" altLang="en-US" dirty="0"/>
@@ -8515,49 +8507,25 @@
           <a:lstStyle/>
           <a:p>
             <a:r>
-              <a:rPr lang="en-US" altLang="zh-TW" dirty="0" smtClean="0"/>
+              <a:rPr lang="en-US" altLang="zh-TW" smtClean="0"/>
               <a:t>Variable in an object is called property</a:t>
             </a:r>
           </a:p>
           <a:p>
             <a:r>
-              <a:rPr lang="en-US" altLang="zh-TW" dirty="0" smtClean="0"/>
-              <a:t>Properties can be declared with </a:t>
-            </a:r>
-            <a:r>
-              <a:rPr lang="en-US" altLang="zh-TW" dirty="0" err="1" smtClean="0"/>
-              <a:t>var</a:t>
-            </a:r>
-            <a:r>
-              <a:rPr lang="en-US" altLang="zh-TW" dirty="0" smtClean="0"/>
-              <a:t> $</a:t>
-            </a:r>
-            <a:r>
-              <a:rPr lang="en-US" altLang="zh-TW" dirty="0" err="1" smtClean="0"/>
-              <a:t>var</a:t>
-            </a:r>
-            <a:r>
-              <a:rPr lang="en-US" altLang="zh-TW" dirty="0" smtClean="0"/>
-              <a:t>;</a:t>
-            </a:r>
-          </a:p>
-          <a:p>
-            <a:r>
-              <a:rPr lang="en-US" altLang="zh-TW" dirty="0" smtClean="0"/>
-              <a:t>Set variable to the class by $this-&gt;</a:t>
-            </a:r>
-            <a:r>
-              <a:rPr lang="en-US" altLang="zh-TW" dirty="0" err="1" smtClean="0"/>
-              <a:t>var</a:t>
-            </a:r>
-            <a:r>
-              <a:rPr lang="en-US" altLang="zh-TW" dirty="0" smtClean="0"/>
-              <a:t> = value;</a:t>
-            </a:r>
-          </a:p>
-          <a:p>
-            <a:r>
-              <a:rPr lang="en-US" altLang="zh-TW" dirty="0" smtClean="0"/>
+              <a:rPr lang="en-US" altLang="zh-TW" smtClean="0"/>
+              <a:t>Properties can be declared with var $var;</a:t>
+            </a:r>
+          </a:p>
+          <a:p>
+            <a:r>
+              <a:rPr lang="en-US" altLang="zh-TW" smtClean="0"/>
+              <a:t>Set variable to the class by $this-&gt;var = value;</a:t>
+            </a:r>
+          </a:p>
+          <a:p>
+            <a:r>
+              <a:rPr lang="en-US" altLang="zh-TW" smtClean="0"/>
               <a:t>tv05.php</a:t>
             </a:r>
           </a:p>
@@ -8578,10 +8546,14 @@
   </p:clrMapOvr>
   <mc:AlternateContent xmlns:mc="http://schemas.openxmlformats.org/markup-compatibility/2006" xmlns:p14="http://schemas.microsoft.com/office/powerpoint/2010/main">
     <mc:Choice Requires="p14">
-      <p:transition spd="slow" p14:dur="2000"/>
+      <p:transition spd="slow" p14:dur="1500">
+        <p:random/>
+      </p:transition>
     </mc:Choice>
     <mc:Fallback xmlns="">
-      <p:transition spd="slow"/>
+      <p:transition spd="slow">
+        <p:random/>
+      </p:transition>
     </mc:Fallback>
   </mc:AlternateContent>
 </p:sld>
@@ -8623,7 +8595,7 @@
               <a:rPr lang="en-US" altLang="en-US" smtClean="0"/>
               <a:t>Constructor</a:t>
             </a:r>
-            <a:endParaRPr lang="en-US" altLang="en-US"/>
+            <a:endParaRPr lang="en-US" altLang="en-US" dirty="0"/>
           </a:p>
         </p:txBody>
       </p:sp>
@@ -8643,26 +8615,26 @@
           <a:lstStyle/>
           <a:p>
             <a:r>
-              <a:rPr lang="en-US" altLang="zh-TW" dirty="0" smtClean="0"/>
+              <a:rPr lang="en-US" altLang="zh-TW" smtClean="0"/>
               <a:t>Initialization in a class is called constructor.  It is defined by creating a method that named </a:t>
             </a:r>
             <a:br>
-              <a:rPr lang="en-US" altLang="zh-TW" dirty="0" smtClean="0"/>
+              <a:rPr lang="en-US" altLang="zh-TW" smtClean="0"/>
             </a:br>
             <a:r>
-              <a:rPr lang="en-US" altLang="zh-TW" dirty="0" smtClean="0"/>
-              <a:t>function _ _constructor(){}</a:t>
-            </a:r>
-          </a:p>
-          <a:p>
-            <a:r>
-              <a:rPr lang="en-US" altLang="zh-TW" dirty="0" smtClean="0"/>
+              <a:rPr lang="en-US" altLang="zh-TW" smtClean="0"/>
+              <a:t>function  _ _construct(){}</a:t>
+            </a:r>
+          </a:p>
+          <a:p>
+            <a:r>
+              <a:rPr lang="en-US" altLang="zh-TW" smtClean="0"/>
               <a:t>We need to know the size before we make a TV.</a:t>
             </a:r>
           </a:p>
           <a:p>
             <a:r>
-              <a:rPr lang="en-US" altLang="zh-TW" dirty="0" smtClean="0"/>
+              <a:rPr lang="en-US" altLang="zh-TW" smtClean="0"/>
               <a:t>tv06.php</a:t>
             </a:r>
           </a:p>
@@ -8671,6 +8643,36 @@
           </a:p>
         </p:txBody>
       </p:sp>
+      <p:pic>
+        <p:nvPicPr>
+          <p:cNvPr id="4" name="圖片 1"/>
+          <p:cNvPicPr>
+            <a:picLocks noChangeAspect="1"/>
+          </p:cNvPicPr>
+          <p:nvPr/>
+        </p:nvPicPr>
+        <p:blipFill>
+          <a:blip r:embed="rId2">
+            <a:extLst>
+              <a:ext uri="{28A0092B-C50C-407E-A947-70E740481C1C}">
+                <a14:useLocalDpi xmlns:a14="http://schemas.microsoft.com/office/drawing/2010/main" val="0"/>
+              </a:ext>
+            </a:extLst>
+          </a:blip>
+          <a:stretch>
+            <a:fillRect/>
+          </a:stretch>
+        </p:blipFill>
+        <p:spPr>
+          <a:xfrm>
+            <a:off x="6286500" y="4752975"/>
+            <a:ext cx="2857500" cy="2105025"/>
+          </a:xfrm>
+          <a:prstGeom prst="rect">
+            <a:avLst/>
+          </a:prstGeom>
+        </p:spPr>
+      </p:pic>
     </p:spTree>
     <p:extLst>
       <p:ext uri="{BB962C8B-B14F-4D97-AF65-F5344CB8AC3E}">
@@ -8683,10 +8685,14 @@
   </p:clrMapOvr>
   <mc:AlternateContent xmlns:mc="http://schemas.openxmlformats.org/markup-compatibility/2006" xmlns:p14="http://schemas.microsoft.com/office/powerpoint/2010/main">
     <mc:Choice Requires="p14">
-      <p:transition spd="slow" p14:dur="2000"/>
+      <p:transition spd="slow" p14:dur="1500">
+        <p:random/>
+      </p:transition>
     </mc:Choice>
     <mc:Fallback xmlns="">
-      <p:transition spd="slow"/>
+      <p:transition spd="slow">
+        <p:random/>
+      </p:transition>
     </mc:Fallback>
   </mc:AlternateContent>
 </p:sld>
@@ -8748,19 +8754,19 @@
           <a:lstStyle/>
           <a:p>
             <a:r>
-              <a:rPr lang="en-US" altLang="zh-TW" dirty="0" smtClean="0"/>
+              <a:rPr lang="en-US" altLang="zh-TW" smtClean="0"/>
               <a:t>How to add 2 variables to constructor?</a:t>
             </a:r>
           </a:p>
           <a:p>
             <a:r>
-              <a:rPr lang="en-US" altLang="zh-TW" dirty="0" smtClean="0"/>
+              <a:rPr lang="en-US" altLang="zh-TW" smtClean="0"/>
               <a:t>We also need to know the brand name.</a:t>
             </a:r>
           </a:p>
           <a:p>
             <a:r>
-              <a:rPr lang="en-US" altLang="zh-TW" dirty="0" smtClean="0"/>
+              <a:rPr lang="en-US" altLang="zh-TW" smtClean="0"/>
               <a:t>tv07.php</a:t>
             </a:r>
           </a:p>
@@ -8781,10 +8787,14 @@
   </p:clrMapOvr>
   <mc:AlternateContent xmlns:mc="http://schemas.openxmlformats.org/markup-compatibility/2006" xmlns:p14="http://schemas.microsoft.com/office/powerpoint/2010/main">
     <mc:Choice Requires="p14">
-      <p:transition spd="slow" p14:dur="2000"/>
+      <p:transition spd="slow" p14:dur="1500">
+        <p:random/>
+      </p:transition>
     </mc:Choice>
     <mc:Fallback xmlns="">
-      <p:transition spd="slow"/>
+      <p:transition spd="slow">
+        <p:random/>
+      </p:transition>
     </mc:Fallback>
   </mc:AlternateContent>
 </p:sld>
@@ -8823,7 +8833,7 @@
           <a:lstStyle/>
           <a:p>
             <a:r>
-              <a:rPr lang="en-US" dirty="0" smtClean="0"/>
+              <a:rPr lang="en-US" smtClean="0"/>
               <a:t>Classwork</a:t>
             </a:r>
             <a:endParaRPr lang="en-US" dirty="0"/>
@@ -8846,79 +8856,95 @@
           <a:lstStyle/>
           <a:p>
             <a:r>
-              <a:rPr lang="en-US" dirty="0" smtClean="0"/>
+              <a:rPr lang="en-US" smtClean="0"/>
               <a:t>Now Philips ask you to create a new TV for 32”.</a:t>
             </a:r>
           </a:p>
           <a:p>
             <a:r>
-              <a:rPr lang="en-US" dirty="0" smtClean="0"/>
-              <a:t>Test </a:t>
-            </a:r>
-            <a:r>
-              <a:rPr lang="en-US" dirty="0" err="1" smtClean="0"/>
-              <a:t>getName</a:t>
-            </a:r>
-            <a:r>
-              <a:rPr lang="en-US" dirty="0" smtClean="0"/>
-              <a:t>, </a:t>
-            </a:r>
-            <a:r>
-              <a:rPr lang="en-US" dirty="0" err="1" smtClean="0"/>
-              <a:t>turnOn</a:t>
-            </a:r>
-            <a:r>
-              <a:rPr lang="en-US" dirty="0" smtClean="0"/>
-              <a:t>, </a:t>
-            </a:r>
-            <a:r>
-              <a:rPr lang="en-US" dirty="0" err="1" smtClean="0"/>
-              <a:t>turnOff</a:t>
-            </a:r>
-            <a:r>
-              <a:rPr lang="en-US" dirty="0" smtClean="0"/>
-              <a:t>, </a:t>
-            </a:r>
-            <a:r>
-              <a:rPr lang="en-US" dirty="0" err="1" smtClean="0"/>
-              <a:t>volumeUp</a:t>
-            </a:r>
-            <a:r>
-              <a:rPr lang="en-US" dirty="0" smtClean="0"/>
-              <a:t>, </a:t>
-            </a:r>
-            <a:r>
-              <a:rPr lang="en-US" dirty="0" err="1" smtClean="0"/>
-              <a:t>volumeDown</a:t>
-            </a:r>
-            <a:r>
-              <a:rPr lang="en-US" dirty="0" smtClean="0"/>
-              <a:t>, </a:t>
-            </a:r>
-            <a:r>
-              <a:rPr lang="en-US" dirty="0" err="1" smtClean="0"/>
-              <a:t>getPlug</a:t>
-            </a:r>
-            <a:r>
-              <a:rPr lang="en-US" dirty="0" smtClean="0"/>
-              <a:t> methods</a:t>
-            </a:r>
-          </a:p>
-          <a:p>
-            <a:r>
-              <a:rPr lang="en-US" dirty="0" smtClean="0"/>
+              <a:rPr lang="en-US" smtClean="0"/>
+              <a:t>Test getName, turnOn, turnOff, volumeUp, volumeDown, getPlug methods</a:t>
+            </a:r>
+          </a:p>
+          <a:p>
+            <a:r>
+              <a:rPr lang="en-US" smtClean="0"/>
               <a:t>Tell me the size of Philips.</a:t>
             </a:r>
           </a:p>
           <a:p>
             <a:r>
-              <a:rPr lang="en-US" dirty="0" smtClean="0"/>
+              <a:rPr lang="en-US" smtClean="0"/>
               <a:t>tv08.php</a:t>
             </a:r>
             <a:endParaRPr lang="en-US" dirty="0"/>
           </a:p>
         </p:txBody>
       </p:sp>
+      <p:pic>
+        <p:nvPicPr>
+          <p:cNvPr id="17410" name="Picture 2"/>
+          <p:cNvPicPr>
+            <a:picLocks noChangeAspect="1" noChangeArrowheads="1"/>
+          </p:cNvPicPr>
+          <p:nvPr/>
+        </p:nvPicPr>
+        <p:blipFill>
+          <a:blip r:embed="rId2">
+            <a:extLst>
+              <a:ext uri="{28A0092B-C50C-407E-A947-70E740481C1C}">
+                <a14:useLocalDpi xmlns:a14="http://schemas.microsoft.com/office/drawing/2010/main" val="0"/>
+              </a:ext>
+            </a:extLst>
+          </a:blip>
+          <a:srcRect/>
+          <a:stretch>
+            <a:fillRect/>
+          </a:stretch>
+        </p:blipFill>
+        <p:spPr bwMode="auto">
+          <a:xfrm>
+            <a:off x="5652120" y="4869160"/>
+            <a:ext cx="2663825" cy="1255713"/>
+          </a:xfrm>
+          <a:prstGeom prst="rect">
+            <a:avLst/>
+          </a:prstGeom>
+          <a:noFill/>
+          <a:ln>
+            <a:noFill/>
+          </a:ln>
+          <a:effectLst/>
+          <a:extLst>
+            <a:ext uri="{909E8E84-426E-40DD-AFC4-6F175D3DCCD1}">
+              <a14:hiddenFill xmlns:a14="http://schemas.microsoft.com/office/drawing/2010/main">
+                <a:solidFill>
+                  <a:schemeClr val="accent1"/>
+                </a:solidFill>
+              </a14:hiddenFill>
+            </a:ext>
+            <a:ext uri="{91240B29-F687-4F45-9708-019B960494DF}">
+              <a14:hiddenLine xmlns:a14="http://schemas.microsoft.com/office/drawing/2010/main" w="9525">
+                <a:solidFill>
+                  <a:schemeClr val="tx1"/>
+                </a:solidFill>
+                <a:miter lim="800000"/>
+                <a:headEnd/>
+                <a:tailEnd/>
+              </a14:hiddenLine>
+            </a:ext>
+            <a:ext uri="{AF507438-7753-43E0-B8FC-AC1667EBCBE1}">
+              <a14:hiddenEffects xmlns:a14="http://schemas.microsoft.com/office/drawing/2010/main">
+                <a:effectLst>
+                  <a:outerShdw dist="35921" dir="2700000" algn="ctr" rotWithShape="0">
+                    <a:schemeClr val="bg2"/>
+                  </a:outerShdw>
+                </a:effectLst>
+              </a14:hiddenEffects>
+            </a:ext>
+          </a:extLst>
+        </p:spPr>
+      </p:pic>
     </p:spTree>
     <p:extLst>
       <p:ext uri="{BB962C8B-B14F-4D97-AF65-F5344CB8AC3E}">
@@ -8929,6 +8955,18 @@
   <p:clrMapOvr>
     <a:masterClrMapping/>
   </p:clrMapOvr>
+  <mc:AlternateContent xmlns:mc="http://schemas.openxmlformats.org/markup-compatibility/2006" xmlns:p14="http://schemas.microsoft.com/office/powerpoint/2010/main">
+    <mc:Choice Requires="p14">
+      <p:transition spd="slow" p14:dur="1500">
+        <p:random/>
+      </p:transition>
+    </mc:Choice>
+    <mc:Fallback xmlns="">
+      <p:transition spd="slow">
+        <p:random/>
+      </p:transition>
+    </mc:Fallback>
+  </mc:AlternateContent>
 </p:sld>
 </file>
 
@@ -8965,7 +9003,7 @@
           <a:lstStyle/>
           <a:p>
             <a:r>
-              <a:rPr lang="en-US" dirty="0" smtClean="0"/>
+              <a:rPr lang="en-US" smtClean="0"/>
               <a:t>Classwork</a:t>
             </a:r>
             <a:endParaRPr lang="en-US" dirty="0"/>
@@ -8988,45 +9026,67 @@
           <a:lstStyle/>
           <a:p>
             <a:r>
-              <a:rPr lang="en-US" dirty="0" smtClean="0"/>
+              <a:rPr lang="en-US" smtClean="0"/>
               <a:t>Your boss want to add a new “color” property for each TV.</a:t>
             </a:r>
           </a:p>
           <a:p>
             <a:r>
-              <a:rPr lang="en-US" dirty="0" smtClean="0"/>
+              <a:rPr lang="en-US" smtClean="0"/>
               <a:t>Before you create a new TV, you need to tell me what is the TV color.</a:t>
             </a:r>
           </a:p>
           <a:p>
             <a:r>
-              <a:rPr lang="en-US" dirty="0" smtClean="0"/>
-              <a:t>Sony </a:t>
-            </a:r>
-            <a:r>
-              <a:rPr lang="en-US" dirty="0"/>
-              <a:t>is “</a:t>
-            </a:r>
-            <a:r>
-              <a:rPr lang="en-US" dirty="0" smtClean="0"/>
-              <a:t>black” and Philips is “silver”.</a:t>
-            </a:r>
-          </a:p>
-          <a:p>
-            <a:r>
-              <a:rPr lang="en-US" dirty="0" smtClean="0"/>
+              <a:rPr lang="en-US" smtClean="0"/>
+              <a:t>Sony is “black” and Philips is “silver”.</a:t>
+            </a:r>
+          </a:p>
+          <a:p>
+            <a:r>
+              <a:rPr lang="en-US" smtClean="0"/>
               <a:t>Show us each TV color</a:t>
             </a:r>
           </a:p>
           <a:p>
             <a:r>
-              <a:rPr lang="en-US" dirty="0" smtClean="0"/>
+              <a:rPr lang="en-US" smtClean="0"/>
               <a:t>tv09.php</a:t>
             </a:r>
             <a:endParaRPr lang="en-US" dirty="0"/>
           </a:p>
         </p:txBody>
       </p:sp>
+      <p:pic>
+        <p:nvPicPr>
+          <p:cNvPr id="4" name="圖片 3"/>
+          <p:cNvPicPr>
+            <a:picLocks noChangeAspect="1"/>
+          </p:cNvPicPr>
+          <p:nvPr/>
+        </p:nvPicPr>
+        <p:blipFill>
+          <a:blip r:embed="rId2">
+            <a:extLst>
+              <a:ext uri="{28A0092B-C50C-407E-A947-70E740481C1C}">
+                <a14:useLocalDpi xmlns:a14="http://schemas.microsoft.com/office/drawing/2010/main" val="0"/>
+              </a:ext>
+            </a:extLst>
+          </a:blip>
+          <a:stretch>
+            <a:fillRect/>
+          </a:stretch>
+        </p:blipFill>
+        <p:spPr>
+          <a:xfrm>
+            <a:off x="6300192" y="4725144"/>
+            <a:ext cx="2466975" cy="1847850"/>
+          </a:xfrm>
+          <a:prstGeom prst="rect">
+            <a:avLst/>
+          </a:prstGeom>
+        </p:spPr>
+      </p:pic>
     </p:spTree>
     <p:extLst>
       <p:ext uri="{BB962C8B-B14F-4D97-AF65-F5344CB8AC3E}">
@@ -9037,6 +9097,18 @@
   <p:clrMapOvr>
     <a:masterClrMapping/>
   </p:clrMapOvr>
+  <mc:AlternateContent xmlns:mc="http://schemas.openxmlformats.org/markup-compatibility/2006" xmlns:p14="http://schemas.microsoft.com/office/powerpoint/2010/main">
+    <mc:Choice Requires="p14">
+      <p:transition spd="slow" p14:dur="1500">
+        <p:random/>
+      </p:transition>
+    </mc:Choice>
+    <mc:Fallback xmlns="">
+      <p:transition spd="slow">
+        <p:random/>
+      </p:transition>
+    </mc:Fallback>
+  </mc:AlternateContent>
 </p:sld>
 </file>
 
@@ -9073,7 +9145,7 @@
           <a:lstStyle/>
           <a:p>
             <a:r>
-              <a:rPr lang="en-US" altLang="en-US" dirty="0"/>
+              <a:rPr lang="en-US" altLang="en-US" smtClean="0"/>
               <a:t>Inheritance</a:t>
             </a:r>
             <a:endParaRPr lang="en-US" dirty="0"/>
@@ -9096,46 +9168,26 @@
           <a:lstStyle/>
           <a:p>
             <a:r>
-              <a:rPr lang="en-US" altLang="en-US" dirty="0"/>
-              <a:t>Inheritance is based around the concept of parent classes and child </a:t>
-            </a:r>
-            <a:r>
-              <a:rPr lang="en-US" altLang="en-US" dirty="0" smtClean="0"/>
-              <a:t>classes</a:t>
-            </a:r>
-          </a:p>
-          <a:p>
-            <a:r>
-              <a:rPr lang="en-US" altLang="en-US" dirty="0"/>
-              <a:t>When you create a child class, it inherits all the properties and methods of the parent. The child class can then include additional properties and methods, thereby extending the functionality of the parent class</a:t>
-            </a:r>
-            <a:r>
-              <a:rPr lang="en-US" altLang="en-US" dirty="0" smtClean="0"/>
-              <a:t>. </a:t>
-            </a:r>
-          </a:p>
-          <a:p>
-            <a:r>
-              <a:rPr lang="en-US" altLang="en-US" dirty="0" err="1" smtClean="0"/>
-              <a:t>Dragonball</a:t>
-            </a:r>
-            <a:r>
-              <a:rPr lang="en-US" altLang="en-US" dirty="0" smtClean="0"/>
-              <a:t> example</a:t>
-            </a:r>
-          </a:p>
-          <a:p>
-            <a:r>
-              <a:rPr lang="en-US" altLang="en-US" dirty="0" smtClean="0"/>
-              <a:t>EG. LCD </a:t>
-            </a:r>
-            <a:r>
-              <a:rPr lang="en-US" altLang="en-US" dirty="0"/>
-              <a:t>is a kind of </a:t>
-            </a:r>
-            <a:r>
-              <a:rPr lang="en-US" altLang="en-US" dirty="0" smtClean="0"/>
-              <a:t>TV.  LCD can do everything TV can do.</a:t>
+              <a:rPr lang="en-US" altLang="en-US" smtClean="0"/>
+              <a:t>Inheritance is based around the concept of parent classes and child classes</a:t>
+            </a:r>
+          </a:p>
+          <a:p>
+            <a:r>
+              <a:rPr lang="en-US" altLang="en-US" smtClean="0"/>
+              <a:t>When you create a child class, it inherits all the properties and methods of the parent. The child class can then include additional properties and methods, thereby extending the functionality of the parent class. </a:t>
+            </a:r>
+          </a:p>
+          <a:p>
+            <a:r>
+              <a:rPr lang="en-US" altLang="en-US" smtClean="0"/>
+              <a:t>Dragonball example</a:t>
+            </a:r>
+          </a:p>
+          <a:p>
+            <a:r>
+              <a:rPr lang="en-US" altLang="en-US" smtClean="0"/>
+              <a:t>EG. LCD is a kind of TV.  LCD can do everything TV can do.</a:t>
             </a:r>
           </a:p>
           <a:p>
@@ -9143,6 +9195,35 @@
           </a:p>
         </p:txBody>
       </p:sp>
+      <p:pic>
+        <p:nvPicPr>
+          <p:cNvPr id="7" name="圖片 2"/>
+          <p:cNvPicPr>
+            <a:picLocks noChangeAspect="1"/>
+          </p:cNvPicPr>
+          <p:nvPr/>
+        </p:nvPicPr>
+        <p:blipFill rotWithShape="1">
+          <a:blip r:embed="rId2">
+            <a:extLst>
+              <a:ext uri="{28A0092B-C50C-407E-A947-70E740481C1C}">
+                <a14:useLocalDpi xmlns:a14="http://schemas.microsoft.com/office/drawing/2010/main" val="0"/>
+              </a:ext>
+            </a:extLst>
+          </a:blip>
+          <a:srcRect t="22371" b="14989"/>
+          <a:stretch/>
+        </p:blipFill>
+        <p:spPr>
+          <a:xfrm>
+            <a:off x="6598568" y="424120"/>
+            <a:ext cx="2088232" cy="1857453"/>
+          </a:xfrm>
+          <a:prstGeom prst="rect">
+            <a:avLst/>
+          </a:prstGeom>
+        </p:spPr>
+      </p:pic>
     </p:spTree>
     <p:extLst>
       <p:ext uri="{BB962C8B-B14F-4D97-AF65-F5344CB8AC3E}">
@@ -9155,10 +9236,14 @@
   </p:clrMapOvr>
   <mc:AlternateContent xmlns:mc="http://schemas.openxmlformats.org/markup-compatibility/2006" xmlns:p14="http://schemas.microsoft.com/office/powerpoint/2010/main">
     <mc:Choice Requires="p14">
-      <p:transition spd="slow" p14:dur="2000"/>
+      <p:transition spd="slow" p14:dur="1500">
+        <p:random/>
+      </p:transition>
     </mc:Choice>
     <mc:Fallback xmlns="">
-      <p:transition spd="slow"/>
+      <p:transition spd="slow">
+        <p:random/>
+      </p:transition>
     </mc:Fallback>
   </mc:AlternateContent>
 </p:sld>
@@ -9197,7 +9282,7 @@
           <a:lstStyle/>
           <a:p>
             <a:r>
-              <a:rPr lang="en-US" dirty="0" smtClean="0"/>
+              <a:rPr lang="en-US" smtClean="0"/>
               <a:t>Inheritance</a:t>
             </a:r>
             <a:endParaRPr lang="en-US" dirty="0"/>
@@ -9220,56 +9305,22 @@
           <a:lstStyle/>
           <a:p>
             <a:r>
-              <a:rPr lang="en-US" dirty="0"/>
-              <a:t>class </a:t>
-            </a:r>
-            <a:r>
-              <a:rPr lang="en-US" dirty="0" err="1"/>
-              <a:t>ChildClass</a:t>
-            </a:r>
-            <a:r>
-              <a:rPr lang="en-US" dirty="0"/>
-              <a:t> extends </a:t>
-            </a:r>
-            <a:r>
-              <a:rPr lang="en-US" dirty="0" err="1"/>
-              <a:t>ParentClass</a:t>
-            </a:r>
-            <a:r>
-              <a:rPr lang="en-US" dirty="0"/>
-              <a:t> </a:t>
-            </a:r>
-            <a:r>
-              <a:rPr lang="en-US" dirty="0" smtClean="0"/>
-              <a:t>{</a:t>
-            </a:r>
-          </a:p>
-          <a:p>
-            <a:r>
-              <a:rPr lang="en-US" dirty="0" smtClean="0"/>
+              <a:rPr lang="en-US" smtClean="0"/>
+              <a:t>class ChildClass extends ParentClass {</a:t>
+            </a:r>
+          </a:p>
+          <a:p>
+            <a:r>
+              <a:rPr lang="en-US" smtClean="0"/>
               <a:t>}</a:t>
             </a:r>
           </a:p>
           <a:p>
             <a:r>
-              <a:rPr lang="en-US" dirty="0" smtClean="0"/>
-              <a:t>$</a:t>
-            </a:r>
-            <a:r>
-              <a:rPr lang="en-US" dirty="0" err="1" smtClean="0"/>
-              <a:t>samsung</a:t>
-            </a:r>
-            <a:r>
-              <a:rPr lang="en-US" dirty="0" smtClean="0"/>
-              <a:t>=new LCD();</a:t>
-            </a:r>
-          </a:p>
-          <a:p>
-            <a:r>
-              <a:rPr lang="en-US" dirty="0" smtClean="0"/>
-              <a:t>tv11.php</a:t>
-            </a:r>
-            <a:endParaRPr lang="en-US" dirty="0"/>
+              <a:rPr lang="en-US" smtClean="0"/>
+              <a:t>$child_object=new ChildClass();</a:t>
+            </a:r>
+            <a:endParaRPr lang="en-US" dirty="0" smtClean="0"/>
           </a:p>
         </p:txBody>
       </p:sp>
@@ -9283,6 +9334,18 @@
   <p:clrMapOvr>
     <a:masterClrMapping/>
   </p:clrMapOvr>
+  <mc:AlternateContent xmlns:mc="http://schemas.openxmlformats.org/markup-compatibility/2006" xmlns:p14="http://schemas.microsoft.com/office/powerpoint/2010/main">
+    <mc:Choice Requires="p14">
+      <p:transition spd="slow" p14:dur="1500">
+        <p:random/>
+      </p:transition>
+    </mc:Choice>
+    <mc:Fallback xmlns="">
+      <p:transition spd="slow">
+        <p:random/>
+      </p:transition>
+    </mc:Fallback>
+  </mc:AlternateContent>
 </p:sld>
 </file>
 
@@ -9319,8 +9382,8 @@
           <a:lstStyle/>
           <a:p>
             <a:r>
-              <a:rPr lang="en-US" dirty="0" smtClean="0"/>
-              <a:t>Over parent</a:t>
+              <a:rPr lang="en-US" smtClean="0"/>
+              <a:t>Inheritance</a:t>
             </a:r>
             <a:endParaRPr lang="en-US" dirty="0"/>
           </a:p>
@@ -9342,35 +9405,117 @@
           <a:lstStyle/>
           <a:p>
             <a:r>
-              <a:rPr lang="en-US" dirty="0" smtClean="0"/>
-              <a:t>Child class can have new methods which parent class does not have.</a:t>
-            </a:r>
-          </a:p>
-          <a:p>
-            <a:r>
-              <a:rPr lang="en-US" dirty="0" smtClean="0"/>
-              <a:t>EG. New iPhone has new function that more than old iPhone.</a:t>
-            </a:r>
-          </a:p>
-          <a:p>
-            <a:r>
-              <a:rPr lang="en-US" dirty="0" smtClean="0"/>
-              <a:t>tv12.php</a:t>
+              <a:rPr lang="en-US" smtClean="0"/>
+              <a:t>class LCD extends TV{</a:t>
+            </a:r>
+          </a:p>
+          <a:p>
+            <a:r>
+              <a:rPr lang="en-US" smtClean="0"/>
+              <a:t>}</a:t>
+            </a:r>
+          </a:p>
+          <a:p>
+            <a:r>
+              <a:rPr lang="en-US" smtClean="0"/>
+              <a:t>$samsung=new LCD();</a:t>
+            </a:r>
+          </a:p>
+          <a:p>
+            <a:r>
+              <a:rPr lang="en-US" smtClean="0"/>
+              <a:t>tv11.php</a:t>
             </a:r>
             <a:endParaRPr lang="en-US" dirty="0"/>
           </a:p>
         </p:txBody>
       </p:sp>
+      <p:pic>
+        <p:nvPicPr>
+          <p:cNvPr id="4" name="Picture 5"/>
+          <p:cNvPicPr>
+            <a:picLocks noChangeAspect="1" noChangeArrowheads="1"/>
+          </p:cNvPicPr>
+          <p:nvPr/>
+        </p:nvPicPr>
+        <p:blipFill>
+          <a:blip r:embed="rId2" cstate="print">
+            <a:extLst>
+              <a:ext uri="{28A0092B-C50C-407E-A947-70E740481C1C}">
+                <a14:useLocalDpi xmlns:a14="http://schemas.microsoft.com/office/drawing/2010/main" val="0"/>
+              </a:ext>
+            </a:extLst>
+          </a:blip>
+          <a:srcRect/>
+          <a:stretch>
+            <a:fillRect/>
+          </a:stretch>
+        </p:blipFill>
+        <p:spPr bwMode="auto">
+          <a:xfrm>
+            <a:off x="5824341" y="4365105"/>
+            <a:ext cx="2896491" cy="2058234"/>
+          </a:xfrm>
+          <a:prstGeom prst="rect">
+            <a:avLst/>
+          </a:prstGeom>
+          <a:noFill/>
+          <a:ln>
+            <a:noFill/>
+          </a:ln>
+          <a:effectLst/>
+          <a:extLst>
+            <a:ext uri="{909E8E84-426E-40DD-AFC4-6F175D3DCCD1}">
+              <a14:hiddenFill xmlns:a14="http://schemas.microsoft.com/office/drawing/2010/main">
+                <a:solidFill>
+                  <a:schemeClr val="accent1"/>
+                </a:solidFill>
+              </a14:hiddenFill>
+            </a:ext>
+            <a:ext uri="{91240B29-F687-4F45-9708-019B960494DF}">
+              <a14:hiddenLine xmlns:a14="http://schemas.microsoft.com/office/drawing/2010/main" w="9525">
+                <a:solidFill>
+                  <a:schemeClr val="tx1"/>
+                </a:solidFill>
+                <a:miter lim="800000"/>
+                <a:headEnd/>
+                <a:tailEnd/>
+              </a14:hiddenLine>
+            </a:ext>
+            <a:ext uri="{AF507438-7753-43E0-B8FC-AC1667EBCBE1}">
+              <a14:hiddenEffects xmlns:a14="http://schemas.microsoft.com/office/drawing/2010/main">
+                <a:effectLst>
+                  <a:outerShdw dist="35921" dir="2700000" algn="ctr" rotWithShape="0">
+                    <a:schemeClr val="bg2"/>
+                  </a:outerShdw>
+                </a:effectLst>
+              </a14:hiddenEffects>
+            </a:ext>
+          </a:extLst>
+        </p:spPr>
+      </p:pic>
     </p:spTree>
     <p:extLst>
       <p:ext uri="{BB962C8B-B14F-4D97-AF65-F5344CB8AC3E}">
-        <p14:creationId xmlns:p14="http://schemas.microsoft.com/office/powerpoint/2010/main" val="1789601436"/>
+        <p14:creationId xmlns:p14="http://schemas.microsoft.com/office/powerpoint/2010/main" val="1207558767"/>
       </p:ext>
     </p:extLst>
   </p:cSld>
   <p:clrMapOvr>
     <a:masterClrMapping/>
   </p:clrMapOvr>
+  <mc:AlternateContent xmlns:mc="http://schemas.openxmlformats.org/markup-compatibility/2006" xmlns:p14="http://schemas.microsoft.com/office/powerpoint/2010/main">
+    <mc:Choice Requires="p14">
+      <p:transition spd="slow" p14:dur="1500">
+        <p:random/>
+      </p:transition>
+    </mc:Choice>
+    <mc:Fallback xmlns="">
+      <p:transition spd="slow">
+        <p:random/>
+      </p:transition>
+    </mc:Fallback>
+  </mc:AlternateContent>
 </p:sld>
 </file>
 
@@ -9391,6 +9536,61 @@
           <a:chExt cx="0" cy="0"/>
         </a:xfrm>
       </p:grpSpPr>
+      <p:pic>
+        <p:nvPicPr>
+          <p:cNvPr id="5" name="圖片 3"/>
+          <p:cNvPicPr>
+            <a:picLocks noChangeAspect="1"/>
+          </p:cNvPicPr>
+          <p:nvPr/>
+        </p:nvPicPr>
+        <p:blipFill>
+          <a:blip r:embed="rId2" cstate="print">
+            <a:extLst>
+              <a:ext uri="{28A0092B-C50C-407E-A947-70E740481C1C}">
+                <a14:useLocalDpi xmlns:a14="http://schemas.microsoft.com/office/drawing/2010/main" val="0"/>
+              </a:ext>
+            </a:extLst>
+          </a:blip>
+          <a:stretch>
+            <a:fillRect/>
+          </a:stretch>
+        </p:blipFill>
+        <p:spPr>
+          <a:xfrm>
+            <a:off x="4531443" y="4553085"/>
+            <a:ext cx="3371954" cy="1685977"/>
+          </a:xfrm>
+          <a:prstGeom prst="roundRect">
+            <a:avLst>
+              <a:gd name="adj" fmla="val 4380"/>
+            </a:avLst>
+          </a:prstGeom>
+          <a:ln w="38100">
+            <a:gradFill flip="none" rotWithShape="1">
+              <a:gsLst>
+                <a:gs pos="0">
+                  <a:schemeClr val="bg2"/>
+                </a:gs>
+                <a:gs pos="100000">
+                  <a:schemeClr val="bg2">
+                    <a:lumMod val="75000"/>
+                  </a:schemeClr>
+                </a:gs>
+              </a:gsLst>
+              <a:lin ang="5400000" scaled="0"/>
+              <a:tileRect/>
+            </a:gradFill>
+          </a:ln>
+          <a:effectLst>
+            <a:innerShdw blurRad="57150" dist="38100" dir="14460000">
+              <a:srgbClr val="000000">
+                <a:alpha val="70000"/>
+              </a:srgbClr>
+            </a:innerShdw>
+          </a:effectLst>
+        </p:spPr>
+      </p:pic>
       <p:sp>
         <p:nvSpPr>
           <p:cNvPr id="2" name="Title 1"/>
@@ -9407,8 +9607,8 @@
           <a:lstStyle/>
           <a:p>
             <a:r>
-              <a:rPr lang="en-US" dirty="0" smtClean="0"/>
-              <a:t>Classwork</a:t>
+              <a:rPr lang="en-US" smtClean="0"/>
+              <a:t>Over parent</a:t>
             </a:r>
             <a:endParaRPr lang="en-US" dirty="0"/>
           </a:p>
@@ -9430,44 +9630,20 @@
           <a:lstStyle/>
           <a:p>
             <a:r>
-              <a:rPr lang="en-US" dirty="0" smtClean="0"/>
-              <a:t>Add </a:t>
-            </a:r>
-            <a:r>
-              <a:rPr lang="en-US" dirty="0" err="1" smtClean="0"/>
-              <a:t>dolbyOff</a:t>
-            </a:r>
-            <a:r>
-              <a:rPr lang="en-US" dirty="0" smtClean="0"/>
-              <a:t> method</a:t>
-            </a:r>
-          </a:p>
-          <a:p>
-            <a:r>
-              <a:rPr lang="en-US" dirty="0" smtClean="0"/>
-              <a:t>$</a:t>
-            </a:r>
-            <a:r>
-              <a:rPr lang="en-US" dirty="0" err="1" smtClean="0"/>
-              <a:t>samsung</a:t>
-            </a:r>
-            <a:r>
-              <a:rPr lang="en-US" dirty="0" smtClean="0"/>
-              <a:t>-&gt;</a:t>
-            </a:r>
-            <a:r>
-              <a:rPr lang="en-US" dirty="0" err="1" smtClean="0"/>
-              <a:t>dolbyOff</a:t>
-            </a:r>
-            <a:r>
-              <a:rPr lang="en-US" dirty="0" smtClean="0"/>
-              <a:t>();</a:t>
-            </a:r>
-          </a:p>
-          <a:p>
-            <a:r>
-              <a:rPr lang="en-US" dirty="0" smtClean="0"/>
-              <a:t>tv13.php</a:t>
+              <a:rPr lang="en-US" smtClean="0"/>
+              <a:t>Child class can have new methods which parent class does not have.</a:t>
+            </a:r>
+          </a:p>
+          <a:p>
+            <a:r>
+              <a:rPr lang="en-US" smtClean="0"/>
+              <a:t>EG. New iPhone has new function that more than old iPhone.</a:t>
+            </a:r>
+          </a:p>
+          <a:p>
+            <a:r>
+              <a:rPr lang="en-US" smtClean="0"/>
+              <a:t>tv12.php</a:t>
             </a:r>
             <a:endParaRPr lang="en-US" dirty="0"/>
           </a:p>
@@ -9476,13 +9652,25 @@
     </p:spTree>
     <p:extLst>
       <p:ext uri="{BB962C8B-B14F-4D97-AF65-F5344CB8AC3E}">
-        <p14:creationId xmlns:p14="http://schemas.microsoft.com/office/powerpoint/2010/main" val="175374970"/>
+        <p14:creationId xmlns:p14="http://schemas.microsoft.com/office/powerpoint/2010/main" val="365064235"/>
       </p:ext>
     </p:extLst>
   </p:cSld>
   <p:clrMapOvr>
     <a:masterClrMapping/>
   </p:clrMapOvr>
+  <mc:AlternateContent xmlns:mc="http://schemas.openxmlformats.org/markup-compatibility/2006" xmlns:p14="http://schemas.microsoft.com/office/powerpoint/2010/main">
+    <mc:Choice Requires="p14">
+      <p:transition spd="slow" p14:dur="1500">
+        <p:random/>
+      </p:transition>
+    </mc:Choice>
+    <mc:Fallback xmlns="">
+      <p:transition spd="slow">
+        <p:random/>
+      </p:transition>
+    </mc:Fallback>
+  </mc:AlternateContent>
 </p:sld>
 </file>
 
@@ -9503,6 +9691,61 @@
           <a:chExt cx="0" cy="0"/>
         </a:xfrm>
       </p:grpSpPr>
+      <p:pic>
+        <p:nvPicPr>
+          <p:cNvPr id="4" name="圖片 3"/>
+          <p:cNvPicPr>
+            <a:picLocks noChangeAspect="1"/>
+          </p:cNvPicPr>
+          <p:nvPr/>
+        </p:nvPicPr>
+        <p:blipFill>
+          <a:blip r:embed="rId2" cstate="print">
+            <a:extLst>
+              <a:ext uri="{28A0092B-C50C-407E-A947-70E740481C1C}">
+                <a14:useLocalDpi xmlns:a14="http://schemas.microsoft.com/office/drawing/2010/main" val="0"/>
+              </a:ext>
+            </a:extLst>
+          </a:blip>
+          <a:stretch>
+            <a:fillRect/>
+          </a:stretch>
+        </p:blipFill>
+        <p:spPr>
+          <a:xfrm>
+            <a:off x="6316380" y="2364395"/>
+            <a:ext cx="2310888" cy="3039827"/>
+          </a:xfrm>
+          <a:prstGeom prst="roundRect">
+            <a:avLst>
+              <a:gd name="adj" fmla="val 4380"/>
+            </a:avLst>
+          </a:prstGeom>
+          <a:ln w="38100">
+            <a:gradFill flip="none" rotWithShape="1">
+              <a:gsLst>
+                <a:gs pos="0">
+                  <a:schemeClr val="bg2"/>
+                </a:gs>
+                <a:gs pos="100000">
+                  <a:schemeClr val="bg2">
+                    <a:lumMod val="75000"/>
+                  </a:schemeClr>
+                </a:gs>
+              </a:gsLst>
+              <a:lin ang="5400000" scaled="0"/>
+              <a:tileRect/>
+            </a:gradFill>
+          </a:ln>
+          <a:effectLst>
+            <a:innerShdw blurRad="57150" dist="38100" dir="14460000">
+              <a:srgbClr val="000000">
+                <a:alpha val="70000"/>
+              </a:srgbClr>
+            </a:innerShdw>
+          </a:effectLst>
+        </p:spPr>
+      </p:pic>
       <p:sp>
         <p:nvSpPr>
           <p:cNvPr id="2" name="Title 1"/>
@@ -9519,8 +9762,8 @@
           <a:lstStyle/>
           <a:p>
             <a:r>
-              <a:rPr lang="en-US" dirty="0" smtClean="0"/>
-              <a:t>Parent method</a:t>
+              <a:rPr lang="en-US" smtClean="0"/>
+              <a:t>Classwork</a:t>
             </a:r>
             <a:endParaRPr lang="en-US" dirty="0"/>
           </a:p>
@@ -9542,28 +9785,20 @@
           <a:lstStyle/>
           <a:p>
             <a:r>
-              <a:rPr lang="en-US" dirty="0" smtClean="0"/>
-              <a:t>You may use methods from Parent class</a:t>
-            </a:r>
-          </a:p>
-          <a:p>
-            <a:r>
-              <a:rPr lang="en-US" dirty="0" smtClean="0"/>
-              <a:t>parent::</a:t>
-            </a:r>
-            <a:r>
-              <a:rPr lang="en-US" dirty="0" err="1" smtClean="0"/>
-              <a:t>turnOff</a:t>
-            </a:r>
-            <a:r>
-              <a:rPr lang="en-US" dirty="0" smtClean="0"/>
-              <a:t>()</a:t>
-            </a:r>
-          </a:p>
-          <a:p>
-            <a:r>
-              <a:rPr lang="en-US" dirty="0" smtClean="0"/>
-              <a:t>tv14.php</a:t>
+              <a:rPr lang="en-US" smtClean="0"/>
+              <a:t>Add dolbyOff method</a:t>
+            </a:r>
+          </a:p>
+          <a:p>
+            <a:r>
+              <a:rPr lang="en-US" smtClean="0"/>
+              <a:t>$samsung-&gt;dolbyOff();</a:t>
+            </a:r>
+          </a:p>
+          <a:p>
+            <a:r>
+              <a:rPr lang="en-US" smtClean="0"/>
+              <a:t>tv13.php</a:t>
             </a:r>
             <a:endParaRPr lang="en-US" dirty="0"/>
           </a:p>
@@ -9572,13 +9807,25 @@
     </p:spTree>
     <p:extLst>
       <p:ext uri="{BB962C8B-B14F-4D97-AF65-F5344CB8AC3E}">
-        <p14:creationId xmlns:p14="http://schemas.microsoft.com/office/powerpoint/2010/main" val="1179557106"/>
+        <p14:creationId xmlns:p14="http://schemas.microsoft.com/office/powerpoint/2010/main" val="2255511220"/>
       </p:ext>
     </p:extLst>
   </p:cSld>
   <p:clrMapOvr>
     <a:masterClrMapping/>
   </p:clrMapOvr>
+  <mc:AlternateContent xmlns:mc="http://schemas.openxmlformats.org/markup-compatibility/2006" xmlns:p14="http://schemas.microsoft.com/office/powerpoint/2010/main">
+    <mc:Choice Requires="p14">
+      <p:transition spd="slow" p14:dur="1500">
+        <p:random/>
+      </p:transition>
+    </mc:Choice>
+    <mc:Fallback xmlns="">
+      <p:transition spd="slow">
+        <p:random/>
+      </p:transition>
+    </mc:Fallback>
+  </mc:AlternateContent>
 </p:sld>
 </file>
 
@@ -9599,6 +9846,61 @@
           <a:chExt cx="0" cy="0"/>
         </a:xfrm>
       </p:grpSpPr>
+      <p:pic>
+        <p:nvPicPr>
+          <p:cNvPr id="4" name="圖片 3"/>
+          <p:cNvPicPr>
+            <a:picLocks noChangeAspect="1"/>
+          </p:cNvPicPr>
+          <p:nvPr/>
+        </p:nvPicPr>
+        <p:blipFill>
+          <a:blip r:embed="rId2" cstate="print">
+            <a:extLst>
+              <a:ext uri="{28A0092B-C50C-407E-A947-70E740481C1C}">
+                <a14:useLocalDpi xmlns:a14="http://schemas.microsoft.com/office/drawing/2010/main" val="0"/>
+              </a:ext>
+            </a:extLst>
+          </a:blip>
+          <a:stretch>
+            <a:fillRect/>
+          </a:stretch>
+        </p:blipFill>
+        <p:spPr>
+          <a:xfrm>
+            <a:off x="5798246" y="4581128"/>
+            <a:ext cx="2903140" cy="1959618"/>
+          </a:xfrm>
+          <a:prstGeom prst="roundRect">
+            <a:avLst>
+              <a:gd name="adj" fmla="val 4380"/>
+            </a:avLst>
+          </a:prstGeom>
+          <a:ln w="38100">
+            <a:gradFill flip="none" rotWithShape="1">
+              <a:gsLst>
+                <a:gs pos="0">
+                  <a:schemeClr val="bg2"/>
+                </a:gs>
+                <a:gs pos="100000">
+                  <a:schemeClr val="bg2">
+                    <a:lumMod val="75000"/>
+                  </a:schemeClr>
+                </a:gs>
+              </a:gsLst>
+              <a:lin ang="5400000" scaled="0"/>
+              <a:tileRect/>
+            </a:gradFill>
+          </a:ln>
+          <a:effectLst>
+            <a:innerShdw blurRad="57150" dist="38100" dir="14460000">
+              <a:srgbClr val="000000">
+                <a:alpha val="70000"/>
+              </a:srgbClr>
+            </a:innerShdw>
+          </a:effectLst>
+        </p:spPr>
+      </p:pic>
       <p:sp>
         <p:nvSpPr>
           <p:cNvPr id="2" name="Title 1"/>
@@ -9615,10 +9917,10 @@
           <a:lstStyle/>
           <a:p>
             <a:r>
-              <a:rPr lang="en-US" dirty="0" smtClean="0"/>
+              <a:rPr lang="en-US" smtClean="0"/>
               <a:t>Objective</a:t>
             </a:r>
-            <a:endParaRPr lang="en-US" dirty="0"/>
+            <a:endParaRPr lang="en-US"/>
           </a:p>
         </p:txBody>
       </p:sp>
@@ -9638,33 +9940,41 @@
           <a:lstStyle/>
           <a:p>
             <a:r>
-              <a:rPr lang="en-US" dirty="0" smtClean="0"/>
+              <a:rPr lang="en-US" smtClean="0"/>
               <a:t>Understand object in real life example</a:t>
             </a:r>
           </a:p>
           <a:p>
             <a:r>
-              <a:rPr lang="en-US" dirty="0" smtClean="0"/>
-              <a:t>Create </a:t>
-            </a:r>
-            <a:r>
               <a:rPr lang="en-US" smtClean="0"/>
-              <a:t>TV object</a:t>
-            </a:r>
-            <a:endParaRPr lang="en-US" dirty="0" smtClean="0"/>
+              <a:t>Create TV object</a:t>
+            </a:r>
+            <a:endParaRPr lang="en-US"/>
           </a:p>
         </p:txBody>
       </p:sp>
     </p:spTree>
     <p:extLst>
       <p:ext uri="{BB962C8B-B14F-4D97-AF65-F5344CB8AC3E}">
-        <p14:creationId xmlns:p14="http://schemas.microsoft.com/office/powerpoint/2010/main" val="34098636"/>
+        <p14:creationId xmlns:p14="http://schemas.microsoft.com/office/powerpoint/2010/main" val="623358967"/>
       </p:ext>
     </p:extLst>
   </p:cSld>
   <p:clrMapOvr>
     <a:masterClrMapping/>
   </p:clrMapOvr>
+  <mc:AlternateContent xmlns:mc="http://schemas.openxmlformats.org/markup-compatibility/2006" xmlns:p14="http://schemas.microsoft.com/office/powerpoint/2010/main">
+    <mc:Choice Requires="p14">
+      <p:transition spd="slow" p14:dur="1500">
+        <p:random/>
+      </p:transition>
+    </mc:Choice>
+    <mc:Fallback xmlns="">
+      <p:transition spd="slow">
+        <p:random/>
+      </p:transition>
+    </mc:Fallback>
+  </mc:AlternateContent>
 </p:sld>
 </file>
 
@@ -9701,8 +10011,8 @@
           <a:lstStyle/>
           <a:p>
             <a:r>
-              <a:rPr lang="en-US" dirty="0" smtClean="0"/>
-              <a:t>Static method</a:t>
+              <a:rPr lang="en-US" smtClean="0"/>
+              <a:t>Parent method</a:t>
             </a:r>
             <a:endParaRPr lang="en-US" dirty="0"/>
           </a:p>
@@ -9724,38 +10034,20 @@
           <a:lstStyle/>
           <a:p>
             <a:r>
-              <a:rPr lang="en-US" dirty="0"/>
-              <a:t>Static means the method or variable is accessible through the class definition and not just through </a:t>
-            </a:r>
-            <a:r>
-              <a:rPr lang="en-US" dirty="0" smtClean="0"/>
-              <a:t>objects</a:t>
-            </a:r>
-          </a:p>
-          <a:p>
-            <a:r>
-              <a:rPr lang="en-US" dirty="0"/>
-              <a:t>public static function insurance</a:t>
-            </a:r>
-            <a:r>
-              <a:rPr lang="en-US" dirty="0" smtClean="0"/>
-              <a:t>(){}</a:t>
-            </a:r>
-          </a:p>
-          <a:p>
-            <a:r>
-              <a:rPr lang="en-US" dirty="0"/>
-              <a:t>TV::insurance</a:t>
-            </a:r>
-            <a:r>
-              <a:rPr lang="en-US" dirty="0" smtClean="0"/>
-              <a:t>();</a:t>
-            </a:r>
-          </a:p>
-          <a:p>
-            <a:r>
-              <a:rPr lang="en-US" dirty="0" smtClean="0"/>
-              <a:t>tv15.php</a:t>
+              <a:rPr lang="en-US" smtClean="0"/>
+              <a:t>You may use methods from Parent class</a:t>
+            </a:r>
+          </a:p>
+          <a:p>
+            <a:r>
+              <a:rPr lang="en-US" smtClean="0"/>
+              <a:t>parent::turnOff()</a:t>
+            </a:r>
+          </a:p>
+          <a:p>
+            <a:r>
+              <a:rPr lang="en-US" smtClean="0"/>
+              <a:t>tv14.php</a:t>
             </a:r>
             <a:endParaRPr lang="en-US" dirty="0"/>
           </a:p>
@@ -9764,13 +10056,25 @@
     </p:spTree>
     <p:extLst>
       <p:ext uri="{BB962C8B-B14F-4D97-AF65-F5344CB8AC3E}">
-        <p14:creationId xmlns:p14="http://schemas.microsoft.com/office/powerpoint/2010/main" val="1394735085"/>
+        <p14:creationId xmlns:p14="http://schemas.microsoft.com/office/powerpoint/2010/main" val="1179557106"/>
       </p:ext>
     </p:extLst>
   </p:cSld>
   <p:clrMapOvr>
     <a:masterClrMapping/>
   </p:clrMapOvr>
+  <mc:AlternateContent xmlns:mc="http://schemas.openxmlformats.org/markup-compatibility/2006" xmlns:p14="http://schemas.microsoft.com/office/powerpoint/2010/main">
+    <mc:Choice Requires="p14">
+      <p:transition spd="slow" p14:dur="1500">
+        <p:random/>
+      </p:transition>
+    </mc:Choice>
+    <mc:Fallback xmlns="">
+      <p:transition spd="slow">
+        <p:random/>
+      </p:transition>
+    </mc:Fallback>
+  </mc:AlternateContent>
 </p:sld>
 </file>
 
@@ -9807,7 +10111,7 @@
           <a:lstStyle/>
           <a:p>
             <a:r>
-              <a:rPr lang="en-US" dirty="0" smtClean="0"/>
+              <a:rPr lang="en-US" smtClean="0"/>
               <a:t>Static method</a:t>
             </a:r>
             <a:endParaRPr lang="en-US" dirty="0"/>
@@ -9830,40 +10134,26 @@
           <a:lstStyle/>
           <a:p>
             <a:r>
-              <a:rPr lang="en-US" altLang="zh-TW" dirty="0" smtClean="0"/>
-              <a:t>Different class can has some static method name but different function</a:t>
-            </a:r>
-          </a:p>
-          <a:p>
-            <a:r>
-              <a:rPr lang="en-US" altLang="zh-TW" dirty="0" smtClean="0"/>
-              <a:t>LCD</a:t>
-            </a:r>
-            <a:r>
-              <a:rPr lang="en-US" dirty="0" smtClean="0"/>
-              <a:t>::</a:t>
-            </a:r>
-            <a:r>
-              <a:rPr lang="en-US" dirty="0"/>
-              <a:t>insurance</a:t>
-            </a:r>
-            <a:r>
-              <a:rPr lang="en-US" dirty="0" smtClean="0"/>
-              <a:t>();</a:t>
-            </a:r>
-          </a:p>
-          <a:p>
-            <a:r>
-              <a:rPr lang="en-US" dirty="0" smtClean="0"/>
-              <a:t>tv1</a:t>
-            </a:r>
-            <a:r>
-              <a:rPr lang="en-US" altLang="zh-TW" dirty="0" smtClean="0"/>
-              <a:t>6</a:t>
-            </a:r>
-            <a:r>
-              <a:rPr lang="en-US" dirty="0" smtClean="0"/>
-              <a:t>.php</a:t>
+              <a:rPr lang="en-US" smtClean="0"/>
+              <a:t>Static means the method or variable is accessible through the class definition and not just through objects</a:t>
+            </a:r>
+          </a:p>
+          <a:p>
+            <a:r>
+              <a:rPr lang="en-US" smtClean="0"/>
+              <a:t>public static function insurance(){}</a:t>
+            </a:r>
+          </a:p>
+          <a:p>
+            <a:r>
+              <a:rPr lang="en-US" smtClean="0"/>
+              <a:t>TV::insurance();</a:t>
+            </a:r>
+          </a:p>
+          <a:p>
+            <a:r>
+              <a:rPr lang="en-US" smtClean="0"/>
+              <a:t>tv15.php</a:t>
             </a:r>
             <a:endParaRPr lang="en-US" dirty="0"/>
           </a:p>
@@ -9872,13 +10162,25 @@
     </p:spTree>
     <p:extLst>
       <p:ext uri="{BB962C8B-B14F-4D97-AF65-F5344CB8AC3E}">
-        <p14:creationId xmlns:p14="http://schemas.microsoft.com/office/powerpoint/2010/main" val="1528566590"/>
+        <p14:creationId xmlns:p14="http://schemas.microsoft.com/office/powerpoint/2010/main" val="1394735085"/>
       </p:ext>
     </p:extLst>
   </p:cSld>
   <p:clrMapOvr>
     <a:masterClrMapping/>
   </p:clrMapOvr>
+  <mc:AlternateContent xmlns:mc="http://schemas.openxmlformats.org/markup-compatibility/2006" xmlns:p14="http://schemas.microsoft.com/office/powerpoint/2010/main">
+    <mc:Choice Requires="p14">
+      <p:transition spd="slow" p14:dur="1500">
+        <p:random/>
+      </p:transition>
+    </mc:Choice>
+    <mc:Fallback xmlns="">
+      <p:transition spd="slow">
+        <p:random/>
+      </p:transition>
+    </mc:Fallback>
+  </mc:AlternateContent>
 </p:sld>
 </file>
 
@@ -9915,8 +10217,8 @@
           <a:lstStyle/>
           <a:p>
             <a:r>
-              <a:rPr lang="en-US" dirty="0" smtClean="0"/>
-              <a:t>Public, Private, Protected</a:t>
+              <a:rPr lang="en-US" smtClean="0"/>
+              <a:t>Static method</a:t>
             </a:r>
             <a:endParaRPr lang="en-US" dirty="0"/>
           </a:p>
@@ -9938,44 +10240,59 @@
           <a:lstStyle/>
           <a:p>
             <a:r>
-              <a:rPr lang="en-US" dirty="0"/>
-              <a:t>Class properties must be defined as </a:t>
-            </a:r>
-            <a:endParaRPr lang="en-US" dirty="0" smtClean="0"/>
-          </a:p>
-          <a:p>
-            <a:pPr lvl="1"/>
-            <a:r>
-              <a:rPr lang="en-US" dirty="0" smtClean="0"/>
-              <a:t>Public</a:t>
-            </a:r>
-          </a:p>
-          <a:p>
-            <a:pPr lvl="1"/>
-            <a:r>
-              <a:rPr lang="en-US" dirty="0" smtClean="0"/>
-              <a:t>Private</a:t>
-            </a:r>
-          </a:p>
-          <a:p>
-            <a:pPr lvl="1"/>
-            <a:r>
-              <a:rPr lang="en-US" dirty="0" smtClean="0"/>
-              <a:t>Protected</a:t>
-            </a:r>
+              <a:rPr lang="en-US" altLang="zh-TW" smtClean="0"/>
+              <a:t>Different class can has some static method name but different function</a:t>
+            </a:r>
+          </a:p>
+          <a:p>
+            <a:r>
+              <a:rPr lang="en-US" altLang="zh-TW" smtClean="0"/>
+              <a:t>LCD</a:t>
+            </a:r>
+            <a:r>
+              <a:rPr lang="en-US" smtClean="0"/>
+              <a:t>::insurance();</a:t>
+            </a:r>
+          </a:p>
+          <a:p>
+            <a:r>
+              <a:rPr lang="en-US" smtClean="0"/>
+              <a:t>tv1</a:t>
+            </a:r>
+            <a:r>
+              <a:rPr lang="en-US" altLang="zh-TW" smtClean="0"/>
+              <a:t>6</a:t>
+            </a:r>
+            <a:r>
+              <a:rPr lang="en-US" smtClean="0"/>
+              <a:t>.php</a:t>
+            </a:r>
+            <a:endParaRPr lang="en-US" dirty="0"/>
           </a:p>
         </p:txBody>
       </p:sp>
     </p:spTree>
     <p:extLst>
       <p:ext uri="{BB962C8B-B14F-4D97-AF65-F5344CB8AC3E}">
-        <p14:creationId xmlns:p14="http://schemas.microsoft.com/office/powerpoint/2010/main" val="271809069"/>
+        <p14:creationId xmlns:p14="http://schemas.microsoft.com/office/powerpoint/2010/main" val="1528566590"/>
       </p:ext>
     </p:extLst>
   </p:cSld>
   <p:clrMapOvr>
     <a:masterClrMapping/>
   </p:clrMapOvr>
+  <mc:AlternateContent xmlns:mc="http://schemas.openxmlformats.org/markup-compatibility/2006" xmlns:p14="http://schemas.microsoft.com/office/powerpoint/2010/main">
+    <mc:Choice Requires="p14">
+      <p:transition spd="slow" p14:dur="1500">
+        <p:random/>
+      </p:transition>
+    </mc:Choice>
+    <mc:Fallback xmlns="">
+      <p:transition spd="slow">
+        <p:random/>
+      </p:transition>
+    </mc:Fallback>
+  </mc:AlternateContent>
 </p:sld>
 </file>
 
@@ -10012,8 +10329,8 @@
           <a:lstStyle/>
           <a:p>
             <a:r>
-              <a:rPr lang="en-US" dirty="0" smtClean="0"/>
-              <a:t>public</a:t>
+              <a:rPr lang="en-US" smtClean="0"/>
+              <a:t>Public, Private, Protected</a:t>
             </a:r>
             <a:endParaRPr lang="en-US" dirty="0"/>
           </a:p>
@@ -10035,99 +10352,56 @@
           <a:lstStyle/>
           <a:p>
             <a:r>
-              <a:rPr lang="en-US" altLang="en-US" dirty="0" smtClean="0"/>
-              <a:t>By </a:t>
-            </a:r>
-            <a:r>
-              <a:rPr lang="en-US" altLang="en-US" dirty="0"/>
-              <a:t>default, all class members are public </a:t>
-            </a:r>
-            <a:r>
-              <a:rPr lang="en-US" altLang="en-US" dirty="0" smtClean="0"/>
-              <a:t>. </a:t>
-            </a:r>
-            <a:r>
-              <a:rPr lang="en-US" dirty="0" smtClean="0"/>
-              <a:t>If properties declared </a:t>
-            </a:r>
-            <a:r>
-              <a:rPr lang="en-US" dirty="0"/>
-              <a:t>using </a:t>
-            </a:r>
-            <a:r>
-              <a:rPr lang="en-US" dirty="0" err="1"/>
-              <a:t>var</a:t>
-            </a:r>
-            <a:r>
-              <a:rPr lang="en-US" dirty="0"/>
-              <a:t>, the property will be defined as public</a:t>
-            </a:r>
-            <a:r>
-              <a:rPr lang="en-US" dirty="0" smtClean="0"/>
-              <a:t>.</a:t>
-            </a:r>
-          </a:p>
-          <a:p>
-            <a:r>
-              <a:rPr lang="en-US" dirty="0" smtClean="0"/>
-              <a:t>You can change public variable at anytime.</a:t>
-            </a:r>
-          </a:p>
-          <a:p>
-            <a:r>
-              <a:rPr lang="en-US" dirty="0"/>
-              <a:t>public $plug="UK</a:t>
-            </a:r>
-            <a:r>
-              <a:rPr lang="en-US" dirty="0" smtClean="0"/>
-              <a:t>";</a:t>
-            </a:r>
-          </a:p>
-          <a:p>
-            <a:r>
-              <a:rPr lang="en-US" dirty="0"/>
-              <a:t>$</a:t>
-            </a:r>
-            <a:r>
-              <a:rPr lang="en-US" dirty="0" err="1"/>
-              <a:t>sony</a:t>
-            </a:r>
-            <a:r>
-              <a:rPr lang="en-US" dirty="0"/>
-              <a:t>-&gt;plug="CN";</a:t>
-            </a:r>
-          </a:p>
-          <a:p>
-            <a:r>
-              <a:rPr lang="en-US" dirty="0" smtClean="0"/>
-              <a:t>tv</a:t>
-            </a:r>
-            <a:r>
-              <a:rPr lang="en-US" dirty="0"/>
-              <a:t>1</a:t>
-            </a:r>
-            <a:r>
-              <a:rPr lang="en-US" altLang="zh-TW" dirty="0" smtClean="0"/>
-              <a:t>7</a:t>
-            </a:r>
-            <a:r>
-              <a:rPr lang="en-US" dirty="0" smtClean="0"/>
-              <a:t>.php</a:t>
-            </a:r>
-            <a:endParaRPr lang="en-US" dirty="0"/>
+              <a:rPr lang="en-US" smtClean="0"/>
+              <a:t>Class properties must be defined as </a:t>
+            </a:r>
+          </a:p>
+          <a:p>
+            <a:pPr lvl="1"/>
+            <a:r>
+              <a:rPr lang="en-US" smtClean="0"/>
+              <a:t>Public</a:t>
+            </a:r>
+          </a:p>
+          <a:p>
+            <a:pPr lvl="1"/>
+            <a:r>
+              <a:rPr lang="en-US" smtClean="0"/>
+              <a:t>Private</a:t>
+            </a:r>
+          </a:p>
+          <a:p>
+            <a:pPr lvl="1"/>
+            <a:r>
+              <a:rPr lang="en-US" smtClean="0"/>
+              <a:t>Protected</a:t>
+            </a:r>
+            <a:endParaRPr lang="en-US" dirty="0" smtClean="0"/>
           </a:p>
         </p:txBody>
       </p:sp>
     </p:spTree>
     <p:extLst>
       <p:ext uri="{BB962C8B-B14F-4D97-AF65-F5344CB8AC3E}">
-        <p14:creationId xmlns:p14="http://schemas.microsoft.com/office/powerpoint/2010/main" val="597305514"/>
+        <p14:creationId xmlns:p14="http://schemas.microsoft.com/office/powerpoint/2010/main" val="271809069"/>
       </p:ext>
     </p:extLst>
   </p:cSld>
   <p:clrMapOvr>
     <a:masterClrMapping/>
   </p:clrMapOvr>
+  <mc:AlternateContent xmlns:mc="http://schemas.openxmlformats.org/markup-compatibility/2006" xmlns:p14="http://schemas.microsoft.com/office/powerpoint/2010/main">
+    <mc:Choice Requires="p14">
+      <p:transition spd="slow" p14:dur="1500">
+        <p:random/>
+      </p:transition>
+    </mc:Choice>
+    <mc:Fallback xmlns="">
+      <p:transition spd="slow">
+        <p:random/>
+      </p:transition>
+    </mc:Fallback>
+  </mc:AlternateContent>
 </p:sld>
 </file>
 
@@ -10164,8 +10438,8 @@
           <a:lstStyle/>
           <a:p>
             <a:r>
-              <a:rPr lang="en-US" dirty="0" smtClean="0"/>
-              <a:t>private</a:t>
+              <a:rPr lang="en-US" smtClean="0"/>
+              <a:t>public</a:t>
             </a:r>
             <a:endParaRPr lang="en-US" dirty="0"/>
           </a:p>
@@ -10187,70 +10461,199 @@
           <a:lstStyle/>
           <a:p>
             <a:r>
-              <a:rPr lang="en-US" dirty="0" smtClean="0"/>
-              <a:t>Access </a:t>
-            </a:r>
-            <a:r>
-              <a:rPr lang="en-US" dirty="0"/>
-              <a:t>is limited to the declaring class </a:t>
-            </a:r>
-            <a:r>
-              <a:rPr lang="en-US" dirty="0" smtClean="0"/>
-              <a:t>only. </a:t>
-            </a:r>
-            <a:r>
-              <a:rPr lang="en-US" dirty="0"/>
-              <a:t>No external access whatsoever is allowed</a:t>
-            </a:r>
-            <a:r>
-              <a:rPr lang="en-US" dirty="0" smtClean="0"/>
-              <a:t>.</a:t>
-            </a:r>
-          </a:p>
-          <a:p>
-            <a:r>
-              <a:rPr lang="en-US" dirty="0" smtClean="0"/>
-              <a:t>It is a good practice to protect from outsider giving invalid value.  Always check input value before setting the new value.</a:t>
-            </a:r>
-          </a:p>
-          <a:p>
-            <a:r>
-              <a:rPr lang="en-US" dirty="0"/>
-              <a:t>$</a:t>
-            </a:r>
-            <a:r>
-              <a:rPr lang="en-US" dirty="0" err="1"/>
-              <a:t>sony</a:t>
-            </a:r>
-            <a:r>
-              <a:rPr lang="en-US" dirty="0"/>
-              <a:t>-&gt;</a:t>
-            </a:r>
-            <a:r>
-              <a:rPr lang="en-US" dirty="0" smtClean="0"/>
-              <a:t>voltage=110; (Error)</a:t>
+              <a:rPr lang="en-US" altLang="en-US" smtClean="0"/>
+              <a:t>By default, all class members are public . </a:t>
+            </a:r>
+            <a:r>
+              <a:rPr lang="en-US" smtClean="0"/>
+              <a:t>If properties declared using var, the property will be defined as public.</a:t>
+            </a:r>
+          </a:p>
+          <a:p>
+            <a:r>
+              <a:rPr lang="en-US" smtClean="0"/>
+              <a:t>You can change public variable at anytime.</a:t>
+            </a:r>
+          </a:p>
+          <a:p>
+            <a:r>
+              <a:rPr lang="en-US" smtClean="0"/>
+              <a:t>public $plug="UK";</a:t>
+            </a:r>
+          </a:p>
+          <a:p>
+            <a:r>
+              <a:rPr lang="en-US" smtClean="0"/>
+              <a:t>$sony-&gt;plug="CN";</a:t>
+            </a:r>
+          </a:p>
+          <a:p>
+            <a:r>
+              <a:rPr lang="en-US" smtClean="0"/>
+              <a:t>tv1</a:t>
+            </a:r>
+            <a:r>
+              <a:rPr lang="en-US" altLang="zh-TW" smtClean="0"/>
+              <a:t>7</a:t>
+            </a:r>
+            <a:r>
+              <a:rPr lang="en-US" smtClean="0"/>
+              <a:t>.php</a:t>
             </a:r>
             <a:endParaRPr lang="en-US" dirty="0"/>
           </a:p>
-          <a:p>
-            <a:r>
-              <a:rPr lang="en-US" dirty="0" smtClean="0"/>
-              <a:t>tv18.php</a:t>
-            </a:r>
-            <a:endParaRPr lang="en-US" dirty="0"/>
-          </a:p>
-        </p:txBody>
-      </p:sp>
+        </p:txBody>
+      </p:sp>
+      <p:pic>
+        <p:nvPicPr>
+          <p:cNvPr id="13316" name="Picture 4"/>
+          <p:cNvPicPr>
+            <a:picLocks noChangeAspect="1" noChangeArrowheads="1"/>
+          </p:cNvPicPr>
+          <p:nvPr/>
+        </p:nvPicPr>
+        <p:blipFill>
+          <a:blip r:embed="rId2" cstate="print">
+            <a:extLst>
+              <a:ext uri="{28A0092B-C50C-407E-A947-70E740481C1C}">
+                <a14:useLocalDpi xmlns:a14="http://schemas.microsoft.com/office/drawing/2010/main" val="0"/>
+              </a:ext>
+            </a:extLst>
+          </a:blip>
+          <a:srcRect/>
+          <a:stretch>
+            <a:fillRect/>
+          </a:stretch>
+        </p:blipFill>
+        <p:spPr bwMode="auto">
+          <a:xfrm>
+            <a:off x="1403648" y="548680"/>
+            <a:ext cx="2376264" cy="2376264"/>
+          </a:xfrm>
+          <a:prstGeom prst="rect">
+            <a:avLst/>
+          </a:prstGeom>
+          <a:noFill/>
+          <a:ln>
+            <a:noFill/>
+          </a:ln>
+          <a:effectLst/>
+          <a:extLst>
+            <a:ext uri="{909E8E84-426E-40DD-AFC4-6F175D3DCCD1}">
+              <a14:hiddenFill xmlns:a14="http://schemas.microsoft.com/office/drawing/2010/main">
+                <a:solidFill>
+                  <a:schemeClr val="accent1"/>
+                </a:solidFill>
+              </a14:hiddenFill>
+            </a:ext>
+            <a:ext uri="{91240B29-F687-4F45-9708-019B960494DF}">
+              <a14:hiddenLine xmlns:a14="http://schemas.microsoft.com/office/drawing/2010/main" w="9525">
+                <a:solidFill>
+                  <a:schemeClr val="tx1"/>
+                </a:solidFill>
+                <a:miter lim="800000"/>
+                <a:headEnd/>
+                <a:tailEnd/>
+              </a14:hiddenLine>
+            </a:ext>
+            <a:ext uri="{AF507438-7753-43E0-B8FC-AC1667EBCBE1}">
+              <a14:hiddenEffects xmlns:a14="http://schemas.microsoft.com/office/drawing/2010/main">
+                <a:effectLst>
+                  <a:outerShdw dist="35921" dir="2700000" algn="ctr" rotWithShape="0">
+                    <a:schemeClr val="bg2"/>
+                  </a:outerShdw>
+                </a:effectLst>
+              </a14:hiddenEffects>
+            </a:ext>
+          </a:extLst>
+        </p:spPr>
+      </p:pic>
+      <p:pic>
+        <p:nvPicPr>
+          <p:cNvPr id="13317" name="Picture 5"/>
+          <p:cNvPicPr>
+            <a:picLocks noChangeAspect="1" noChangeArrowheads="1"/>
+          </p:cNvPicPr>
+          <p:nvPr/>
+        </p:nvPicPr>
+        <p:blipFill>
+          <a:blip r:embed="rId3">
+            <a:extLst>
+              <a:ext uri="{28A0092B-C50C-407E-A947-70E740481C1C}">
+                <a14:useLocalDpi xmlns:a14="http://schemas.microsoft.com/office/drawing/2010/main" val="0"/>
+              </a:ext>
+            </a:extLst>
+          </a:blip>
+          <a:srcRect/>
+          <a:stretch>
+            <a:fillRect/>
+          </a:stretch>
+        </p:blipFill>
+        <p:spPr bwMode="auto">
+          <a:xfrm>
+            <a:off x="5868144" y="462699"/>
+            <a:ext cx="2376264" cy="2376264"/>
+          </a:xfrm>
+          <a:prstGeom prst="rect">
+            <a:avLst/>
+          </a:prstGeom>
+          <a:noFill/>
+          <a:ln>
+            <a:noFill/>
+          </a:ln>
+          <a:effectLst/>
+          <a:extLst>
+            <a:ext uri="{909E8E84-426E-40DD-AFC4-6F175D3DCCD1}">
+              <a14:hiddenFill xmlns:a14="http://schemas.microsoft.com/office/drawing/2010/main">
+                <a:solidFill>
+                  <a:schemeClr val="accent1"/>
+                </a:solidFill>
+              </a14:hiddenFill>
+            </a:ext>
+            <a:ext uri="{91240B29-F687-4F45-9708-019B960494DF}">
+              <a14:hiddenLine xmlns:a14="http://schemas.microsoft.com/office/drawing/2010/main" w="9525">
+                <a:solidFill>
+                  <a:schemeClr val="tx1"/>
+                </a:solidFill>
+                <a:miter lim="800000"/>
+                <a:headEnd/>
+                <a:tailEnd/>
+              </a14:hiddenLine>
+            </a:ext>
+            <a:ext uri="{AF507438-7753-43E0-B8FC-AC1667EBCBE1}">
+              <a14:hiddenEffects xmlns:a14="http://schemas.microsoft.com/office/drawing/2010/main">
+                <a:effectLst>
+                  <a:outerShdw dist="35921" dir="2700000" algn="ctr" rotWithShape="0">
+                    <a:schemeClr val="bg2"/>
+                  </a:outerShdw>
+                </a:effectLst>
+              </a14:hiddenEffects>
+            </a:ext>
+          </a:extLst>
+        </p:spPr>
+      </p:pic>
     </p:spTree>
     <p:extLst>
       <p:ext uri="{BB962C8B-B14F-4D97-AF65-F5344CB8AC3E}">
-        <p14:creationId xmlns:p14="http://schemas.microsoft.com/office/powerpoint/2010/main" val="1575207720"/>
+        <p14:creationId xmlns:p14="http://schemas.microsoft.com/office/powerpoint/2010/main" val="597305514"/>
       </p:ext>
     </p:extLst>
   </p:cSld>
   <p:clrMapOvr>
     <a:masterClrMapping/>
   </p:clrMapOvr>
+  <mc:AlternateContent xmlns:mc="http://schemas.openxmlformats.org/markup-compatibility/2006" xmlns:p14="http://schemas.microsoft.com/office/powerpoint/2010/main">
+    <mc:Choice Requires="p14">
+      <p:transition spd="slow" p14:dur="1500">
+        <p:random/>
+      </p:transition>
+    </mc:Choice>
+    <mc:Fallback xmlns="">
+      <p:transition spd="slow">
+        <p:random/>
+      </p:transition>
+    </mc:Fallback>
+  </mc:AlternateContent>
 </p:sld>
 </file>
 
@@ -10287,8 +10690,8 @@
           <a:lstStyle/>
           <a:p>
             <a:r>
-              <a:rPr lang="en-US" dirty="0" smtClean="0"/>
-              <a:t>Change private variable</a:t>
+              <a:rPr lang="en-US" smtClean="0"/>
+              <a:t>private</a:t>
             </a:r>
             <a:endParaRPr lang="en-US" dirty="0"/>
           </a:p>
@@ -10310,55 +10713,117 @@
           <a:lstStyle/>
           <a:p>
             <a:r>
-              <a:rPr lang="en-US" altLang="en-US" dirty="0"/>
-              <a:t>Encapsulation – the ability of an object to protect access to its internal </a:t>
-            </a:r>
-            <a:r>
-              <a:rPr lang="en-US" altLang="en-US" dirty="0" smtClean="0"/>
-              <a:t>data</a:t>
-            </a:r>
-          </a:p>
-          <a:p>
-            <a:r>
-              <a:rPr lang="en-US" dirty="0"/>
-              <a:t>g</a:t>
-            </a:r>
-            <a:r>
-              <a:rPr lang="en-US" dirty="0" smtClean="0"/>
-              <a:t>etter and setter</a:t>
-            </a:r>
-          </a:p>
-          <a:p>
-            <a:pPr eaLnBrk="1" hangingPunct="1"/>
-            <a:r>
-              <a:rPr lang="en-US" dirty="0" smtClean="0"/>
-              <a:t>We </a:t>
-            </a:r>
-            <a:r>
-              <a:rPr lang="en-US" dirty="0" smtClean="0"/>
-              <a:t>need a setter to change the private variable</a:t>
-            </a:r>
-          </a:p>
-          <a:p>
-            <a:pPr eaLnBrk="1" hangingPunct="1"/>
-            <a:r>
-              <a:rPr lang="en-US" dirty="0" smtClean="0"/>
-              <a:t>tv19.php</a:t>
+              <a:rPr lang="en-US" smtClean="0"/>
+              <a:t>Access is limited to the declaring class only. No external access whatsoever is allowed.</a:t>
+            </a:r>
+          </a:p>
+          <a:p>
+            <a:r>
+              <a:rPr lang="en-US" smtClean="0"/>
+              <a:t>It is a good practice to protect from outsider giving invalid value.  Always check input value before setting the new value.</a:t>
+            </a:r>
+          </a:p>
+          <a:p>
+            <a:r>
+              <a:rPr lang="en-US" smtClean="0"/>
+              <a:t>$sony-&gt;voltage=110; (Error)</a:t>
+            </a:r>
+          </a:p>
+          <a:p>
+            <a:r>
+              <a:rPr lang="en-US" smtClean="0"/>
+              <a:t>tv18.php</a:t>
             </a:r>
             <a:endParaRPr lang="en-US" dirty="0"/>
           </a:p>
         </p:txBody>
       </p:sp>
+      <p:pic>
+        <p:nvPicPr>
+          <p:cNvPr id="10243" name="Picture 3"/>
+          <p:cNvPicPr>
+            <a:picLocks noChangeAspect="1" noChangeArrowheads="1"/>
+          </p:cNvPicPr>
+          <p:nvPr/>
+        </p:nvPicPr>
+        <p:blipFill>
+          <a:blip r:embed="rId2" cstate="print">
+            <a:extLst>
+              <a:ext uri="{28A0092B-C50C-407E-A947-70E740481C1C}">
+                <a14:useLocalDpi xmlns:a14="http://schemas.microsoft.com/office/drawing/2010/main" val="0"/>
+              </a:ext>
+            </a:extLst>
+          </a:blip>
+          <a:srcRect/>
+          <a:stretch>
+            <a:fillRect/>
+          </a:stretch>
+        </p:blipFill>
+        <p:spPr bwMode="auto">
+          <a:xfrm>
+            <a:off x="5220072" y="4510132"/>
+            <a:ext cx="1584176" cy="2112235"/>
+          </a:xfrm>
+          <a:prstGeom prst="rect">
+            <a:avLst/>
+          </a:prstGeom>
+          <a:noFill/>
+          <a:ln>
+            <a:noFill/>
+          </a:ln>
+          <a:effectLst/>
+          <a:extLst>
+            <a:ext uri="{909E8E84-426E-40DD-AFC4-6F175D3DCCD1}">
+              <a14:hiddenFill xmlns:a14="http://schemas.microsoft.com/office/drawing/2010/main">
+                <a:solidFill>
+                  <a:schemeClr val="accent1"/>
+                </a:solidFill>
+              </a14:hiddenFill>
+            </a:ext>
+            <a:ext uri="{91240B29-F687-4F45-9708-019B960494DF}">
+              <a14:hiddenLine xmlns:a14="http://schemas.microsoft.com/office/drawing/2010/main" w="9525">
+                <a:solidFill>
+                  <a:schemeClr val="tx1"/>
+                </a:solidFill>
+                <a:miter lim="800000"/>
+                <a:headEnd/>
+                <a:tailEnd/>
+              </a14:hiddenLine>
+            </a:ext>
+            <a:ext uri="{AF507438-7753-43E0-B8FC-AC1667EBCBE1}">
+              <a14:hiddenEffects xmlns:a14="http://schemas.microsoft.com/office/drawing/2010/main">
+                <a:effectLst>
+                  <a:outerShdw dist="35921" dir="2700000" algn="ctr" rotWithShape="0">
+                    <a:schemeClr val="bg2"/>
+                  </a:outerShdw>
+                </a:effectLst>
+              </a14:hiddenEffects>
+            </a:ext>
+          </a:extLst>
+        </p:spPr>
+      </p:pic>
     </p:spTree>
     <p:extLst>
       <p:ext uri="{BB962C8B-B14F-4D97-AF65-F5344CB8AC3E}">
-        <p14:creationId xmlns:p14="http://schemas.microsoft.com/office/powerpoint/2010/main" val="337749824"/>
+        <p14:creationId xmlns:p14="http://schemas.microsoft.com/office/powerpoint/2010/main" val="1575207720"/>
       </p:ext>
     </p:extLst>
   </p:cSld>
   <p:clrMapOvr>
     <a:masterClrMapping/>
   </p:clrMapOvr>
+  <mc:AlternateContent xmlns:mc="http://schemas.openxmlformats.org/markup-compatibility/2006" xmlns:p14="http://schemas.microsoft.com/office/powerpoint/2010/main">
+    <mc:Choice Requires="p14">
+      <p:transition spd="slow" p14:dur="1500">
+        <p:random/>
+      </p:transition>
+    </mc:Choice>
+    <mc:Fallback xmlns="">
+      <p:transition spd="slow">
+        <p:random/>
+      </p:transition>
+    </mc:Fallback>
+  </mc:AlternateContent>
 </p:sld>
 </file>
 
@@ -10395,8 +10860,8 @@
           <a:lstStyle/>
           <a:p>
             <a:r>
-              <a:rPr lang="en-US" dirty="0" smtClean="0"/>
-              <a:t>Validate private variable</a:t>
+              <a:rPr lang="en-US" smtClean="0"/>
+              <a:t>Change private variable</a:t>
             </a:r>
             <a:endParaRPr lang="en-US" dirty="0"/>
           </a:p>
@@ -10417,17 +10882,27 @@
           <a:bodyPr/>
           <a:lstStyle/>
           <a:p>
-            <a:pPr eaLnBrk="1" hangingPunct="1"/>
-            <a:r>
-              <a:rPr lang="en-US" dirty="0" smtClean="0"/>
-              <a:t>Since we can validate the value before we change the private variable, private variable are more secure than public variable.</a:t>
-            </a:r>
-          </a:p>
-          <a:p>
-            <a:pPr eaLnBrk="1" hangingPunct="1"/>
-            <a:r>
-              <a:rPr lang="en-US" dirty="0" smtClean="0"/>
-              <a:t>tv20.php</a:t>
+            <a:r>
+              <a:rPr lang="en-US" altLang="en-US" smtClean="0"/>
+              <a:t>Encapsulation – the ability of an object to protect access to its internal data</a:t>
+            </a:r>
+          </a:p>
+          <a:p>
+            <a:r>
+              <a:rPr lang="en-US" smtClean="0"/>
+              <a:t>getter and setter</a:t>
+            </a:r>
+          </a:p>
+          <a:p>
+            <a:r>
+              <a:rPr lang="en-US" smtClean="0"/>
+              <a:t>We need a setter to change the private variable</a:t>
+            </a:r>
+          </a:p>
+          <a:p>
+            <a:r>
+              <a:rPr lang="en-US" smtClean="0"/>
+              <a:t>tv19.php</a:t>
             </a:r>
             <a:endParaRPr lang="en-US" dirty="0"/>
           </a:p>
@@ -10436,13 +10911,25 @@
     </p:spTree>
     <p:extLst>
       <p:ext uri="{BB962C8B-B14F-4D97-AF65-F5344CB8AC3E}">
-        <p14:creationId xmlns:p14="http://schemas.microsoft.com/office/powerpoint/2010/main" val="762012947"/>
+        <p14:creationId xmlns:p14="http://schemas.microsoft.com/office/powerpoint/2010/main" val="337749824"/>
       </p:ext>
     </p:extLst>
   </p:cSld>
   <p:clrMapOvr>
     <a:masterClrMapping/>
   </p:clrMapOvr>
+  <mc:AlternateContent xmlns:mc="http://schemas.openxmlformats.org/markup-compatibility/2006" xmlns:p14="http://schemas.microsoft.com/office/powerpoint/2010/main">
+    <mc:Choice Requires="p14">
+      <p:transition spd="slow" p14:dur="1500">
+        <p:random/>
+      </p:transition>
+    </mc:Choice>
+    <mc:Fallback xmlns="">
+      <p:transition spd="slow">
+        <p:random/>
+      </p:transition>
+    </mc:Fallback>
+  </mc:AlternateContent>
 </p:sld>
 </file>
 
@@ -10479,8 +10966,8 @@
           <a:lstStyle/>
           <a:p>
             <a:r>
-              <a:rPr lang="en-US" dirty="0" smtClean="0"/>
-              <a:t>protected</a:t>
+              <a:rPr lang="en-US" smtClean="0"/>
+              <a:t>Validate private variable</a:t>
             </a:r>
             <a:endParaRPr lang="en-US" dirty="0"/>
           </a:p>
@@ -10501,41 +10988,15 @@
           <a:bodyPr/>
           <a:lstStyle/>
           <a:p>
-            <a:pPr eaLnBrk="1" hangingPunct="1"/>
-            <a:r>
-              <a:rPr lang="en-US" altLang="en-US" dirty="0"/>
-              <a:t>To access a parent method or property from a child class </a:t>
-            </a:r>
-          </a:p>
-          <a:p>
-            <a:pPr eaLnBrk="1" hangingPunct="1"/>
-            <a:r>
-              <a:rPr lang="en-US" altLang="en-US" dirty="0"/>
-              <a:t>Like the private keyword, protected methods and properties are available only to the class that created them. </a:t>
-            </a:r>
-            <a:r>
-              <a:rPr lang="en-US" altLang="en-US" dirty="0" smtClean="0"/>
-              <a:t> But </a:t>
-            </a:r>
-            <a:r>
-              <a:rPr lang="en-US" altLang="en-US" dirty="0"/>
-              <a:t>unlike private, protected methods and properties are visible from a parent class.</a:t>
-            </a:r>
-          </a:p>
-          <a:p>
-            <a:r>
-              <a:rPr lang="en-US" dirty="0" err="1" smtClean="0"/>
-              <a:t>SetMethod</a:t>
-            </a:r>
-            <a:r>
-              <a:rPr lang="en-US" dirty="0" smtClean="0"/>
-              <a:t> from child</a:t>
-            </a:r>
-          </a:p>
-          <a:p>
-            <a:r>
-              <a:rPr lang="en-US" dirty="0" smtClean="0"/>
-              <a:t>tv21.php</a:t>
+            <a:r>
+              <a:rPr lang="en-US" smtClean="0"/>
+              <a:t>Since we can validate the value before we change the private variable, private variable are more secure than public variable.</a:t>
+            </a:r>
+          </a:p>
+          <a:p>
+            <a:r>
+              <a:rPr lang="en-US" smtClean="0"/>
+              <a:t>tv20.php</a:t>
             </a:r>
             <a:endParaRPr lang="en-US" dirty="0"/>
           </a:p>
@@ -10544,13 +11005,25 @@
     </p:spTree>
     <p:extLst>
       <p:ext uri="{BB962C8B-B14F-4D97-AF65-F5344CB8AC3E}">
-        <p14:creationId xmlns:p14="http://schemas.microsoft.com/office/powerpoint/2010/main" val="1706613168"/>
+        <p14:creationId xmlns:p14="http://schemas.microsoft.com/office/powerpoint/2010/main" val="762012947"/>
       </p:ext>
     </p:extLst>
   </p:cSld>
   <p:clrMapOvr>
     <a:masterClrMapping/>
   </p:clrMapOvr>
+  <mc:AlternateContent xmlns:mc="http://schemas.openxmlformats.org/markup-compatibility/2006" xmlns:p14="http://schemas.microsoft.com/office/powerpoint/2010/main">
+    <mc:Choice Requires="p14">
+      <p:transition spd="slow" p14:dur="1500">
+        <p:random/>
+      </p:transition>
+    </mc:Choice>
+    <mc:Fallback xmlns="">
+      <p:transition spd="slow">
+        <p:random/>
+      </p:transition>
+    </mc:Fallback>
+  </mc:AlternateContent>
 </p:sld>
 </file>
 
@@ -10588,7 +11061,7 @@
           <a:p>
             <a:r>
               <a:rPr lang="en-US" smtClean="0"/>
-              <a:t>Concept 2</a:t>
+              <a:t>protected</a:t>
             </a:r>
             <a:endParaRPr lang="en-US" dirty="0"/>
           </a:p>
@@ -10596,12 +11069,12 @@
       </p:sp>
       <p:sp>
         <p:nvSpPr>
-          <p:cNvPr id="18435" name="Content Placeholder 2"/>
-          <p:cNvSpPr>
-            <a:spLocks noGrp="1"/>
-          </p:cNvSpPr>
-          <p:nvPr>
-            <p:ph sz="quarter" idx="1"/>
+          <p:cNvPr id="3" name="Content Placeholder 2"/>
+          <p:cNvSpPr>
+            <a:spLocks noGrp="1"/>
+          </p:cNvSpPr>
+          <p:nvPr>
+            <p:ph idx="1"/>
           </p:nvPr>
         </p:nvSpPr>
         <p:spPr/>
@@ -10610,23 +11083,99 @@
           <a:lstStyle/>
           <a:p>
             <a:r>
-              <a:rPr lang="en-US" altLang="en-US" dirty="0" smtClean="0"/>
-              <a:t>Interfaces – a way of specifying that an object is capable of doing something without actually defining how it is to be done (EG. a dog and a human are “things that walk” but they are different)</a:t>
-            </a:r>
-          </a:p>
-          <a:p>
-            <a:r>
-              <a:rPr lang="en-US" altLang="en-US" dirty="0" smtClean="0"/>
-              <a:t>Abstract – similar to Interface, but it can contacts method content</a:t>
-            </a:r>
-            <a:endParaRPr lang="en-US" altLang="en-US" dirty="0" smtClean="0"/>
-          </a:p>
-        </p:txBody>
-      </p:sp>
+              <a:rPr lang="en-US" altLang="en-US" smtClean="0"/>
+              <a:t>To access a parent method or property from a child class </a:t>
+            </a:r>
+          </a:p>
+          <a:p>
+            <a:r>
+              <a:rPr lang="en-US" altLang="en-US" smtClean="0"/>
+              <a:t>Like the private keyword, protected methods and properties are available only to the class that created them.  But unlike private, protected methods and properties are visible from a parent class.</a:t>
+            </a:r>
+          </a:p>
+          <a:p>
+            <a:r>
+              <a:rPr lang="en-US" smtClean="0"/>
+              <a:t>SetMethod from child</a:t>
+            </a:r>
+          </a:p>
+          <a:p>
+            <a:r>
+              <a:rPr lang="en-US" smtClean="0"/>
+              <a:t>tv21.php</a:t>
+            </a:r>
+            <a:endParaRPr lang="en-US" dirty="0"/>
+          </a:p>
+        </p:txBody>
+      </p:sp>
+      <p:pic>
+        <p:nvPicPr>
+          <p:cNvPr id="14338" name="Picture 2"/>
+          <p:cNvPicPr>
+            <a:picLocks noChangeAspect="1" noChangeArrowheads="1"/>
+          </p:cNvPicPr>
+          <p:nvPr/>
+        </p:nvPicPr>
+        <p:blipFill>
+          <a:blip r:embed="rId2" cstate="print">
+            <a:extLst>
+              <a:ext uri="{28A0092B-C50C-407E-A947-70E740481C1C}">
+                <a14:useLocalDpi xmlns:a14="http://schemas.microsoft.com/office/drawing/2010/main" val="0"/>
+              </a:ext>
+            </a:extLst>
+          </a:blip>
+          <a:srcRect/>
+          <a:stretch>
+            <a:fillRect/>
+          </a:stretch>
+        </p:blipFill>
+        <p:spPr bwMode="auto">
+          <a:xfrm>
+            <a:off x="1331640" y="332656"/>
+            <a:ext cx="2288704" cy="2288704"/>
+          </a:xfrm>
+          <a:prstGeom prst="rect">
+            <a:avLst/>
+          </a:prstGeom>
+          <a:noFill/>
+          <a:ln>
+            <a:noFill/>
+          </a:ln>
+          <a:effectLst/>
+          <a:extLst>
+            <a:ext uri="{909E8E84-426E-40DD-AFC4-6F175D3DCCD1}">
+              <a14:hiddenFill xmlns:a14="http://schemas.microsoft.com/office/drawing/2010/main">
+                <a:solidFill>
+                  <a:schemeClr val="accent1"/>
+                </a:solidFill>
+              </a14:hiddenFill>
+            </a:ext>
+            <a:ext uri="{91240B29-F687-4F45-9708-019B960494DF}">
+              <a14:hiddenLine xmlns:a14="http://schemas.microsoft.com/office/drawing/2010/main" w="9525">
+                <a:solidFill>
+                  <a:schemeClr val="tx1"/>
+                </a:solidFill>
+                <a:miter lim="800000"/>
+                <a:headEnd/>
+                <a:tailEnd/>
+              </a14:hiddenLine>
+            </a:ext>
+            <a:ext uri="{AF507438-7753-43E0-B8FC-AC1667EBCBE1}">
+              <a14:hiddenEffects xmlns:a14="http://schemas.microsoft.com/office/drawing/2010/main">
+                <a:effectLst>
+                  <a:outerShdw dist="35921" dir="2700000" algn="ctr" rotWithShape="0">
+                    <a:schemeClr val="bg2"/>
+                  </a:outerShdw>
+                </a:effectLst>
+              </a14:hiddenEffects>
+            </a:ext>
+          </a:extLst>
+        </p:spPr>
+      </p:pic>
     </p:spTree>
     <p:extLst>
       <p:ext uri="{BB962C8B-B14F-4D97-AF65-F5344CB8AC3E}">
-        <p14:creationId xmlns:p14="http://schemas.microsoft.com/office/powerpoint/2010/main" val="1255925244"/>
+        <p14:creationId xmlns:p14="http://schemas.microsoft.com/office/powerpoint/2010/main" val="1706613168"/>
       </p:ext>
     </p:extLst>
   </p:cSld>
@@ -10635,10 +11184,14 @@
   </p:clrMapOvr>
   <mc:AlternateContent xmlns:mc="http://schemas.openxmlformats.org/markup-compatibility/2006" xmlns:p14="http://schemas.microsoft.com/office/powerpoint/2010/main">
     <mc:Choice Requires="p14">
-      <p:transition spd="slow" p14:dur="2000"/>
+      <p:transition spd="slow" p14:dur="1500">
+        <p:random/>
+      </p:transition>
     </mc:Choice>
     <mc:Fallback xmlns="">
-      <p:transition spd="slow"/>
+      <p:transition spd="slow">
+        <p:random/>
+      </p:transition>
     </mc:Fallback>
   </mc:AlternateContent>
 </p:sld>
@@ -10677,12 +11230,8 @@
           <a:lstStyle/>
           <a:p>
             <a:r>
-              <a:rPr lang="en-US" dirty="0"/>
-              <a:t>I</a:t>
-            </a:r>
-            <a:r>
-              <a:rPr lang="en-US" dirty="0" smtClean="0"/>
-              <a:t>nterface</a:t>
+              <a:rPr lang="en-US" smtClean="0"/>
+              <a:t>Concept 2</a:t>
             </a:r>
             <a:endParaRPr lang="en-US" dirty="0"/>
           </a:p>
@@ -10704,50 +11253,151 @@
           <a:lstStyle/>
           <a:p>
             <a:r>
-              <a:rPr lang="en-US" dirty="0"/>
-              <a:t>An interface is similar to a class except that it cannot contain code. An interface can define method names and arguments, but not the contents of the methods. Any classes implementing an interface </a:t>
-            </a:r>
-            <a:r>
-              <a:rPr lang="en-US" b="1" dirty="0" smtClean="0"/>
-              <a:t>must </a:t>
-            </a:r>
-            <a:r>
-              <a:rPr lang="en-US" dirty="0" smtClean="0"/>
-              <a:t>implement </a:t>
-            </a:r>
-            <a:r>
-              <a:rPr lang="en-US" dirty="0"/>
-              <a:t>all methods defined by the interface. A class can implement multiple interfaces</a:t>
-            </a:r>
-            <a:r>
-              <a:rPr lang="en-US" dirty="0" smtClean="0"/>
-              <a:t>.</a:t>
-            </a:r>
-          </a:p>
-          <a:p>
-            <a:r>
-              <a:rPr lang="en-US" dirty="0" smtClean="0"/>
-              <a:t>Delete any method will cause error.</a:t>
+              <a:rPr lang="en-US" altLang="en-US" smtClean="0"/>
+              <a:t>Interfaces – a way of specifying that an object is capable of doing something without actually defining how it is to be done (EG. a dog and a human are “things that walk” but they are different)</a:t>
+            </a:r>
+          </a:p>
+          <a:p>
+            <a:r>
+              <a:rPr lang="en-US" altLang="en-US" smtClean="0"/>
+              <a:t>Abstract – similar to Interface, but it can contacts method content</a:t>
             </a:r>
             <a:endParaRPr lang="en-US" altLang="en-US" dirty="0" smtClean="0"/>
           </a:p>
-          <a:p>
-            <a:r>
-              <a:rPr lang="en-US" altLang="en-US" dirty="0" smtClean="0"/>
-              <a:t>t</a:t>
-            </a:r>
-            <a:r>
-              <a:rPr lang="en-US" altLang="en-US" dirty="0" smtClean="0"/>
-              <a:t>v22.php</a:t>
-            </a:r>
-            <a:endParaRPr lang="en-US" altLang="en-US" dirty="0"/>
-          </a:p>
-        </p:txBody>
-      </p:sp>
+        </p:txBody>
+      </p:sp>
+      <p:pic>
+        <p:nvPicPr>
+          <p:cNvPr id="12290" name="Picture 2"/>
+          <p:cNvPicPr>
+            <a:picLocks noChangeAspect="1" noChangeArrowheads="1"/>
+          </p:cNvPicPr>
+          <p:nvPr/>
+        </p:nvPicPr>
+        <p:blipFill>
+          <a:blip r:embed="rId2">
+            <a:extLst>
+              <a:ext uri="{28A0092B-C50C-407E-A947-70E740481C1C}">
+                <a14:useLocalDpi xmlns:a14="http://schemas.microsoft.com/office/drawing/2010/main" val="0"/>
+              </a:ext>
+            </a:extLst>
+          </a:blip>
+          <a:srcRect/>
+          <a:stretch>
+            <a:fillRect/>
+          </a:stretch>
+        </p:blipFill>
+        <p:spPr bwMode="auto">
+          <a:xfrm>
+            <a:off x="323528" y="742894"/>
+            <a:ext cx="3255431" cy="2038595"/>
+          </a:xfrm>
+          <a:prstGeom prst="rect">
+            <a:avLst/>
+          </a:prstGeom>
+          <a:noFill/>
+          <a:ln>
+            <a:noFill/>
+          </a:ln>
+          <a:effectLst/>
+          <a:extLst>
+            <a:ext uri="{909E8E84-426E-40DD-AFC4-6F175D3DCCD1}">
+              <a14:hiddenFill xmlns:a14="http://schemas.microsoft.com/office/drawing/2010/main">
+                <a:solidFill>
+                  <a:schemeClr val="accent1"/>
+                </a:solidFill>
+              </a14:hiddenFill>
+            </a:ext>
+            <a:ext uri="{91240B29-F687-4F45-9708-019B960494DF}">
+              <a14:hiddenLine xmlns:a14="http://schemas.microsoft.com/office/drawing/2010/main" w="9525">
+                <a:solidFill>
+                  <a:schemeClr val="tx1"/>
+                </a:solidFill>
+                <a:miter lim="800000"/>
+                <a:headEnd/>
+                <a:tailEnd/>
+              </a14:hiddenLine>
+            </a:ext>
+            <a:ext uri="{AF507438-7753-43E0-B8FC-AC1667EBCBE1}">
+              <a14:hiddenEffects xmlns:a14="http://schemas.microsoft.com/office/drawing/2010/main">
+                <a:effectLst>
+                  <a:outerShdw dist="35921" dir="2700000" algn="ctr" rotWithShape="0">
+                    <a:schemeClr val="bg2"/>
+                  </a:outerShdw>
+                </a:effectLst>
+              </a14:hiddenEffects>
+            </a:ext>
+          </a:extLst>
+        </p:spPr>
+      </p:pic>
+      <p:pic>
+        <p:nvPicPr>
+          <p:cNvPr id="12291" name="Picture 3"/>
+          <p:cNvPicPr>
+            <a:picLocks noChangeAspect="1" noChangeArrowheads="1"/>
+          </p:cNvPicPr>
+          <p:nvPr/>
+        </p:nvPicPr>
+        <p:blipFill>
+          <a:blip r:embed="rId3">
+            <a:extLst>
+              <a:ext uri="{28A0092B-C50C-407E-A947-70E740481C1C}">
+                <a14:useLocalDpi xmlns:a14="http://schemas.microsoft.com/office/drawing/2010/main" val="0"/>
+              </a:ext>
+            </a:extLst>
+          </a:blip>
+          <a:srcRect/>
+          <a:stretch>
+            <a:fillRect/>
+          </a:stretch>
+        </p:blipFill>
+        <p:spPr bwMode="auto">
+          <a:xfrm>
+            <a:off x="6013045" y="836712"/>
+            <a:ext cx="2911960" cy="1946160"/>
+          </a:xfrm>
+          <a:prstGeom prst="rect">
+            <a:avLst/>
+          </a:prstGeom>
+          <a:noFill/>
+          <a:ln>
+            <a:noFill/>
+          </a:ln>
+          <a:effectLst/>
+          <a:extLst>
+            <a:ext uri="{909E8E84-426E-40DD-AFC4-6F175D3DCCD1}">
+              <a14:hiddenFill xmlns:a14="http://schemas.microsoft.com/office/drawing/2010/main">
+                <a:solidFill>
+                  <a:schemeClr val="accent1"/>
+                </a:solidFill>
+              </a14:hiddenFill>
+            </a:ext>
+            <a:ext uri="{91240B29-F687-4F45-9708-019B960494DF}">
+              <a14:hiddenLine xmlns:a14="http://schemas.microsoft.com/office/drawing/2010/main" w="9525">
+                <a:solidFill>
+                  <a:schemeClr val="tx1"/>
+                </a:solidFill>
+                <a:miter lim="800000"/>
+                <a:headEnd/>
+                <a:tailEnd/>
+              </a14:hiddenLine>
+            </a:ext>
+            <a:ext uri="{AF507438-7753-43E0-B8FC-AC1667EBCBE1}">
+              <a14:hiddenEffects xmlns:a14="http://schemas.microsoft.com/office/drawing/2010/main">
+                <a:effectLst>
+                  <a:outerShdw dist="35921" dir="2700000" algn="ctr" rotWithShape="0">
+                    <a:schemeClr val="bg2"/>
+                  </a:outerShdw>
+                </a:effectLst>
+              </a14:hiddenEffects>
+            </a:ext>
+          </a:extLst>
+        </p:spPr>
+      </p:pic>
     </p:spTree>
     <p:extLst>
       <p:ext uri="{BB962C8B-B14F-4D97-AF65-F5344CB8AC3E}">
-        <p14:creationId xmlns:p14="http://schemas.microsoft.com/office/powerpoint/2010/main" val="718809545"/>
+        <p14:creationId xmlns:p14="http://schemas.microsoft.com/office/powerpoint/2010/main" val="1255925244"/>
       </p:ext>
     </p:extLst>
   </p:cSld>
@@ -10756,10 +11406,14 @@
   </p:clrMapOvr>
   <mc:AlternateContent xmlns:mc="http://schemas.openxmlformats.org/markup-compatibility/2006" xmlns:p14="http://schemas.microsoft.com/office/powerpoint/2010/main">
     <mc:Choice Requires="p14">
-      <p:transition spd="slow" p14:dur="2000"/>
+      <p:transition spd="slow" p14:dur="1500">
+        <p:random/>
+      </p:transition>
     </mc:Choice>
     <mc:Fallback xmlns="">
-      <p:transition spd="slow"/>
+      <p:transition spd="slow">
+        <p:random/>
+      </p:transition>
     </mc:Fallback>
   </mc:AlternateContent>
 </p:sld>
@@ -10821,25 +11475,25 @@
           <a:lstStyle/>
           <a:p>
             <a:r>
-              <a:rPr lang="en-US" altLang="zh-TW" dirty="0" smtClean="0"/>
+              <a:rPr lang="en-US" altLang="zh-TW" smtClean="0"/>
               <a:t>You can turn-on/ turn-off a TV</a:t>
             </a:r>
           </a:p>
           <a:p>
             <a:r>
-              <a:rPr lang="en-US" altLang="zh-TW" dirty="0" smtClean="0"/>
+              <a:rPr lang="en-US" altLang="zh-TW" smtClean="0"/>
               <a:t>If Sony is a TV, then you can turn-on/turn-off a Sony.</a:t>
             </a:r>
           </a:p>
           <a:p>
             <a:r>
-              <a:rPr lang="en-US" altLang="zh-TW" dirty="0" smtClean="0"/>
+              <a:rPr lang="en-US" altLang="zh-TW" smtClean="0"/>
               <a:t>TV is an object, turn-on/turn-off is a function.</a:t>
             </a:r>
           </a:p>
           <a:p>
             <a:r>
-              <a:rPr lang="en-US" altLang="zh-TW" dirty="0" smtClean="0"/>
+              <a:rPr lang="en-US" altLang="zh-TW" smtClean="0"/>
               <a:t>Everything you say is a TV, you can turn-on/turn-off.</a:t>
             </a:r>
           </a:p>
@@ -10848,6 +11502,273 @@
           </a:p>
         </p:txBody>
       </p:sp>
+      <p:grpSp>
+        <p:nvGrpSpPr>
+          <p:cNvPr id="9" name="Group 8"/>
+          <p:cNvGrpSpPr/>
+          <p:nvPr/>
+        </p:nvGrpSpPr>
+        <p:grpSpPr>
+          <a:xfrm>
+            <a:off x="7110971" y="5118366"/>
+            <a:ext cx="1550345" cy="1550345"/>
+            <a:chOff x="6444208" y="620687"/>
+            <a:chExt cx="2016224" cy="2016224"/>
+          </a:xfrm>
+        </p:grpSpPr>
+        <p:pic>
+          <p:nvPicPr>
+            <p:cNvPr id="13" name="Picture 3"/>
+            <p:cNvPicPr>
+              <a:picLocks noChangeAspect="1" noChangeArrowheads="1"/>
+            </p:cNvPicPr>
+            <p:nvPr/>
+          </p:nvPicPr>
+          <p:blipFill>
+            <a:blip r:embed="rId2">
+              <a:extLst>
+                <a:ext uri="{28A0092B-C50C-407E-A947-70E740481C1C}">
+                  <a14:useLocalDpi xmlns:a14="http://schemas.microsoft.com/office/drawing/2010/main" val="0"/>
+                </a:ext>
+              </a:extLst>
+            </a:blip>
+            <a:srcRect/>
+            <a:stretch>
+              <a:fillRect/>
+            </a:stretch>
+          </p:blipFill>
+          <p:spPr bwMode="auto">
+            <a:xfrm>
+              <a:off x="6444208" y="620687"/>
+              <a:ext cx="2016224" cy="2016224"/>
+            </a:xfrm>
+            <a:prstGeom prst="rect">
+              <a:avLst/>
+            </a:prstGeom>
+            <a:noFill/>
+            <a:ln>
+              <a:noFill/>
+            </a:ln>
+            <a:effectLst/>
+            <a:extLst>
+              <a:ext uri="{909E8E84-426E-40DD-AFC4-6F175D3DCCD1}">
+                <a14:hiddenFill xmlns:a14="http://schemas.microsoft.com/office/drawing/2010/main">
+                  <a:solidFill>
+                    <a:schemeClr val="accent1"/>
+                  </a:solidFill>
+                </a14:hiddenFill>
+              </a:ext>
+              <a:ext uri="{91240B29-F687-4F45-9708-019B960494DF}">
+                <a14:hiddenLine xmlns:a14="http://schemas.microsoft.com/office/drawing/2010/main" w="9525">
+                  <a:solidFill>
+                    <a:schemeClr val="tx1"/>
+                  </a:solidFill>
+                  <a:miter lim="800000"/>
+                  <a:headEnd/>
+                  <a:tailEnd/>
+                </a14:hiddenLine>
+              </a:ext>
+              <a:ext uri="{AF507438-7753-43E0-B8FC-AC1667EBCBE1}">
+                <a14:hiddenEffects xmlns:a14="http://schemas.microsoft.com/office/drawing/2010/main">
+                  <a:effectLst>
+                    <a:outerShdw dist="35921" dir="2700000" algn="ctr" rotWithShape="0">
+                      <a:schemeClr val="bg2"/>
+                    </a:outerShdw>
+                  </a:effectLst>
+                </a14:hiddenEffects>
+              </a:ext>
+            </a:extLst>
+          </p:spPr>
+        </p:pic>
+        <p:pic>
+          <p:nvPicPr>
+            <p:cNvPr id="14" name="Picture 4"/>
+            <p:cNvPicPr>
+              <a:picLocks noChangeAspect="1" noChangeArrowheads="1"/>
+            </p:cNvPicPr>
+            <p:nvPr/>
+          </p:nvPicPr>
+          <p:blipFill>
+            <a:blip r:embed="rId3">
+              <a:extLst>
+                <a:ext uri="{28A0092B-C50C-407E-A947-70E740481C1C}">
+                  <a14:useLocalDpi xmlns:a14="http://schemas.microsoft.com/office/drawing/2010/main" val="0"/>
+                </a:ext>
+              </a:extLst>
+            </a:blip>
+            <a:srcRect/>
+            <a:stretch>
+              <a:fillRect/>
+            </a:stretch>
+          </p:blipFill>
+          <p:spPr bwMode="auto">
+            <a:xfrm>
+              <a:off x="7020272" y="1196752"/>
+              <a:ext cx="1233356" cy="684940"/>
+            </a:xfrm>
+            <a:prstGeom prst="rect">
+              <a:avLst/>
+            </a:prstGeom>
+            <a:noFill/>
+            <a:ln>
+              <a:noFill/>
+            </a:ln>
+            <a:effectLst/>
+            <a:extLst>
+              <a:ext uri="{909E8E84-426E-40DD-AFC4-6F175D3DCCD1}">
+                <a14:hiddenFill xmlns:a14="http://schemas.microsoft.com/office/drawing/2010/main">
+                  <a:solidFill>
+                    <a:schemeClr val="accent1"/>
+                  </a:solidFill>
+                </a14:hiddenFill>
+              </a:ext>
+              <a:ext uri="{91240B29-F687-4F45-9708-019B960494DF}">
+                <a14:hiddenLine xmlns:a14="http://schemas.microsoft.com/office/drawing/2010/main" w="9525">
+                  <a:solidFill>
+                    <a:schemeClr val="tx1"/>
+                  </a:solidFill>
+                  <a:miter lim="800000"/>
+                  <a:headEnd/>
+                  <a:tailEnd/>
+                </a14:hiddenLine>
+              </a:ext>
+              <a:ext uri="{AF507438-7753-43E0-B8FC-AC1667EBCBE1}">
+                <a14:hiddenEffects xmlns:a14="http://schemas.microsoft.com/office/drawing/2010/main">
+                  <a:effectLst>
+                    <a:outerShdw dist="35921" dir="2700000" algn="ctr" rotWithShape="0">
+                      <a:schemeClr val="bg2"/>
+                    </a:outerShdw>
+                  </a:effectLst>
+                </a14:hiddenEffects>
+              </a:ext>
+            </a:extLst>
+          </p:spPr>
+        </p:pic>
+      </p:grpSp>
+      <p:pic>
+        <p:nvPicPr>
+          <p:cNvPr id="10" name="圖片 1"/>
+          <p:cNvPicPr>
+            <a:picLocks noChangeAspect="1"/>
+          </p:cNvPicPr>
+          <p:nvPr/>
+        </p:nvPicPr>
+        <p:blipFill>
+          <a:blip r:embed="rId4" cstate="print">
+            <a:extLst>
+              <a:ext uri="{28A0092B-C50C-407E-A947-70E740481C1C}">
+                <a14:useLocalDpi xmlns:a14="http://schemas.microsoft.com/office/drawing/2010/main" val="0"/>
+              </a:ext>
+            </a:extLst>
+          </a:blip>
+          <a:stretch>
+            <a:fillRect/>
+          </a:stretch>
+        </p:blipFill>
+        <p:spPr>
+          <a:xfrm>
+            <a:off x="2180596" y="5307610"/>
+            <a:ext cx="1171857" cy="1171857"/>
+          </a:xfrm>
+          <a:prstGeom prst="rect">
+            <a:avLst/>
+          </a:prstGeom>
+        </p:spPr>
+      </p:pic>
+      <p:pic>
+        <p:nvPicPr>
+          <p:cNvPr id="11" name="Picture 3"/>
+          <p:cNvPicPr>
+            <a:picLocks noChangeAspect="1" noChangeArrowheads="1"/>
+          </p:cNvPicPr>
+          <p:nvPr/>
+        </p:nvPicPr>
+        <p:blipFill>
+          <a:blip r:embed="rId2">
+            <a:extLst>
+              <a:ext uri="{28A0092B-C50C-407E-A947-70E740481C1C}">
+                <a14:useLocalDpi xmlns:a14="http://schemas.microsoft.com/office/drawing/2010/main" val="0"/>
+              </a:ext>
+            </a:extLst>
+          </a:blip>
+          <a:srcRect/>
+          <a:stretch>
+            <a:fillRect/>
+          </a:stretch>
+        </p:blipFill>
+        <p:spPr bwMode="auto">
+          <a:xfrm>
+            <a:off x="3347305" y="5085184"/>
+            <a:ext cx="1550345" cy="1550345"/>
+          </a:xfrm>
+          <a:prstGeom prst="rect">
+            <a:avLst/>
+          </a:prstGeom>
+          <a:noFill/>
+          <a:ln>
+            <a:noFill/>
+          </a:ln>
+          <a:effectLst/>
+          <a:extLst>
+            <a:ext uri="{909E8E84-426E-40DD-AFC4-6F175D3DCCD1}">
+              <a14:hiddenFill xmlns:a14="http://schemas.microsoft.com/office/drawing/2010/main">
+                <a:solidFill>
+                  <a:schemeClr val="accent1"/>
+                </a:solidFill>
+              </a14:hiddenFill>
+            </a:ext>
+            <a:ext uri="{91240B29-F687-4F45-9708-019B960494DF}">
+              <a14:hiddenLine xmlns:a14="http://schemas.microsoft.com/office/drawing/2010/main" w="9525">
+                <a:solidFill>
+                  <a:schemeClr val="tx1"/>
+                </a:solidFill>
+                <a:miter lim="800000"/>
+                <a:headEnd/>
+                <a:tailEnd/>
+              </a14:hiddenLine>
+            </a:ext>
+            <a:ext uri="{AF507438-7753-43E0-B8FC-AC1667EBCBE1}">
+              <a14:hiddenEffects xmlns:a14="http://schemas.microsoft.com/office/drawing/2010/main">
+                <a:effectLst>
+                  <a:outerShdw dist="35921" dir="2700000" algn="ctr" rotWithShape="0">
+                    <a:schemeClr val="bg2"/>
+                  </a:outerShdw>
+                </a:effectLst>
+              </a14:hiddenEffects>
+            </a:ext>
+          </a:extLst>
+        </p:spPr>
+      </p:pic>
+      <p:pic>
+        <p:nvPicPr>
+          <p:cNvPr id="12" name="圖片 1"/>
+          <p:cNvPicPr>
+            <a:picLocks noChangeAspect="1"/>
+          </p:cNvPicPr>
+          <p:nvPr/>
+        </p:nvPicPr>
+        <p:blipFill>
+          <a:blip r:embed="rId4" cstate="print">
+            <a:extLst>
+              <a:ext uri="{28A0092B-C50C-407E-A947-70E740481C1C}">
+                <a14:useLocalDpi xmlns:a14="http://schemas.microsoft.com/office/drawing/2010/main" val="0"/>
+              </a:ext>
+            </a:extLst>
+          </a:blip>
+          <a:stretch>
+            <a:fillRect/>
+          </a:stretch>
+        </p:blipFill>
+        <p:spPr>
+          <a:xfrm>
+            <a:off x="5930309" y="5307610"/>
+            <a:ext cx="1171857" cy="1171857"/>
+          </a:xfrm>
+          <a:prstGeom prst="rect">
+            <a:avLst/>
+          </a:prstGeom>
+        </p:spPr>
+      </p:pic>
     </p:spTree>
     <p:extLst>
       <p:ext uri="{BB962C8B-B14F-4D97-AF65-F5344CB8AC3E}">
@@ -10860,10 +11781,14 @@
   </p:clrMapOvr>
   <mc:AlternateContent xmlns:mc="http://schemas.openxmlformats.org/markup-compatibility/2006" xmlns:p14="http://schemas.microsoft.com/office/powerpoint/2010/main">
     <mc:Choice Requires="p14">
-      <p:transition spd="slow" p14:dur="2000"/>
+      <p:transition spd="slow" p14:dur="1500">
+        <p:random/>
+      </p:transition>
     </mc:Choice>
     <mc:Fallback xmlns="">
-      <p:transition spd="slow"/>
+      <p:transition spd="slow">
+        <p:random/>
+      </p:transition>
     </mc:Fallback>
   </mc:AlternateContent>
 </p:sld>
@@ -10902,8 +11827,8 @@
           <a:lstStyle/>
           <a:p>
             <a:r>
-              <a:rPr lang="en-US" dirty="0" smtClean="0"/>
-              <a:t>Abstract</a:t>
+              <a:rPr lang="en-US" smtClean="0"/>
+              <a:t>Interface</a:t>
             </a:r>
             <a:endParaRPr lang="en-US" dirty="0"/>
           </a:p>
@@ -10925,31 +11850,21 @@
           <a:lstStyle/>
           <a:p>
             <a:r>
-              <a:rPr lang="en-US" dirty="0"/>
-              <a:t>An abstract class is a mix between an interface and a class. It can define functionality as well as interface (in the form of abstract methods). Classes extending an abstract class </a:t>
-            </a:r>
-            <a:r>
-              <a:rPr lang="en-US" b="1" dirty="0"/>
-              <a:t>must</a:t>
-            </a:r>
-            <a:r>
-              <a:rPr lang="en-US" dirty="0"/>
-              <a:t> implement all of the abstract methods defined in the abstract class</a:t>
-            </a:r>
-            <a:r>
-              <a:rPr lang="en-US" dirty="0" smtClean="0"/>
-              <a:t>.</a:t>
-            </a:r>
-            <a:endParaRPr lang="en-US" altLang="en-US" dirty="0" smtClean="0"/>
-          </a:p>
-          <a:p>
-            <a:r>
-              <a:rPr lang="en-US" altLang="en-US" dirty="0" smtClean="0"/>
-              <a:t>t</a:t>
-            </a:r>
-            <a:r>
-              <a:rPr lang="en-US" altLang="en-US" dirty="0" smtClean="0"/>
-              <a:t>v23.php</a:t>
+              <a:rPr lang="en-US" smtClean="0"/>
+              <a:t>An interface is similar to a class except that it cannot contain code. An interface can define method names and arguments, but not the contents of the methods. Any classes implementing an interface must implement all methods defined by the interface. A class can implement multiple interfaces.</a:t>
+            </a:r>
+          </a:p>
+          <a:p>
+            <a:r>
+              <a:rPr lang="en-US" smtClean="0"/>
+              <a:t>Delete any method will cause error.</a:t>
+            </a:r>
+            <a:endParaRPr lang="en-US" altLang="en-US" smtClean="0"/>
+          </a:p>
+          <a:p>
+            <a:r>
+              <a:rPr lang="en-US" altLang="en-US" smtClean="0"/>
+              <a:t>tv22.php</a:t>
             </a:r>
             <a:endParaRPr lang="en-US" altLang="en-US" dirty="0"/>
           </a:p>
@@ -10958,7 +11873,7 @@
     </p:spTree>
     <p:extLst>
       <p:ext uri="{BB962C8B-B14F-4D97-AF65-F5344CB8AC3E}">
-        <p14:creationId xmlns:p14="http://schemas.microsoft.com/office/powerpoint/2010/main" val="1436508440"/>
+        <p14:creationId xmlns:p14="http://schemas.microsoft.com/office/powerpoint/2010/main" val="718809545"/>
       </p:ext>
     </p:extLst>
   </p:cSld>
@@ -10967,12 +11882,23 @@
   </p:clrMapOvr>
   <mc:AlternateContent xmlns:mc="http://schemas.openxmlformats.org/markup-compatibility/2006" xmlns:p14="http://schemas.microsoft.com/office/powerpoint/2010/main">
     <mc:Choice Requires="p14">
-      <p:transition spd="slow" p14:dur="2000"/>
+      <p:transition spd="slow" p14:dur="1500">
+        <p:random/>
+      </p:transition>
     </mc:Choice>
     <mc:Fallback xmlns="">
-      <p:transition spd="slow"/>
+      <p:transition spd="slow">
+        <p:random/>
+      </p:transition>
     </mc:Fallback>
   </mc:AlternateContent>
+  <p:timing>
+    <p:tnLst>
+      <p:par>
+        <p:cTn id="1" dur="indefinite" restart="never" nodeType="tmRoot"/>
+      </p:par>
+    </p:tnLst>
+  </p:timing>
 </p:sld>
 </file>
 
@@ -11009,12 +11935,8 @@
           <a:lstStyle/>
           <a:p>
             <a:r>
-              <a:rPr lang="en-US" dirty="0" smtClean="0"/>
-              <a:t>Concept </a:t>
-            </a:r>
-            <a:r>
-              <a:rPr lang="en-US" dirty="0" smtClean="0"/>
-              <a:t>3</a:t>
+              <a:rPr lang="en-US" smtClean="0"/>
+              <a:t>Abstract</a:t>
             </a:r>
             <a:endParaRPr lang="en-US" dirty="0"/>
           </a:p>
@@ -11036,25 +11958,24 @@
           <a:lstStyle/>
           <a:p>
             <a:r>
-              <a:rPr lang="en-US" altLang="en-US" dirty="0" smtClean="0"/>
-              <a:t>Polymorphism </a:t>
-            </a:r>
-            <a:r>
-              <a:rPr lang="en-US" altLang="en-US" dirty="0" smtClean="0"/>
-              <a:t>– allows a class to be defined as being a member of more than one category of classes (EG. a car is “a thing with engine” and also “a thing with wheels</a:t>
-            </a:r>
-            <a:r>
-              <a:rPr lang="en-US" altLang="en-US" dirty="0" smtClean="0"/>
-              <a:t>”)</a:t>
-            </a:r>
-            <a:endParaRPr lang="en-US" altLang="en-US" dirty="0" smtClean="0"/>
+              <a:rPr lang="en-US" smtClean="0"/>
+              <a:t>An abstract class is a mix between an interface and a class. It can define functionality as well as interface (in the form of abstract methods). Classes extending an abstract class must implement all of the abstract methods defined in the abstract class.</a:t>
+            </a:r>
+            <a:endParaRPr lang="en-US" altLang="en-US" smtClean="0"/>
+          </a:p>
+          <a:p>
+            <a:r>
+              <a:rPr lang="en-US" altLang="en-US" smtClean="0"/>
+              <a:t>tv23.php</a:t>
+            </a:r>
+            <a:endParaRPr lang="en-US" altLang="en-US" dirty="0"/>
           </a:p>
         </p:txBody>
       </p:sp>
     </p:spTree>
     <p:extLst>
       <p:ext uri="{BB962C8B-B14F-4D97-AF65-F5344CB8AC3E}">
-        <p14:creationId xmlns:p14="http://schemas.microsoft.com/office/powerpoint/2010/main" val="1386191506"/>
+        <p14:creationId xmlns:p14="http://schemas.microsoft.com/office/powerpoint/2010/main" val="1436508440"/>
       </p:ext>
     </p:extLst>
   </p:cSld>
@@ -11063,12 +11984,23 @@
   </p:clrMapOvr>
   <mc:AlternateContent xmlns:mc="http://schemas.openxmlformats.org/markup-compatibility/2006" xmlns:p14="http://schemas.microsoft.com/office/powerpoint/2010/main">
     <mc:Choice Requires="p14">
-      <p:transition spd="slow" p14:dur="2000"/>
+      <p:transition spd="slow" p14:dur="1500">
+        <p:random/>
+      </p:transition>
     </mc:Choice>
     <mc:Fallback xmlns="">
-      <p:transition spd="slow"/>
+      <p:transition spd="slow">
+        <p:random/>
+      </p:transition>
     </mc:Fallback>
   </mc:AlternateContent>
+  <p:timing>
+    <p:tnLst>
+      <p:par>
+        <p:cTn id="1" dur="indefinite" restart="never" nodeType="tmRoot"/>
+      </p:par>
+    </p:tnLst>
+  </p:timing>
 </p:sld>
 </file>
 
@@ -11105,8 +12037,8 @@
           <a:lstStyle/>
           <a:p>
             <a:r>
-              <a:rPr lang="en-US" dirty="0" smtClean="0"/>
-              <a:t>Example</a:t>
+              <a:rPr lang="en-US" smtClean="0"/>
+              <a:t>Concept 3</a:t>
             </a:r>
             <a:endParaRPr lang="en-US" dirty="0"/>
           </a:p>
@@ -11128,46 +12060,209 @@
           <a:lstStyle/>
           <a:p>
             <a:r>
-              <a:rPr lang="en-US" altLang="zh-TW" dirty="0" smtClean="0"/>
-              <a:t>Search </a:t>
-            </a:r>
-            <a:r>
-              <a:rPr lang="zh-TW" altLang="en-US" dirty="0" smtClean="0"/>
-              <a:t>農曆 </a:t>
-            </a:r>
-            <a:r>
-              <a:rPr lang="en-US" altLang="en-US" dirty="0" err="1"/>
-              <a:t>php</a:t>
-            </a:r>
-            <a:endParaRPr lang="en-US" altLang="en-US" dirty="0"/>
-          </a:p>
-          <a:p>
-            <a:r>
-              <a:rPr lang="en-US" altLang="en-US" dirty="0" smtClean="0"/>
-              <a:t>https</a:t>
-            </a:r>
-            <a:r>
-              <a:rPr lang="en-US" altLang="en-US" dirty="0"/>
-              <a:t>://</a:t>
-            </a:r>
-            <a:r>
-              <a:rPr lang="en-US" altLang="en-US" dirty="0" smtClean="0"/>
-              <a:t>gist.github.com/eagleon/1702129</a:t>
-            </a:r>
-          </a:p>
-          <a:p>
-            <a:r>
-              <a:rPr lang="en-US" altLang="en-US" dirty="0" err="1" smtClean="0"/>
-              <a:t>cal.php</a:t>
-            </a:r>
-            <a:endParaRPr lang="en-US" altLang="en-US" dirty="0"/>
-          </a:p>
-        </p:txBody>
-      </p:sp>
+              <a:rPr lang="en-US" altLang="en-US" smtClean="0"/>
+              <a:t>Polymorphism – allows a class to be defined as being a member of more than one category of classes (EG. a car is “a thing with engine” and also “a thing with wheels”)</a:t>
+            </a:r>
+            <a:endParaRPr lang="en-US" altLang="en-US" dirty="0" smtClean="0"/>
+          </a:p>
+        </p:txBody>
+      </p:sp>
+      <p:pic>
+        <p:nvPicPr>
+          <p:cNvPr id="15362" name="Picture 2"/>
+          <p:cNvPicPr>
+            <a:picLocks noChangeAspect="1" noChangeArrowheads="1"/>
+          </p:cNvPicPr>
+          <p:nvPr/>
+        </p:nvPicPr>
+        <p:blipFill>
+          <a:blip r:embed="rId2" cstate="print">
+            <a:extLst>
+              <a:ext uri="{28A0092B-C50C-407E-A947-70E740481C1C}">
+                <a14:useLocalDpi xmlns:a14="http://schemas.microsoft.com/office/drawing/2010/main" val="0"/>
+              </a:ext>
+            </a:extLst>
+          </a:blip>
+          <a:srcRect/>
+          <a:stretch>
+            <a:fillRect/>
+          </a:stretch>
+        </p:blipFill>
+        <p:spPr bwMode="auto">
+          <a:xfrm>
+            <a:off x="899592" y="1700808"/>
+            <a:ext cx="2592288" cy="1944216"/>
+          </a:xfrm>
+          <a:prstGeom prst="rect">
+            <a:avLst/>
+          </a:prstGeom>
+          <a:noFill/>
+          <a:ln>
+            <a:noFill/>
+          </a:ln>
+          <a:effectLst/>
+          <a:extLst>
+            <a:ext uri="{909E8E84-426E-40DD-AFC4-6F175D3DCCD1}">
+              <a14:hiddenFill xmlns:a14="http://schemas.microsoft.com/office/drawing/2010/main">
+                <a:solidFill>
+                  <a:schemeClr val="accent1"/>
+                </a:solidFill>
+              </a14:hiddenFill>
+            </a:ext>
+            <a:ext uri="{91240B29-F687-4F45-9708-019B960494DF}">
+              <a14:hiddenLine xmlns:a14="http://schemas.microsoft.com/office/drawing/2010/main" w="9525">
+                <a:solidFill>
+                  <a:schemeClr val="tx1"/>
+                </a:solidFill>
+                <a:miter lim="800000"/>
+                <a:headEnd/>
+                <a:tailEnd/>
+              </a14:hiddenLine>
+            </a:ext>
+            <a:ext uri="{AF507438-7753-43E0-B8FC-AC1667EBCBE1}">
+              <a14:hiddenEffects xmlns:a14="http://schemas.microsoft.com/office/drawing/2010/main">
+                <a:effectLst>
+                  <a:outerShdw dist="35921" dir="2700000" algn="ctr" rotWithShape="0">
+                    <a:schemeClr val="bg2"/>
+                  </a:outerShdw>
+                </a:effectLst>
+              </a14:hiddenEffects>
+            </a:ext>
+          </a:extLst>
+        </p:spPr>
+      </p:pic>
+      <p:pic>
+        <p:nvPicPr>
+          <p:cNvPr id="15363" name="Picture 3"/>
+          <p:cNvPicPr>
+            <a:picLocks noChangeAspect="1" noChangeArrowheads="1"/>
+          </p:cNvPicPr>
+          <p:nvPr/>
+        </p:nvPicPr>
+        <p:blipFill>
+          <a:blip r:embed="rId3">
+            <a:extLst>
+              <a:ext uri="{28A0092B-C50C-407E-A947-70E740481C1C}">
+                <a14:useLocalDpi xmlns:a14="http://schemas.microsoft.com/office/drawing/2010/main" val="0"/>
+              </a:ext>
+            </a:extLst>
+          </a:blip>
+          <a:srcRect/>
+          <a:stretch>
+            <a:fillRect/>
+          </a:stretch>
+        </p:blipFill>
+        <p:spPr bwMode="auto">
+          <a:xfrm>
+            <a:off x="6063894" y="1680226"/>
+            <a:ext cx="2532789" cy="1985380"/>
+          </a:xfrm>
+          <a:prstGeom prst="rect">
+            <a:avLst/>
+          </a:prstGeom>
+          <a:noFill/>
+          <a:ln>
+            <a:noFill/>
+          </a:ln>
+          <a:effectLst/>
+          <a:extLst>
+            <a:ext uri="{909E8E84-426E-40DD-AFC4-6F175D3DCCD1}">
+              <a14:hiddenFill xmlns:a14="http://schemas.microsoft.com/office/drawing/2010/main">
+                <a:solidFill>
+                  <a:schemeClr val="accent1"/>
+                </a:solidFill>
+              </a14:hiddenFill>
+            </a:ext>
+            <a:ext uri="{91240B29-F687-4F45-9708-019B960494DF}">
+              <a14:hiddenLine xmlns:a14="http://schemas.microsoft.com/office/drawing/2010/main" w="9525">
+                <a:solidFill>
+                  <a:schemeClr val="tx1"/>
+                </a:solidFill>
+                <a:miter lim="800000"/>
+                <a:headEnd/>
+                <a:tailEnd/>
+              </a14:hiddenLine>
+            </a:ext>
+            <a:ext uri="{AF507438-7753-43E0-B8FC-AC1667EBCBE1}">
+              <a14:hiddenEffects xmlns:a14="http://schemas.microsoft.com/office/drawing/2010/main">
+                <a:effectLst>
+                  <a:outerShdw dist="35921" dir="2700000" algn="ctr" rotWithShape="0">
+                    <a:schemeClr val="bg2"/>
+                  </a:outerShdw>
+                </a:effectLst>
+              </a14:hiddenEffects>
+            </a:ext>
+          </a:extLst>
+        </p:spPr>
+      </p:pic>
+      <p:pic>
+        <p:nvPicPr>
+          <p:cNvPr id="15364" name="Picture 4"/>
+          <p:cNvPicPr>
+            <a:picLocks noChangeAspect="1" noChangeArrowheads="1"/>
+          </p:cNvPicPr>
+          <p:nvPr/>
+        </p:nvPicPr>
+        <p:blipFill>
+          <a:blip r:embed="rId4">
+            <a:extLst>
+              <a:ext uri="{28A0092B-C50C-407E-A947-70E740481C1C}">
+                <a14:useLocalDpi xmlns:a14="http://schemas.microsoft.com/office/drawing/2010/main" val="0"/>
+              </a:ext>
+            </a:extLst>
+          </a:blip>
+          <a:srcRect/>
+          <a:stretch>
+            <a:fillRect/>
+          </a:stretch>
+        </p:blipFill>
+        <p:spPr bwMode="auto">
+          <a:xfrm>
+            <a:off x="3782458" y="2571799"/>
+            <a:ext cx="1941670" cy="1093807"/>
+          </a:xfrm>
+          <a:prstGeom prst="rect">
+            <a:avLst/>
+          </a:prstGeom>
+          <a:noFill/>
+          <a:ln>
+            <a:noFill/>
+          </a:ln>
+          <a:effectLst/>
+          <a:extLst>
+            <a:ext uri="{909E8E84-426E-40DD-AFC4-6F175D3DCCD1}">
+              <a14:hiddenFill xmlns:a14="http://schemas.microsoft.com/office/drawing/2010/main">
+                <a:solidFill>
+                  <a:schemeClr val="accent1"/>
+                </a:solidFill>
+              </a14:hiddenFill>
+            </a:ext>
+            <a:ext uri="{91240B29-F687-4F45-9708-019B960494DF}">
+              <a14:hiddenLine xmlns:a14="http://schemas.microsoft.com/office/drawing/2010/main" w="9525">
+                <a:solidFill>
+                  <a:schemeClr val="tx1"/>
+                </a:solidFill>
+                <a:miter lim="800000"/>
+                <a:headEnd/>
+                <a:tailEnd/>
+              </a14:hiddenLine>
+            </a:ext>
+            <a:ext uri="{AF507438-7753-43E0-B8FC-AC1667EBCBE1}">
+              <a14:hiddenEffects xmlns:a14="http://schemas.microsoft.com/office/drawing/2010/main">
+                <a:effectLst>
+                  <a:outerShdw dist="35921" dir="2700000" algn="ctr" rotWithShape="0">
+                    <a:schemeClr val="bg2"/>
+                  </a:outerShdw>
+                </a:effectLst>
+              </a14:hiddenEffects>
+            </a:ext>
+          </a:extLst>
+        </p:spPr>
+      </p:pic>
     </p:spTree>
     <p:extLst>
       <p:ext uri="{BB962C8B-B14F-4D97-AF65-F5344CB8AC3E}">
-        <p14:creationId xmlns:p14="http://schemas.microsoft.com/office/powerpoint/2010/main" val="1818038686"/>
+        <p14:creationId xmlns:p14="http://schemas.microsoft.com/office/powerpoint/2010/main" val="1386191506"/>
       </p:ext>
     </p:extLst>
   </p:cSld>
@@ -11176,10 +12271,14 @@
   </p:clrMapOvr>
   <mc:AlternateContent xmlns:mc="http://schemas.openxmlformats.org/markup-compatibility/2006" xmlns:p14="http://schemas.microsoft.com/office/powerpoint/2010/main">
     <mc:Choice Requires="p14">
-      <p:transition spd="slow" p14:dur="2000"/>
+      <p:transition spd="slow" p14:dur="1500">
+        <p:random/>
+      </p:transition>
     </mc:Choice>
     <mc:Fallback xmlns="">
-      <p:transition spd="slow"/>
+      <p:transition spd="slow">
+        <p:random/>
+      </p:transition>
     </mc:Fallback>
   </mc:AlternateContent>
 </p:sld>
@@ -11245,42 +12344,72 @@
               <a:t>Search </a:t>
             </a:r>
             <a:r>
+              <a:rPr lang="zh-TW" altLang="en-US" dirty="0" smtClean="0"/>
+              <a:t>農曆 </a:t>
+            </a:r>
+            <a:r>
+              <a:rPr lang="en-US" altLang="en-US" dirty="0" err="1"/>
+              <a:t>php</a:t>
+            </a:r>
+            <a:endParaRPr lang="en-US" altLang="en-US" dirty="0"/>
+          </a:p>
+          <a:p>
+            <a:r>
+              <a:rPr lang="en-US" altLang="en-US" dirty="0" smtClean="0"/>
+              <a:t>https</a:t>
+            </a:r>
+            <a:r>
+              <a:rPr lang="en-US" altLang="en-US" dirty="0"/>
+              <a:t>://</a:t>
+            </a:r>
+            <a:r>
+              <a:rPr lang="en-US" altLang="en-US" dirty="0" smtClean="0"/>
+              <a:t>gist.github.com/eagleon/1702129</a:t>
+            </a:r>
+          </a:p>
+          <a:p>
+            <a:r>
               <a:rPr lang="en-US" altLang="en-US" dirty="0" err="1" smtClean="0"/>
-              <a:t>php</a:t>
-            </a:r>
-            <a:r>
-              <a:rPr lang="en-US" altLang="en-US" dirty="0" smtClean="0"/>
-              <a:t> </a:t>
-            </a:r>
-            <a:r>
-              <a:rPr lang="en-US" altLang="en-US" dirty="0" err="1" smtClean="0"/>
-              <a:t>pdf</a:t>
+              <a:t>cal.php</a:t>
             </a:r>
             <a:endParaRPr lang="en-US" altLang="en-US" dirty="0"/>
           </a:p>
-          <a:p>
-            <a:r>
-              <a:rPr lang="en-US" altLang="en-US" dirty="0"/>
-              <a:t>http://www.fpdf.org</a:t>
-            </a:r>
-            <a:r>
-              <a:rPr lang="en-US" altLang="en-US" dirty="0" smtClean="0"/>
-              <a:t>/</a:t>
-            </a:r>
-          </a:p>
-          <a:p>
-            <a:r>
-              <a:rPr lang="en-US" altLang="en-US" smtClean="0"/>
-              <a:t>pdf.php</a:t>
-            </a:r>
-            <a:endParaRPr lang="en-US" altLang="en-US" dirty="0"/>
-          </a:p>
-        </p:txBody>
-      </p:sp>
+        </p:txBody>
+      </p:sp>
+      <p:pic>
+        <p:nvPicPr>
+          <p:cNvPr id="3" name="圖片 2"/>
+          <p:cNvPicPr>
+            <a:picLocks noChangeAspect="1"/>
+          </p:cNvPicPr>
+          <p:nvPr/>
+        </p:nvPicPr>
+        <p:blipFill>
+          <a:blip r:embed="rId2">
+            <a:extLst>
+              <a:ext uri="{28A0092B-C50C-407E-A947-70E740481C1C}">
+                <a14:useLocalDpi xmlns:a14="http://schemas.microsoft.com/office/drawing/2010/main" val="0"/>
+              </a:ext>
+            </a:extLst>
+          </a:blip>
+          <a:stretch>
+            <a:fillRect/>
+          </a:stretch>
+        </p:blipFill>
+        <p:spPr>
+          <a:xfrm>
+            <a:off x="6588224" y="4576564"/>
+            <a:ext cx="2281436" cy="2281436"/>
+          </a:xfrm>
+          <a:prstGeom prst="rect">
+            <a:avLst/>
+          </a:prstGeom>
+        </p:spPr>
+      </p:pic>
     </p:spTree>
     <p:extLst>
       <p:ext uri="{BB962C8B-B14F-4D97-AF65-F5344CB8AC3E}">
-        <p14:creationId xmlns:p14="http://schemas.microsoft.com/office/powerpoint/2010/main" val="1378866086"/>
+        <p14:creationId xmlns:p14="http://schemas.microsoft.com/office/powerpoint/2010/main" val="244877666"/>
       </p:ext>
     </p:extLst>
   </p:cSld>
@@ -11289,10 +12418,14 @@
   </p:clrMapOvr>
   <mc:AlternateContent xmlns:mc="http://schemas.openxmlformats.org/markup-compatibility/2006" xmlns:p14="http://schemas.microsoft.com/office/powerpoint/2010/main">
     <mc:Choice Requires="p14">
-      <p:transition spd="slow" p14:dur="2000"/>
+      <p:transition spd="slow" p14:dur="1500">
+        <p:random/>
+      </p:transition>
     </mc:Choice>
     <mc:Fallback xmlns="">
-      <p:transition spd="slow"/>
+      <p:transition spd="slow">
+        <p:random/>
+      </p:transition>
     </mc:Fallback>
   </mc:AlternateContent>
 </p:sld>
@@ -11317,56 +12450,283 @@
       </p:grpSpPr>
       <p:sp>
         <p:nvSpPr>
-          <p:cNvPr id="24578" name="Rectangle 2"/>
-          <p:cNvSpPr>
-            <a:spLocks noGrp="1" noChangeArrowheads="1"/>
-          </p:cNvSpPr>
-          <p:nvPr>
-            <p:ph type="ctrTitle"/>
-          </p:nvPr>
-        </p:nvSpPr>
+          <p:cNvPr id="2" name="Title 1"/>
+          <p:cNvSpPr>
+            <a:spLocks noGrp="1"/>
+          </p:cNvSpPr>
+          <p:nvPr>
+            <p:ph type="title"/>
+          </p:nvPr>
+        </p:nvSpPr>
+        <p:spPr/>
+        <p:txBody>
+          <a:bodyPr/>
+          <a:lstStyle/>
+          <a:p>
+            <a:r>
+              <a:rPr lang="en-US" dirty="0" smtClean="0"/>
+              <a:t>Example</a:t>
+            </a:r>
+            <a:endParaRPr lang="en-US" dirty="0"/>
+          </a:p>
+        </p:txBody>
+      </p:sp>
+      <p:sp>
+        <p:nvSpPr>
+          <p:cNvPr id="18435" name="Content Placeholder 2"/>
+          <p:cNvSpPr>
+            <a:spLocks noGrp="1"/>
+          </p:cNvSpPr>
+          <p:nvPr>
+            <p:ph sz="quarter" idx="1"/>
+          </p:nvPr>
+        </p:nvSpPr>
+        <p:spPr/>
+        <p:txBody>
+          <a:bodyPr/>
+          <a:lstStyle/>
+          <a:p>
+            <a:r>
+              <a:rPr lang="en-US" altLang="zh-TW" dirty="0" smtClean="0"/>
+              <a:t>Search </a:t>
+            </a:r>
+            <a:r>
+              <a:rPr lang="en-US" altLang="en-US" dirty="0" err="1" smtClean="0"/>
+              <a:t>php</a:t>
+            </a:r>
+            <a:r>
+              <a:rPr lang="en-US" altLang="en-US" dirty="0" smtClean="0"/>
+              <a:t> </a:t>
+            </a:r>
+            <a:r>
+              <a:rPr lang="en-US" altLang="en-US" dirty="0" err="1" smtClean="0"/>
+              <a:t>pdf</a:t>
+            </a:r>
+            <a:endParaRPr lang="en-US" altLang="en-US" dirty="0"/>
+          </a:p>
+          <a:p>
+            <a:r>
+              <a:rPr lang="en-US" altLang="en-US" dirty="0"/>
+              <a:t>http://www.fpdf.org</a:t>
+            </a:r>
+            <a:r>
+              <a:rPr lang="en-US" altLang="en-US" dirty="0" smtClean="0"/>
+              <a:t>/</a:t>
+            </a:r>
+          </a:p>
+          <a:p>
+            <a:r>
+              <a:rPr lang="en-US" altLang="en-US" dirty="0" err="1" smtClean="0"/>
+              <a:t>pdf.php</a:t>
+            </a:r>
+            <a:endParaRPr lang="en-US" altLang="en-US" dirty="0"/>
+          </a:p>
+        </p:txBody>
+      </p:sp>
+      <p:pic>
+        <p:nvPicPr>
+          <p:cNvPr id="3" name="圖片 2"/>
+          <p:cNvPicPr>
+            <a:picLocks noChangeAspect="1"/>
+          </p:cNvPicPr>
+          <p:nvPr/>
+        </p:nvPicPr>
+        <p:blipFill>
+          <a:blip r:embed="rId2" cstate="print">
+            <a:extLst>
+              <a:ext uri="{28A0092B-C50C-407E-A947-70E740481C1C}">
+                <a14:useLocalDpi xmlns:a14="http://schemas.microsoft.com/office/drawing/2010/main" val="0"/>
+              </a:ext>
+            </a:extLst>
+          </a:blip>
+          <a:stretch>
+            <a:fillRect/>
+          </a:stretch>
+        </p:blipFill>
         <p:spPr>
           <a:xfrm>
-            <a:off x="1739900" y="914400"/>
-            <a:ext cx="6946900" cy="3487738"/>
+            <a:off x="6948264" y="4725144"/>
+            <a:ext cx="1844711" cy="1844711"/>
           </a:xfrm>
+          <a:prstGeom prst="rect">
+            <a:avLst/>
+          </a:prstGeom>
         </p:spPr>
+      </p:pic>
+    </p:spTree>
+    <p:extLst>
+      <p:ext uri="{BB962C8B-B14F-4D97-AF65-F5344CB8AC3E}">
+        <p14:creationId xmlns:p14="http://schemas.microsoft.com/office/powerpoint/2010/main" val="1080264810"/>
+      </p:ext>
+    </p:extLst>
+  </p:cSld>
+  <p:clrMapOvr>
+    <a:masterClrMapping/>
+  </p:clrMapOvr>
+  <mc:AlternateContent xmlns:mc="http://schemas.openxmlformats.org/markup-compatibility/2006" xmlns:p14="http://schemas.microsoft.com/office/powerpoint/2010/main">
+    <mc:Choice Requires="p14">
+      <p:transition spd="slow" p14:dur="1500">
+        <p:random/>
+      </p:transition>
+    </mc:Choice>
+    <mc:Fallback xmlns="">
+      <p:transition spd="slow">
+        <p:random/>
+      </p:transition>
+    </mc:Fallback>
+  </mc:AlternateContent>
+</p:sld>
+</file>
+
+<file path=ppt/slides/slide35.xml><?xml version="1.0" encoding="utf-8"?>
+<p:sld xmlns:a="http://schemas.openxmlformats.org/drawingml/2006/main" xmlns:r="http://schemas.openxmlformats.org/officeDocument/2006/relationships" xmlns:p="http://schemas.openxmlformats.org/presentationml/2006/main">
+  <p:cSld>
+    <p:spTree>
+      <p:nvGrpSpPr>
+        <p:cNvPr id="1" name=""/>
+        <p:cNvGrpSpPr/>
+        <p:nvPr/>
+      </p:nvGrpSpPr>
+      <p:grpSpPr>
+        <a:xfrm>
+          <a:off x="0" y="0"/>
+          <a:ext cx="0" cy="0"/>
+          <a:chOff x="0" y="0"/>
+          <a:chExt cx="0" cy="0"/>
+        </a:xfrm>
+      </p:grpSpPr>
+      <p:sp>
+        <p:nvSpPr>
+          <p:cNvPr id="2" name="Title 1"/>
+          <p:cNvSpPr>
+            <a:spLocks noGrp="1"/>
+          </p:cNvSpPr>
+          <p:nvPr>
+            <p:ph type="title"/>
+          </p:nvPr>
+        </p:nvSpPr>
+        <p:spPr/>
         <p:txBody>
           <a:bodyPr/>
           <a:lstStyle/>
           <a:p>
             <a:r>
-              <a:rPr lang="en-US" altLang="zh-TW">
-                <a:ln>
-                  <a:noFill/>
-                </a:ln>
-              </a:rPr>
-              <a:t>QUESTIONS</a:t>
-            </a:r>
-          </a:p>
-        </p:txBody>
-      </p:sp>
-      <p:sp>
-        <p:nvSpPr>
-          <p:cNvPr id="24579" name="Subtitle 2"/>
-          <p:cNvSpPr>
-            <a:spLocks noGrp="1"/>
-          </p:cNvSpPr>
-          <p:nvPr>
-            <p:ph type="subTitle" idx="1"/>
-          </p:nvPr>
-        </p:nvSpPr>
-        <p:spPr>
-          <a:xfrm>
-            <a:off x="2924175" y="4402138"/>
-            <a:ext cx="5762625" cy="1365250"/>
-          </a:xfrm>
-        </p:spPr>
+              <a:rPr lang="en-US" smtClean="0"/>
+              <a:t>References</a:t>
+            </a:r>
+            <a:endParaRPr lang="en-US" dirty="0"/>
+          </a:p>
+        </p:txBody>
+      </p:sp>
+      <p:sp>
+        <p:nvSpPr>
+          <p:cNvPr id="3" name="Content Placeholder 2"/>
+          <p:cNvSpPr>
+            <a:spLocks noGrp="1"/>
+          </p:cNvSpPr>
+          <p:nvPr>
+            <p:ph idx="1"/>
+          </p:nvPr>
+        </p:nvSpPr>
+        <p:spPr/>
         <p:txBody>
           <a:bodyPr/>
           <a:lstStyle/>
           <a:p>
-            <a:endParaRPr lang="zh-HK" altLang="en-US"/>
+            <a:r>
+              <a:rPr lang="mr-IN" smtClean="0">
+                <a:hlinkClick r:id="rId2"/>
+              </a:rPr>
+              <a:t>http://newaurora.pixnet.net/blog/post/190301967-static%E8%AE%8A%E6%95%B8%E3%80%81public%E8%AE%8A%E6%95%B8%E3%80%81private%E8%AE%8A%E6%95%B8%E3%80%81protected%E8%AE%8A</a:t>
+            </a:r>
+            <a:endParaRPr lang="en-US" smtClean="0"/>
+          </a:p>
+          <a:p>
+            <a:endParaRPr lang="en-US" dirty="0"/>
+          </a:p>
+        </p:txBody>
+      </p:sp>
+    </p:spTree>
+    <p:extLst>
+      <p:ext uri="{BB962C8B-B14F-4D97-AF65-F5344CB8AC3E}">
+        <p14:creationId xmlns:p14="http://schemas.microsoft.com/office/powerpoint/2010/main" val="843557812"/>
+      </p:ext>
+    </p:extLst>
+  </p:cSld>
+  <p:clrMapOvr>
+    <a:masterClrMapping/>
+  </p:clrMapOvr>
+  <mc:AlternateContent xmlns:mc="http://schemas.openxmlformats.org/markup-compatibility/2006" xmlns:p14="http://schemas.microsoft.com/office/powerpoint/2010/main">
+    <mc:Choice Requires="p14">
+      <p:transition spd="slow" p14:dur="1500">
+        <p:random/>
+      </p:transition>
+    </mc:Choice>
+    <mc:Fallback xmlns="">
+      <p:transition spd="slow">
+        <p:random/>
+      </p:transition>
+    </mc:Fallback>
+  </mc:AlternateContent>
+</p:sld>
+</file>
+
+<file path=ppt/slides/slide36.xml><?xml version="1.0" encoding="utf-8"?>
+<p:sld xmlns:a="http://schemas.openxmlformats.org/drawingml/2006/main" xmlns:r="http://schemas.openxmlformats.org/officeDocument/2006/relationships" xmlns:p="http://schemas.openxmlformats.org/presentationml/2006/main">
+  <p:cSld>
+    <p:spTree>
+      <p:nvGrpSpPr>
+        <p:cNvPr id="1" name=""/>
+        <p:cNvGrpSpPr/>
+        <p:nvPr/>
+      </p:nvGrpSpPr>
+      <p:grpSpPr>
+        <a:xfrm>
+          <a:off x="0" y="0"/>
+          <a:ext cx="0" cy="0"/>
+          <a:chOff x="0" y="0"/>
+          <a:chExt cx="0" cy="0"/>
+        </a:xfrm>
+      </p:grpSpPr>
+      <p:sp>
+        <p:nvSpPr>
+          <p:cNvPr id="24578" name="Rectangle 2"/>
+          <p:cNvSpPr>
+            <a:spLocks noGrp="1" noChangeArrowheads="1"/>
+          </p:cNvSpPr>
+          <p:nvPr>
+            <p:ph type="ctrTitle"/>
+          </p:nvPr>
+        </p:nvSpPr>
+        <p:spPr/>
+        <p:txBody>
+          <a:bodyPr/>
+          <a:lstStyle/>
+          <a:p>
+            <a:r>
+              <a:rPr lang="en-US" altLang="zh-TW" smtClean="0"/>
+              <a:t>QUESTIONS</a:t>
+            </a:r>
+            <a:endParaRPr lang="en-US" altLang="zh-TW"/>
+          </a:p>
+        </p:txBody>
+      </p:sp>
+      <p:sp>
+        <p:nvSpPr>
+          <p:cNvPr id="5" name="Subtitle 4"/>
+          <p:cNvSpPr>
+            <a:spLocks noGrp="1"/>
+          </p:cNvSpPr>
+          <p:nvPr>
+            <p:ph type="subTitle" idx="1"/>
+          </p:nvPr>
+        </p:nvSpPr>
+        <p:spPr/>
+        <p:txBody>
+          <a:bodyPr/>
+          <a:lstStyle/>
+          <a:p>
+            <a:endParaRPr lang="en-US"/>
           </a:p>
         </p:txBody>
       </p:sp>
@@ -11380,6 +12740,18 @@
   <p:clrMapOvr>
     <a:masterClrMapping/>
   </p:clrMapOvr>
+  <mc:AlternateContent xmlns:mc="http://schemas.openxmlformats.org/markup-compatibility/2006" xmlns:p14="http://schemas.microsoft.com/office/powerpoint/2010/main">
+    <mc:Choice Requires="p14">
+      <p:transition spd="slow" p14:dur="1500">
+        <p:random/>
+      </p:transition>
+    </mc:Choice>
+    <mc:Fallback xmlns="">
+      <p:transition spd="slow">
+        <p:random/>
+      </p:transition>
+    </mc:Fallback>
+  </mc:AlternateContent>
 </p:sld>
 </file>
 
@@ -11419,7 +12791,7 @@
               <a:rPr lang="en-US" altLang="en-US" smtClean="0"/>
               <a:t>Why do we need object</a:t>
             </a:r>
-            <a:endParaRPr lang="en-US" altLang="en-US"/>
+            <a:endParaRPr lang="en-US" altLang="en-US" dirty="0"/>
           </a:p>
         </p:txBody>
       </p:sp>
@@ -11439,31 +12811,125 @@
           <a:lstStyle/>
           <a:p>
             <a:r>
-              <a:rPr lang="en-US" altLang="zh-TW" dirty="0" smtClean="0"/>
+              <a:rPr lang="en-US" altLang="zh-TW" smtClean="0"/>
               <a:t>We want to reuse functions, also want to reuse variables.</a:t>
             </a:r>
           </a:p>
           <a:p>
             <a:r>
-              <a:rPr lang="en-US" altLang="zh-TW" dirty="0" smtClean="0"/>
+              <a:rPr lang="en-US" altLang="zh-TW" smtClean="0"/>
               <a:t>Everything is stored in “class”</a:t>
             </a:r>
           </a:p>
           <a:p>
             <a:r>
-              <a:rPr lang="en-US" altLang="zh-TW" dirty="0" smtClean="0"/>
+              <a:rPr lang="en-US" altLang="zh-TW" smtClean="0"/>
               <a:t>You do not need to know how it works inside, but you need to know what to input and what is the output</a:t>
             </a:r>
           </a:p>
           <a:p>
             <a:r>
-              <a:rPr lang="en-US" altLang="zh-TW" dirty="0" smtClean="0"/>
+              <a:rPr lang="en-US" altLang="zh-TW" smtClean="0"/>
               <a:t>Free memory</a:t>
             </a:r>
             <a:endParaRPr lang="en-US" altLang="zh-TW" dirty="0"/>
           </a:p>
         </p:txBody>
       </p:sp>
+      <p:pic>
+        <p:nvPicPr>
+          <p:cNvPr id="7170" name="Picture 2"/>
+          <p:cNvPicPr>
+            <a:picLocks noChangeAspect="1" noChangeArrowheads="1"/>
+          </p:cNvPicPr>
+          <p:nvPr/>
+        </p:nvPicPr>
+        <p:blipFill>
+          <a:blip r:embed="rId2">
+            <a:extLst>
+              <a:ext uri="{28A0092B-C50C-407E-A947-70E740481C1C}">
+                <a14:useLocalDpi xmlns:a14="http://schemas.microsoft.com/office/drawing/2010/main" val="0"/>
+              </a:ext>
+            </a:extLst>
+          </a:blip>
+          <a:srcRect/>
+          <a:stretch>
+            <a:fillRect/>
+          </a:stretch>
+        </p:blipFill>
+        <p:spPr bwMode="auto">
+          <a:xfrm>
+            <a:off x="3356422" y="5242840"/>
+            <a:ext cx="3816424" cy="1513953"/>
+          </a:xfrm>
+          <a:prstGeom prst="rect">
+            <a:avLst/>
+          </a:prstGeom>
+          <a:noFill/>
+          <a:ln>
+            <a:noFill/>
+          </a:ln>
+          <a:effectLst/>
+          <a:extLst>
+            <a:ext uri="{909E8E84-426E-40DD-AFC4-6F175D3DCCD1}">
+              <a14:hiddenFill xmlns:a14="http://schemas.microsoft.com/office/drawing/2010/main">
+                <a:solidFill>
+                  <a:schemeClr val="accent1"/>
+                </a:solidFill>
+              </a14:hiddenFill>
+            </a:ext>
+            <a:ext uri="{91240B29-F687-4F45-9708-019B960494DF}">
+              <a14:hiddenLine xmlns:a14="http://schemas.microsoft.com/office/drawing/2010/main" w="9525">
+                <a:solidFill>
+                  <a:schemeClr val="tx1"/>
+                </a:solidFill>
+                <a:miter lim="800000"/>
+                <a:headEnd/>
+                <a:tailEnd/>
+              </a14:hiddenLine>
+            </a:ext>
+            <a:ext uri="{AF507438-7753-43E0-B8FC-AC1667EBCBE1}">
+              <a14:hiddenEffects xmlns:a14="http://schemas.microsoft.com/office/drawing/2010/main">
+                <a:effectLst>
+                  <a:outerShdw dist="35921" dir="2700000" algn="ctr" rotWithShape="0">
+                    <a:schemeClr val="bg2"/>
+                  </a:outerShdw>
+                </a:effectLst>
+              </a14:hiddenEffects>
+            </a:ext>
+          </a:extLst>
+        </p:spPr>
+      </p:pic>
+      <p:pic>
+        <p:nvPicPr>
+          <p:cNvPr id="20" name="圖片 1"/>
+          <p:cNvPicPr>
+            <a:picLocks noChangeAspect="1"/>
+          </p:cNvPicPr>
+          <p:nvPr/>
+        </p:nvPicPr>
+        <p:blipFill>
+          <a:blip r:embed="rId3">
+            <a:extLst>
+              <a:ext uri="{28A0092B-C50C-407E-A947-70E740481C1C}">
+                <a14:useLocalDpi xmlns:a14="http://schemas.microsoft.com/office/drawing/2010/main" val="0"/>
+              </a:ext>
+            </a:extLst>
+          </a:blip>
+          <a:stretch>
+            <a:fillRect/>
+          </a:stretch>
+        </p:blipFill>
+        <p:spPr>
+          <a:xfrm>
+            <a:off x="7265909" y="5242839"/>
+            <a:ext cx="1513954" cy="1513954"/>
+          </a:xfrm>
+          <a:prstGeom prst="rect">
+            <a:avLst/>
+          </a:prstGeom>
+        </p:spPr>
+      </p:pic>
     </p:spTree>
     <p:extLst>
       <p:ext uri="{BB962C8B-B14F-4D97-AF65-F5344CB8AC3E}">
@@ -11476,10 +12942,14 @@
   </p:clrMapOvr>
   <mc:AlternateContent xmlns:mc="http://schemas.openxmlformats.org/markup-compatibility/2006" xmlns:p14="http://schemas.microsoft.com/office/powerpoint/2010/main">
     <mc:Choice Requires="p14">
-      <p:transition spd="slow" p14:dur="2000"/>
+      <p:transition spd="slow" p14:dur="1500">
+        <p:random/>
+      </p:transition>
     </mc:Choice>
     <mc:Fallback xmlns="">
-      <p:transition spd="slow"/>
+      <p:transition spd="slow">
+        <p:random/>
+      </p:transition>
     </mc:Fallback>
   </mc:AlternateContent>
 </p:sld>
@@ -11502,6 +12972,61 @@
           <a:chExt cx="0" cy="0"/>
         </a:xfrm>
       </p:grpSpPr>
+      <p:pic>
+        <p:nvPicPr>
+          <p:cNvPr id="4" name="圖片 2"/>
+          <p:cNvPicPr>
+            <a:picLocks noChangeAspect="1"/>
+          </p:cNvPicPr>
+          <p:nvPr/>
+        </p:nvPicPr>
+        <p:blipFill>
+          <a:blip r:embed="rId2">
+            <a:extLst>
+              <a:ext uri="{28A0092B-C50C-407E-A947-70E740481C1C}">
+                <a14:useLocalDpi xmlns:a14="http://schemas.microsoft.com/office/drawing/2010/main" val="0"/>
+              </a:ext>
+            </a:extLst>
+          </a:blip>
+          <a:stretch>
+            <a:fillRect/>
+          </a:stretch>
+        </p:blipFill>
+        <p:spPr>
+          <a:xfrm>
+            <a:off x="827360" y="2970914"/>
+            <a:ext cx="2310888" cy="1826788"/>
+          </a:xfrm>
+          <a:prstGeom prst="roundRect">
+            <a:avLst>
+              <a:gd name="adj" fmla="val 4380"/>
+            </a:avLst>
+          </a:prstGeom>
+          <a:ln w="38100">
+            <a:gradFill flip="none" rotWithShape="1">
+              <a:gsLst>
+                <a:gs pos="0">
+                  <a:schemeClr val="bg2"/>
+                </a:gs>
+                <a:gs pos="100000">
+                  <a:schemeClr val="bg2">
+                    <a:lumMod val="75000"/>
+                  </a:schemeClr>
+                </a:gs>
+              </a:gsLst>
+              <a:lin ang="5400000" scaled="0"/>
+              <a:tileRect/>
+            </a:gradFill>
+          </a:ln>
+          <a:effectLst>
+            <a:innerShdw blurRad="57150" dist="38100" dir="14460000">
+              <a:srgbClr val="000000">
+                <a:alpha val="70000"/>
+              </a:srgbClr>
+            </a:innerShdw>
+          </a:effectLst>
+        </p:spPr>
+      </p:pic>
       <p:sp>
         <p:nvSpPr>
           <p:cNvPr id="2" name="Title 1"/>
@@ -11512,13 +13037,20 @@
             <p:ph type="title"/>
           </p:nvPr>
         </p:nvSpPr>
-        <p:spPr/>
-        <p:txBody>
-          <a:bodyPr/>
+        <p:spPr>
+          <a:xfrm>
+            <a:off x="1113234" y="685801"/>
+            <a:ext cx="7514035" cy="1185333"/>
+          </a:xfrm>
+        </p:spPr>
+        <p:txBody>
+          <a:bodyPr>
+            <a:normAutofit/>
+          </a:bodyPr>
           <a:lstStyle/>
           <a:p>
             <a:r>
-              <a:rPr lang="en-US" smtClean="0"/>
+              <a:rPr lang="en-US"/>
               <a:t>Concept</a:t>
             </a:r>
             <a:endParaRPr lang="en-US" dirty="0"/>
@@ -11535,40 +13067,68 @@
             <p:ph sz="quarter" idx="1"/>
           </p:nvPr>
         </p:nvSpPr>
-        <p:spPr/>
-        <p:txBody>
-          <a:bodyPr/>
+        <p:spPr>
+          <a:xfrm>
+            <a:off x="3444536" y="1998134"/>
+            <a:ext cx="5185115" cy="3793067"/>
+          </a:xfrm>
+        </p:spPr>
+        <p:txBody>
+          <a:bodyPr>
+            <a:normAutofit/>
+          </a:bodyPr>
           <a:lstStyle/>
           <a:p>
-            <a:r>
-              <a:rPr lang="en-US" altLang="en-US" dirty="0" smtClean="0"/>
+            <a:pPr>
+              <a:lnSpc>
+                <a:spcPct val="90000"/>
+              </a:lnSpc>
+            </a:pPr>
+            <a:r>
+              <a:rPr lang="en-US" altLang="en-US"/>
               <a:t>Class – The blueprints for an object and the actual code that defines the properties and methods</a:t>
             </a:r>
           </a:p>
           <a:p>
-            <a:r>
-              <a:rPr lang="en-US" altLang="en-US" dirty="0" smtClean="0"/>
+            <a:pPr>
+              <a:lnSpc>
+                <a:spcPct val="90000"/>
+              </a:lnSpc>
+            </a:pPr>
+            <a:r>
+              <a:rPr lang="en-US" altLang="en-US"/>
               <a:t>Object – running instances of a class that contain all the internal data and state information needed for your application to function</a:t>
             </a:r>
           </a:p>
           <a:p>
-            <a:r>
-              <a:rPr lang="en-US" altLang="en-US" dirty="0" smtClean="0"/>
+            <a:pPr>
+              <a:lnSpc>
+                <a:spcPct val="90000"/>
+              </a:lnSpc>
+            </a:pPr>
+            <a:r>
+              <a:rPr lang="en-US" altLang="en-US"/>
               <a:t>$object=new Class();</a:t>
             </a:r>
           </a:p>
           <a:p>
-            <a:r>
-              <a:rPr lang="en-US" altLang="en-US" dirty="0" smtClean="0"/>
+            <a:pPr>
+              <a:lnSpc>
+                <a:spcPct val="90000"/>
+              </a:lnSpc>
+            </a:pPr>
+            <a:r>
+              <a:rPr lang="en-US" altLang="en-US"/>
               <a:t>tv01.php</a:t>
             </a:r>
+            <a:endParaRPr lang="en-US" altLang="en-US" dirty="0"/>
           </a:p>
         </p:txBody>
       </p:sp>
     </p:spTree>
     <p:extLst>
       <p:ext uri="{BB962C8B-B14F-4D97-AF65-F5344CB8AC3E}">
-        <p14:creationId xmlns:p14="http://schemas.microsoft.com/office/powerpoint/2010/main" val="1806444258"/>
+        <p14:creationId xmlns:p14="http://schemas.microsoft.com/office/powerpoint/2010/main" val="1347284432"/>
       </p:ext>
     </p:extLst>
   </p:cSld>
@@ -11577,10 +13137,14 @@
   </p:clrMapOvr>
   <mc:AlternateContent xmlns:mc="http://schemas.openxmlformats.org/markup-compatibility/2006" xmlns:p14="http://schemas.microsoft.com/office/powerpoint/2010/main">
     <mc:Choice Requires="p14">
-      <p:transition spd="slow" p14:dur="2000"/>
+      <p:transition spd="slow" p14:dur="1500">
+        <p:random/>
+      </p:transition>
     </mc:Choice>
     <mc:Fallback xmlns="">
-      <p:transition spd="slow"/>
+      <p:transition spd="slow">
+        <p:random/>
+      </p:transition>
     </mc:Fallback>
   </mc:AlternateContent>
 </p:sld>
@@ -11642,47 +13206,16 @@
           <a:lstStyle/>
           <a:p>
             <a:r>
-              <a:rPr lang="en-US" altLang="zh-TW" dirty="0" smtClean="0"/>
-              <a:t>class </a:t>
-            </a:r>
-            <a:r>
-              <a:rPr lang="en-US" altLang="zh-TW" dirty="0" err="1"/>
-              <a:t>C</a:t>
-            </a:r>
-            <a:r>
-              <a:rPr lang="en-US" altLang="zh-TW" dirty="0" err="1" smtClean="0"/>
-              <a:t>lassname</a:t>
-            </a:r>
-            <a:r>
-              <a:rPr lang="en-US" altLang="zh-TW" dirty="0" smtClean="0"/>
-              <a:t>{} – define object</a:t>
-            </a:r>
-          </a:p>
-          <a:p>
-            <a:r>
-              <a:rPr lang="en-US" altLang="zh-TW" dirty="0" smtClean="0"/>
-              <a:t>$</a:t>
-            </a:r>
-            <a:r>
-              <a:rPr lang="en-US" altLang="zh-TW" dirty="0" err="1" smtClean="0"/>
-              <a:t>object_var</a:t>
-            </a:r>
-            <a:r>
-              <a:rPr lang="en-US" altLang="zh-TW" dirty="0" smtClean="0"/>
-              <a:t>=new </a:t>
-            </a:r>
-            <a:r>
-              <a:rPr lang="en-US" altLang="zh-TW" dirty="0" err="1"/>
-              <a:t>C</a:t>
-            </a:r>
-            <a:r>
-              <a:rPr lang="en-US" altLang="zh-TW" dirty="0" err="1" smtClean="0"/>
-              <a:t>lassname</a:t>
-            </a:r>
-            <a:r>
-              <a:rPr lang="en-US" altLang="zh-TW" dirty="0" smtClean="0"/>
-              <a:t>(); - create object</a:t>
-            </a:r>
+              <a:rPr lang="en-US" altLang="zh-TW" smtClean="0"/>
+              <a:t>class Classname{} – define object</a:t>
+            </a:r>
+          </a:p>
+          <a:p>
+            <a:r>
+              <a:rPr lang="en-US" altLang="zh-TW" smtClean="0"/>
+              <a:t>$object_var=new Classname(); - create object</a:t>
+            </a:r>
+            <a:endParaRPr lang="en-US" altLang="zh-TW" dirty="0" smtClean="0"/>
           </a:p>
         </p:txBody>
       </p:sp>
@@ -11698,10 +13231,14 @@
   </p:clrMapOvr>
   <mc:AlternateContent xmlns:mc="http://schemas.openxmlformats.org/markup-compatibility/2006" xmlns:p14="http://schemas.microsoft.com/office/powerpoint/2010/main">
     <mc:Choice Requires="p14">
-      <p:transition spd="slow" p14:dur="2000"/>
+      <p:transition spd="slow" p14:dur="1500">
+        <p:random/>
+      </p:transition>
     </mc:Choice>
     <mc:Fallback xmlns="">
-      <p:transition spd="slow"/>
+      <p:transition spd="slow">
+        <p:random/>
+      </p:transition>
     </mc:Fallback>
   </mc:AlternateContent>
 </p:sld>
@@ -11740,7 +13277,7 @@
           <a:lstStyle/>
           <a:p>
             <a:r>
-              <a:rPr lang="en-US" altLang="en-US" dirty="0" smtClean="0"/>
+              <a:rPr lang="en-US" altLang="en-US" smtClean="0"/>
               <a:t>Method</a:t>
             </a:r>
             <a:endParaRPr lang="en-US" altLang="en-US" dirty="0"/>
@@ -11763,19 +13300,19 @@
           <a:lstStyle/>
           <a:p>
             <a:r>
-              <a:rPr lang="en-US" altLang="zh-TW" dirty="0" smtClean="0"/>
+              <a:rPr lang="en-US" altLang="zh-TW" smtClean="0"/>
               <a:t>Function in an object is called method.</a:t>
             </a:r>
           </a:p>
           <a:p>
             <a:r>
-              <a:rPr lang="en-US" altLang="zh-TW" dirty="0" smtClean="0"/>
+              <a:rPr lang="en-US" altLang="zh-TW" smtClean="0"/>
               <a:t>Methods can be created more than one</a:t>
             </a:r>
           </a:p>
           <a:p>
             <a:r>
-              <a:rPr lang="en-US" altLang="zh-TW" dirty="0" smtClean="0"/>
+              <a:rPr lang="en-US" altLang="zh-TW" smtClean="0"/>
               <a:t>tv02.php</a:t>
             </a:r>
           </a:p>
@@ -11784,6 +13321,70 @@
           </a:p>
         </p:txBody>
       </p:sp>
+      <p:pic>
+        <p:nvPicPr>
+          <p:cNvPr id="18435" name="Picture 3"/>
+          <p:cNvPicPr>
+            <a:picLocks noChangeAspect="1" noChangeArrowheads="1"/>
+          </p:cNvPicPr>
+          <p:nvPr/>
+        </p:nvPicPr>
+        <p:blipFill>
+          <a:blip r:embed="rId2">
+            <a:extLst>
+              <a:ext uri="{28A0092B-C50C-407E-A947-70E740481C1C}">
+                <a14:useLocalDpi xmlns:a14="http://schemas.microsoft.com/office/drawing/2010/main" val="0"/>
+              </a:ext>
+            </a:extLst>
+          </a:blip>
+          <a:srcRect/>
+          <a:stretch>
+            <a:fillRect/>
+          </a:stretch>
+        </p:blipFill>
+        <p:spPr bwMode="auto">
+          <a:xfrm>
+            <a:off x="6516216" y="2564904"/>
+            <a:ext cx="2021352" cy="2939058"/>
+          </a:xfrm>
+          <a:prstGeom prst="rect">
+            <a:avLst/>
+          </a:prstGeom>
+          <a:noFill/>
+          <a:ln>
+            <a:noFill/>
+          </a:ln>
+          <a:effectLst/>
+          <a:extLst>
+            <a:ext uri="{909E8E84-426E-40DD-AFC4-6F175D3DCCD1}">
+              <a14:hiddenFill xmlns:a14="http://schemas.microsoft.com/office/drawing/2010/main">
+                <a:solidFill>
+                  <a:schemeClr val="accent1"/>
+                </a:solidFill>
+              </a14:hiddenFill>
+            </a:ext>
+            <a:ext uri="{91240B29-F687-4F45-9708-019B960494DF}">
+              <a14:hiddenLine xmlns:a14="http://schemas.microsoft.com/office/drawing/2010/main" w="9525">
+                <a:solidFill>
+                  <a:schemeClr val="tx1"/>
+                </a:solidFill>
+                <a:miter lim="800000"/>
+                <a:headEnd/>
+                <a:tailEnd/>
+              </a14:hiddenLine>
+            </a:ext>
+            <a:ext uri="{AF507438-7753-43E0-B8FC-AC1667EBCBE1}">
+              <a14:hiddenEffects xmlns:a14="http://schemas.microsoft.com/office/drawing/2010/main">
+                <a:effectLst>
+                  <a:outerShdw dist="35921" dir="2700000" algn="ctr" rotWithShape="0">
+                    <a:schemeClr val="bg2"/>
+                  </a:outerShdw>
+                </a:effectLst>
+              </a14:hiddenEffects>
+            </a:ext>
+          </a:extLst>
+        </p:spPr>
+      </p:pic>
     </p:spTree>
     <p:extLst>
       <p:ext uri="{BB962C8B-B14F-4D97-AF65-F5344CB8AC3E}">
@@ -11796,10 +13397,14 @@
   </p:clrMapOvr>
   <mc:AlternateContent xmlns:mc="http://schemas.openxmlformats.org/markup-compatibility/2006" xmlns:p14="http://schemas.microsoft.com/office/powerpoint/2010/main">
     <mc:Choice Requires="p14">
-      <p:transition spd="slow" p14:dur="2000"/>
+      <p:transition spd="slow" p14:dur="1500">
+        <p:random/>
+      </p:transition>
     </mc:Choice>
     <mc:Fallback xmlns="">
-      <p:transition spd="slow"/>
+      <p:transition spd="slow">
+        <p:random/>
+      </p:transition>
     </mc:Fallback>
   </mc:AlternateContent>
 </p:sld>
@@ -11838,7 +13443,7 @@
           <a:lstStyle/>
           <a:p>
             <a:r>
-              <a:rPr lang="en-US" altLang="en-US" dirty="0" smtClean="0"/>
+              <a:rPr lang="en-US" altLang="en-US" smtClean="0"/>
               <a:t>Method</a:t>
             </a:r>
             <a:endParaRPr lang="en-US" altLang="en-US" dirty="0"/>
@@ -11861,38 +13466,89 @@
           <a:lstStyle/>
           <a:p>
             <a:r>
-              <a:rPr lang="en-US" altLang="zh-TW" dirty="0" smtClean="0"/>
-              <a:t>Add a new </a:t>
-            </a:r>
-            <a:r>
-              <a:rPr lang="en-US" altLang="zh-TW" dirty="0" err="1" smtClean="0"/>
-              <a:t>turnOff</a:t>
-            </a:r>
-            <a:r>
-              <a:rPr lang="en-US" altLang="zh-TW" dirty="0" smtClean="0"/>
-              <a:t> method in TV class</a:t>
-            </a:r>
-          </a:p>
-          <a:p>
-            <a:r>
-              <a:rPr lang="en-US" altLang="zh-TW" dirty="0" smtClean="0"/>
-              <a:t>Turn off $</a:t>
-            </a:r>
-            <a:r>
-              <a:rPr lang="en-US" altLang="zh-TW" dirty="0" err="1" smtClean="0"/>
-              <a:t>sony</a:t>
-            </a:r>
-            <a:endParaRPr lang="en-US" altLang="zh-TW" dirty="0" smtClean="0"/>
-          </a:p>
-          <a:p>
-            <a:r>
-              <a:rPr lang="en-US" altLang="zh-TW" dirty="0" smtClean="0"/>
+              <a:rPr lang="en-US" altLang="zh-TW" smtClean="0"/>
+              <a:t>Add a new turnOff method in TV class</a:t>
+            </a:r>
+          </a:p>
+          <a:p>
+            <a:r>
+              <a:rPr lang="en-US" altLang="zh-TW" smtClean="0"/>
+              <a:t>Turn off $sony</a:t>
+            </a:r>
+          </a:p>
+          <a:p>
+            <a:r>
+              <a:rPr lang="en-US" altLang="zh-TW" smtClean="0"/>
               <a:t>tv03.php</a:t>
             </a:r>
             <a:endParaRPr lang="en-US" altLang="zh-TW" dirty="0"/>
           </a:p>
         </p:txBody>
       </p:sp>
+      <p:pic>
+        <p:nvPicPr>
+          <p:cNvPr id="5124" name="Picture 4"/>
+          <p:cNvPicPr>
+            <a:picLocks noChangeAspect="1" noChangeArrowheads="1"/>
+          </p:cNvPicPr>
+          <p:nvPr/>
+        </p:nvPicPr>
+        <p:blipFill>
+          <a:blip r:embed="rId2">
+            <a:extLst>
+              <a:ext uri="{28A0092B-C50C-407E-A947-70E740481C1C}">
+                <a14:useLocalDpi xmlns:a14="http://schemas.microsoft.com/office/drawing/2010/main" val="0"/>
+              </a:ext>
+            </a:extLst>
+          </a:blip>
+          <a:srcRect/>
+          <a:stretch>
+            <a:fillRect/>
+          </a:stretch>
+        </p:blipFill>
+        <p:spPr bwMode="auto">
+          <a:xfrm>
+            <a:off x="6732240" y="2204864"/>
+            <a:ext cx="1971675" cy="3810000"/>
+          </a:xfrm>
+          <a:prstGeom prst="rect">
+            <a:avLst/>
+          </a:prstGeom>
+          <a:noFill/>
+          <a:ln>
+            <a:noFill/>
+          </a:ln>
+          <a:effectLst/>
+          <a:extLst>
+            <a:ext uri="{909E8E84-426E-40DD-AFC4-6F175D3DCCD1}">
+              <a14:hiddenFill xmlns:a14="http://schemas.microsoft.com/office/drawing/2010/main">
+                <a:solidFill>
+                  <a:schemeClr val="accent1"/>
+                </a:solidFill>
+              </a14:hiddenFill>
+            </a:ext>
+            <a:ext uri="{91240B29-F687-4F45-9708-019B960494DF}">
+              <a14:hiddenLine xmlns:a14="http://schemas.microsoft.com/office/drawing/2010/main" w="9525">
+                <a:solidFill>
+                  <a:schemeClr val="tx1"/>
+                </a:solidFill>
+                <a:miter lim="800000"/>
+                <a:headEnd/>
+                <a:tailEnd/>
+              </a14:hiddenLine>
+            </a:ext>
+            <a:ext uri="{AF507438-7753-43E0-B8FC-AC1667EBCBE1}">
+              <a14:hiddenEffects xmlns:a14="http://schemas.microsoft.com/office/drawing/2010/main">
+                <a:effectLst>
+                  <a:outerShdw dist="35921" dir="2700000" algn="ctr" rotWithShape="0">
+                    <a:schemeClr val="bg2"/>
+                  </a:outerShdw>
+                </a:effectLst>
+              </a14:hiddenEffects>
+            </a:ext>
+          </a:extLst>
+        </p:spPr>
+      </p:pic>
     </p:spTree>
     <p:extLst>
       <p:ext uri="{BB962C8B-B14F-4D97-AF65-F5344CB8AC3E}">
@@ -11905,10 +13561,14 @@
   </p:clrMapOvr>
   <mc:AlternateContent xmlns:mc="http://schemas.openxmlformats.org/markup-compatibility/2006" xmlns:p14="http://schemas.microsoft.com/office/powerpoint/2010/main">
     <mc:Choice Requires="p14">
-      <p:transition spd="slow" p14:dur="2000"/>
+      <p:transition spd="slow" p14:dur="1500">
+        <p:random/>
+      </p:transition>
     </mc:Choice>
     <mc:Fallback xmlns="">
-      <p:transition spd="slow"/>
+      <p:transition spd="slow">
+        <p:random/>
+      </p:transition>
     </mc:Fallback>
   </mc:AlternateContent>
 </p:sld>
@@ -11947,7 +13607,7 @@
           <a:lstStyle/>
           <a:p>
             <a:r>
-              <a:rPr lang="en-US" altLang="en-US" dirty="0" smtClean="0"/>
+              <a:rPr lang="en-US" altLang="en-US" smtClean="0"/>
               <a:t>Classwork</a:t>
             </a:r>
             <a:endParaRPr lang="en-US" altLang="en-US" dirty="0"/>
@@ -11970,49 +13630,153 @@
           <a:lstStyle/>
           <a:p>
             <a:r>
-              <a:rPr lang="en-US" altLang="zh-TW" dirty="0" smtClean="0"/>
-              <a:t>Add a new </a:t>
-            </a:r>
-            <a:r>
-              <a:rPr lang="en-US" altLang="zh-TW" b="1" dirty="0" err="1" smtClean="0"/>
-              <a:t>volumeUp</a:t>
-            </a:r>
-            <a:r>
-              <a:rPr lang="en-US" altLang="zh-TW" dirty="0" smtClean="0"/>
-              <a:t> and </a:t>
-            </a:r>
-            <a:r>
-              <a:rPr lang="en-US" altLang="zh-TW" b="1" dirty="0" err="1" smtClean="0"/>
-              <a:t>volumeDown</a:t>
-            </a:r>
-            <a:r>
-              <a:rPr lang="en-US" altLang="zh-TW" dirty="0" smtClean="0"/>
-              <a:t> method in TV class</a:t>
-            </a:r>
-          </a:p>
-          <a:p>
-            <a:r>
-              <a:rPr lang="en-US" altLang="zh-TW" dirty="0" smtClean="0"/>
-              <a:t>echo “volume up&lt;</a:t>
-            </a:r>
-            <a:r>
-              <a:rPr lang="en-US" altLang="zh-TW" dirty="0" err="1" smtClean="0"/>
-              <a:t>br</a:t>
-            </a:r>
-            <a:r>
-              <a:rPr lang="en-US" altLang="zh-TW" dirty="0" smtClean="0"/>
-              <a:t>&gt;”;</a:t>
-            </a:r>
-          </a:p>
-          <a:p>
-            <a:r>
-              <a:rPr lang="en-US" altLang="zh-TW" dirty="0" smtClean="0"/>
+              <a:rPr lang="en-US" altLang="zh-TW" smtClean="0"/>
+              <a:t>Add a new volumeUp and volumeDown method in TV class</a:t>
+            </a:r>
+          </a:p>
+          <a:p>
+            <a:r>
+              <a:rPr lang="en-US" altLang="zh-TW" smtClean="0"/>
+              <a:t>echo “volume up&lt;br&gt;”;</a:t>
+            </a:r>
+          </a:p>
+          <a:p>
+            <a:r>
+              <a:rPr lang="en-US" altLang="zh-TW" smtClean="0"/>
               <a:t>tv04.php</a:t>
             </a:r>
             <a:endParaRPr lang="en-US" altLang="zh-TW" dirty="0"/>
           </a:p>
         </p:txBody>
       </p:sp>
+      <p:pic>
+        <p:nvPicPr>
+          <p:cNvPr id="4099" name="Picture 3"/>
+          <p:cNvPicPr>
+            <a:picLocks noChangeAspect="1" noChangeArrowheads="1"/>
+          </p:cNvPicPr>
+          <p:nvPr/>
+        </p:nvPicPr>
+        <p:blipFill>
+          <a:blip r:embed="rId2" cstate="print">
+            <a:extLst>
+              <a:ext uri="{28A0092B-C50C-407E-A947-70E740481C1C}">
+                <a14:useLocalDpi xmlns:a14="http://schemas.microsoft.com/office/drawing/2010/main" val="0"/>
+              </a:ext>
+            </a:extLst>
+          </a:blip>
+          <a:srcRect/>
+          <a:stretch>
+            <a:fillRect/>
+          </a:stretch>
+        </p:blipFill>
+        <p:spPr bwMode="auto">
+          <a:xfrm>
+            <a:off x="2987824" y="2276872"/>
+            <a:ext cx="936104" cy="936104"/>
+          </a:xfrm>
+          <a:prstGeom prst="rect">
+            <a:avLst/>
+          </a:prstGeom>
+          <a:noFill/>
+          <a:ln>
+            <a:noFill/>
+          </a:ln>
+          <a:effectLst/>
+          <a:extLst>
+            <a:ext uri="{909E8E84-426E-40DD-AFC4-6F175D3DCCD1}">
+              <a14:hiddenFill xmlns:a14="http://schemas.microsoft.com/office/drawing/2010/main">
+                <a:solidFill>
+                  <a:schemeClr val="accent1"/>
+                </a:solidFill>
+              </a14:hiddenFill>
+            </a:ext>
+            <a:ext uri="{91240B29-F687-4F45-9708-019B960494DF}">
+              <a14:hiddenLine xmlns:a14="http://schemas.microsoft.com/office/drawing/2010/main" w="9525">
+                <a:solidFill>
+                  <a:schemeClr val="tx1"/>
+                </a:solidFill>
+                <a:miter lim="800000"/>
+                <a:headEnd/>
+                <a:tailEnd/>
+              </a14:hiddenLine>
+            </a:ext>
+            <a:ext uri="{AF507438-7753-43E0-B8FC-AC1667EBCBE1}">
+              <a14:hiddenEffects xmlns:a14="http://schemas.microsoft.com/office/drawing/2010/main">
+                <a:effectLst>
+                  <a:outerShdw dist="35921" dir="2700000" algn="ctr" rotWithShape="0">
+                    <a:schemeClr val="bg2"/>
+                  </a:outerShdw>
+                </a:effectLst>
+              </a14:hiddenEffects>
+            </a:ext>
+          </a:extLst>
+        </p:spPr>
+      </p:pic>
+      <p:pic>
+        <p:nvPicPr>
+          <p:cNvPr id="4100" name="Picture 4"/>
+          <p:cNvPicPr>
+            <a:picLocks noChangeAspect="1" noChangeArrowheads="1"/>
+          </p:cNvPicPr>
+          <p:nvPr/>
+        </p:nvPicPr>
+        <p:blipFill>
+          <a:blip r:embed="rId3">
+            <a:extLst>
+              <a:ext uri="{28A0092B-C50C-407E-A947-70E740481C1C}">
+                <a14:useLocalDpi xmlns:a14="http://schemas.microsoft.com/office/drawing/2010/main" val="0"/>
+              </a:ext>
+            </a:extLst>
+          </a:blip>
+          <a:srcRect/>
+          <a:stretch>
+            <a:fillRect/>
+          </a:stretch>
+        </p:blipFill>
+        <p:spPr bwMode="auto">
+          <a:xfrm>
+            <a:off x="4724610" y="2132856"/>
+            <a:ext cx="1219200" cy="1219200"/>
+          </a:xfrm>
+          <a:prstGeom prst="rect">
+            <a:avLst/>
+          </a:prstGeom>
+          <a:noFill/>
+          <a:ln>
+            <a:noFill/>
+          </a:ln>
+          <a:effectLst/>
+          <a:extLst>
+            <a:ext uri="{909E8E84-426E-40DD-AFC4-6F175D3DCCD1}">
+              <a14:hiddenFill xmlns:a14="http://schemas.microsoft.com/office/drawing/2010/main">
+                <a:solidFill>
+                  <a:schemeClr val="accent1"/>
+                </a:solidFill>
+              </a14:hiddenFill>
+            </a:ext>
+            <a:ext uri="{91240B29-F687-4F45-9708-019B960494DF}">
+              <a14:hiddenLine xmlns:a14="http://schemas.microsoft.com/office/drawing/2010/main" w="9525">
+                <a:solidFill>
+                  <a:schemeClr val="tx1"/>
+                </a:solidFill>
+                <a:miter lim="800000"/>
+                <a:headEnd/>
+                <a:tailEnd/>
+              </a14:hiddenLine>
+            </a:ext>
+            <a:ext uri="{AF507438-7753-43E0-B8FC-AC1667EBCBE1}">
+              <a14:hiddenEffects xmlns:a14="http://schemas.microsoft.com/office/drawing/2010/main">
+                <a:effectLst>
+                  <a:outerShdw dist="35921" dir="2700000" algn="ctr" rotWithShape="0">
+                    <a:schemeClr val="bg2"/>
+                  </a:outerShdw>
+                </a:effectLst>
+              </a14:hiddenEffects>
+            </a:ext>
+          </a:extLst>
+        </p:spPr>
+      </p:pic>
     </p:spTree>
     <p:extLst>
       <p:ext uri="{BB962C8B-B14F-4D97-AF65-F5344CB8AC3E}">
@@ -12025,10 +13789,14 @@
   </p:clrMapOvr>
   <mc:AlternateContent xmlns:mc="http://schemas.openxmlformats.org/markup-compatibility/2006" xmlns:p14="http://schemas.microsoft.com/office/powerpoint/2010/main">
     <mc:Choice Requires="p14">
-      <p:transition spd="slow" p14:dur="2000"/>
+      <p:transition spd="slow" p14:dur="1500">
+        <p:random/>
+      </p:transition>
     </mc:Choice>
     <mc:Fallback xmlns="">
-      <p:transition spd="slow"/>
+      <p:transition spd="slow">
+        <p:random/>
+      </p:transition>
     </mc:Fallback>
   </mc:AlternateContent>
 </p:sld>
